--- a/KV6002_21 TOR Presentation.pptx
+++ b/KV6002_21 TOR Presentation.pptx
@@ -10,12 +10,17 @@
     <p:sldId id="258" r:id="rId4"/>
     <p:sldId id="259" r:id="rId5"/>
     <p:sldId id="260" r:id="rId6"/>
-    <p:sldId id="261" r:id="rId7"/>
-    <p:sldId id="262" r:id="rId8"/>
-    <p:sldId id="263" r:id="rId9"/>
-    <p:sldId id="264" r:id="rId10"/>
-    <p:sldId id="265" r:id="rId11"/>
-    <p:sldId id="266" r:id="rId12"/>
+    <p:sldId id="267" r:id="rId7"/>
+    <p:sldId id="268" r:id="rId8"/>
+    <p:sldId id="269" r:id="rId9"/>
+    <p:sldId id="270" r:id="rId10"/>
+    <p:sldId id="271" r:id="rId11"/>
+    <p:sldId id="261" r:id="rId12"/>
+    <p:sldId id="262" r:id="rId13"/>
+    <p:sldId id="263" r:id="rId14"/>
+    <p:sldId id="264" r:id="rId15"/>
+    <p:sldId id="265" r:id="rId16"/>
+    <p:sldId id="266" r:id="rId17"/>
   </p:sldIdLst>
   <p:sldSz cx="12192000" cy="6858000"/>
   <p:notesSz cx="6858000" cy="9144000"/>
@@ -3901,6 +3906,489 @@
           <p:cNvPr id="2" name="Title 1">
             <a:extLst>
               <a:ext uri="{FF2B5EF4-FFF2-40B4-BE49-F238E27FC236}">
+                <a16:creationId xmlns:a16="http://schemas.microsoft.com/office/drawing/2014/main" id="{DEFB12AD-6668-A8B2-BDDE-F56002694200}"/>
+              </a:ext>
+            </a:extLst>
+          </p:cNvPr>
+          <p:cNvSpPr>
+            <a:spLocks noGrp="1"/>
+          </p:cNvSpPr>
+          <p:nvPr>
+            <p:ph type="title"/>
+          </p:nvPr>
+        </p:nvSpPr>
+        <p:spPr/>
+        <p:txBody>
+          <a:bodyPr/>
+          <a:lstStyle/>
+          <a:p>
+            <a:r>
+              <a:rPr lang="en-GB"/>
+              <a:t>Persona #5</a:t>
+            </a:r>
+            <a:endParaRPr lang="en-GB" dirty="0"/>
+          </a:p>
+        </p:txBody>
+      </p:sp>
+      <p:sp>
+        <p:nvSpPr>
+          <p:cNvPr id="3" name="Content Placeholder 2">
+            <a:extLst>
+              <a:ext uri="{FF2B5EF4-FFF2-40B4-BE49-F238E27FC236}">
+                <a16:creationId xmlns:a16="http://schemas.microsoft.com/office/drawing/2014/main" id="{86846D95-DAF7-AFBA-735D-B60763EA54FC}"/>
+              </a:ext>
+            </a:extLst>
+          </p:cNvPr>
+          <p:cNvSpPr>
+            <a:spLocks noGrp="1"/>
+          </p:cNvSpPr>
+          <p:nvPr>
+            <p:ph idx="1"/>
+          </p:nvPr>
+        </p:nvSpPr>
+        <p:spPr/>
+        <p:txBody>
+          <a:bodyPr/>
+          <a:lstStyle/>
+          <a:p>
+            <a:r>
+              <a:rPr lang="en-GB" dirty="0"/>
+              <a:t>Intended users – 1 persona per group member</a:t>
+            </a:r>
+          </a:p>
+        </p:txBody>
+      </p:sp>
+    </p:spTree>
+    <p:extLst>
+      <p:ext uri="{BB962C8B-B14F-4D97-AF65-F5344CB8AC3E}">
+        <p14:creationId xmlns:p14="http://schemas.microsoft.com/office/powerpoint/2010/main" val="2731675621"/>
+      </p:ext>
+    </p:extLst>
+  </p:cSld>
+  <p:clrMapOvr>
+    <a:masterClrMapping/>
+  </p:clrMapOvr>
+</p:sld>
+</file>
+
+<file path=ppt/slides/slide11.xml><?xml version="1.0" encoding="utf-8"?>
+<p:sld xmlns:a="http://schemas.openxmlformats.org/drawingml/2006/main" xmlns:r="http://schemas.openxmlformats.org/officeDocument/2006/relationships" xmlns:p="http://schemas.openxmlformats.org/presentationml/2006/main">
+  <p:cSld>
+    <p:spTree>
+      <p:nvGrpSpPr>
+        <p:cNvPr id="1" name=""/>
+        <p:cNvGrpSpPr/>
+        <p:nvPr/>
+      </p:nvGrpSpPr>
+      <p:grpSpPr>
+        <a:xfrm>
+          <a:off x="0" y="0"/>
+          <a:ext cx="0" cy="0"/>
+          <a:chOff x="0" y="0"/>
+          <a:chExt cx="0" cy="0"/>
+        </a:xfrm>
+      </p:grpSpPr>
+      <p:sp>
+        <p:nvSpPr>
+          <p:cNvPr id="2" name="Title 1">
+            <a:extLst>
+              <a:ext uri="{FF2B5EF4-FFF2-40B4-BE49-F238E27FC236}">
+                <a16:creationId xmlns:a16="http://schemas.microsoft.com/office/drawing/2014/main" id="{C88677CB-EC6F-09C1-8CA3-72D02A99125F}"/>
+              </a:ext>
+            </a:extLst>
+          </p:cNvPr>
+          <p:cNvSpPr>
+            <a:spLocks noGrp="1"/>
+          </p:cNvSpPr>
+          <p:nvPr>
+            <p:ph type="title"/>
+          </p:nvPr>
+        </p:nvSpPr>
+        <p:spPr/>
+        <p:txBody>
+          <a:bodyPr/>
+          <a:lstStyle/>
+          <a:p>
+            <a:r>
+              <a:rPr lang="en-GB" dirty="0"/>
+              <a:t>Slide 5</a:t>
+            </a:r>
+          </a:p>
+        </p:txBody>
+      </p:sp>
+      <p:sp>
+        <p:nvSpPr>
+          <p:cNvPr id="3" name="Content Placeholder 2">
+            <a:extLst>
+              <a:ext uri="{FF2B5EF4-FFF2-40B4-BE49-F238E27FC236}">
+                <a16:creationId xmlns:a16="http://schemas.microsoft.com/office/drawing/2014/main" id="{7E32F628-A2AE-58B5-BC17-5414764783DC}"/>
+              </a:ext>
+            </a:extLst>
+          </p:cNvPr>
+          <p:cNvSpPr>
+            <a:spLocks noGrp="1"/>
+          </p:cNvSpPr>
+          <p:nvPr>
+            <p:ph idx="1"/>
+          </p:nvPr>
+        </p:nvSpPr>
+        <p:spPr/>
+        <p:txBody>
+          <a:bodyPr/>
+          <a:lstStyle/>
+          <a:p>
+            <a:r>
+              <a:rPr lang="en-GB" dirty="0"/>
+              <a:t>- Clear outline of the subsystem we are working on.</a:t>
+            </a:r>
+          </a:p>
+          <a:p>
+            <a:r>
+              <a:rPr lang="en-GB" dirty="0"/>
+              <a:t>- 5 User stories (should be connected to each persona).</a:t>
+            </a:r>
+          </a:p>
+          <a:p>
+            <a:pPr lvl="1"/>
+            <a:r>
+              <a:rPr lang="en-GB" dirty="0"/>
+              <a:t>As a &lt;</a:t>
+            </a:r>
+            <a:r>
+              <a:rPr lang="en-GB" dirty="0">
+                <a:solidFill>
+                  <a:schemeClr val="bg1">
+                    <a:lumMod val="50000"/>
+                  </a:schemeClr>
+                </a:solidFill>
+              </a:rPr>
+              <a:t>role</a:t>
+            </a:r>
+            <a:r>
+              <a:rPr lang="en-GB" dirty="0"/>
+              <a:t>&gt; I want &lt;</a:t>
+            </a:r>
+            <a:r>
+              <a:rPr lang="en-GB" dirty="0">
+                <a:solidFill>
+                  <a:schemeClr val="bg1">
+                    <a:lumMod val="50000"/>
+                  </a:schemeClr>
+                </a:solidFill>
+              </a:rPr>
+              <a:t>something</a:t>
+            </a:r>
+            <a:r>
+              <a:rPr lang="en-GB" dirty="0"/>
+              <a:t>&gt; so that &lt;</a:t>
+            </a:r>
+            <a:r>
+              <a:rPr lang="en-GB" dirty="0">
+                <a:solidFill>
+                  <a:schemeClr val="bg1">
+                    <a:lumMod val="50000"/>
+                  </a:schemeClr>
+                </a:solidFill>
+              </a:rPr>
+              <a:t>benefit</a:t>
+            </a:r>
+            <a:r>
+              <a:rPr lang="en-GB" dirty="0"/>
+              <a:t>&gt;.</a:t>
+            </a:r>
+          </a:p>
+          <a:p>
+            <a:r>
+              <a:rPr lang="en-GB" dirty="0"/>
+              <a:t>- A clear outline of the tasks we intend to complete and the deliverables.</a:t>
+            </a:r>
+          </a:p>
+        </p:txBody>
+      </p:sp>
+    </p:spTree>
+    <p:extLst>
+      <p:ext uri="{BB962C8B-B14F-4D97-AF65-F5344CB8AC3E}">
+        <p14:creationId xmlns:p14="http://schemas.microsoft.com/office/powerpoint/2010/main" val="3323097337"/>
+      </p:ext>
+    </p:extLst>
+  </p:cSld>
+  <p:clrMapOvr>
+    <a:masterClrMapping/>
+  </p:clrMapOvr>
+</p:sld>
+</file>
+
+<file path=ppt/slides/slide12.xml><?xml version="1.0" encoding="utf-8"?>
+<p:sld xmlns:a="http://schemas.openxmlformats.org/drawingml/2006/main" xmlns:r="http://schemas.openxmlformats.org/officeDocument/2006/relationships" xmlns:p="http://schemas.openxmlformats.org/presentationml/2006/main">
+  <p:cSld>
+    <p:spTree>
+      <p:nvGrpSpPr>
+        <p:cNvPr id="1" name=""/>
+        <p:cNvGrpSpPr/>
+        <p:nvPr/>
+      </p:nvGrpSpPr>
+      <p:grpSpPr>
+        <a:xfrm>
+          <a:off x="0" y="0"/>
+          <a:ext cx="0" cy="0"/>
+          <a:chOff x="0" y="0"/>
+          <a:chExt cx="0" cy="0"/>
+        </a:xfrm>
+      </p:grpSpPr>
+      <p:sp>
+        <p:nvSpPr>
+          <p:cNvPr id="2" name="Title 1">
+            <a:extLst>
+              <a:ext uri="{FF2B5EF4-FFF2-40B4-BE49-F238E27FC236}">
+                <a16:creationId xmlns:a16="http://schemas.microsoft.com/office/drawing/2014/main" id="{CC72A5A0-DD75-ACDD-BC98-0AF4FE7F9D93}"/>
+              </a:ext>
+            </a:extLst>
+          </p:cNvPr>
+          <p:cNvSpPr>
+            <a:spLocks noGrp="1"/>
+          </p:cNvSpPr>
+          <p:nvPr>
+            <p:ph type="title"/>
+          </p:nvPr>
+        </p:nvSpPr>
+        <p:spPr/>
+        <p:txBody>
+          <a:bodyPr/>
+          <a:lstStyle/>
+          <a:p>
+            <a:r>
+              <a:rPr lang="en-GB" dirty="0"/>
+              <a:t>User Story 1</a:t>
+            </a:r>
+          </a:p>
+        </p:txBody>
+      </p:sp>
+      <p:sp>
+        <p:nvSpPr>
+          <p:cNvPr id="3" name="Content Placeholder 2">
+            <a:extLst>
+              <a:ext uri="{FF2B5EF4-FFF2-40B4-BE49-F238E27FC236}">
+                <a16:creationId xmlns:a16="http://schemas.microsoft.com/office/drawing/2014/main" id="{336C59C3-D43A-6F60-4735-4385DA71459D}"/>
+              </a:ext>
+            </a:extLst>
+          </p:cNvPr>
+          <p:cNvSpPr>
+            <a:spLocks noGrp="1"/>
+          </p:cNvSpPr>
+          <p:nvPr>
+            <p:ph idx="1"/>
+          </p:nvPr>
+        </p:nvSpPr>
+        <p:spPr/>
+        <p:txBody>
+          <a:bodyPr/>
+          <a:lstStyle/>
+          <a:p>
+            <a:endParaRPr lang="en-GB"/>
+          </a:p>
+        </p:txBody>
+      </p:sp>
+    </p:spTree>
+    <p:extLst>
+      <p:ext uri="{BB962C8B-B14F-4D97-AF65-F5344CB8AC3E}">
+        <p14:creationId xmlns:p14="http://schemas.microsoft.com/office/powerpoint/2010/main" val="3367977949"/>
+      </p:ext>
+    </p:extLst>
+  </p:cSld>
+  <p:clrMapOvr>
+    <a:masterClrMapping/>
+  </p:clrMapOvr>
+</p:sld>
+</file>
+
+<file path=ppt/slides/slide13.xml><?xml version="1.0" encoding="utf-8"?>
+<p:sld xmlns:a="http://schemas.openxmlformats.org/drawingml/2006/main" xmlns:r="http://schemas.openxmlformats.org/officeDocument/2006/relationships" xmlns:p="http://schemas.openxmlformats.org/presentationml/2006/main">
+  <p:cSld>
+    <p:spTree>
+      <p:nvGrpSpPr>
+        <p:cNvPr id="1" name=""/>
+        <p:cNvGrpSpPr/>
+        <p:nvPr/>
+      </p:nvGrpSpPr>
+      <p:grpSpPr>
+        <a:xfrm>
+          <a:off x="0" y="0"/>
+          <a:ext cx="0" cy="0"/>
+          <a:chOff x="0" y="0"/>
+          <a:chExt cx="0" cy="0"/>
+        </a:xfrm>
+      </p:grpSpPr>
+      <p:sp>
+        <p:nvSpPr>
+          <p:cNvPr id="2" name="Title 1">
+            <a:extLst>
+              <a:ext uri="{FF2B5EF4-FFF2-40B4-BE49-F238E27FC236}">
+                <a16:creationId xmlns:a16="http://schemas.microsoft.com/office/drawing/2014/main" id="{CC72A5A0-DD75-ACDD-BC98-0AF4FE7F9D93}"/>
+              </a:ext>
+            </a:extLst>
+          </p:cNvPr>
+          <p:cNvSpPr>
+            <a:spLocks noGrp="1"/>
+          </p:cNvSpPr>
+          <p:nvPr>
+            <p:ph type="title"/>
+          </p:nvPr>
+        </p:nvSpPr>
+        <p:spPr/>
+        <p:txBody>
+          <a:bodyPr/>
+          <a:lstStyle/>
+          <a:p>
+            <a:r>
+              <a:rPr lang="en-GB" dirty="0"/>
+              <a:t>User Story 2</a:t>
+            </a:r>
+          </a:p>
+        </p:txBody>
+      </p:sp>
+      <p:sp>
+        <p:nvSpPr>
+          <p:cNvPr id="3" name="Content Placeholder 2">
+            <a:extLst>
+              <a:ext uri="{FF2B5EF4-FFF2-40B4-BE49-F238E27FC236}">
+                <a16:creationId xmlns:a16="http://schemas.microsoft.com/office/drawing/2014/main" id="{336C59C3-D43A-6F60-4735-4385DA71459D}"/>
+              </a:ext>
+            </a:extLst>
+          </p:cNvPr>
+          <p:cNvSpPr>
+            <a:spLocks noGrp="1"/>
+          </p:cNvSpPr>
+          <p:nvPr>
+            <p:ph idx="1"/>
+          </p:nvPr>
+        </p:nvSpPr>
+        <p:spPr/>
+        <p:txBody>
+          <a:bodyPr/>
+          <a:lstStyle/>
+          <a:p>
+            <a:endParaRPr lang="en-GB"/>
+          </a:p>
+        </p:txBody>
+      </p:sp>
+    </p:spTree>
+    <p:extLst>
+      <p:ext uri="{BB962C8B-B14F-4D97-AF65-F5344CB8AC3E}">
+        <p14:creationId xmlns:p14="http://schemas.microsoft.com/office/powerpoint/2010/main" val="4088695172"/>
+      </p:ext>
+    </p:extLst>
+  </p:cSld>
+  <p:clrMapOvr>
+    <a:masterClrMapping/>
+  </p:clrMapOvr>
+</p:sld>
+</file>
+
+<file path=ppt/slides/slide14.xml><?xml version="1.0" encoding="utf-8"?>
+<p:sld xmlns:a="http://schemas.openxmlformats.org/drawingml/2006/main" xmlns:r="http://schemas.openxmlformats.org/officeDocument/2006/relationships" xmlns:p="http://schemas.openxmlformats.org/presentationml/2006/main">
+  <p:cSld>
+    <p:spTree>
+      <p:nvGrpSpPr>
+        <p:cNvPr id="1" name=""/>
+        <p:cNvGrpSpPr/>
+        <p:nvPr/>
+      </p:nvGrpSpPr>
+      <p:grpSpPr>
+        <a:xfrm>
+          <a:off x="0" y="0"/>
+          <a:ext cx="0" cy="0"/>
+          <a:chOff x="0" y="0"/>
+          <a:chExt cx="0" cy="0"/>
+        </a:xfrm>
+      </p:grpSpPr>
+      <p:sp>
+        <p:nvSpPr>
+          <p:cNvPr id="2" name="Title 1">
+            <a:extLst>
+              <a:ext uri="{FF2B5EF4-FFF2-40B4-BE49-F238E27FC236}">
+                <a16:creationId xmlns:a16="http://schemas.microsoft.com/office/drawing/2014/main" id="{CC72A5A0-DD75-ACDD-BC98-0AF4FE7F9D93}"/>
+              </a:ext>
+            </a:extLst>
+          </p:cNvPr>
+          <p:cNvSpPr>
+            <a:spLocks noGrp="1"/>
+          </p:cNvSpPr>
+          <p:nvPr>
+            <p:ph type="title"/>
+          </p:nvPr>
+        </p:nvSpPr>
+        <p:spPr/>
+        <p:txBody>
+          <a:bodyPr/>
+          <a:lstStyle/>
+          <a:p>
+            <a:r>
+              <a:rPr lang="en-GB" dirty="0"/>
+              <a:t>User Story 3</a:t>
+            </a:r>
+          </a:p>
+        </p:txBody>
+      </p:sp>
+      <p:sp>
+        <p:nvSpPr>
+          <p:cNvPr id="3" name="Content Placeholder 2">
+            <a:extLst>
+              <a:ext uri="{FF2B5EF4-FFF2-40B4-BE49-F238E27FC236}">
+                <a16:creationId xmlns:a16="http://schemas.microsoft.com/office/drawing/2014/main" id="{336C59C3-D43A-6F60-4735-4385DA71459D}"/>
+              </a:ext>
+            </a:extLst>
+          </p:cNvPr>
+          <p:cNvSpPr>
+            <a:spLocks noGrp="1"/>
+          </p:cNvSpPr>
+          <p:nvPr>
+            <p:ph idx="1"/>
+          </p:nvPr>
+        </p:nvSpPr>
+        <p:spPr/>
+        <p:txBody>
+          <a:bodyPr/>
+          <a:lstStyle/>
+          <a:p>
+            <a:endParaRPr lang="en-GB"/>
+          </a:p>
+        </p:txBody>
+      </p:sp>
+    </p:spTree>
+    <p:extLst>
+      <p:ext uri="{BB962C8B-B14F-4D97-AF65-F5344CB8AC3E}">
+        <p14:creationId xmlns:p14="http://schemas.microsoft.com/office/powerpoint/2010/main" val="1862355822"/>
+      </p:ext>
+    </p:extLst>
+  </p:cSld>
+  <p:clrMapOvr>
+    <a:masterClrMapping/>
+  </p:clrMapOvr>
+</p:sld>
+</file>
+
+<file path=ppt/slides/slide15.xml><?xml version="1.0" encoding="utf-8"?>
+<p:sld xmlns:a="http://schemas.openxmlformats.org/drawingml/2006/main" xmlns:r="http://schemas.openxmlformats.org/officeDocument/2006/relationships" xmlns:p="http://schemas.openxmlformats.org/presentationml/2006/main">
+  <p:cSld>
+    <p:spTree>
+      <p:nvGrpSpPr>
+        <p:cNvPr id="1" name=""/>
+        <p:cNvGrpSpPr/>
+        <p:nvPr/>
+      </p:nvGrpSpPr>
+      <p:grpSpPr>
+        <a:xfrm>
+          <a:off x="0" y="0"/>
+          <a:ext cx="0" cy="0"/>
+          <a:chOff x="0" y="0"/>
+          <a:chExt cx="0" cy="0"/>
+        </a:xfrm>
+      </p:grpSpPr>
+      <p:sp>
+        <p:nvSpPr>
+          <p:cNvPr id="2" name="Title 1">
+            <a:extLst>
+              <a:ext uri="{FF2B5EF4-FFF2-40B4-BE49-F238E27FC236}">
                 <a16:creationId xmlns:a16="http://schemas.microsoft.com/office/drawing/2014/main" id="{CC72A5A0-DD75-ACDD-BC98-0AF4FE7F9D93}"/>
               </a:ext>
             </a:extLst>
@@ -3962,7 +4450,7 @@
 </p:sld>
 </file>
 
-<file path=ppt/slides/slide11.xml><?xml version="1.0" encoding="utf-8"?>
+<file path=ppt/slides/slide16.xml><?xml version="1.0" encoding="utf-8"?>
 <p:sld xmlns:a="http://schemas.openxmlformats.org/drawingml/2006/main" xmlns:r="http://schemas.openxmlformats.org/officeDocument/2006/relationships" xmlns:p="http://schemas.openxmlformats.org/presentationml/2006/main">
   <p:cSld>
     <p:spTree>
@@ -4573,7 +5061,7 @@
           <p:cNvPr id="2" name="Title 1">
             <a:extLst>
               <a:ext uri="{FF2B5EF4-FFF2-40B4-BE49-F238E27FC236}">
-                <a16:creationId xmlns:a16="http://schemas.microsoft.com/office/drawing/2014/main" id="{C88677CB-EC6F-09C1-8CA3-72D02A99125F}"/>
+                <a16:creationId xmlns:a16="http://schemas.microsoft.com/office/drawing/2014/main" id="{DEFB12AD-6668-A8B2-BDDE-F56002694200}"/>
               </a:ext>
             </a:extLst>
           </p:cNvPr>
@@ -4591,7 +5079,7 @@
           <a:p>
             <a:r>
               <a:rPr lang="en-GB" dirty="0"/>
-              <a:t>Slide 5</a:t>
+              <a:t>Persona #1</a:t>
             </a:r>
           </a:p>
         </p:txBody>
@@ -4601,7 +5089,7 @@
           <p:cNvPr id="3" name="Content Placeholder 2">
             <a:extLst>
               <a:ext uri="{FF2B5EF4-FFF2-40B4-BE49-F238E27FC236}">
-                <a16:creationId xmlns:a16="http://schemas.microsoft.com/office/drawing/2014/main" id="{7E32F628-A2AE-58B5-BC17-5414764783DC}"/>
+                <a16:creationId xmlns:a16="http://schemas.microsoft.com/office/drawing/2014/main" id="{86846D95-DAF7-AFBA-735D-B60763EA54FC}"/>
               </a:ext>
             </a:extLst>
           </p:cNvPr>
@@ -4619,68 +5107,7 @@
           <a:p>
             <a:r>
               <a:rPr lang="en-GB" dirty="0"/>
-              <a:t>- Clear outline of the subsystem we are working on.</a:t>
-            </a:r>
-          </a:p>
-          <a:p>
-            <a:r>
-              <a:rPr lang="en-GB" dirty="0"/>
-              <a:t>- 5 User stories (should be connected to each persona).</a:t>
-            </a:r>
-          </a:p>
-          <a:p>
-            <a:pPr lvl="1"/>
-            <a:r>
-              <a:rPr lang="en-GB" dirty="0"/>
-              <a:t>As a &lt;</a:t>
-            </a:r>
-            <a:r>
-              <a:rPr lang="en-GB" dirty="0">
-                <a:solidFill>
-                  <a:schemeClr val="bg1">
-                    <a:lumMod val="50000"/>
-                  </a:schemeClr>
-                </a:solidFill>
-              </a:rPr>
-              <a:t>role</a:t>
-            </a:r>
-            <a:r>
-              <a:rPr lang="en-GB" dirty="0"/>
-              <a:t>&gt; I want &lt;</a:t>
-            </a:r>
-            <a:r>
-              <a:rPr lang="en-GB" dirty="0">
-                <a:solidFill>
-                  <a:schemeClr val="bg1">
-                    <a:lumMod val="50000"/>
-                  </a:schemeClr>
-                </a:solidFill>
-              </a:rPr>
-              <a:t>something</a:t>
-            </a:r>
-            <a:r>
-              <a:rPr lang="en-GB" dirty="0"/>
-              <a:t>&gt; so that &lt;</a:t>
-            </a:r>
-            <a:r>
-              <a:rPr lang="en-GB" dirty="0">
-                <a:solidFill>
-                  <a:schemeClr val="bg1">
-                    <a:lumMod val="50000"/>
-                  </a:schemeClr>
-                </a:solidFill>
-              </a:rPr>
-              <a:t>benefit</a:t>
-            </a:r>
-            <a:r>
-              <a:rPr lang="en-GB" dirty="0"/>
-              <a:t>&gt;.</a:t>
-            </a:r>
-          </a:p>
-          <a:p>
-            <a:r>
-              <a:rPr lang="en-GB" dirty="0"/>
-              <a:t>- A clear outline of the tasks we intend to complete and the deliverables.</a:t>
+              <a:t>Intended users – 1 persona per group member</a:t>
             </a:r>
           </a:p>
         </p:txBody>
@@ -4688,7 +5115,7 @@
     </p:spTree>
     <p:extLst>
       <p:ext uri="{BB962C8B-B14F-4D97-AF65-F5344CB8AC3E}">
-        <p14:creationId xmlns:p14="http://schemas.microsoft.com/office/powerpoint/2010/main" val="3323097337"/>
+        <p14:creationId xmlns:p14="http://schemas.microsoft.com/office/powerpoint/2010/main" val="1034637277"/>
       </p:ext>
     </p:extLst>
   </p:cSld>
@@ -4720,7 +5147,7 @@
           <p:cNvPr id="2" name="Title 1">
             <a:extLst>
               <a:ext uri="{FF2B5EF4-FFF2-40B4-BE49-F238E27FC236}">
-                <a16:creationId xmlns:a16="http://schemas.microsoft.com/office/drawing/2014/main" id="{CC72A5A0-DD75-ACDD-BC98-0AF4FE7F9D93}"/>
+                <a16:creationId xmlns:a16="http://schemas.microsoft.com/office/drawing/2014/main" id="{DEFB12AD-6668-A8B2-BDDE-F56002694200}"/>
               </a:ext>
             </a:extLst>
           </p:cNvPr>
@@ -4738,7 +5165,7 @@
           <a:p>
             <a:r>
               <a:rPr lang="en-GB" dirty="0"/>
-              <a:t>User Story 1</a:t>
+              <a:t>Persona #2</a:t>
             </a:r>
           </a:p>
         </p:txBody>
@@ -4748,7 +5175,7 @@
           <p:cNvPr id="3" name="Content Placeholder 2">
             <a:extLst>
               <a:ext uri="{FF2B5EF4-FFF2-40B4-BE49-F238E27FC236}">
-                <a16:creationId xmlns:a16="http://schemas.microsoft.com/office/drawing/2014/main" id="{336C59C3-D43A-6F60-4735-4385DA71459D}"/>
+                <a16:creationId xmlns:a16="http://schemas.microsoft.com/office/drawing/2014/main" id="{86846D95-DAF7-AFBA-735D-B60763EA54FC}"/>
               </a:ext>
             </a:extLst>
           </p:cNvPr>
@@ -4764,14 +5191,17 @@
           <a:bodyPr/>
           <a:lstStyle/>
           <a:p>
-            <a:endParaRPr lang="en-GB"/>
+            <a:r>
+              <a:rPr lang="en-GB" dirty="0"/>
+              <a:t>Intended users – 1 persona per group member</a:t>
+            </a:r>
           </a:p>
         </p:txBody>
       </p:sp>
     </p:spTree>
     <p:extLst>
       <p:ext uri="{BB962C8B-B14F-4D97-AF65-F5344CB8AC3E}">
-        <p14:creationId xmlns:p14="http://schemas.microsoft.com/office/powerpoint/2010/main" val="3367977949"/>
+        <p14:creationId xmlns:p14="http://schemas.microsoft.com/office/powerpoint/2010/main" val="3800264665"/>
       </p:ext>
     </p:extLst>
   </p:cSld>
@@ -4803,7 +5233,7 @@
           <p:cNvPr id="2" name="Title 1">
             <a:extLst>
               <a:ext uri="{FF2B5EF4-FFF2-40B4-BE49-F238E27FC236}">
-                <a16:creationId xmlns:a16="http://schemas.microsoft.com/office/drawing/2014/main" id="{CC72A5A0-DD75-ACDD-BC98-0AF4FE7F9D93}"/>
+                <a16:creationId xmlns:a16="http://schemas.microsoft.com/office/drawing/2014/main" id="{DEFB12AD-6668-A8B2-BDDE-F56002694200}"/>
               </a:ext>
             </a:extLst>
           </p:cNvPr>
@@ -4821,7 +5251,7 @@
           <a:p>
             <a:r>
               <a:rPr lang="en-GB" dirty="0"/>
-              <a:t>User Story 2</a:t>
+              <a:t>Persona #3</a:t>
             </a:r>
           </a:p>
         </p:txBody>
@@ -4831,7 +5261,7 @@
           <p:cNvPr id="3" name="Content Placeholder 2">
             <a:extLst>
               <a:ext uri="{FF2B5EF4-FFF2-40B4-BE49-F238E27FC236}">
-                <a16:creationId xmlns:a16="http://schemas.microsoft.com/office/drawing/2014/main" id="{336C59C3-D43A-6F60-4735-4385DA71459D}"/>
+                <a16:creationId xmlns:a16="http://schemas.microsoft.com/office/drawing/2014/main" id="{86846D95-DAF7-AFBA-735D-B60763EA54FC}"/>
               </a:ext>
             </a:extLst>
           </p:cNvPr>
@@ -4847,14 +5277,17 @@
           <a:bodyPr/>
           <a:lstStyle/>
           <a:p>
-            <a:endParaRPr lang="en-GB"/>
+            <a:r>
+              <a:rPr lang="en-GB" dirty="0"/>
+              <a:t>Intended users – 1 persona per group member</a:t>
+            </a:r>
           </a:p>
         </p:txBody>
       </p:sp>
     </p:spTree>
     <p:extLst>
       <p:ext uri="{BB962C8B-B14F-4D97-AF65-F5344CB8AC3E}">
-        <p14:creationId xmlns:p14="http://schemas.microsoft.com/office/powerpoint/2010/main" val="4088695172"/>
+        <p14:creationId xmlns:p14="http://schemas.microsoft.com/office/powerpoint/2010/main" val="3980035190"/>
       </p:ext>
     </p:extLst>
   </p:cSld>
@@ -4886,7 +5319,7 @@
           <p:cNvPr id="2" name="Title 1">
             <a:extLst>
               <a:ext uri="{FF2B5EF4-FFF2-40B4-BE49-F238E27FC236}">
-                <a16:creationId xmlns:a16="http://schemas.microsoft.com/office/drawing/2014/main" id="{CC72A5A0-DD75-ACDD-BC98-0AF4FE7F9D93}"/>
+                <a16:creationId xmlns:a16="http://schemas.microsoft.com/office/drawing/2014/main" id="{DEFB12AD-6668-A8B2-BDDE-F56002694200}"/>
               </a:ext>
             </a:extLst>
           </p:cNvPr>
@@ -4904,7 +5337,7 @@
           <a:p>
             <a:r>
               <a:rPr lang="en-GB" dirty="0"/>
-              <a:t>User Story 3</a:t>
+              <a:t>Persona #4</a:t>
             </a:r>
           </a:p>
         </p:txBody>
@@ -4914,7 +5347,7 @@
           <p:cNvPr id="3" name="Content Placeholder 2">
             <a:extLst>
               <a:ext uri="{FF2B5EF4-FFF2-40B4-BE49-F238E27FC236}">
-                <a16:creationId xmlns:a16="http://schemas.microsoft.com/office/drawing/2014/main" id="{336C59C3-D43A-6F60-4735-4385DA71459D}"/>
+                <a16:creationId xmlns:a16="http://schemas.microsoft.com/office/drawing/2014/main" id="{86846D95-DAF7-AFBA-735D-B60763EA54FC}"/>
               </a:ext>
             </a:extLst>
           </p:cNvPr>
@@ -4930,14 +5363,17 @@
           <a:bodyPr/>
           <a:lstStyle/>
           <a:p>
-            <a:endParaRPr lang="en-GB"/>
+            <a:r>
+              <a:rPr lang="en-GB" dirty="0"/>
+              <a:t>Intended users – 1 persona per group member</a:t>
+            </a:r>
           </a:p>
         </p:txBody>
       </p:sp>
     </p:spTree>
     <p:extLst>
       <p:ext uri="{BB962C8B-B14F-4D97-AF65-F5344CB8AC3E}">
-        <p14:creationId xmlns:p14="http://schemas.microsoft.com/office/powerpoint/2010/main" val="1862355822"/>
+        <p14:creationId xmlns:p14="http://schemas.microsoft.com/office/powerpoint/2010/main" val="2745452733"/>
       </p:ext>
     </p:extLst>
   </p:cSld>

--- a/KV6002_21 TOR Presentation.pptx
+++ b/KV6002_21 TOR Presentation.pptx
@@ -4158,7 +4158,7 @@
           <a:p>
             <a:r>
               <a:rPr lang="en-GB" dirty="0"/>
-              <a:t>User Story 1</a:t>
+              <a:t>User Story #1</a:t>
             </a:r>
           </a:p>
         </p:txBody>
@@ -4241,7 +4241,7 @@
           <a:p>
             <a:r>
               <a:rPr lang="en-GB" dirty="0"/>
-              <a:t>User Story 2</a:t>
+              <a:t>User Story #2</a:t>
             </a:r>
           </a:p>
         </p:txBody>
@@ -4324,7 +4324,7 @@
           <a:p>
             <a:r>
               <a:rPr lang="en-GB" dirty="0"/>
-              <a:t>User Story 3</a:t>
+              <a:t>User Story #3</a:t>
             </a:r>
           </a:p>
         </p:txBody>
@@ -4407,7 +4407,7 @@
           <a:p>
             <a:r>
               <a:rPr lang="en-GB" dirty="0"/>
-              <a:t>User Story 4</a:t>
+              <a:t>User Story #4</a:t>
             </a:r>
           </a:p>
         </p:txBody>
@@ -4490,7 +4490,7 @@
           <a:p>
             <a:r>
               <a:rPr lang="en-GB"/>
-              <a:t>User Story 5</a:t>
+              <a:t>User Story #5</a:t>
             </a:r>
             <a:endParaRPr lang="en-GB" dirty="0"/>
           </a:p>

--- a/KV6002_21 TOR Presentation.pptx
+++ b/KV6002_21 TOR Presentation.pptx
@@ -353,7 +353,7 @@
           <a:p>
             <a:fld id="{4EA9DB48-6904-43CF-8ABC-4A72834D1415}" type="datetimeFigureOut">
               <a:rPr lang="en-GB" smtClean="0"/>
-              <a:t>06/02/2023</a:t>
+              <a:t>08/02/2023</a:t>
             </a:fld>
             <a:endParaRPr lang="en-GB"/>
           </a:p>
@@ -561,7 +561,7 @@
           <a:p>
             <a:fld id="{4EA9DB48-6904-43CF-8ABC-4A72834D1415}" type="datetimeFigureOut">
               <a:rPr lang="en-GB" smtClean="0"/>
-              <a:t>06/02/2023</a:t>
+              <a:t>08/02/2023</a:t>
             </a:fld>
             <a:endParaRPr lang="en-GB"/>
           </a:p>
@@ -817,7 +817,7 @@
           <a:p>
             <a:fld id="{4EA9DB48-6904-43CF-8ABC-4A72834D1415}" type="datetimeFigureOut">
               <a:rPr lang="en-GB" smtClean="0"/>
-              <a:t>06/02/2023</a:t>
+              <a:t>08/02/2023</a:t>
             </a:fld>
             <a:endParaRPr lang="en-GB"/>
           </a:p>
@@ -987,7 +987,7 @@
           <a:p>
             <a:fld id="{4EA9DB48-6904-43CF-8ABC-4A72834D1415}" type="datetimeFigureOut">
               <a:rPr lang="en-GB" smtClean="0"/>
-              <a:t>06/02/2023</a:t>
+              <a:t>08/02/2023</a:t>
             </a:fld>
             <a:endParaRPr lang="en-GB"/>
           </a:p>
@@ -1330,7 +1330,7 @@
           <a:p>
             <a:fld id="{4EA9DB48-6904-43CF-8ABC-4A72834D1415}" type="datetimeFigureOut">
               <a:rPr lang="en-GB" smtClean="0"/>
-              <a:t>06/02/2023</a:t>
+              <a:t>08/02/2023</a:t>
             </a:fld>
             <a:endParaRPr lang="en-GB"/>
           </a:p>
@@ -1605,7 +1605,7 @@
           <a:p>
             <a:fld id="{4EA9DB48-6904-43CF-8ABC-4A72834D1415}" type="datetimeFigureOut">
               <a:rPr lang="en-GB" smtClean="0"/>
-              <a:t>06/02/2023</a:t>
+              <a:t>08/02/2023</a:t>
             </a:fld>
             <a:endParaRPr lang="en-GB"/>
           </a:p>
@@ -1984,7 +1984,7 @@
           <a:p>
             <a:fld id="{4EA9DB48-6904-43CF-8ABC-4A72834D1415}" type="datetimeFigureOut">
               <a:rPr lang="en-GB" smtClean="0"/>
-              <a:t>06/02/2023</a:t>
+              <a:t>08/02/2023</a:t>
             </a:fld>
             <a:endParaRPr lang="en-GB"/>
           </a:p>
@@ -2102,7 +2102,7 @@
           <a:p>
             <a:fld id="{4EA9DB48-6904-43CF-8ABC-4A72834D1415}" type="datetimeFigureOut">
               <a:rPr lang="en-GB" smtClean="0"/>
-              <a:t>06/02/2023</a:t>
+              <a:t>08/02/2023</a:t>
             </a:fld>
             <a:endParaRPr lang="en-GB"/>
           </a:p>
@@ -2273,7 +2273,7 @@
           <a:p>
             <a:fld id="{4EA9DB48-6904-43CF-8ABC-4A72834D1415}" type="datetimeFigureOut">
               <a:rPr lang="en-GB" smtClean="0"/>
-              <a:t>06/02/2023</a:t>
+              <a:t>08/02/2023</a:t>
             </a:fld>
             <a:endParaRPr lang="en-GB"/>
           </a:p>
@@ -2627,7 +2627,7 @@
           <a:p>
             <a:fld id="{4EA9DB48-6904-43CF-8ABC-4A72834D1415}" type="datetimeFigureOut">
               <a:rPr lang="en-GB" smtClean="0"/>
-              <a:t>06/02/2023</a:t>
+              <a:t>08/02/2023</a:t>
             </a:fld>
             <a:endParaRPr lang="en-GB"/>
           </a:p>
@@ -3004,7 +3004,7 @@
           <a:p>
             <a:fld id="{4EA9DB48-6904-43CF-8ABC-4A72834D1415}" type="datetimeFigureOut">
               <a:rPr lang="en-GB" smtClean="0"/>
-              <a:t>06/02/2023</a:t>
+              <a:t>08/02/2023</a:t>
             </a:fld>
             <a:endParaRPr lang="en-GB"/>
           </a:p>
@@ -3291,7 +3291,7 @@
           <a:p>
             <a:fld id="{4EA9DB48-6904-43CF-8ABC-4A72834D1415}" type="datetimeFigureOut">
               <a:rPr lang="en-GB" smtClean="0"/>
-              <a:t>06/02/2023</a:t>
+              <a:t>08/02/2023</a:t>
             </a:fld>
             <a:endParaRPr lang="en-GB"/>
           </a:p>
@@ -4614,14 +4614,26 @@
           <a:p>
             <a:r>
               <a:rPr lang="en-GB" dirty="0"/>
-              <a:t>- Introduce the group – who is in the team?</a:t>
+              <a:t>The team consists of 5 members: Ben Kelly, Adrian Kucia, Kalina Filipowicz, Ed Davies and Charlie Callister.</a:t>
             </a:r>
           </a:p>
           <a:p>
             <a:r>
               <a:rPr lang="en-GB" dirty="0"/>
-              <a:t>- How we gathered the requirements for the system and refined them.</a:t>
-            </a:r>
+              <a:t>The requirements for this project were largely gathered via the initial meeting with the client, with further requirements, such as _____, coming to light as we further investigated what the client truly needed.  This investigation process allowed us to refine the identified requirements even further.</a:t>
+            </a:r>
+          </a:p>
+          <a:p>
+            <a:pPr marL="0" indent="0">
+              <a:buNone/>
+            </a:pPr>
+            <a:endParaRPr lang="en-GB" dirty="0"/>
+          </a:p>
+          <a:p>
+            <a:pPr marL="0" indent="0">
+              <a:buNone/>
+            </a:pPr>
+            <a:endParaRPr lang="en-GB" dirty="0"/>
           </a:p>
         </p:txBody>
       </p:sp>

--- a/KV6002_21 TOR Presentation.pptx
+++ b/KV6002_21 TOR Presentation.pptx
@@ -4574,7 +4574,7 @@
           <a:p>
             <a:r>
               <a:rPr lang="en-GB" dirty="0"/>
-              <a:t>Slide 1</a:t>
+              <a:t>True North Surf Club</a:t>
             </a:r>
           </a:p>
         </p:txBody>
@@ -4597,18 +4597,84 @@
         </p:nvSpPr>
         <p:spPr/>
         <p:txBody>
-          <a:bodyPr/>
-          <a:lstStyle/>
-          <a:p>
-            <a:r>
-              <a:rPr lang="en-GB" dirty="0"/>
-              <a:t>- Information about client.</a:t>
-            </a:r>
-          </a:p>
-          <a:p>
-            <a:r>
-              <a:rPr lang="en-GB" dirty="0"/>
-              <a:t>- Their initial ‘pitch’ (what they want us to develop).</a:t>
+          <a:bodyPr>
+            <a:normAutofit fontScale="92500" lnSpcReduction="20000"/>
+          </a:bodyPr>
+          <a:lstStyle/>
+          <a:p>
+            <a:r>
+              <a:rPr lang="en-GB" dirty="0"/>
+              <a:t>True North Surf Club is an independent Surf Club that is affiliated with Surfing England, and is based in North Tyneside.</a:t>
+            </a:r>
+          </a:p>
+          <a:p>
+            <a:r>
+              <a:rPr lang="en-GB" dirty="0"/>
+              <a:t>They have requested the creation of a website for the surf club, which includes the following features:</a:t>
+            </a:r>
+          </a:p>
+          <a:p>
+            <a:r>
+              <a:rPr lang="en-GB" dirty="0"/>
+              <a:t>- a </a:t>
+            </a:r>
+            <a:r>
+              <a:rPr lang="en-GB" b="1" dirty="0"/>
+              <a:t>gallery page</a:t>
+            </a:r>
+            <a:r>
+              <a:rPr lang="en-GB" dirty="0"/>
+              <a:t> to showcase their images.</a:t>
+            </a:r>
+          </a:p>
+          <a:p>
+            <a:r>
+              <a:rPr lang="en-GB" dirty="0"/>
+              <a:t>- a </a:t>
+            </a:r>
+            <a:r>
+              <a:rPr lang="en-GB" b="1" dirty="0"/>
+              <a:t>contact form </a:t>
+            </a:r>
+            <a:r>
+              <a:rPr lang="en-GB" dirty="0"/>
+              <a:t>to provide a means of contacting the club.</a:t>
+            </a:r>
+          </a:p>
+          <a:p>
+            <a:r>
+              <a:rPr lang="en-GB" dirty="0"/>
+              <a:t>- a </a:t>
+            </a:r>
+            <a:r>
+              <a:rPr lang="en-GB" b="1" dirty="0"/>
+              <a:t>membership sign up page</a:t>
+            </a:r>
+            <a:r>
+              <a:rPr lang="en-GB" dirty="0"/>
+              <a:t>, allowing potential new members to sign up for membership.</a:t>
+            </a:r>
+          </a:p>
+          <a:p>
+            <a:r>
+              <a:rPr lang="en-GB" dirty="0"/>
+              <a:t>- an </a:t>
+            </a:r>
+            <a:r>
+              <a:rPr lang="en-GB" b="1" dirty="0"/>
+              <a:t>e-commerce page </a:t>
+            </a:r>
+            <a:r>
+              <a:rPr lang="en-GB" dirty="0"/>
+              <a:t>so that </a:t>
+            </a:r>
+            <a:r>
+              <a:rPr lang="en-GB"/>
+              <a:t>branded merchandise can </a:t>
+            </a:r>
+            <a:r>
+              <a:rPr lang="en-GB" dirty="0"/>
+              <a:t>be purchased from the club via the website.</a:t>
             </a:r>
           </a:p>
           <a:p>

--- a/KV6002_21 TOR Presentation.pptx
+++ b/KV6002_21 TOR Presentation.pptx
@@ -125,6 +125,32 @@
     </p:ext>
   </p:extLst>
 </p:presentation>
+</file>
+
+<file path=ppt/commentAuthors.xml><?xml version="1.0" encoding="utf-8"?>
+<p:cmAuthorLst xmlns:a="http://schemas.openxmlformats.org/drawingml/2006/main" xmlns:r="http://schemas.openxmlformats.org/officeDocument/2006/relationships" xmlns:p="http://schemas.openxmlformats.org/presentationml/2006/main">
+  <p:cmAuthor id="1" name="Ben Kelly" initials="BK" lastIdx="1" clrIdx="0">
+    <p:extLst>
+      <p:ext uri="{19B8F6BF-5375-455C-9EA6-DF929625EA0E}">
+        <p15:presenceInfo xmlns:p15="http://schemas.microsoft.com/office/powerpoint/2012/main" userId="7309bf7d5bb83f30" providerId="Windows Live"/>
+      </p:ext>
+    </p:extLst>
+  </p:cmAuthor>
+</p:cmAuthorLst>
+</file>
+
+<file path=ppt/comments/comment1.xml><?xml version="1.0" encoding="utf-8"?>
+<p:cmLst xmlns:a="http://schemas.openxmlformats.org/drawingml/2006/main" xmlns:r="http://schemas.openxmlformats.org/officeDocument/2006/relationships" xmlns:p="http://schemas.openxmlformats.org/presentationml/2006/main">
+  <p:cm authorId="1" dt="2023-02-08T13:02:27.014" idx="1">
+    <p:pos x="3830" y="2435"/>
+    <p:text>Change these names</p:text>
+    <p:extLst>
+      <p:ext uri="{C676402C-5697-4E1C-873F-D02D1690AC5C}">
+        <p15:threadingInfo xmlns:p15="http://schemas.microsoft.com/office/powerpoint/2012/main" timeZoneBias="0"/>
+      </p:ext>
+    </p:extLst>
+  </p:cm>
+</p:cmLst>
 </file>
 
 <file path=ppt/slideLayouts/slideLayout1.xml><?xml version="1.0" encoding="utf-8"?>
@@ -4666,21 +4692,21 @@
             </a:r>
             <a:r>
               <a:rPr lang="en-GB" dirty="0"/>
-              <a:t>so that </a:t>
-            </a:r>
-            <a:r>
-              <a:rPr lang="en-GB"/>
-              <a:t>branded merchandise can </a:t>
-            </a:r>
+              <a:t>so that branded merchandise can be purchased from the club via the website.</a:t>
+            </a:r>
+          </a:p>
+          <a:p>
             <a:r>
               <a:rPr lang="en-GB" dirty="0"/>
-              <a:t>be purchased from the club via the website.</a:t>
-            </a:r>
-          </a:p>
-          <a:p>
+              <a:t>The team assigned to </a:t>
+            </a:r>
+            <a:r>
+              <a:rPr lang="en-GB" dirty="0" err="1"/>
+              <a:t>fulf</a:t>
+            </a:r>
             <a:r>
               <a:rPr lang="en-GB" dirty="0"/>
-              <a:t>The team consists of 5 members: Ben Kelly, Adrian Kucia, Kalina Filipowicz, Ed Davies and Charlie Callister.</a:t>
+              <a:t> consists of 5 members: Ben Kelly, Adrian Kucia, Kalina Filipowicz, Ed Davies and Charlie Callister.</a:t>
             </a:r>
           </a:p>
           <a:p>
@@ -4761,123 +4787,396 @@
           </a:p>
         </p:txBody>
       </p:sp>
-      <p:sp>
-        <p:nvSpPr>
-          <p:cNvPr id="3" name="Content Placeholder 2">
+      <p:graphicFrame>
+        <p:nvGraphicFramePr>
+          <p:cNvPr id="7" name="Content Placeholder 6">
             <a:extLst>
               <a:ext uri="{FF2B5EF4-FFF2-40B4-BE49-F238E27FC236}">
-                <a16:creationId xmlns:a16="http://schemas.microsoft.com/office/drawing/2014/main" id="{30A2A010-B73B-B438-FD14-A003BD560D01}"/>
+                <a16:creationId xmlns:a16="http://schemas.microsoft.com/office/drawing/2014/main" id="{10E00378-A2F0-EDC7-1352-86A627BEB981}"/>
               </a:ext>
             </a:extLst>
           </p:cNvPr>
-          <p:cNvSpPr>
-            <a:spLocks noGrp="1"/>
-          </p:cNvSpPr>
-          <p:nvPr>
-            <p:ph idx="1"/>
-          </p:nvPr>
-        </p:nvSpPr>
-        <p:spPr/>
-        <p:txBody>
-          <a:bodyPr/>
-          <a:lstStyle/>
-          <a:p>
-            <a:r>
-              <a:rPr lang="en-GB" dirty="0"/>
-              <a:t>- Epic in specified format (AGILE).</a:t>
-            </a:r>
-          </a:p>
-          <a:p>
-            <a:r>
-              <a:rPr lang="en-GB" dirty="0"/>
-              <a:t>- Team plan, outlining how features work together as a plan.</a:t>
-            </a:r>
-          </a:p>
-          <a:p>
-            <a:r>
-              <a:rPr lang="en-GB" dirty="0"/>
-              <a:t>- Plan should include:</a:t>
-            </a:r>
-          </a:p>
-          <a:p>
-            <a:pPr lvl="1"/>
-            <a:r>
-              <a:rPr lang="en-GB" dirty="0"/>
-              <a:t>Details of the overall system.</a:t>
-            </a:r>
-          </a:p>
-          <a:p>
-            <a:pPr lvl="1"/>
-            <a:r>
-              <a:rPr lang="en-GB" dirty="0"/>
-              <a:t>Who will complete which subsystem.</a:t>
-            </a:r>
-          </a:p>
-          <a:p>
-            <a:pPr lvl="1"/>
-            <a:r>
-              <a:rPr lang="en-GB" dirty="0"/>
-              <a:t>How we intend to test the system.</a:t>
-            </a:r>
-          </a:p>
-          <a:p>
-            <a:pPr lvl="1"/>
-            <a:r>
-              <a:rPr lang="en-GB" dirty="0"/>
-              <a:t>Integration of the subsystems.</a:t>
-            </a:r>
-          </a:p>
-          <a:p>
-            <a:pPr lvl="1"/>
-            <a:r>
-              <a:rPr lang="en-GB" dirty="0"/>
-              <a:t>Project requirements – what equipment/software access do we need?</a:t>
-            </a:r>
-          </a:p>
-          <a:p>
-            <a:pPr lvl="1"/>
-            <a:r>
-              <a:rPr lang="en-GB" dirty="0"/>
-              <a:t>Potential commercial, economic, legal, ethical, social, professional factors.</a:t>
-            </a:r>
-          </a:p>
-        </p:txBody>
-      </p:sp>
-      <p:pic>
-        <p:nvPicPr>
-          <p:cNvPr id="5" name="Picture 4">
-            <a:extLst>
-              <a:ext uri="{FF2B5EF4-FFF2-40B4-BE49-F238E27FC236}">
-                <a16:creationId xmlns:a16="http://schemas.microsoft.com/office/drawing/2014/main" id="{3D68DE3C-5C7A-9F51-7664-76ECFF15FA9A}"/>
-              </a:ext>
-            </a:extLst>
-          </p:cNvPr>
-          <p:cNvPicPr>
-            <a:picLocks noChangeAspect="1"/>
-          </p:cNvPicPr>
-          <p:nvPr/>
-        </p:nvPicPr>
-        <p:blipFill>
-          <a:blip r:embed="rId2"/>
-          <a:stretch>
-            <a:fillRect/>
-          </a:stretch>
-        </p:blipFill>
-        <p:spPr>
-          <a:xfrm>
-            <a:off x="7615089" y="445223"/>
-            <a:ext cx="4138362" cy="1927940"/>
-          </a:xfrm>
-          <a:prstGeom prst="rect">
-            <a:avLst/>
-          </a:prstGeom>
-          <a:ln w="19050">
-            <a:solidFill>
-              <a:schemeClr val="tx1"/>
-            </a:solidFill>
-          </a:ln>
-        </p:spPr>
-      </p:pic>
+          <p:cNvGraphicFramePr>
+            <a:graphicFrameLocks/>
+          </p:cNvGraphicFramePr>
+          <p:nvPr>
+            <p:extLst>
+              <p:ext uri="{D42A27DB-BD31-4B8C-83A1-F6EECF244321}">
+                <p14:modId xmlns:p14="http://schemas.microsoft.com/office/powerpoint/2010/main" val="3938489402"/>
+              </p:ext>
+            </p:extLst>
+          </p:nvPr>
+        </p:nvGraphicFramePr>
+        <p:xfrm>
+          <a:off x="759922" y="2308987"/>
+          <a:ext cx="10672156" cy="2590546"/>
+        </p:xfrm>
+        <a:graphic>
+          <a:graphicData uri="http://schemas.openxmlformats.org/drawingml/2006/table">
+            <a:tbl>
+              <a:tblPr firstRow="1" firstCol="1" bandRow="1"/>
+              <a:tblGrid>
+                <a:gridCol w="4522554">
+                  <a:extLst>
+                    <a:ext uri="{9D8B030D-6E8A-4147-A177-3AD203B41FA5}">
+                      <a16:colId xmlns:a16="http://schemas.microsoft.com/office/drawing/2014/main" val="1807250856"/>
+                    </a:ext>
+                  </a:extLst>
+                </a:gridCol>
+                <a:gridCol w="6149602">
+                  <a:extLst>
+                    <a:ext uri="{9D8B030D-6E8A-4147-A177-3AD203B41FA5}">
+                      <a16:colId xmlns:a16="http://schemas.microsoft.com/office/drawing/2014/main" val="2276761057"/>
+                    </a:ext>
+                  </a:extLst>
+                </a:gridCol>
+              </a:tblGrid>
+              <a:tr h="0">
+                <a:tc>
+                  <a:txBody>
+                    <a:bodyPr/>
+                    <a:lstStyle/>
+                    <a:p>
+                      <a:pPr marL="457200">
+                        <a:lnSpc>
+                          <a:spcPct val="115000"/>
+                        </a:lnSpc>
+                        <a:spcAft>
+                          <a:spcPts val="1000"/>
+                        </a:spcAft>
+                      </a:pPr>
+                      <a:r>
+                        <a:rPr lang="en-GB" sz="2000" b="1" dirty="0">
+                          <a:effectLst/>
+                          <a:latin typeface="Azo Sans"/>
+                          <a:ea typeface="SimSun" panose="02010600030101010101" pitchFamily="2" charset="-122"/>
+                          <a:cs typeface="Calibri" panose="020F0502020204030204" pitchFamily="34" charset="0"/>
+                        </a:rPr>
+                        <a:t>For: </a:t>
+                      </a:r>
+                      <a:r>
+                        <a:rPr lang="en-GB" sz="2000" dirty="0">
+                          <a:effectLst/>
+                          <a:latin typeface="Azo Sans"/>
+                          <a:ea typeface="SimSun" panose="02010600030101010101" pitchFamily="2" charset="-122"/>
+                          <a:cs typeface="Calibri" panose="020F0502020204030204" pitchFamily="34" charset="0"/>
+                        </a:rPr>
+                        <a:t>[The user group]</a:t>
+                      </a:r>
+                      <a:endParaRPr lang="en-GB" sz="1800" dirty="0">
+                        <a:effectLst/>
+                        <a:latin typeface="Calibri" panose="020F0502020204030204" pitchFamily="34" charset="0"/>
+                        <a:ea typeface="SimSun" panose="02010600030101010101" pitchFamily="2" charset="-122"/>
+                        <a:cs typeface="Times New Roman" panose="02020603050405020304" pitchFamily="18" charset="0"/>
+                      </a:endParaRPr>
+                    </a:p>
+                    <a:p>
+                      <a:pPr marL="457200">
+                        <a:lnSpc>
+                          <a:spcPct val="115000"/>
+                        </a:lnSpc>
+                        <a:spcAft>
+                          <a:spcPts val="1000"/>
+                        </a:spcAft>
+                      </a:pPr>
+                      <a:r>
+                        <a:rPr lang="en-GB" sz="2000" b="1" dirty="0">
+                          <a:effectLst/>
+                          <a:latin typeface="Azo Sans"/>
+                          <a:ea typeface="SimSun" panose="02010600030101010101" pitchFamily="2" charset="-122"/>
+                          <a:cs typeface="Calibri" panose="020F0502020204030204" pitchFamily="34" charset="0"/>
+                        </a:rPr>
+                        <a:t>Who:</a:t>
+                      </a:r>
+                      <a:r>
+                        <a:rPr lang="en-GB" sz="2000" dirty="0">
+                          <a:effectLst/>
+                          <a:latin typeface="Azo Sans"/>
+                          <a:ea typeface="SimSun" panose="02010600030101010101" pitchFamily="2" charset="-122"/>
+                          <a:cs typeface="Calibri" panose="020F0502020204030204" pitchFamily="34" charset="0"/>
+                        </a:rPr>
+                        <a:t> [Problem]</a:t>
+                      </a:r>
+                      <a:endParaRPr lang="en-GB" sz="1800" dirty="0">
+                        <a:effectLst/>
+                        <a:latin typeface="Calibri" panose="020F0502020204030204" pitchFamily="34" charset="0"/>
+                        <a:ea typeface="SimSun" panose="02010600030101010101" pitchFamily="2" charset="-122"/>
+                        <a:cs typeface="Times New Roman" panose="02020603050405020304" pitchFamily="18" charset="0"/>
+                      </a:endParaRPr>
+                    </a:p>
+                    <a:p>
+                      <a:pPr marL="457200">
+                        <a:lnSpc>
+                          <a:spcPct val="115000"/>
+                        </a:lnSpc>
+                        <a:spcAft>
+                          <a:spcPts val="1000"/>
+                        </a:spcAft>
+                      </a:pPr>
+                      <a:r>
+                        <a:rPr lang="en-GB" sz="2000" b="1" dirty="0">
+                          <a:effectLst/>
+                          <a:latin typeface="Azo Sans"/>
+                          <a:ea typeface="SimSun" panose="02010600030101010101" pitchFamily="2" charset="-122"/>
+                          <a:cs typeface="Calibri" panose="020F0502020204030204" pitchFamily="34" charset="0"/>
+                        </a:rPr>
+                        <a:t>Our:</a:t>
+                      </a:r>
+                      <a:r>
+                        <a:rPr lang="en-GB" sz="2000" dirty="0">
+                          <a:effectLst/>
+                          <a:latin typeface="Azo Sans"/>
+                          <a:ea typeface="SimSun" panose="02010600030101010101" pitchFamily="2" charset="-122"/>
+                          <a:cs typeface="Calibri" panose="020F0502020204030204" pitchFamily="34" charset="0"/>
+                        </a:rPr>
+                        <a:t> [Type of system]</a:t>
+                      </a:r>
+                      <a:endParaRPr lang="en-GB" sz="1800" dirty="0">
+                        <a:effectLst/>
+                        <a:latin typeface="Calibri" panose="020F0502020204030204" pitchFamily="34" charset="0"/>
+                        <a:ea typeface="SimSun" panose="02010600030101010101" pitchFamily="2" charset="-122"/>
+                        <a:cs typeface="Times New Roman" panose="02020603050405020304" pitchFamily="18" charset="0"/>
+                      </a:endParaRPr>
+                    </a:p>
+                    <a:p>
+                      <a:pPr marL="457200">
+                        <a:lnSpc>
+                          <a:spcPct val="115000"/>
+                        </a:lnSpc>
+                        <a:spcAft>
+                          <a:spcPts val="1000"/>
+                        </a:spcAft>
+                      </a:pPr>
+                      <a:r>
+                        <a:rPr lang="en-GB" sz="2000" b="1" dirty="0">
+                          <a:effectLst/>
+                          <a:latin typeface="Azo Sans"/>
+                          <a:ea typeface="SimSun" panose="02010600030101010101" pitchFamily="2" charset="-122"/>
+                          <a:cs typeface="Calibri" panose="020F0502020204030204" pitchFamily="34" charset="0"/>
+                        </a:rPr>
+                        <a:t>Is a: </a:t>
+                      </a:r>
+                      <a:r>
+                        <a:rPr lang="en-GB" sz="2000" dirty="0">
+                          <a:effectLst/>
+                          <a:latin typeface="Azo Sans"/>
+                          <a:ea typeface="SimSun" panose="02010600030101010101" pitchFamily="2" charset="-122"/>
+                          <a:cs typeface="Calibri" panose="020F0502020204030204" pitchFamily="34" charset="0"/>
+                        </a:rPr>
+                        <a:t>[Outline project idea]</a:t>
+                      </a:r>
+                      <a:endParaRPr lang="en-GB" sz="1800" dirty="0">
+                        <a:effectLst/>
+                        <a:latin typeface="Calibri" panose="020F0502020204030204" pitchFamily="34" charset="0"/>
+                        <a:ea typeface="SimSun" panose="02010600030101010101" pitchFamily="2" charset="-122"/>
+                        <a:cs typeface="Times New Roman" panose="02020603050405020304" pitchFamily="18" charset="0"/>
+                      </a:endParaRPr>
+                    </a:p>
+                    <a:p>
+                      <a:pPr marL="457200">
+                        <a:lnSpc>
+                          <a:spcPct val="115000"/>
+                        </a:lnSpc>
+                        <a:spcAft>
+                          <a:spcPts val="1000"/>
+                        </a:spcAft>
+                      </a:pPr>
+                      <a:r>
+                        <a:rPr lang="en-GB" sz="2000" b="1" dirty="0">
+                          <a:effectLst/>
+                          <a:latin typeface="Azo Sans"/>
+                          <a:ea typeface="SimSun" panose="02010600030101010101" pitchFamily="2" charset="-122"/>
+                          <a:cs typeface="Calibri" panose="020F0502020204030204" pitchFamily="34" charset="0"/>
+                        </a:rPr>
+                        <a:t>That: </a:t>
+                      </a:r>
+                      <a:r>
+                        <a:rPr lang="en-GB" sz="2000" dirty="0">
+                          <a:effectLst/>
+                          <a:latin typeface="Azo Sans"/>
+                          <a:ea typeface="SimSun" panose="02010600030101010101" pitchFamily="2" charset="-122"/>
+                          <a:cs typeface="Calibri" panose="020F0502020204030204" pitchFamily="34" charset="0"/>
+                        </a:rPr>
+                        <a:t>[How it solves the problem]</a:t>
+                      </a:r>
+                      <a:endParaRPr lang="en-GB" sz="1800" dirty="0">
+                        <a:effectLst/>
+                        <a:latin typeface="Calibri" panose="020F0502020204030204" pitchFamily="34" charset="0"/>
+                        <a:ea typeface="SimSun" panose="02010600030101010101" pitchFamily="2" charset="-122"/>
+                        <a:cs typeface="Times New Roman" panose="02020603050405020304" pitchFamily="18" charset="0"/>
+                      </a:endParaRPr>
+                    </a:p>
+                  </a:txBody>
+                  <a:tcPr marL="68580" marR="68580" marT="0" marB="0">
+                    <a:lnL>
+                      <a:noFill/>
+                    </a:lnL>
+                    <a:lnR>
+                      <a:noFill/>
+                    </a:lnR>
+                    <a:lnT>
+                      <a:noFill/>
+                    </a:lnT>
+                    <a:lnB>
+                      <a:noFill/>
+                    </a:lnB>
+                  </a:tcPr>
+                </a:tc>
+                <a:tc>
+                  <a:txBody>
+                    <a:bodyPr/>
+                    <a:lstStyle/>
+                    <a:p>
+                      <a:pPr marL="457200">
+                        <a:lnSpc>
+                          <a:spcPct val="115000"/>
+                        </a:lnSpc>
+                        <a:spcAft>
+                          <a:spcPts val="1000"/>
+                        </a:spcAft>
+                      </a:pPr>
+                      <a:r>
+                        <a:rPr lang="en-GB" sz="2000" dirty="0">
+                          <a:effectLst/>
+                          <a:latin typeface="Azo Sans"/>
+                          <a:ea typeface="SimSun" panose="02010600030101010101" pitchFamily="2" charset="-122"/>
+                          <a:cs typeface="Calibri" panose="020F0502020204030204" pitchFamily="34" charset="0"/>
+                        </a:rPr>
+                        <a:t>True North Surf Club members and potential affiliates</a:t>
+                      </a:r>
+                      <a:endParaRPr lang="en-GB" sz="1800" dirty="0">
+                        <a:effectLst/>
+                        <a:latin typeface="Calibri" panose="020F0502020204030204" pitchFamily="34" charset="0"/>
+                        <a:ea typeface="SimSun" panose="02010600030101010101" pitchFamily="2" charset="-122"/>
+                        <a:cs typeface="Times New Roman" panose="02020603050405020304" pitchFamily="18" charset="0"/>
+                      </a:endParaRPr>
+                    </a:p>
+                    <a:p>
+                      <a:pPr marL="457200">
+                        <a:lnSpc>
+                          <a:spcPct val="115000"/>
+                        </a:lnSpc>
+                        <a:spcAft>
+                          <a:spcPts val="1000"/>
+                        </a:spcAft>
+                      </a:pPr>
+                      <a:r>
+                        <a:rPr lang="en-GB" sz="2000" dirty="0">
+                          <a:effectLst/>
+                          <a:latin typeface="Azo Sans"/>
+                          <a:ea typeface="SimSun" panose="02010600030101010101" pitchFamily="2" charset="-122"/>
+                          <a:cs typeface="Calibri" panose="020F0502020204030204" pitchFamily="34" charset="0"/>
+                        </a:rPr>
+                        <a:t>Need to find out more about the club &amp; buy merch</a:t>
+                      </a:r>
+                      <a:endParaRPr lang="en-GB" sz="1800" dirty="0">
+                        <a:effectLst/>
+                        <a:latin typeface="Calibri" panose="020F0502020204030204" pitchFamily="34" charset="0"/>
+                        <a:ea typeface="SimSun" panose="02010600030101010101" pitchFamily="2" charset="-122"/>
+                        <a:cs typeface="Times New Roman" panose="02020603050405020304" pitchFamily="18" charset="0"/>
+                      </a:endParaRPr>
+                    </a:p>
+                    <a:p>
+                      <a:pPr marL="457200">
+                        <a:lnSpc>
+                          <a:spcPct val="115000"/>
+                        </a:lnSpc>
+                        <a:spcAft>
+                          <a:spcPts val="1000"/>
+                        </a:spcAft>
+                      </a:pPr>
+                      <a:r>
+                        <a:rPr lang="en-GB" sz="2000" dirty="0">
+                          <a:effectLst/>
+                          <a:latin typeface="Azo Sans"/>
+                          <a:ea typeface="SimSun" panose="02010600030101010101" pitchFamily="2" charset="-122"/>
+                          <a:cs typeface="Calibri" panose="020F0502020204030204" pitchFamily="34" charset="0"/>
+                        </a:rPr>
+                        <a:t>Website</a:t>
+                      </a:r>
+                      <a:endParaRPr lang="en-GB" sz="1800" dirty="0">
+                        <a:effectLst/>
+                        <a:latin typeface="Calibri" panose="020F0502020204030204" pitchFamily="34" charset="0"/>
+                        <a:ea typeface="SimSun" panose="02010600030101010101" pitchFamily="2" charset="-122"/>
+                        <a:cs typeface="Times New Roman" panose="02020603050405020304" pitchFamily="18" charset="0"/>
+                      </a:endParaRPr>
+                    </a:p>
+                    <a:p>
+                      <a:pPr marL="457200">
+                        <a:lnSpc>
+                          <a:spcPct val="115000"/>
+                        </a:lnSpc>
+                        <a:spcAft>
+                          <a:spcPts val="1000"/>
+                        </a:spcAft>
+                      </a:pPr>
+                      <a:r>
+                        <a:rPr lang="en-GB" sz="2000" dirty="0">
+                          <a:effectLst/>
+                          <a:latin typeface="Azo Sans"/>
+                          <a:ea typeface="SimSun" panose="02010600030101010101" pitchFamily="2" charset="-122"/>
+                          <a:cs typeface="Calibri" panose="020F0502020204030204" pitchFamily="34" charset="0"/>
+                        </a:rPr>
+                        <a:t>Is a gallery/shop/means of signing up for membership</a:t>
+                      </a:r>
+                      <a:endParaRPr lang="en-GB" sz="1800" dirty="0">
+                        <a:effectLst/>
+                        <a:latin typeface="Calibri" panose="020F0502020204030204" pitchFamily="34" charset="0"/>
+                        <a:ea typeface="SimSun" panose="02010600030101010101" pitchFamily="2" charset="-122"/>
+                        <a:cs typeface="Times New Roman" panose="02020603050405020304" pitchFamily="18" charset="0"/>
+                      </a:endParaRPr>
+                    </a:p>
+                    <a:p>
+                      <a:pPr marL="457200">
+                        <a:lnSpc>
+                          <a:spcPct val="115000"/>
+                        </a:lnSpc>
+                        <a:spcAft>
+                          <a:spcPts val="1000"/>
+                        </a:spcAft>
+                      </a:pPr>
+                      <a:r>
+                        <a:rPr lang="en-GB" sz="2000" dirty="0">
+                          <a:effectLst/>
+                          <a:latin typeface="Azo Sans"/>
+                          <a:ea typeface="SimSun" panose="02010600030101010101" pitchFamily="2" charset="-122"/>
+                          <a:cs typeface="Calibri" panose="020F0502020204030204" pitchFamily="34" charset="0"/>
+                        </a:rPr>
+                        <a:t>Will show images, provide a means of purchasing products and allow users to sign up for membership</a:t>
+                      </a:r>
+                      <a:endParaRPr lang="en-GB" sz="1800" dirty="0">
+                        <a:effectLst/>
+                        <a:latin typeface="Calibri" panose="020F0502020204030204" pitchFamily="34" charset="0"/>
+                        <a:ea typeface="SimSun" panose="02010600030101010101" pitchFamily="2" charset="-122"/>
+                        <a:cs typeface="Times New Roman" panose="02020603050405020304" pitchFamily="18" charset="0"/>
+                      </a:endParaRPr>
+                    </a:p>
+                  </a:txBody>
+                  <a:tcPr marL="68580" marR="68580" marT="0" marB="0">
+                    <a:lnL>
+                      <a:noFill/>
+                    </a:lnL>
+                    <a:lnR>
+                      <a:noFill/>
+                    </a:lnR>
+                    <a:lnT>
+                      <a:noFill/>
+                    </a:lnT>
+                    <a:lnB>
+                      <a:noFill/>
+                    </a:lnB>
+                  </a:tcPr>
+                </a:tc>
+                <a:extLst>
+                  <a:ext uri="{0D108BD9-81ED-4DB2-BD59-A6C34878D82A}">
+                    <a16:rowId xmlns:a16="http://schemas.microsoft.com/office/drawing/2014/main" val="4187271789"/>
+                  </a:ext>
+                </a:extLst>
+              </a:tr>
+            </a:tbl>
+          </a:graphicData>
+        </a:graphic>
+      </p:graphicFrame>
     </p:spTree>
     <p:extLst>
       <p:ext uri="{BB962C8B-B14F-4D97-AF65-F5344CB8AC3E}">
@@ -4952,16 +5251,17 @@
             <p:ph idx="1"/>
           </p:nvPr>
         </p:nvSpPr>
-        <p:spPr/>
-        <p:txBody>
-          <a:bodyPr/>
-          <a:lstStyle/>
-          <a:p>
-            <a:r>
-              <a:rPr lang="en-GB" dirty="0"/>
-              <a:t>- Epic in specified format (AGILE).</a:t>
-            </a:r>
-          </a:p>
+        <p:spPr>
+          <a:xfrm>
+            <a:off x="1097280" y="1845733"/>
+            <a:ext cx="10058400" cy="4410687"/>
+          </a:xfrm>
+        </p:spPr>
+        <p:txBody>
+          <a:bodyPr>
+            <a:normAutofit/>
+          </a:bodyPr>
+          <a:lstStyle/>
           <a:p>
             <a:r>
               <a:rPr lang="en-GB" dirty="0"/>
@@ -4978,21 +5278,21 @@
             <a:pPr lvl="1"/>
             <a:r>
               <a:rPr lang="en-GB" dirty="0"/>
-              <a:t>Details of the overall system.</a:t>
+              <a:t>The overall system will be a functioning, modern website that includes a sufficient level of security as well as various pages to match the various different requirements.  These pages will include but are not necessarily limited to: a Gallery page, a contact form/membership sign up page and a Shop page.</a:t>
             </a:r>
           </a:p>
           <a:p>
             <a:pPr lvl="1"/>
             <a:r>
               <a:rPr lang="en-GB" dirty="0"/>
-              <a:t>Who will complete which subsystem.</a:t>
+              <a:t>These pages can be split into various subsystems, which will be assigned to each member of the team.  The subsystems will be split as follows: Ben – Subsystem1, Adrian – Subsystem2, Kalina – Subsystem3, Ed – Subsystem4, Charlie – Subsystem5.</a:t>
             </a:r>
           </a:p>
           <a:p>
             <a:pPr lvl="1"/>
             <a:r>
               <a:rPr lang="en-GB" dirty="0"/>
-              <a:t>How we intend to test the system.</a:t>
+              <a:t>The system will be tested using … COMPLETE THIS AFTER TESTING SEMINAR WED 8th</a:t>
             </a:r>
           </a:p>
           <a:p>

--- a/KV6002_21 TOR Presentation.pptx
+++ b/KV6002_21 TOR Presentation.pptx
@@ -142,8 +142,8 @@
 <file path=ppt/comments/comment1.xml><?xml version="1.0" encoding="utf-8"?>
 <p:cmLst xmlns:a="http://schemas.openxmlformats.org/drawingml/2006/main" xmlns:r="http://schemas.openxmlformats.org/officeDocument/2006/relationships" xmlns:p="http://schemas.openxmlformats.org/presentationml/2006/main">
   <p:cm authorId="1" dt="2023-02-08T13:02:27.014" idx="1">
-    <p:pos x="3830" y="2435"/>
-    <p:text>Change these names</p:text>
+    <p:pos x="6854" y="2187"/>
+    <p:text>Change these 'subsystem' names</p:text>
     <p:extLst>
       <p:ext uri="{C676402C-5697-4E1C-873F-D02D1690AC5C}">
         <p15:threadingInfo xmlns:p15="http://schemas.microsoft.com/office/powerpoint/2012/main" timeZoneBias="0"/>
@@ -5292,14 +5292,7 @@
             <a:pPr lvl="1"/>
             <a:r>
               <a:rPr lang="en-GB" dirty="0"/>
-              <a:t>The system will be tested using … COMPLETE THIS AFTER TESTING SEMINAR WED 8th</a:t>
-            </a:r>
-          </a:p>
-          <a:p>
-            <a:pPr lvl="1"/>
-            <a:r>
-              <a:rPr lang="en-GB" dirty="0"/>
-              <a:t>Integration of the subsystems.</a:t>
+              <a:t>The system will be tested using Integration of the subsystems.</a:t>
             </a:r>
           </a:p>
           <a:p>

--- a/KV6002_21 TOR Presentation.pptx
+++ b/KV6002_21 TOR Presentation.pptx
@@ -2,7 +2,7 @@
 <file path=ppt/presentation.xml><?xml version="1.0" encoding="utf-8"?>
 <p:presentation xmlns:a="http://schemas.openxmlformats.org/drawingml/2006/main" xmlns:r="http://schemas.openxmlformats.org/officeDocument/2006/relationships" xmlns:p="http://schemas.openxmlformats.org/presentationml/2006/main" saveSubsetFonts="1">
   <p:sldMasterIdLst>
-    <p:sldMasterId id="2147483689" r:id="rId1"/>
+    <p:sldMasterId id="2147483701" r:id="rId1"/>
   </p:sldMasterIdLst>
   <p:sldIdLst>
     <p:sldId id="256" r:id="rId2"/>
@@ -28,7 +28,7 @@
     <a:defPPr>
       <a:defRPr lang="en-US"/>
     </a:defPPr>
-    <a:lvl1pPr marL="0" algn="l" defTabSz="457200" rtl="0" eaLnBrk="1" latinLnBrk="0" hangingPunct="1">
+    <a:lvl1pPr marL="0" algn="l" defTabSz="914400" rtl="0" eaLnBrk="1" latinLnBrk="0" hangingPunct="1">
       <a:defRPr sz="1800" kern="1200">
         <a:solidFill>
           <a:schemeClr val="tx1"/>
@@ -38,7 +38,7 @@
         <a:cs typeface="+mn-cs"/>
       </a:defRPr>
     </a:lvl1pPr>
-    <a:lvl2pPr marL="457200" algn="l" defTabSz="457200" rtl="0" eaLnBrk="1" latinLnBrk="0" hangingPunct="1">
+    <a:lvl2pPr marL="457200" algn="l" defTabSz="914400" rtl="0" eaLnBrk="1" latinLnBrk="0" hangingPunct="1">
       <a:defRPr sz="1800" kern="1200">
         <a:solidFill>
           <a:schemeClr val="tx1"/>
@@ -48,7 +48,7 @@
         <a:cs typeface="+mn-cs"/>
       </a:defRPr>
     </a:lvl2pPr>
-    <a:lvl3pPr marL="914400" algn="l" defTabSz="457200" rtl="0" eaLnBrk="1" latinLnBrk="0" hangingPunct="1">
+    <a:lvl3pPr marL="914400" algn="l" defTabSz="914400" rtl="0" eaLnBrk="1" latinLnBrk="0" hangingPunct="1">
       <a:defRPr sz="1800" kern="1200">
         <a:solidFill>
           <a:schemeClr val="tx1"/>
@@ -58,7 +58,7 @@
         <a:cs typeface="+mn-cs"/>
       </a:defRPr>
     </a:lvl3pPr>
-    <a:lvl4pPr marL="1371600" algn="l" defTabSz="457200" rtl="0" eaLnBrk="1" latinLnBrk="0" hangingPunct="1">
+    <a:lvl4pPr marL="1371600" algn="l" defTabSz="914400" rtl="0" eaLnBrk="1" latinLnBrk="0" hangingPunct="1">
       <a:defRPr sz="1800" kern="1200">
         <a:solidFill>
           <a:schemeClr val="tx1"/>
@@ -68,7 +68,7 @@
         <a:cs typeface="+mn-cs"/>
       </a:defRPr>
     </a:lvl4pPr>
-    <a:lvl5pPr marL="1828800" algn="l" defTabSz="457200" rtl="0" eaLnBrk="1" latinLnBrk="0" hangingPunct="1">
+    <a:lvl5pPr marL="1828800" algn="l" defTabSz="914400" rtl="0" eaLnBrk="1" latinLnBrk="0" hangingPunct="1">
       <a:defRPr sz="1800" kern="1200">
         <a:solidFill>
           <a:schemeClr val="tx1"/>
@@ -78,7 +78,7 @@
         <a:cs typeface="+mn-cs"/>
       </a:defRPr>
     </a:lvl5pPr>
-    <a:lvl6pPr marL="2286000" algn="l" defTabSz="457200" rtl="0" eaLnBrk="1" latinLnBrk="0" hangingPunct="1">
+    <a:lvl6pPr marL="2286000" algn="l" defTabSz="914400" rtl="0" eaLnBrk="1" latinLnBrk="0" hangingPunct="1">
       <a:defRPr sz="1800" kern="1200">
         <a:solidFill>
           <a:schemeClr val="tx1"/>
@@ -88,7 +88,7 @@
         <a:cs typeface="+mn-cs"/>
       </a:defRPr>
     </a:lvl6pPr>
-    <a:lvl7pPr marL="2743200" algn="l" defTabSz="457200" rtl="0" eaLnBrk="1" latinLnBrk="0" hangingPunct="1">
+    <a:lvl7pPr marL="2743200" algn="l" defTabSz="914400" rtl="0" eaLnBrk="1" latinLnBrk="0" hangingPunct="1">
       <a:defRPr sz="1800" kern="1200">
         <a:solidFill>
           <a:schemeClr val="tx1"/>
@@ -98,7 +98,7 @@
         <a:cs typeface="+mn-cs"/>
       </a:defRPr>
     </a:lvl7pPr>
-    <a:lvl8pPr marL="3200400" algn="l" defTabSz="457200" rtl="0" eaLnBrk="1" latinLnBrk="0" hangingPunct="1">
+    <a:lvl8pPr marL="3200400" algn="l" defTabSz="914400" rtl="0" eaLnBrk="1" latinLnBrk="0" hangingPunct="1">
       <a:defRPr sz="1800" kern="1200">
         <a:solidFill>
           <a:schemeClr val="tx1"/>
@@ -108,7 +108,7 @@
         <a:cs typeface="+mn-cs"/>
       </a:defRPr>
     </a:lvl8pPr>
-    <a:lvl9pPr marL="3657600" algn="l" defTabSz="457200" rtl="0" eaLnBrk="1" latinLnBrk="0" hangingPunct="1">
+    <a:lvl9pPr marL="3657600" algn="l" defTabSz="914400" rtl="0" eaLnBrk="1" latinLnBrk="0" hangingPunct="1">
       <a:defRPr sz="1800" kern="1200">
         <a:solidFill>
           <a:schemeClr val="tx1"/>
@@ -154,7 +154,7 @@
 </file>
 
 <file path=ppt/slideLayouts/slideLayout1.xml><?xml version="1.0" encoding="utf-8"?>
-<p:sldLayout xmlns:a="http://schemas.openxmlformats.org/drawingml/2006/main" xmlns:r="http://schemas.openxmlformats.org/officeDocument/2006/relationships" xmlns:p="http://schemas.openxmlformats.org/presentationml/2006/main" showMasterSp="0" type="title" preserve="1">
+<p:sldLayout xmlns:a="http://schemas.openxmlformats.org/drawingml/2006/main" xmlns:r="http://schemas.openxmlformats.org/officeDocument/2006/relationships" xmlns:p="http://schemas.openxmlformats.org/presentationml/2006/main" type="title" preserve="1">
   <p:cSld name="Title Slide">
     <p:spTree>
       <p:nvGrpSpPr>
@@ -172,185 +172,102 @@
       </p:grpSpPr>
       <p:sp>
         <p:nvSpPr>
-          <p:cNvPr id="7" name="Rectangle 6"/>
-          <p:cNvSpPr/>
-          <p:nvPr/>
+          <p:cNvPr id="2" name="Title 1">
+            <a:extLst>
+              <a:ext uri="{FF2B5EF4-FFF2-40B4-BE49-F238E27FC236}">
+                <a16:creationId xmlns:a16="http://schemas.microsoft.com/office/drawing/2014/main" id="{003E572E-6740-9D8C-C628-04E6990393A1}"/>
+              </a:ext>
+            </a:extLst>
+          </p:cNvPr>
+          <p:cNvSpPr>
+            <a:spLocks noGrp="1"/>
+          </p:cNvSpPr>
+          <p:nvPr>
+            <p:ph type="ctrTitle"/>
+          </p:nvPr>
         </p:nvSpPr>
         <p:spPr>
           <a:xfrm>
-            <a:off x="3175" y="6400800"/>
-            <a:ext cx="12188825" cy="457200"/>
+            <a:off x="1524000" y="1122363"/>
+            <a:ext cx="9144000" cy="2387600"/>
           </a:xfrm>
-          <a:prstGeom prst="rect">
-            <a:avLst/>
-          </a:prstGeom>
-          <a:solidFill>
-            <a:schemeClr val="accent2"/>
-          </a:solidFill>
-          <a:ln>
-            <a:noFill/>
-          </a:ln>
         </p:spPr>
-        <p:style>
-          <a:lnRef idx="2">
-            <a:schemeClr val="accent1">
-              <a:shade val="50000"/>
-            </a:schemeClr>
-          </a:lnRef>
-          <a:fillRef idx="1">
-            <a:schemeClr val="accent1"/>
-          </a:fillRef>
-          <a:effectRef idx="0">
-            <a:schemeClr val="accent1"/>
-          </a:effectRef>
-          <a:fontRef idx="minor">
-            <a:schemeClr val="lt1"/>
-          </a:fontRef>
-        </p:style>
-      </p:sp>
-      <p:sp>
-        <p:nvSpPr>
-          <p:cNvPr id="8" name="Rectangle 7"/>
-          <p:cNvSpPr/>
-          <p:nvPr/>
+        <p:txBody>
+          <a:bodyPr anchor="b"/>
+          <a:lstStyle>
+            <a:lvl1pPr algn="ctr">
+              <a:defRPr sz="6000"/>
+            </a:lvl1pPr>
+          </a:lstStyle>
+          <a:p>
+            <a:r>
+              <a:rPr lang="en-US"/>
+              <a:t>Click to edit Master title style</a:t>
+            </a:r>
+            <a:endParaRPr lang="en-GB"/>
+          </a:p>
+        </p:txBody>
+      </p:sp>
+      <p:sp>
+        <p:nvSpPr>
+          <p:cNvPr id="3" name="Subtitle 2">
+            <a:extLst>
+              <a:ext uri="{FF2B5EF4-FFF2-40B4-BE49-F238E27FC236}">
+                <a16:creationId xmlns:a16="http://schemas.microsoft.com/office/drawing/2014/main" id="{BF992B74-E450-0B19-0159-DC78094D800D}"/>
+              </a:ext>
+            </a:extLst>
+          </p:cNvPr>
+          <p:cNvSpPr>
+            <a:spLocks noGrp="1"/>
+          </p:cNvSpPr>
+          <p:nvPr>
+            <p:ph type="subTitle" idx="1"/>
+          </p:nvPr>
         </p:nvSpPr>
         <p:spPr>
           <a:xfrm>
-            <a:off x="15" y="6334316"/>
-            <a:ext cx="12188825" cy="64008"/>
-          </a:xfrm>
-          <a:prstGeom prst="rect">
-            <a:avLst/>
-          </a:prstGeom>
-          <a:solidFill>
-            <a:schemeClr val="accent1"/>
-          </a:solidFill>
-          <a:ln>
-            <a:noFill/>
-          </a:ln>
-        </p:spPr>
-        <p:style>
-          <a:lnRef idx="2">
-            <a:schemeClr val="accent1">
-              <a:shade val="50000"/>
-            </a:schemeClr>
-          </a:lnRef>
-          <a:fillRef idx="1">
-            <a:schemeClr val="accent1"/>
-          </a:fillRef>
-          <a:effectRef idx="0">
-            <a:schemeClr val="accent1"/>
-          </a:effectRef>
-          <a:fontRef idx="minor">
-            <a:schemeClr val="lt1"/>
-          </a:fontRef>
-        </p:style>
-      </p:sp>
-      <p:sp>
-        <p:nvSpPr>
-          <p:cNvPr id="2" name="Title 1"/>
-          <p:cNvSpPr>
-            <a:spLocks noGrp="1"/>
-          </p:cNvSpPr>
-          <p:nvPr>
-            <p:ph type="ctrTitle"/>
-          </p:nvPr>
-        </p:nvSpPr>
-        <p:spPr>
-          <a:xfrm>
-            <a:off x="1097280" y="758952"/>
-            <a:ext cx="10058400" cy="3566160"/>
+            <a:off x="1524000" y="3602038"/>
+            <a:ext cx="9144000" cy="1655762"/>
           </a:xfrm>
         </p:spPr>
         <p:txBody>
-          <a:bodyPr anchor="b">
-            <a:normAutofit/>
-          </a:bodyPr>
+          <a:bodyPr/>
           <a:lstStyle>
-            <a:lvl1pPr algn="l">
-              <a:lnSpc>
-                <a:spcPct val="85000"/>
-              </a:lnSpc>
-              <a:defRPr sz="8000" spc="-50" baseline="0">
-                <a:solidFill>
-                  <a:schemeClr val="tx1">
-                    <a:lumMod val="85000"/>
-                    <a:lumOff val="15000"/>
-                  </a:schemeClr>
-                </a:solidFill>
-              </a:defRPr>
-            </a:lvl1pPr>
-          </a:lstStyle>
-          <a:p>
-            <a:r>
-              <a:rPr lang="en-US"/>
-              <a:t>Click to edit Master title style</a:t>
-            </a:r>
-            <a:endParaRPr lang="en-US" dirty="0"/>
-          </a:p>
-        </p:txBody>
-      </p:sp>
-      <p:sp>
-        <p:nvSpPr>
-          <p:cNvPr id="3" name="Subtitle 2"/>
-          <p:cNvSpPr>
-            <a:spLocks noGrp="1"/>
-          </p:cNvSpPr>
-          <p:nvPr>
-            <p:ph type="subTitle" idx="1"/>
-          </p:nvPr>
-        </p:nvSpPr>
-        <p:spPr>
-          <a:xfrm>
-            <a:off x="1100051" y="4455621"/>
-            <a:ext cx="10058400" cy="1143000"/>
-          </a:xfrm>
-        </p:spPr>
-        <p:txBody>
-          <a:bodyPr lIns="91440" rIns="91440">
-            <a:normAutofit/>
-          </a:bodyPr>
-          <a:lstStyle>
-            <a:lvl1pPr marL="0" indent="0" algn="l">
-              <a:buNone/>
-              <a:defRPr sz="2400" cap="all" spc="200" baseline="0">
-                <a:solidFill>
-                  <a:schemeClr val="tx2"/>
-                </a:solidFill>
-                <a:latin typeface="+mj-lt"/>
-              </a:defRPr>
+            <a:lvl1pPr marL="0" indent="0" algn="ctr">
+              <a:buNone/>
+              <a:defRPr sz="2400"/>
             </a:lvl1pPr>
             <a:lvl2pPr marL="457200" indent="0" algn="ctr">
               <a:buNone/>
-              <a:defRPr sz="2400"/>
+              <a:defRPr sz="2000"/>
             </a:lvl2pPr>
             <a:lvl3pPr marL="914400" indent="0" algn="ctr">
               <a:buNone/>
-              <a:defRPr sz="2400"/>
+              <a:defRPr sz="1800"/>
             </a:lvl3pPr>
             <a:lvl4pPr marL="1371600" indent="0" algn="ctr">
               <a:buNone/>
-              <a:defRPr sz="2000"/>
+              <a:defRPr sz="1600"/>
             </a:lvl4pPr>
             <a:lvl5pPr marL="1828800" indent="0" algn="ctr">
               <a:buNone/>
-              <a:defRPr sz="2000"/>
+              <a:defRPr sz="1600"/>
             </a:lvl5pPr>
             <a:lvl6pPr marL="2286000" indent="0" algn="ctr">
               <a:buNone/>
-              <a:defRPr sz="2000"/>
+              <a:defRPr sz="1600"/>
             </a:lvl6pPr>
             <a:lvl7pPr marL="2743200" indent="0" algn="ctr">
               <a:buNone/>
-              <a:defRPr sz="2000"/>
+              <a:defRPr sz="1600"/>
             </a:lvl7pPr>
             <a:lvl8pPr marL="3200400" indent="0" algn="ctr">
               <a:buNone/>
-              <a:defRPr sz="2000"/>
+              <a:defRPr sz="1600"/>
             </a:lvl8pPr>
             <a:lvl9pPr marL="3657600" indent="0" algn="ctr">
               <a:buNone/>
-              <a:defRPr sz="2000"/>
+              <a:defRPr sz="1600"/>
             </a:lvl9pPr>
           </a:lstStyle>
           <a:p>
@@ -358,13 +275,19 @@
               <a:rPr lang="en-US"/>
               <a:t>Click to edit Master subtitle style</a:t>
             </a:r>
-            <a:endParaRPr lang="en-US" dirty="0"/>
-          </a:p>
-        </p:txBody>
-      </p:sp>
-      <p:sp>
-        <p:nvSpPr>
-          <p:cNvPr id="4" name="Date Placeholder 3"/>
+            <a:endParaRPr lang="en-GB"/>
+          </a:p>
+        </p:txBody>
+      </p:sp>
+      <p:sp>
+        <p:nvSpPr>
+          <p:cNvPr id="4" name="Date Placeholder 3">
+            <a:extLst>
+              <a:ext uri="{FF2B5EF4-FFF2-40B4-BE49-F238E27FC236}">
+                <a16:creationId xmlns:a16="http://schemas.microsoft.com/office/drawing/2014/main" id="{A25A8ABC-DD62-6F6D-12A0-835BD3A065E1}"/>
+              </a:ext>
+            </a:extLst>
+          </p:cNvPr>
           <p:cNvSpPr>
             <a:spLocks noGrp="1"/>
           </p:cNvSpPr>
@@ -387,7 +310,13 @@
       </p:sp>
       <p:sp>
         <p:nvSpPr>
-          <p:cNvPr id="5" name="Footer Placeholder 4"/>
+          <p:cNvPr id="5" name="Footer Placeholder 4">
+            <a:extLst>
+              <a:ext uri="{FF2B5EF4-FFF2-40B4-BE49-F238E27FC236}">
+                <a16:creationId xmlns:a16="http://schemas.microsoft.com/office/drawing/2014/main" id="{876E78D8-8A13-0822-DF62-0E24145E1B68}"/>
+              </a:ext>
+            </a:extLst>
+          </p:cNvPr>
           <p:cNvSpPr>
             <a:spLocks noGrp="1"/>
           </p:cNvSpPr>
@@ -406,7 +335,13 @@
       </p:sp>
       <p:sp>
         <p:nvSpPr>
-          <p:cNvPr id="6" name="Slide Number Placeholder 5"/>
+          <p:cNvPr id="6" name="Slide Number Placeholder 5">
+            <a:extLst>
+              <a:ext uri="{FF2B5EF4-FFF2-40B4-BE49-F238E27FC236}">
+                <a16:creationId xmlns:a16="http://schemas.microsoft.com/office/drawing/2014/main" id="{091B3A25-D329-6D54-A949-92F4E6002B6A}"/>
+              </a:ext>
+            </a:extLst>
+          </p:cNvPr>
           <p:cNvSpPr>
             <a:spLocks noGrp="1"/>
           </p:cNvSpPr>
@@ -427,48 +362,10 @@
           </a:p>
         </p:txBody>
       </p:sp>
-      <p:cxnSp>
-        <p:nvCxnSpPr>
-          <p:cNvPr id="9" name="Straight Connector 8"/>
-          <p:cNvCxnSpPr/>
-          <p:nvPr/>
-        </p:nvCxnSpPr>
-        <p:spPr>
-          <a:xfrm>
-            <a:off x="1207658" y="4343400"/>
-            <a:ext cx="9875520" cy="0"/>
-          </a:xfrm>
-          <a:prstGeom prst="line">
-            <a:avLst/>
-          </a:prstGeom>
-          <a:ln w="6350">
-            <a:solidFill>
-              <a:schemeClr val="tx1">
-                <a:lumMod val="50000"/>
-                <a:lumOff val="50000"/>
-              </a:schemeClr>
-            </a:solidFill>
-          </a:ln>
-        </p:spPr>
-        <p:style>
-          <a:lnRef idx="1">
-            <a:schemeClr val="accent1"/>
-          </a:lnRef>
-          <a:fillRef idx="0">
-            <a:schemeClr val="accent1"/>
-          </a:fillRef>
-          <a:effectRef idx="0">
-            <a:schemeClr val="accent1"/>
-          </a:effectRef>
-          <a:fontRef idx="minor">
-            <a:schemeClr val="tx1"/>
-          </a:fontRef>
-        </p:style>
-      </p:cxnSp>
     </p:spTree>
     <p:extLst>
       <p:ext uri="{BB962C8B-B14F-4D97-AF65-F5344CB8AC3E}">
-        <p14:creationId xmlns:p14="http://schemas.microsoft.com/office/powerpoint/2010/main" val="2005266007"/>
+        <p14:creationId xmlns:p14="http://schemas.microsoft.com/office/powerpoint/2010/main" val="2504791037"/>
       </p:ext>
     </p:extLst>
   </p:cSld>
@@ -497,7 +394,13 @@
       </p:grpSpPr>
       <p:sp>
         <p:nvSpPr>
-          <p:cNvPr id="2" name="Title 1"/>
+          <p:cNvPr id="2" name="Title 1">
+            <a:extLst>
+              <a:ext uri="{FF2B5EF4-FFF2-40B4-BE49-F238E27FC236}">
+                <a16:creationId xmlns:a16="http://schemas.microsoft.com/office/drawing/2014/main" id="{90BB47AF-20CD-C4C2-5FBE-6BCC4AC5E460}"/>
+              </a:ext>
+            </a:extLst>
+          </p:cNvPr>
           <p:cNvSpPr>
             <a:spLocks noGrp="1"/>
           </p:cNvSpPr>
@@ -514,13 +417,19 @@
               <a:rPr lang="en-US"/>
               <a:t>Click to edit Master title style</a:t>
             </a:r>
-            <a:endParaRPr lang="en-US" dirty="0"/>
-          </a:p>
-        </p:txBody>
-      </p:sp>
-      <p:sp>
-        <p:nvSpPr>
-          <p:cNvPr id="3" name="Vertical Text Placeholder 2"/>
+            <a:endParaRPr lang="en-GB"/>
+          </a:p>
+        </p:txBody>
+      </p:sp>
+      <p:sp>
+        <p:nvSpPr>
+          <p:cNvPr id="3" name="Vertical Text Placeholder 2">
+            <a:extLst>
+              <a:ext uri="{FF2B5EF4-FFF2-40B4-BE49-F238E27FC236}">
+                <a16:creationId xmlns:a16="http://schemas.microsoft.com/office/drawing/2014/main" id="{08F74377-2893-D7E0-3CDE-81313ECCFBF1}"/>
+              </a:ext>
+            </a:extLst>
+          </p:cNvPr>
           <p:cNvSpPr>
             <a:spLocks noGrp="1"/>
           </p:cNvSpPr>
@@ -530,7 +439,7 @@
         </p:nvSpPr>
         <p:spPr/>
         <p:txBody>
-          <a:bodyPr vert="eaVert" lIns="45720" tIns="0" rIns="45720" bIns="0"/>
+          <a:bodyPr vert="eaVert"/>
           <a:lstStyle/>
           <a:p>
             <a:pPr lvl="0"/>
@@ -566,13 +475,19 @@
               <a:rPr lang="en-US"/>
               <a:t>Fifth level</a:t>
             </a:r>
-            <a:endParaRPr lang="en-US" dirty="0"/>
-          </a:p>
-        </p:txBody>
-      </p:sp>
-      <p:sp>
-        <p:nvSpPr>
-          <p:cNvPr id="4" name="Date Placeholder 3"/>
+            <a:endParaRPr lang="en-GB"/>
+          </a:p>
+        </p:txBody>
+      </p:sp>
+      <p:sp>
+        <p:nvSpPr>
+          <p:cNvPr id="4" name="Date Placeholder 3">
+            <a:extLst>
+              <a:ext uri="{FF2B5EF4-FFF2-40B4-BE49-F238E27FC236}">
+                <a16:creationId xmlns:a16="http://schemas.microsoft.com/office/drawing/2014/main" id="{7C80AEC0-E657-45FF-EE71-7FBD95D4B687}"/>
+              </a:ext>
+            </a:extLst>
+          </p:cNvPr>
           <p:cNvSpPr>
             <a:spLocks noGrp="1"/>
           </p:cNvSpPr>
@@ -595,7 +510,13 @@
       </p:sp>
       <p:sp>
         <p:nvSpPr>
-          <p:cNvPr id="5" name="Footer Placeholder 4"/>
+          <p:cNvPr id="5" name="Footer Placeholder 4">
+            <a:extLst>
+              <a:ext uri="{FF2B5EF4-FFF2-40B4-BE49-F238E27FC236}">
+                <a16:creationId xmlns:a16="http://schemas.microsoft.com/office/drawing/2014/main" id="{141C59D7-CB76-7AE2-2484-9A5C10DA89C9}"/>
+              </a:ext>
+            </a:extLst>
+          </p:cNvPr>
           <p:cNvSpPr>
             <a:spLocks noGrp="1"/>
           </p:cNvSpPr>
@@ -614,7 +535,13 @@
       </p:sp>
       <p:sp>
         <p:nvSpPr>
-          <p:cNvPr id="6" name="Slide Number Placeholder 5"/>
+          <p:cNvPr id="6" name="Slide Number Placeholder 5">
+            <a:extLst>
+              <a:ext uri="{FF2B5EF4-FFF2-40B4-BE49-F238E27FC236}">
+                <a16:creationId xmlns:a16="http://schemas.microsoft.com/office/drawing/2014/main" id="{5CC8E81C-F31A-553A-64F7-2C51AA35C1B5}"/>
+              </a:ext>
+            </a:extLst>
+          </p:cNvPr>
           <p:cNvSpPr>
             <a:spLocks noGrp="1"/>
           </p:cNvSpPr>
@@ -638,7 +565,7 @@
     </p:spTree>
     <p:extLst>
       <p:ext uri="{BB962C8B-B14F-4D97-AF65-F5344CB8AC3E}">
-        <p14:creationId xmlns:p14="http://schemas.microsoft.com/office/powerpoint/2010/main" val="4046042121"/>
+        <p14:creationId xmlns:p14="http://schemas.microsoft.com/office/powerpoint/2010/main" val="2271956375"/>
       </p:ext>
     </p:extLst>
   </p:cSld>
@@ -649,7 +576,7 @@
 </file>
 
 <file path=ppt/slideLayouts/slideLayout11.xml><?xml version="1.0" encoding="utf-8"?>
-<p:sldLayout xmlns:a="http://schemas.openxmlformats.org/drawingml/2006/main" xmlns:r="http://schemas.openxmlformats.org/officeDocument/2006/relationships" xmlns:p="http://schemas.openxmlformats.org/presentationml/2006/main" showMasterSp="0" type="vertTitleAndTx" preserve="1">
+<p:sldLayout xmlns:a="http://schemas.openxmlformats.org/drawingml/2006/main" xmlns:r="http://schemas.openxmlformats.org/officeDocument/2006/relationships" xmlns:p="http://schemas.openxmlformats.org/presentationml/2006/main" type="vertTitleAndTx" preserve="1">
   <p:cSld name="Vertical Title and Text">
     <p:spTree>
       <p:nvGrpSpPr>
@@ -667,128 +594,64 @@
       </p:grpSpPr>
       <p:sp>
         <p:nvSpPr>
-          <p:cNvPr id="7" name="Rectangle 6"/>
-          <p:cNvSpPr/>
-          <p:nvPr/>
+          <p:cNvPr id="2" name="Vertical Title 1">
+            <a:extLst>
+              <a:ext uri="{FF2B5EF4-FFF2-40B4-BE49-F238E27FC236}">
+                <a16:creationId xmlns:a16="http://schemas.microsoft.com/office/drawing/2014/main" id="{44079285-4D27-74BC-983D-FA0AC806AABF}"/>
+              </a:ext>
+            </a:extLst>
+          </p:cNvPr>
+          <p:cNvSpPr>
+            <a:spLocks noGrp="1"/>
+          </p:cNvSpPr>
+          <p:nvPr>
+            <p:ph type="title" orient="vert"/>
+          </p:nvPr>
         </p:nvSpPr>
         <p:spPr>
           <a:xfrm>
-            <a:off x="3175" y="6400800"/>
-            <a:ext cx="12188825" cy="457200"/>
+            <a:off x="8724900" y="365125"/>
+            <a:ext cx="2628900" cy="5811838"/>
           </a:xfrm>
-          <a:prstGeom prst="rect">
-            <a:avLst/>
-          </a:prstGeom>
-          <a:solidFill>
-            <a:schemeClr val="accent2"/>
-          </a:solidFill>
-          <a:ln>
-            <a:noFill/>
-          </a:ln>
         </p:spPr>
-        <p:style>
-          <a:lnRef idx="2">
-            <a:schemeClr val="accent1">
-              <a:shade val="50000"/>
-            </a:schemeClr>
-          </a:lnRef>
-          <a:fillRef idx="1">
-            <a:schemeClr val="accent1"/>
-          </a:fillRef>
-          <a:effectRef idx="0">
-            <a:schemeClr val="accent1"/>
-          </a:effectRef>
-          <a:fontRef idx="minor">
-            <a:schemeClr val="lt1"/>
-          </a:fontRef>
-        </p:style>
-      </p:sp>
-      <p:sp>
-        <p:nvSpPr>
-          <p:cNvPr id="8" name="Rectangle 7"/>
-          <p:cNvSpPr/>
-          <p:nvPr/>
+        <p:txBody>
+          <a:bodyPr vert="eaVert"/>
+          <a:lstStyle/>
+          <a:p>
+            <a:r>
+              <a:rPr lang="en-US"/>
+              <a:t>Click to edit Master title style</a:t>
+            </a:r>
+            <a:endParaRPr lang="en-GB"/>
+          </a:p>
+        </p:txBody>
+      </p:sp>
+      <p:sp>
+        <p:nvSpPr>
+          <p:cNvPr id="3" name="Vertical Text Placeholder 2">
+            <a:extLst>
+              <a:ext uri="{FF2B5EF4-FFF2-40B4-BE49-F238E27FC236}">
+                <a16:creationId xmlns:a16="http://schemas.microsoft.com/office/drawing/2014/main" id="{A460850E-C305-706A-8571-3B065149AFF8}"/>
+              </a:ext>
+            </a:extLst>
+          </p:cNvPr>
+          <p:cNvSpPr>
+            <a:spLocks noGrp="1"/>
+          </p:cNvSpPr>
+          <p:nvPr>
+            <p:ph type="body" orient="vert" idx="1"/>
+          </p:nvPr>
         </p:nvSpPr>
         <p:spPr>
           <a:xfrm>
-            <a:off x="15" y="6334316"/>
-            <a:ext cx="12188825" cy="64008"/>
-          </a:xfrm>
-          <a:prstGeom prst="rect">
-            <a:avLst/>
-          </a:prstGeom>
-          <a:solidFill>
-            <a:schemeClr val="accent1"/>
-          </a:solidFill>
-          <a:ln>
-            <a:noFill/>
-          </a:ln>
-        </p:spPr>
-        <p:style>
-          <a:lnRef idx="2">
-            <a:schemeClr val="accent1">
-              <a:shade val="50000"/>
-            </a:schemeClr>
-          </a:lnRef>
-          <a:fillRef idx="1">
-            <a:schemeClr val="accent1"/>
-          </a:fillRef>
-          <a:effectRef idx="0">
-            <a:schemeClr val="accent1"/>
-          </a:effectRef>
-          <a:fontRef idx="minor">
-            <a:schemeClr val="lt1"/>
-          </a:fontRef>
-        </p:style>
-      </p:sp>
-      <p:sp>
-        <p:nvSpPr>
-          <p:cNvPr id="2" name="Vertical Title 1"/>
-          <p:cNvSpPr>
-            <a:spLocks noGrp="1"/>
-          </p:cNvSpPr>
-          <p:nvPr>
-            <p:ph type="title" orient="vert"/>
-          </p:nvPr>
-        </p:nvSpPr>
-        <p:spPr>
-          <a:xfrm>
-            <a:off x="8724900" y="412302"/>
-            <a:ext cx="2628900" cy="5759898"/>
+            <a:off x="838200" y="365125"/>
+            <a:ext cx="7734300" cy="5811838"/>
           </a:xfrm>
         </p:spPr>
         <p:txBody>
           <a:bodyPr vert="eaVert"/>
           <a:lstStyle/>
           <a:p>
-            <a:r>
-              <a:rPr lang="en-US"/>
-              <a:t>Click to edit Master title style</a:t>
-            </a:r>
-            <a:endParaRPr lang="en-US" dirty="0"/>
-          </a:p>
-        </p:txBody>
-      </p:sp>
-      <p:sp>
-        <p:nvSpPr>
-          <p:cNvPr id="3" name="Vertical Text Placeholder 2"/>
-          <p:cNvSpPr>
-            <a:spLocks noGrp="1"/>
-          </p:cNvSpPr>
-          <p:nvPr>
-            <p:ph type="body" orient="vert" idx="1"/>
-          </p:nvPr>
-        </p:nvSpPr>
-        <p:spPr>
-          <a:xfrm>
-            <a:off x="838200" y="412302"/>
-            <a:ext cx="7734300" cy="5759898"/>
-          </a:xfrm>
-        </p:spPr>
-        <p:txBody>
-          <a:bodyPr vert="eaVert" lIns="45720" tIns="0" rIns="45720" bIns="0"/>
-          <a:lstStyle/>
-          <a:p>
             <a:pPr lvl="0"/>
             <a:r>
               <a:rPr lang="en-US"/>
@@ -822,13 +685,19 @@
               <a:rPr lang="en-US"/>
               <a:t>Fifth level</a:t>
             </a:r>
-            <a:endParaRPr lang="en-US" dirty="0"/>
-          </a:p>
-        </p:txBody>
-      </p:sp>
-      <p:sp>
-        <p:nvSpPr>
-          <p:cNvPr id="4" name="Date Placeholder 3"/>
+            <a:endParaRPr lang="en-GB"/>
+          </a:p>
+        </p:txBody>
+      </p:sp>
+      <p:sp>
+        <p:nvSpPr>
+          <p:cNvPr id="4" name="Date Placeholder 3">
+            <a:extLst>
+              <a:ext uri="{FF2B5EF4-FFF2-40B4-BE49-F238E27FC236}">
+                <a16:creationId xmlns:a16="http://schemas.microsoft.com/office/drawing/2014/main" id="{C13E00DE-E3D1-03E5-8398-8A89B5144D83}"/>
+              </a:ext>
+            </a:extLst>
+          </p:cNvPr>
           <p:cNvSpPr>
             <a:spLocks noGrp="1"/>
           </p:cNvSpPr>
@@ -851,7 +720,13 @@
       </p:sp>
       <p:sp>
         <p:nvSpPr>
-          <p:cNvPr id="5" name="Footer Placeholder 4"/>
+          <p:cNvPr id="5" name="Footer Placeholder 4">
+            <a:extLst>
+              <a:ext uri="{FF2B5EF4-FFF2-40B4-BE49-F238E27FC236}">
+                <a16:creationId xmlns:a16="http://schemas.microsoft.com/office/drawing/2014/main" id="{EEE19872-6D4F-C995-45DD-26206FAF3510}"/>
+              </a:ext>
+            </a:extLst>
+          </p:cNvPr>
           <p:cNvSpPr>
             <a:spLocks noGrp="1"/>
           </p:cNvSpPr>
@@ -870,7 +745,13 @@
       </p:sp>
       <p:sp>
         <p:nvSpPr>
-          <p:cNvPr id="6" name="Slide Number Placeholder 5"/>
+          <p:cNvPr id="6" name="Slide Number Placeholder 5">
+            <a:extLst>
+              <a:ext uri="{FF2B5EF4-FFF2-40B4-BE49-F238E27FC236}">
+                <a16:creationId xmlns:a16="http://schemas.microsoft.com/office/drawing/2014/main" id="{ED3A8086-6A7D-3A09-B70F-DA2DCE06F1BA}"/>
+              </a:ext>
+            </a:extLst>
+          </p:cNvPr>
           <p:cNvSpPr>
             <a:spLocks noGrp="1"/>
           </p:cNvSpPr>
@@ -894,7 +775,7 @@
     </p:spTree>
     <p:extLst>
       <p:ext uri="{BB962C8B-B14F-4D97-AF65-F5344CB8AC3E}">
-        <p14:creationId xmlns:p14="http://schemas.microsoft.com/office/powerpoint/2010/main" val="3590659604"/>
+        <p14:creationId xmlns:p14="http://schemas.microsoft.com/office/powerpoint/2010/main" val="3173353676"/>
       </p:ext>
     </p:extLst>
   </p:cSld>
@@ -923,7 +804,13 @@
       </p:grpSpPr>
       <p:sp>
         <p:nvSpPr>
-          <p:cNvPr id="2" name="Title 1"/>
+          <p:cNvPr id="2" name="Title 1">
+            <a:extLst>
+              <a:ext uri="{FF2B5EF4-FFF2-40B4-BE49-F238E27FC236}">
+                <a16:creationId xmlns:a16="http://schemas.microsoft.com/office/drawing/2014/main" id="{012B0403-8BFD-ED85-1EF4-7C55877D2AB5}"/>
+              </a:ext>
+            </a:extLst>
+          </p:cNvPr>
           <p:cNvSpPr>
             <a:spLocks noGrp="1"/>
           </p:cNvSpPr>
@@ -940,13 +827,19 @@
               <a:rPr lang="en-US"/>
               <a:t>Click to edit Master title style</a:t>
             </a:r>
-            <a:endParaRPr lang="en-US" dirty="0"/>
-          </a:p>
-        </p:txBody>
-      </p:sp>
-      <p:sp>
-        <p:nvSpPr>
-          <p:cNvPr id="3" name="Content Placeholder 2"/>
+            <a:endParaRPr lang="en-GB"/>
+          </a:p>
+        </p:txBody>
+      </p:sp>
+      <p:sp>
+        <p:nvSpPr>
+          <p:cNvPr id="3" name="Content Placeholder 2">
+            <a:extLst>
+              <a:ext uri="{FF2B5EF4-FFF2-40B4-BE49-F238E27FC236}">
+                <a16:creationId xmlns:a16="http://schemas.microsoft.com/office/drawing/2014/main" id="{68B3B7B9-F573-FC43-19BC-B67895C9E2AA}"/>
+              </a:ext>
+            </a:extLst>
+          </p:cNvPr>
           <p:cNvSpPr>
             <a:spLocks noGrp="1"/>
           </p:cNvSpPr>
@@ -992,13 +885,19 @@
               <a:rPr lang="en-US"/>
               <a:t>Fifth level</a:t>
             </a:r>
-            <a:endParaRPr lang="en-US" dirty="0"/>
-          </a:p>
-        </p:txBody>
-      </p:sp>
-      <p:sp>
-        <p:nvSpPr>
-          <p:cNvPr id="4" name="Date Placeholder 3"/>
+            <a:endParaRPr lang="en-GB"/>
+          </a:p>
+        </p:txBody>
+      </p:sp>
+      <p:sp>
+        <p:nvSpPr>
+          <p:cNvPr id="4" name="Date Placeholder 3">
+            <a:extLst>
+              <a:ext uri="{FF2B5EF4-FFF2-40B4-BE49-F238E27FC236}">
+                <a16:creationId xmlns:a16="http://schemas.microsoft.com/office/drawing/2014/main" id="{5F514BE5-AB4C-962A-2F47-B7382B664ED6}"/>
+              </a:ext>
+            </a:extLst>
+          </p:cNvPr>
           <p:cNvSpPr>
             <a:spLocks noGrp="1"/>
           </p:cNvSpPr>
@@ -1021,7 +920,13 @@
       </p:sp>
       <p:sp>
         <p:nvSpPr>
-          <p:cNvPr id="5" name="Footer Placeholder 4"/>
+          <p:cNvPr id="5" name="Footer Placeholder 4">
+            <a:extLst>
+              <a:ext uri="{FF2B5EF4-FFF2-40B4-BE49-F238E27FC236}">
+                <a16:creationId xmlns:a16="http://schemas.microsoft.com/office/drawing/2014/main" id="{F7B19F5D-2522-ACAA-A978-6D9BE05E0730}"/>
+              </a:ext>
+            </a:extLst>
+          </p:cNvPr>
           <p:cNvSpPr>
             <a:spLocks noGrp="1"/>
           </p:cNvSpPr>
@@ -1040,7 +945,13 @@
       </p:sp>
       <p:sp>
         <p:nvSpPr>
-          <p:cNvPr id="6" name="Slide Number Placeholder 5"/>
+          <p:cNvPr id="6" name="Slide Number Placeholder 5">
+            <a:extLst>
+              <a:ext uri="{FF2B5EF4-FFF2-40B4-BE49-F238E27FC236}">
+                <a16:creationId xmlns:a16="http://schemas.microsoft.com/office/drawing/2014/main" id="{CE4EFBD1-3A5F-BA77-E6B4-A6ADF14936CC}"/>
+              </a:ext>
+            </a:extLst>
+          </p:cNvPr>
           <p:cNvSpPr>
             <a:spLocks noGrp="1"/>
           </p:cNvSpPr>
@@ -1064,7 +975,7 @@
     </p:spTree>
     <p:extLst>
       <p:ext uri="{BB962C8B-B14F-4D97-AF65-F5344CB8AC3E}">
-        <p14:creationId xmlns:p14="http://schemas.microsoft.com/office/powerpoint/2010/main" val="385406012"/>
+        <p14:creationId xmlns:p14="http://schemas.microsoft.com/office/powerpoint/2010/main" val="2389892569"/>
       </p:ext>
     </p:extLst>
   </p:cSld>
@@ -1075,16 +986,8 @@
 </file>
 
 <file path=ppt/slideLayouts/slideLayout3.xml><?xml version="1.0" encoding="utf-8"?>
-<p:sldLayout xmlns:a="http://schemas.openxmlformats.org/drawingml/2006/main" xmlns:r="http://schemas.openxmlformats.org/officeDocument/2006/relationships" xmlns:p="http://schemas.openxmlformats.org/presentationml/2006/main" showMasterSp="0" type="secHead" preserve="1">
+<p:sldLayout xmlns:a="http://schemas.openxmlformats.org/drawingml/2006/main" xmlns:r="http://schemas.openxmlformats.org/officeDocument/2006/relationships" xmlns:p="http://schemas.openxmlformats.org/presentationml/2006/main" type="secHead" preserve="1">
   <p:cSld name="Section Header">
-    <p:bg>
-      <p:bgPr>
-        <a:solidFill>
-          <a:schemeClr val="bg1"/>
-        </a:solidFill>
-        <a:effectLst/>
-      </p:bgPr>
-    </p:bg>
     <p:spTree>
       <p:nvGrpSpPr>
         <p:cNvPr id="1" name=""/>
@@ -1101,157 +1004,80 @@
       </p:grpSpPr>
       <p:sp>
         <p:nvSpPr>
-          <p:cNvPr id="7" name="Rectangle 6"/>
-          <p:cNvSpPr/>
-          <p:nvPr/>
+          <p:cNvPr id="2" name="Title 1">
+            <a:extLst>
+              <a:ext uri="{FF2B5EF4-FFF2-40B4-BE49-F238E27FC236}">
+                <a16:creationId xmlns:a16="http://schemas.microsoft.com/office/drawing/2014/main" id="{B84677FE-635A-AE88-7776-E48A1BEDD7C5}"/>
+              </a:ext>
+            </a:extLst>
+          </p:cNvPr>
+          <p:cNvSpPr>
+            <a:spLocks noGrp="1"/>
+          </p:cNvSpPr>
+          <p:nvPr>
+            <p:ph type="title"/>
+          </p:nvPr>
         </p:nvSpPr>
         <p:spPr>
           <a:xfrm>
-            <a:off x="3175" y="6400800"/>
-            <a:ext cx="12188825" cy="457200"/>
+            <a:off x="831850" y="1709738"/>
+            <a:ext cx="10515600" cy="2852737"/>
           </a:xfrm>
-          <a:prstGeom prst="rect">
-            <a:avLst/>
-          </a:prstGeom>
-          <a:solidFill>
-            <a:schemeClr val="accent2"/>
-          </a:solidFill>
-          <a:ln>
-            <a:noFill/>
-          </a:ln>
         </p:spPr>
-        <p:style>
-          <a:lnRef idx="2">
-            <a:schemeClr val="accent1">
-              <a:shade val="50000"/>
-            </a:schemeClr>
-          </a:lnRef>
-          <a:fillRef idx="1">
-            <a:schemeClr val="accent1"/>
-          </a:fillRef>
-          <a:effectRef idx="0">
-            <a:schemeClr val="accent1"/>
-          </a:effectRef>
-          <a:fontRef idx="minor">
-            <a:schemeClr val="lt1"/>
-          </a:fontRef>
-        </p:style>
-      </p:sp>
-      <p:sp>
-        <p:nvSpPr>
-          <p:cNvPr id="8" name="Rectangle 7"/>
-          <p:cNvSpPr/>
-          <p:nvPr/>
+        <p:txBody>
+          <a:bodyPr anchor="b"/>
+          <a:lstStyle>
+            <a:lvl1pPr>
+              <a:defRPr sz="6000"/>
+            </a:lvl1pPr>
+          </a:lstStyle>
+          <a:p>
+            <a:r>
+              <a:rPr lang="en-US"/>
+              <a:t>Click to edit Master title style</a:t>
+            </a:r>
+            <a:endParaRPr lang="en-GB"/>
+          </a:p>
+        </p:txBody>
+      </p:sp>
+      <p:sp>
+        <p:nvSpPr>
+          <p:cNvPr id="3" name="Text Placeholder 2">
+            <a:extLst>
+              <a:ext uri="{FF2B5EF4-FFF2-40B4-BE49-F238E27FC236}">
+                <a16:creationId xmlns:a16="http://schemas.microsoft.com/office/drawing/2014/main" id="{7DA41EDF-55E3-D10A-068C-72FD55E8DE2C}"/>
+              </a:ext>
+            </a:extLst>
+          </p:cNvPr>
+          <p:cNvSpPr>
+            <a:spLocks noGrp="1"/>
+          </p:cNvSpPr>
+          <p:nvPr>
+            <p:ph type="body" idx="1"/>
+          </p:nvPr>
         </p:nvSpPr>
         <p:spPr>
           <a:xfrm>
-            <a:off x="15" y="6334316"/>
-            <a:ext cx="12188825" cy="64008"/>
-          </a:xfrm>
-          <a:prstGeom prst="rect">
-            <a:avLst/>
-          </a:prstGeom>
-          <a:solidFill>
-            <a:schemeClr val="accent1"/>
-          </a:solidFill>
-          <a:ln>
-            <a:noFill/>
-          </a:ln>
-        </p:spPr>
-        <p:style>
-          <a:lnRef idx="2">
-            <a:schemeClr val="accent1">
-              <a:shade val="50000"/>
-            </a:schemeClr>
-          </a:lnRef>
-          <a:fillRef idx="1">
-            <a:schemeClr val="accent1"/>
-          </a:fillRef>
-          <a:effectRef idx="0">
-            <a:schemeClr val="accent1"/>
-          </a:effectRef>
-          <a:fontRef idx="minor">
-            <a:schemeClr val="lt1"/>
-          </a:fontRef>
-        </p:style>
-      </p:sp>
-      <p:sp>
-        <p:nvSpPr>
-          <p:cNvPr id="2" name="Title 1"/>
-          <p:cNvSpPr>
-            <a:spLocks noGrp="1"/>
-          </p:cNvSpPr>
-          <p:nvPr>
-            <p:ph type="title"/>
-          </p:nvPr>
-        </p:nvSpPr>
-        <p:spPr>
-          <a:xfrm>
-            <a:off x="1097280" y="758952"/>
-            <a:ext cx="10058400" cy="3566160"/>
+            <a:off x="831850" y="4589463"/>
+            <a:ext cx="10515600" cy="1500187"/>
           </a:xfrm>
         </p:spPr>
         <p:txBody>
-          <a:bodyPr anchor="b" anchorCtr="0">
-            <a:normAutofit/>
-          </a:bodyPr>
+          <a:bodyPr/>
           <a:lstStyle>
-            <a:lvl1pPr>
-              <a:lnSpc>
-                <a:spcPct val="85000"/>
-              </a:lnSpc>
-              <a:defRPr sz="8000" b="0">
+            <a:lvl1pPr marL="0" indent="0">
+              <a:buNone/>
+              <a:defRPr sz="2400">
                 <a:solidFill>
                   <a:schemeClr val="tx1">
-                    <a:lumMod val="85000"/>
-                    <a:lumOff val="15000"/>
+                    <a:tint val="75000"/>
                   </a:schemeClr>
                 </a:solidFill>
               </a:defRPr>
             </a:lvl1pPr>
-          </a:lstStyle>
-          <a:p>
-            <a:r>
-              <a:rPr lang="en-US"/>
-              <a:t>Click to edit Master title style</a:t>
-            </a:r>
-            <a:endParaRPr lang="en-US" dirty="0"/>
-          </a:p>
-        </p:txBody>
-      </p:sp>
-      <p:sp>
-        <p:nvSpPr>
-          <p:cNvPr id="3" name="Text Placeholder 2"/>
-          <p:cNvSpPr>
-            <a:spLocks noGrp="1"/>
-          </p:cNvSpPr>
-          <p:nvPr>
-            <p:ph type="body" idx="1"/>
-          </p:nvPr>
-        </p:nvSpPr>
-        <p:spPr>
-          <a:xfrm>
-            <a:off x="1097280" y="4453128"/>
-            <a:ext cx="10058400" cy="1143000"/>
-          </a:xfrm>
-        </p:spPr>
-        <p:txBody>
-          <a:bodyPr lIns="91440" rIns="91440" anchor="t" anchorCtr="0">
-            <a:normAutofit/>
-          </a:bodyPr>
-          <a:lstStyle>
-            <a:lvl1pPr marL="0" indent="0">
-              <a:buNone/>
-              <a:defRPr sz="2400" cap="all" spc="200" baseline="0">
-                <a:solidFill>
-                  <a:schemeClr val="tx2"/>
-                </a:solidFill>
-                <a:latin typeface="+mj-lt"/>
-              </a:defRPr>
-            </a:lvl1pPr>
             <a:lvl2pPr marL="457200" indent="0">
               <a:buNone/>
-              <a:defRPr sz="1800">
+              <a:defRPr sz="2000">
                 <a:solidFill>
                   <a:schemeClr val="tx1">
                     <a:tint val="75000"/>
@@ -1261,7 +1087,7 @@
             </a:lvl2pPr>
             <a:lvl3pPr marL="914400" indent="0">
               <a:buNone/>
-              <a:defRPr sz="1600">
+              <a:defRPr sz="1800">
                 <a:solidFill>
                   <a:schemeClr val="tx1">
                     <a:tint val="75000"/>
@@ -1271,7 +1097,7 @@
             </a:lvl3pPr>
             <a:lvl4pPr marL="1371600" indent="0">
               <a:buNone/>
-              <a:defRPr sz="1400">
+              <a:defRPr sz="1600">
                 <a:solidFill>
                   <a:schemeClr val="tx1">
                     <a:tint val="75000"/>
@@ -1281,7 +1107,7 @@
             </a:lvl4pPr>
             <a:lvl5pPr marL="1828800" indent="0">
               <a:buNone/>
-              <a:defRPr sz="1400">
+              <a:defRPr sz="1600">
                 <a:solidFill>
                   <a:schemeClr val="tx1">
                     <a:tint val="75000"/>
@@ -1291,7 +1117,7 @@
             </a:lvl5pPr>
             <a:lvl6pPr marL="2286000" indent="0">
               <a:buNone/>
-              <a:defRPr sz="1400">
+              <a:defRPr sz="1600">
                 <a:solidFill>
                   <a:schemeClr val="tx1">
                     <a:tint val="75000"/>
@@ -1301,7 +1127,7 @@
             </a:lvl6pPr>
             <a:lvl7pPr marL="2743200" indent="0">
               <a:buNone/>
-              <a:defRPr sz="1400">
+              <a:defRPr sz="1600">
                 <a:solidFill>
                   <a:schemeClr val="tx1">
                     <a:tint val="75000"/>
@@ -1311,7 +1137,7 @@
             </a:lvl7pPr>
             <a:lvl8pPr marL="3200400" indent="0">
               <a:buNone/>
-              <a:defRPr sz="1400">
+              <a:defRPr sz="1600">
                 <a:solidFill>
                   <a:schemeClr val="tx1">
                     <a:tint val="75000"/>
@@ -1321,7 +1147,7 @@
             </a:lvl8pPr>
             <a:lvl9pPr marL="3657600" indent="0">
               <a:buNone/>
-              <a:defRPr sz="1400">
+              <a:defRPr sz="1600">
                 <a:solidFill>
                   <a:schemeClr val="tx1">
                     <a:tint val="75000"/>
@@ -1341,7 +1167,13 @@
       </p:sp>
       <p:sp>
         <p:nvSpPr>
-          <p:cNvPr id="4" name="Date Placeholder 3"/>
+          <p:cNvPr id="4" name="Date Placeholder 3">
+            <a:extLst>
+              <a:ext uri="{FF2B5EF4-FFF2-40B4-BE49-F238E27FC236}">
+                <a16:creationId xmlns:a16="http://schemas.microsoft.com/office/drawing/2014/main" id="{BF9C5BD6-241E-CFDB-1853-9B90C5A6CBFE}"/>
+              </a:ext>
+            </a:extLst>
+          </p:cNvPr>
           <p:cNvSpPr>
             <a:spLocks noGrp="1"/>
           </p:cNvSpPr>
@@ -1364,7 +1196,13 @@
       </p:sp>
       <p:sp>
         <p:nvSpPr>
-          <p:cNvPr id="5" name="Footer Placeholder 4"/>
+          <p:cNvPr id="5" name="Footer Placeholder 4">
+            <a:extLst>
+              <a:ext uri="{FF2B5EF4-FFF2-40B4-BE49-F238E27FC236}">
+                <a16:creationId xmlns:a16="http://schemas.microsoft.com/office/drawing/2014/main" id="{1D7FFF5F-97BA-1D3B-EC09-D030387AD7F9}"/>
+              </a:ext>
+            </a:extLst>
+          </p:cNvPr>
           <p:cNvSpPr>
             <a:spLocks noGrp="1"/>
           </p:cNvSpPr>
@@ -1383,7 +1221,13 @@
       </p:sp>
       <p:sp>
         <p:nvSpPr>
-          <p:cNvPr id="6" name="Slide Number Placeholder 5"/>
+          <p:cNvPr id="6" name="Slide Number Placeholder 5">
+            <a:extLst>
+              <a:ext uri="{FF2B5EF4-FFF2-40B4-BE49-F238E27FC236}">
+                <a16:creationId xmlns:a16="http://schemas.microsoft.com/office/drawing/2014/main" id="{8E06F85D-150E-CBBB-A316-A1F2E2CF8EB7}"/>
+              </a:ext>
+            </a:extLst>
+          </p:cNvPr>
           <p:cNvSpPr>
             <a:spLocks noGrp="1"/>
           </p:cNvSpPr>
@@ -1404,48 +1248,10 @@
           </a:p>
         </p:txBody>
       </p:sp>
-      <p:cxnSp>
-        <p:nvCxnSpPr>
-          <p:cNvPr id="9" name="Straight Connector 8"/>
-          <p:cNvCxnSpPr/>
-          <p:nvPr/>
-        </p:nvCxnSpPr>
-        <p:spPr>
-          <a:xfrm>
-            <a:off x="1207658" y="4343400"/>
-            <a:ext cx="9875520" cy="0"/>
-          </a:xfrm>
-          <a:prstGeom prst="line">
-            <a:avLst/>
-          </a:prstGeom>
-          <a:ln w="6350">
-            <a:solidFill>
-              <a:schemeClr val="tx1">
-                <a:lumMod val="50000"/>
-                <a:lumOff val="50000"/>
-              </a:schemeClr>
-            </a:solidFill>
-          </a:ln>
-        </p:spPr>
-        <p:style>
-          <a:lnRef idx="1">
-            <a:schemeClr val="accent1"/>
-          </a:lnRef>
-          <a:fillRef idx="0">
-            <a:schemeClr val="accent1"/>
-          </a:fillRef>
-          <a:effectRef idx="0">
-            <a:schemeClr val="accent1"/>
-          </a:effectRef>
-          <a:fontRef idx="minor">
-            <a:schemeClr val="tx1"/>
-          </a:fontRef>
-        </p:style>
-      </p:cxnSp>
     </p:spTree>
     <p:extLst>
       <p:ext uri="{BB962C8B-B14F-4D97-AF65-F5344CB8AC3E}">
-        <p14:creationId xmlns:p14="http://schemas.microsoft.com/office/powerpoint/2010/main" val="1158079126"/>
+        <p14:creationId xmlns:p14="http://schemas.microsoft.com/office/powerpoint/2010/main" val="1067942607"/>
       </p:ext>
     </p:extLst>
   </p:cSld>
@@ -1474,46 +1280,116 @@
       </p:grpSpPr>
       <p:sp>
         <p:nvSpPr>
-          <p:cNvPr id="8" name="Title 7"/>
+          <p:cNvPr id="2" name="Title 1">
+            <a:extLst>
+              <a:ext uri="{FF2B5EF4-FFF2-40B4-BE49-F238E27FC236}">
+                <a16:creationId xmlns:a16="http://schemas.microsoft.com/office/drawing/2014/main" id="{A3574746-A28E-CB6A-387D-F13771282E27}"/>
+              </a:ext>
+            </a:extLst>
+          </p:cNvPr>
           <p:cNvSpPr>
             <a:spLocks noGrp="1"/>
           </p:cNvSpPr>
           <p:nvPr>
             <p:ph type="title"/>
+          </p:nvPr>
+        </p:nvSpPr>
+        <p:spPr/>
+        <p:txBody>
+          <a:bodyPr/>
+          <a:lstStyle/>
+          <a:p>
+            <a:r>
+              <a:rPr lang="en-US"/>
+              <a:t>Click to edit Master title style</a:t>
+            </a:r>
+            <a:endParaRPr lang="en-GB"/>
+          </a:p>
+        </p:txBody>
+      </p:sp>
+      <p:sp>
+        <p:nvSpPr>
+          <p:cNvPr id="3" name="Content Placeholder 2">
+            <a:extLst>
+              <a:ext uri="{FF2B5EF4-FFF2-40B4-BE49-F238E27FC236}">
+                <a16:creationId xmlns:a16="http://schemas.microsoft.com/office/drawing/2014/main" id="{2197CBC7-75F8-B7D8-A57A-66B5469E2706}"/>
+              </a:ext>
+            </a:extLst>
+          </p:cNvPr>
+          <p:cNvSpPr>
+            <a:spLocks noGrp="1"/>
+          </p:cNvSpPr>
+          <p:nvPr>
+            <p:ph sz="half" idx="1"/>
           </p:nvPr>
         </p:nvSpPr>
         <p:spPr>
           <a:xfrm>
-            <a:off x="1097280" y="286603"/>
-            <a:ext cx="10058400" cy="1450757"/>
+            <a:off x="838200" y="1825625"/>
+            <a:ext cx="5181600" cy="4351338"/>
           </a:xfrm>
         </p:spPr>
         <p:txBody>
           <a:bodyPr/>
           <a:lstStyle/>
           <a:p>
-            <a:r>
-              <a:rPr lang="en-US"/>
-              <a:t>Click to edit Master title style</a:t>
-            </a:r>
-            <a:endParaRPr lang="en-US" dirty="0"/>
-          </a:p>
-        </p:txBody>
-      </p:sp>
-      <p:sp>
-        <p:nvSpPr>
-          <p:cNvPr id="3" name="Content Placeholder 2"/>
-          <p:cNvSpPr>
-            <a:spLocks noGrp="1"/>
-          </p:cNvSpPr>
-          <p:nvPr>
-            <p:ph sz="half" idx="1"/>
+            <a:pPr lvl="0"/>
+            <a:r>
+              <a:rPr lang="en-US"/>
+              <a:t>Click to edit Master text styles</a:t>
+            </a:r>
+          </a:p>
+          <a:p>
+            <a:pPr lvl="1"/>
+            <a:r>
+              <a:rPr lang="en-US"/>
+              <a:t>Second level</a:t>
+            </a:r>
+          </a:p>
+          <a:p>
+            <a:pPr lvl="2"/>
+            <a:r>
+              <a:rPr lang="en-US"/>
+              <a:t>Third level</a:t>
+            </a:r>
+          </a:p>
+          <a:p>
+            <a:pPr lvl="3"/>
+            <a:r>
+              <a:rPr lang="en-US"/>
+              <a:t>Fourth level</a:t>
+            </a:r>
+          </a:p>
+          <a:p>
+            <a:pPr lvl="4"/>
+            <a:r>
+              <a:rPr lang="en-US"/>
+              <a:t>Fifth level</a:t>
+            </a:r>
+            <a:endParaRPr lang="en-GB"/>
+          </a:p>
+        </p:txBody>
+      </p:sp>
+      <p:sp>
+        <p:nvSpPr>
+          <p:cNvPr id="4" name="Content Placeholder 3">
+            <a:extLst>
+              <a:ext uri="{FF2B5EF4-FFF2-40B4-BE49-F238E27FC236}">
+                <a16:creationId xmlns:a16="http://schemas.microsoft.com/office/drawing/2014/main" id="{3A0AAC93-6127-5222-2B41-DDAEEDC36DAB}"/>
+              </a:ext>
+            </a:extLst>
+          </p:cNvPr>
+          <p:cNvSpPr>
+            <a:spLocks noGrp="1"/>
+          </p:cNvSpPr>
+          <p:nvPr>
+            <p:ph sz="half" idx="2"/>
           </p:nvPr>
         </p:nvSpPr>
         <p:spPr>
           <a:xfrm>
-            <a:off x="1097278" y="1845734"/>
-            <a:ext cx="4937760" cy="4023360"/>
+            <a:off x="6172200" y="1825625"/>
+            <a:ext cx="5181600" cy="4351338"/>
           </a:xfrm>
         </p:spPr>
         <p:txBody>
@@ -1553,70 +1429,19 @@
               <a:rPr lang="en-US"/>
               <a:t>Fifth level</a:t>
             </a:r>
-            <a:endParaRPr lang="en-US" dirty="0"/>
-          </a:p>
-        </p:txBody>
-      </p:sp>
-      <p:sp>
-        <p:nvSpPr>
-          <p:cNvPr id="4" name="Content Placeholder 3"/>
-          <p:cNvSpPr>
-            <a:spLocks noGrp="1"/>
-          </p:cNvSpPr>
-          <p:nvPr>
-            <p:ph sz="half" idx="2"/>
-          </p:nvPr>
-        </p:nvSpPr>
-        <p:spPr>
-          <a:xfrm>
-            <a:off x="6217920" y="1845735"/>
-            <a:ext cx="4937760" cy="4023360"/>
-          </a:xfrm>
-        </p:spPr>
-        <p:txBody>
-          <a:bodyPr/>
-          <a:lstStyle/>
-          <a:p>
-            <a:pPr lvl="0"/>
-            <a:r>
-              <a:rPr lang="en-US"/>
-              <a:t>Click to edit Master text styles</a:t>
-            </a:r>
-          </a:p>
-          <a:p>
-            <a:pPr lvl="1"/>
-            <a:r>
-              <a:rPr lang="en-US"/>
-              <a:t>Second level</a:t>
-            </a:r>
-          </a:p>
-          <a:p>
-            <a:pPr lvl="2"/>
-            <a:r>
-              <a:rPr lang="en-US"/>
-              <a:t>Third level</a:t>
-            </a:r>
-          </a:p>
-          <a:p>
-            <a:pPr lvl="3"/>
-            <a:r>
-              <a:rPr lang="en-US"/>
-              <a:t>Fourth level</a:t>
-            </a:r>
-          </a:p>
-          <a:p>
-            <a:pPr lvl="4"/>
-            <a:r>
-              <a:rPr lang="en-US"/>
-              <a:t>Fifth level</a:t>
-            </a:r>
-            <a:endParaRPr lang="en-US" dirty="0"/>
-          </a:p>
-        </p:txBody>
-      </p:sp>
-      <p:sp>
-        <p:nvSpPr>
-          <p:cNvPr id="5" name="Date Placeholder 4"/>
+            <a:endParaRPr lang="en-GB"/>
+          </a:p>
+        </p:txBody>
+      </p:sp>
+      <p:sp>
+        <p:nvSpPr>
+          <p:cNvPr id="5" name="Date Placeholder 4">
+            <a:extLst>
+              <a:ext uri="{FF2B5EF4-FFF2-40B4-BE49-F238E27FC236}">
+                <a16:creationId xmlns:a16="http://schemas.microsoft.com/office/drawing/2014/main" id="{09EE0814-1214-E1D7-B20D-513EF2AF4057}"/>
+              </a:ext>
+            </a:extLst>
+          </p:cNvPr>
           <p:cNvSpPr>
             <a:spLocks noGrp="1"/>
           </p:cNvSpPr>
@@ -1639,7 +1464,13 @@
       </p:sp>
       <p:sp>
         <p:nvSpPr>
-          <p:cNvPr id="6" name="Footer Placeholder 5"/>
+          <p:cNvPr id="6" name="Footer Placeholder 5">
+            <a:extLst>
+              <a:ext uri="{FF2B5EF4-FFF2-40B4-BE49-F238E27FC236}">
+                <a16:creationId xmlns:a16="http://schemas.microsoft.com/office/drawing/2014/main" id="{4C225AA5-E918-585C-2BE6-D4E9E4CE2318}"/>
+              </a:ext>
+            </a:extLst>
+          </p:cNvPr>
           <p:cNvSpPr>
             <a:spLocks noGrp="1"/>
           </p:cNvSpPr>
@@ -1658,7 +1489,13 @@
       </p:sp>
       <p:sp>
         <p:nvSpPr>
-          <p:cNvPr id="7" name="Slide Number Placeholder 6"/>
+          <p:cNvPr id="7" name="Slide Number Placeholder 6">
+            <a:extLst>
+              <a:ext uri="{FF2B5EF4-FFF2-40B4-BE49-F238E27FC236}">
+                <a16:creationId xmlns:a16="http://schemas.microsoft.com/office/drawing/2014/main" id="{5FDD764F-1C58-FDE9-E279-12DAA64266E6}"/>
+              </a:ext>
+            </a:extLst>
+          </p:cNvPr>
           <p:cNvSpPr>
             <a:spLocks noGrp="1"/>
           </p:cNvSpPr>
@@ -1682,7 +1519,7 @@
     </p:spTree>
     <p:extLst>
       <p:ext uri="{BB962C8B-B14F-4D97-AF65-F5344CB8AC3E}">
-        <p14:creationId xmlns:p14="http://schemas.microsoft.com/office/powerpoint/2010/main" val="1841236740"/>
+        <p14:creationId xmlns:p14="http://schemas.microsoft.com/office/powerpoint/2010/main" val="273031230"/>
       </p:ext>
     </p:extLst>
   </p:cSld>
@@ -1711,7 +1548,13 @@
       </p:grpSpPr>
       <p:sp>
         <p:nvSpPr>
-          <p:cNvPr id="10" name="Title 9"/>
+          <p:cNvPr id="2" name="Title 1">
+            <a:extLst>
+              <a:ext uri="{FF2B5EF4-FFF2-40B4-BE49-F238E27FC236}">
+                <a16:creationId xmlns:a16="http://schemas.microsoft.com/office/drawing/2014/main" id="{9A26D289-0635-EAA0-4965-69645EA4B0A0}"/>
+              </a:ext>
+            </a:extLst>
+          </p:cNvPr>
           <p:cNvSpPr>
             <a:spLocks noGrp="1"/>
           </p:cNvSpPr>
@@ -1721,8 +1564,8 @@
         </p:nvSpPr>
         <p:spPr>
           <a:xfrm>
-            <a:off x="1097280" y="286603"/>
-            <a:ext cx="10058400" cy="1450757"/>
+            <a:off x="839788" y="365125"/>
+            <a:ext cx="10515600" cy="1325563"/>
           </a:xfrm>
         </p:spPr>
         <p:txBody>
@@ -1733,13 +1576,19 @@
               <a:rPr lang="en-US"/>
               <a:t>Click to edit Master title style</a:t>
             </a:r>
-            <a:endParaRPr lang="en-US" dirty="0"/>
-          </a:p>
-        </p:txBody>
-      </p:sp>
-      <p:sp>
-        <p:nvSpPr>
-          <p:cNvPr id="3" name="Text Placeholder 2"/>
+            <a:endParaRPr lang="en-GB"/>
+          </a:p>
+        </p:txBody>
+      </p:sp>
+      <p:sp>
+        <p:nvSpPr>
+          <p:cNvPr id="3" name="Text Placeholder 2">
+            <a:extLst>
+              <a:ext uri="{FF2B5EF4-FFF2-40B4-BE49-F238E27FC236}">
+                <a16:creationId xmlns:a16="http://schemas.microsoft.com/office/drawing/2014/main" id="{A2D58B2E-FD2F-98E8-D3E7-FF80683AA866}"/>
+              </a:ext>
+            </a:extLst>
+          </p:cNvPr>
           <p:cNvSpPr>
             <a:spLocks noGrp="1"/>
           </p:cNvSpPr>
@@ -1749,22 +1598,16 @@
         </p:nvSpPr>
         <p:spPr>
           <a:xfrm>
-            <a:off x="1097280" y="1846052"/>
-            <a:ext cx="4937760" cy="736282"/>
+            <a:off x="839788" y="1681163"/>
+            <a:ext cx="5157787" cy="823912"/>
           </a:xfrm>
         </p:spPr>
         <p:txBody>
-          <a:bodyPr lIns="91440" rIns="91440" anchor="ctr">
-            <a:normAutofit/>
-          </a:bodyPr>
+          <a:bodyPr anchor="b"/>
           <a:lstStyle>
             <a:lvl1pPr marL="0" indent="0">
               <a:buNone/>
-              <a:defRPr sz="2000" b="0" cap="all" baseline="0">
-                <a:solidFill>
-                  <a:schemeClr val="tx2"/>
-                </a:solidFill>
-              </a:defRPr>
+              <a:defRPr sz="2400" b="1"/>
             </a:lvl1pPr>
             <a:lvl2pPr marL="457200" indent="0">
               <a:buNone/>
@@ -1810,7 +1653,13 @@
       </p:sp>
       <p:sp>
         <p:nvSpPr>
-          <p:cNvPr id="4" name="Content Placeholder 3"/>
+          <p:cNvPr id="4" name="Content Placeholder 3">
+            <a:extLst>
+              <a:ext uri="{FF2B5EF4-FFF2-40B4-BE49-F238E27FC236}">
+                <a16:creationId xmlns:a16="http://schemas.microsoft.com/office/drawing/2014/main" id="{0D801007-DD31-E088-4979-31FBEBBDB2FE}"/>
+              </a:ext>
+            </a:extLst>
+          </p:cNvPr>
           <p:cNvSpPr>
             <a:spLocks noGrp="1"/>
           </p:cNvSpPr>
@@ -1820,8 +1669,8 @@
         </p:nvSpPr>
         <p:spPr>
           <a:xfrm>
-            <a:off x="1097280" y="2582334"/>
-            <a:ext cx="4937760" cy="3378200"/>
+            <a:off x="839788" y="2505075"/>
+            <a:ext cx="5157787" cy="3684588"/>
           </a:xfrm>
         </p:spPr>
         <p:txBody>
@@ -1861,13 +1710,19 @@
               <a:rPr lang="en-US"/>
               <a:t>Fifth level</a:t>
             </a:r>
-            <a:endParaRPr lang="en-US" dirty="0"/>
-          </a:p>
-        </p:txBody>
-      </p:sp>
-      <p:sp>
-        <p:nvSpPr>
-          <p:cNvPr id="5" name="Text Placeholder 4"/>
+            <a:endParaRPr lang="en-GB"/>
+          </a:p>
+        </p:txBody>
+      </p:sp>
+      <p:sp>
+        <p:nvSpPr>
+          <p:cNvPr id="5" name="Text Placeholder 4">
+            <a:extLst>
+              <a:ext uri="{FF2B5EF4-FFF2-40B4-BE49-F238E27FC236}">
+                <a16:creationId xmlns:a16="http://schemas.microsoft.com/office/drawing/2014/main" id="{C92A9289-5DB8-B69F-6681-6B0FAEB59450}"/>
+              </a:ext>
+            </a:extLst>
+          </p:cNvPr>
           <p:cNvSpPr>
             <a:spLocks noGrp="1"/>
           </p:cNvSpPr>
@@ -1877,22 +1732,16 @@
         </p:nvSpPr>
         <p:spPr>
           <a:xfrm>
-            <a:off x="6217920" y="1846052"/>
-            <a:ext cx="4937760" cy="736282"/>
+            <a:off x="6172200" y="1681163"/>
+            <a:ext cx="5183188" cy="823912"/>
           </a:xfrm>
         </p:spPr>
         <p:txBody>
-          <a:bodyPr lIns="91440" rIns="91440" anchor="ctr">
-            <a:normAutofit/>
-          </a:bodyPr>
+          <a:bodyPr anchor="b"/>
           <a:lstStyle>
             <a:lvl1pPr marL="0" indent="0">
               <a:buNone/>
-              <a:defRPr sz="2000" b="0" cap="all" baseline="0">
-                <a:solidFill>
-                  <a:schemeClr val="tx2"/>
-                </a:solidFill>
-              </a:defRPr>
+              <a:defRPr sz="2400" b="1"/>
             </a:lvl1pPr>
             <a:lvl2pPr marL="457200" indent="0">
               <a:buNone/>
@@ -1938,7 +1787,13 @@
       </p:sp>
       <p:sp>
         <p:nvSpPr>
-          <p:cNvPr id="6" name="Content Placeholder 5"/>
+          <p:cNvPr id="6" name="Content Placeholder 5">
+            <a:extLst>
+              <a:ext uri="{FF2B5EF4-FFF2-40B4-BE49-F238E27FC236}">
+                <a16:creationId xmlns:a16="http://schemas.microsoft.com/office/drawing/2014/main" id="{1DD52994-95E8-D032-C7CF-7463CA9FDFC1}"/>
+              </a:ext>
+            </a:extLst>
+          </p:cNvPr>
           <p:cNvSpPr>
             <a:spLocks noGrp="1"/>
           </p:cNvSpPr>
@@ -1948,8 +1803,8 @@
         </p:nvSpPr>
         <p:spPr>
           <a:xfrm>
-            <a:off x="6217920" y="2582334"/>
-            <a:ext cx="4937760" cy="3378200"/>
+            <a:off x="6172200" y="2505075"/>
+            <a:ext cx="5183188" cy="3684588"/>
           </a:xfrm>
         </p:spPr>
         <p:txBody>
@@ -1989,13 +1844,19 @@
               <a:rPr lang="en-US"/>
               <a:t>Fifth level</a:t>
             </a:r>
-            <a:endParaRPr lang="en-US" dirty="0"/>
-          </a:p>
-        </p:txBody>
-      </p:sp>
-      <p:sp>
-        <p:nvSpPr>
-          <p:cNvPr id="7" name="Date Placeholder 6"/>
+            <a:endParaRPr lang="en-GB"/>
+          </a:p>
+        </p:txBody>
+      </p:sp>
+      <p:sp>
+        <p:nvSpPr>
+          <p:cNvPr id="7" name="Date Placeholder 6">
+            <a:extLst>
+              <a:ext uri="{FF2B5EF4-FFF2-40B4-BE49-F238E27FC236}">
+                <a16:creationId xmlns:a16="http://schemas.microsoft.com/office/drawing/2014/main" id="{08034B93-C765-4F95-63BF-DD95B8D90E74}"/>
+              </a:ext>
+            </a:extLst>
+          </p:cNvPr>
           <p:cNvSpPr>
             <a:spLocks noGrp="1"/>
           </p:cNvSpPr>
@@ -2018,7 +1879,13 @@
       </p:sp>
       <p:sp>
         <p:nvSpPr>
-          <p:cNvPr id="8" name="Footer Placeholder 7"/>
+          <p:cNvPr id="8" name="Footer Placeholder 7">
+            <a:extLst>
+              <a:ext uri="{FF2B5EF4-FFF2-40B4-BE49-F238E27FC236}">
+                <a16:creationId xmlns:a16="http://schemas.microsoft.com/office/drawing/2014/main" id="{8D071DC8-6862-E282-567E-5C9F8C3153F3}"/>
+              </a:ext>
+            </a:extLst>
+          </p:cNvPr>
           <p:cNvSpPr>
             <a:spLocks noGrp="1"/>
           </p:cNvSpPr>
@@ -2037,7 +1904,13 @@
       </p:sp>
       <p:sp>
         <p:nvSpPr>
-          <p:cNvPr id="9" name="Slide Number Placeholder 8"/>
+          <p:cNvPr id="9" name="Slide Number Placeholder 8">
+            <a:extLst>
+              <a:ext uri="{FF2B5EF4-FFF2-40B4-BE49-F238E27FC236}">
+                <a16:creationId xmlns:a16="http://schemas.microsoft.com/office/drawing/2014/main" id="{48104CDF-7B2F-149A-ADEB-885F711B5791}"/>
+              </a:ext>
+            </a:extLst>
+          </p:cNvPr>
           <p:cNvSpPr>
             <a:spLocks noGrp="1"/>
           </p:cNvSpPr>
@@ -2061,7 +1934,7 @@
     </p:spTree>
     <p:extLst>
       <p:ext uri="{BB962C8B-B14F-4D97-AF65-F5344CB8AC3E}">
-        <p14:creationId xmlns:p14="http://schemas.microsoft.com/office/powerpoint/2010/main" val="1593202579"/>
+        <p14:creationId xmlns:p14="http://schemas.microsoft.com/office/powerpoint/2010/main" val="616598954"/>
       </p:ext>
     </p:extLst>
   </p:cSld>
@@ -2090,7 +1963,13 @@
       </p:grpSpPr>
       <p:sp>
         <p:nvSpPr>
-          <p:cNvPr id="2" name="Title 1"/>
+          <p:cNvPr id="2" name="Title 1">
+            <a:extLst>
+              <a:ext uri="{FF2B5EF4-FFF2-40B4-BE49-F238E27FC236}">
+                <a16:creationId xmlns:a16="http://schemas.microsoft.com/office/drawing/2014/main" id="{6729B9B6-2989-33BC-1743-DF0F5C34ABA4}"/>
+              </a:ext>
+            </a:extLst>
+          </p:cNvPr>
           <p:cNvSpPr>
             <a:spLocks noGrp="1"/>
           </p:cNvSpPr>
@@ -2107,13 +1986,19 @@
               <a:rPr lang="en-US"/>
               <a:t>Click to edit Master title style</a:t>
             </a:r>
-            <a:endParaRPr lang="en-US" dirty="0"/>
-          </a:p>
-        </p:txBody>
-      </p:sp>
-      <p:sp>
-        <p:nvSpPr>
-          <p:cNvPr id="3" name="Date Placeholder 2"/>
+            <a:endParaRPr lang="en-GB"/>
+          </a:p>
+        </p:txBody>
+      </p:sp>
+      <p:sp>
+        <p:nvSpPr>
+          <p:cNvPr id="3" name="Date Placeholder 2">
+            <a:extLst>
+              <a:ext uri="{FF2B5EF4-FFF2-40B4-BE49-F238E27FC236}">
+                <a16:creationId xmlns:a16="http://schemas.microsoft.com/office/drawing/2014/main" id="{8F5DA2EE-71B9-D121-019F-BE5E161B0CEF}"/>
+              </a:ext>
+            </a:extLst>
+          </p:cNvPr>
           <p:cNvSpPr>
             <a:spLocks noGrp="1"/>
           </p:cNvSpPr>
@@ -2136,7 +2021,13 @@
       </p:sp>
       <p:sp>
         <p:nvSpPr>
-          <p:cNvPr id="4" name="Footer Placeholder 3"/>
+          <p:cNvPr id="4" name="Footer Placeholder 3">
+            <a:extLst>
+              <a:ext uri="{FF2B5EF4-FFF2-40B4-BE49-F238E27FC236}">
+                <a16:creationId xmlns:a16="http://schemas.microsoft.com/office/drawing/2014/main" id="{1EB5EA7D-D6C4-8F34-EBC4-AFCFDFADC8E6}"/>
+              </a:ext>
+            </a:extLst>
+          </p:cNvPr>
           <p:cNvSpPr>
             <a:spLocks noGrp="1"/>
           </p:cNvSpPr>
@@ -2155,7 +2046,13 @@
       </p:sp>
       <p:sp>
         <p:nvSpPr>
-          <p:cNvPr id="5" name="Slide Number Placeholder 4"/>
+          <p:cNvPr id="5" name="Slide Number Placeholder 4">
+            <a:extLst>
+              <a:ext uri="{FF2B5EF4-FFF2-40B4-BE49-F238E27FC236}">
+                <a16:creationId xmlns:a16="http://schemas.microsoft.com/office/drawing/2014/main" id="{8FD0A10F-48AE-DA33-40B2-C7E241A9084E}"/>
+              </a:ext>
+            </a:extLst>
+          </p:cNvPr>
           <p:cNvSpPr>
             <a:spLocks noGrp="1"/>
           </p:cNvSpPr>
@@ -2179,7 +2076,7 @@
     </p:spTree>
     <p:extLst>
       <p:ext uri="{BB962C8B-B14F-4D97-AF65-F5344CB8AC3E}">
-        <p14:creationId xmlns:p14="http://schemas.microsoft.com/office/powerpoint/2010/main" val="3978447660"/>
+        <p14:creationId xmlns:p14="http://schemas.microsoft.com/office/powerpoint/2010/main" val="4239976607"/>
       </p:ext>
     </p:extLst>
   </p:cSld>
@@ -2190,7 +2087,7 @@
 </file>
 
 <file path=ppt/slideLayouts/slideLayout7.xml><?xml version="1.0" encoding="utf-8"?>
-<p:sldLayout xmlns:a="http://schemas.openxmlformats.org/drawingml/2006/main" xmlns:r="http://schemas.openxmlformats.org/officeDocument/2006/relationships" xmlns:p="http://schemas.openxmlformats.org/presentationml/2006/main" showMasterSp="0" type="blank" preserve="1">
+<p:sldLayout xmlns:a="http://schemas.openxmlformats.org/drawingml/2006/main" xmlns:r="http://schemas.openxmlformats.org/officeDocument/2006/relationships" xmlns:p="http://schemas.openxmlformats.org/presentationml/2006/main" type="blank" preserve="1">
   <p:cSld name="Blank">
     <p:spTree>
       <p:nvGrpSpPr>
@@ -2208,83 +2105,13 @@
       </p:grpSpPr>
       <p:sp>
         <p:nvSpPr>
-          <p:cNvPr id="5" name="Rectangle 4"/>
-          <p:cNvSpPr/>
-          <p:nvPr/>
-        </p:nvSpPr>
-        <p:spPr>
-          <a:xfrm>
-            <a:off x="3175" y="6400800"/>
-            <a:ext cx="12188825" cy="457200"/>
-          </a:xfrm>
-          <a:prstGeom prst="rect">
-            <a:avLst/>
-          </a:prstGeom>
-          <a:solidFill>
-            <a:schemeClr val="accent2"/>
-          </a:solidFill>
-          <a:ln>
-            <a:noFill/>
-          </a:ln>
-        </p:spPr>
-        <p:style>
-          <a:lnRef idx="2">
-            <a:schemeClr val="accent1">
-              <a:shade val="50000"/>
-            </a:schemeClr>
-          </a:lnRef>
-          <a:fillRef idx="1">
-            <a:schemeClr val="accent1"/>
-          </a:fillRef>
-          <a:effectRef idx="0">
-            <a:schemeClr val="accent1"/>
-          </a:effectRef>
-          <a:fontRef idx="minor">
-            <a:schemeClr val="lt1"/>
-          </a:fontRef>
-        </p:style>
-      </p:sp>
-      <p:sp>
-        <p:nvSpPr>
-          <p:cNvPr id="6" name="Rectangle 5"/>
-          <p:cNvSpPr/>
-          <p:nvPr/>
-        </p:nvSpPr>
-        <p:spPr>
-          <a:xfrm>
-            <a:off x="15" y="6334316"/>
-            <a:ext cx="12188825" cy="64008"/>
-          </a:xfrm>
-          <a:prstGeom prst="rect">
-            <a:avLst/>
-          </a:prstGeom>
-          <a:solidFill>
-            <a:schemeClr val="accent1"/>
-          </a:solidFill>
-          <a:ln>
-            <a:noFill/>
-          </a:ln>
-        </p:spPr>
-        <p:style>
-          <a:lnRef idx="2">
-            <a:schemeClr val="accent1">
-              <a:shade val="50000"/>
-            </a:schemeClr>
-          </a:lnRef>
-          <a:fillRef idx="1">
-            <a:schemeClr val="accent1"/>
-          </a:fillRef>
-          <a:effectRef idx="0">
-            <a:schemeClr val="accent1"/>
-          </a:effectRef>
-          <a:fontRef idx="minor">
-            <a:schemeClr val="lt1"/>
-          </a:fontRef>
-        </p:style>
-      </p:sp>
-      <p:sp>
-        <p:nvSpPr>
-          <p:cNvPr id="7" name="Date Placeholder 6"/>
+          <p:cNvPr id="2" name="Date Placeholder 1">
+            <a:extLst>
+              <a:ext uri="{FF2B5EF4-FFF2-40B4-BE49-F238E27FC236}">
+                <a16:creationId xmlns:a16="http://schemas.microsoft.com/office/drawing/2014/main" id="{7B41D5CF-892C-6868-B95C-59FBE46F9F89}"/>
+              </a:ext>
+            </a:extLst>
+          </p:cNvPr>
           <p:cNvSpPr>
             <a:spLocks noGrp="1"/>
           </p:cNvSpPr>
@@ -2307,7 +2134,13 @@
       </p:sp>
       <p:sp>
         <p:nvSpPr>
-          <p:cNvPr id="8" name="Footer Placeholder 7"/>
+          <p:cNvPr id="3" name="Footer Placeholder 2">
+            <a:extLst>
+              <a:ext uri="{FF2B5EF4-FFF2-40B4-BE49-F238E27FC236}">
+                <a16:creationId xmlns:a16="http://schemas.microsoft.com/office/drawing/2014/main" id="{9913E7A5-DFD4-440B-42E9-25141F8A7F70}"/>
+              </a:ext>
+            </a:extLst>
+          </p:cNvPr>
           <p:cNvSpPr>
             <a:spLocks noGrp="1"/>
           </p:cNvSpPr>
@@ -2318,23 +2151,21 @@
         <p:spPr/>
         <p:txBody>
           <a:bodyPr/>
-          <a:lstStyle>
-            <a:lvl1pPr>
-              <a:defRPr>
-                <a:solidFill>
-                  <a:srgbClr val="FFFFFF"/>
-                </a:solidFill>
-              </a:defRPr>
-            </a:lvl1pPr>
-          </a:lstStyle>
-          <a:p>
-            <a:endParaRPr lang="en-GB"/>
-          </a:p>
-        </p:txBody>
-      </p:sp>
-      <p:sp>
-        <p:nvSpPr>
-          <p:cNvPr id="9" name="Slide Number Placeholder 8"/>
+          <a:lstStyle/>
+          <a:p>
+            <a:endParaRPr lang="en-GB"/>
+          </a:p>
+        </p:txBody>
+      </p:sp>
+      <p:sp>
+        <p:nvSpPr>
+          <p:cNvPr id="4" name="Slide Number Placeholder 3">
+            <a:extLst>
+              <a:ext uri="{FF2B5EF4-FFF2-40B4-BE49-F238E27FC236}">
+                <a16:creationId xmlns:a16="http://schemas.microsoft.com/office/drawing/2014/main" id="{85465855-3501-DE5F-F76A-D2CF109C7F78}"/>
+              </a:ext>
+            </a:extLst>
+          </p:cNvPr>
           <p:cNvSpPr>
             <a:spLocks noGrp="1"/>
           </p:cNvSpPr>
@@ -2358,7 +2189,7 @@
     </p:spTree>
     <p:extLst>
       <p:ext uri="{BB962C8B-B14F-4D97-AF65-F5344CB8AC3E}">
-        <p14:creationId xmlns:p14="http://schemas.microsoft.com/office/powerpoint/2010/main" val="3438519911"/>
+        <p14:creationId xmlns:p14="http://schemas.microsoft.com/office/powerpoint/2010/main" val="119515124"/>
       </p:ext>
     </p:extLst>
   </p:cSld>
@@ -2369,7 +2200,7 @@
 </file>
 
 <file path=ppt/slideLayouts/slideLayout8.xml><?xml version="1.0" encoding="utf-8"?>
-<p:sldLayout xmlns:a="http://schemas.openxmlformats.org/drawingml/2006/main" xmlns:r="http://schemas.openxmlformats.org/officeDocument/2006/relationships" xmlns:p="http://schemas.openxmlformats.org/presentationml/2006/main" showMasterSp="0" type="objTx" preserve="1">
+<p:sldLayout xmlns:a="http://schemas.openxmlformats.org/drawingml/2006/main" xmlns:r="http://schemas.openxmlformats.org/officeDocument/2006/relationships" xmlns:p="http://schemas.openxmlformats.org/presentationml/2006/main" type="objTx" preserve="1">
   <p:cSld name="Content with Caption">
     <p:spTree>
       <p:nvGrpSpPr>
@@ -2387,235 +2218,193 @@
       </p:grpSpPr>
       <p:sp>
         <p:nvSpPr>
-          <p:cNvPr id="8" name="Rectangle 7"/>
-          <p:cNvSpPr/>
-          <p:nvPr/>
+          <p:cNvPr id="2" name="Title 1">
+            <a:extLst>
+              <a:ext uri="{FF2B5EF4-FFF2-40B4-BE49-F238E27FC236}">
+                <a16:creationId xmlns:a16="http://schemas.microsoft.com/office/drawing/2014/main" id="{C61600E7-EBDB-9C1E-1559-569C7DDD5A80}"/>
+              </a:ext>
+            </a:extLst>
+          </p:cNvPr>
+          <p:cNvSpPr>
+            <a:spLocks noGrp="1"/>
+          </p:cNvSpPr>
+          <p:nvPr>
+            <p:ph type="title"/>
+          </p:nvPr>
         </p:nvSpPr>
         <p:spPr>
           <a:xfrm>
-            <a:off x="16" y="0"/>
-            <a:ext cx="4050791" cy="6858000"/>
+            <a:off x="839788" y="457200"/>
+            <a:ext cx="3932237" cy="1600200"/>
           </a:xfrm>
-          <a:prstGeom prst="rect">
-            <a:avLst/>
-          </a:prstGeom>
-          <a:solidFill>
-            <a:schemeClr val="accent2"/>
-          </a:solidFill>
-          <a:ln>
-            <a:noFill/>
-          </a:ln>
         </p:spPr>
-        <p:style>
-          <a:lnRef idx="2">
-            <a:schemeClr val="accent1">
-              <a:shade val="50000"/>
-            </a:schemeClr>
-          </a:lnRef>
-          <a:fillRef idx="1">
-            <a:schemeClr val="accent1"/>
-          </a:fillRef>
-          <a:effectRef idx="0">
-            <a:schemeClr val="accent1"/>
-          </a:effectRef>
-          <a:fontRef idx="minor">
-            <a:schemeClr val="lt1"/>
-          </a:fontRef>
-        </p:style>
-      </p:sp>
-      <p:sp>
-        <p:nvSpPr>
-          <p:cNvPr id="9" name="Rectangle 8"/>
-          <p:cNvSpPr/>
-          <p:nvPr/>
+        <p:txBody>
+          <a:bodyPr anchor="b"/>
+          <a:lstStyle>
+            <a:lvl1pPr>
+              <a:defRPr sz="3200"/>
+            </a:lvl1pPr>
+          </a:lstStyle>
+          <a:p>
+            <a:r>
+              <a:rPr lang="en-US"/>
+              <a:t>Click to edit Master title style</a:t>
+            </a:r>
+            <a:endParaRPr lang="en-GB"/>
+          </a:p>
+        </p:txBody>
+      </p:sp>
+      <p:sp>
+        <p:nvSpPr>
+          <p:cNvPr id="3" name="Content Placeholder 2">
+            <a:extLst>
+              <a:ext uri="{FF2B5EF4-FFF2-40B4-BE49-F238E27FC236}">
+                <a16:creationId xmlns:a16="http://schemas.microsoft.com/office/drawing/2014/main" id="{9EB5D184-3B28-A0B0-49AB-6D6816E9EA58}"/>
+              </a:ext>
+            </a:extLst>
+          </p:cNvPr>
+          <p:cNvSpPr>
+            <a:spLocks noGrp="1"/>
+          </p:cNvSpPr>
+          <p:nvPr>
+            <p:ph idx="1"/>
+          </p:nvPr>
         </p:nvSpPr>
         <p:spPr>
           <a:xfrm>
-            <a:off x="4040071" y="0"/>
-            <a:ext cx="64008" cy="6858000"/>
+            <a:off x="5183188" y="987425"/>
+            <a:ext cx="6172200" cy="4873625"/>
           </a:xfrm>
-          <a:prstGeom prst="rect">
-            <a:avLst/>
-          </a:prstGeom>
-          <a:solidFill>
-            <a:schemeClr val="accent1"/>
-          </a:solidFill>
-          <a:ln>
-            <a:noFill/>
-          </a:ln>
         </p:spPr>
-        <p:style>
-          <a:lnRef idx="2">
-            <a:schemeClr val="accent1">
-              <a:shade val="50000"/>
-            </a:schemeClr>
-          </a:lnRef>
-          <a:fillRef idx="1">
-            <a:schemeClr val="accent1"/>
-          </a:fillRef>
-          <a:effectRef idx="0">
-            <a:schemeClr val="accent1"/>
-          </a:effectRef>
-          <a:fontRef idx="minor">
-            <a:schemeClr val="lt1"/>
-          </a:fontRef>
-        </p:style>
-      </p:sp>
-      <p:sp>
-        <p:nvSpPr>
-          <p:cNvPr id="2" name="Title 1"/>
-          <p:cNvSpPr>
-            <a:spLocks noGrp="1"/>
-          </p:cNvSpPr>
-          <p:nvPr>
-            <p:ph type="title"/>
+        <p:txBody>
+          <a:bodyPr/>
+          <a:lstStyle>
+            <a:lvl1pPr>
+              <a:defRPr sz="3200"/>
+            </a:lvl1pPr>
+            <a:lvl2pPr>
+              <a:defRPr sz="2800"/>
+            </a:lvl2pPr>
+            <a:lvl3pPr>
+              <a:defRPr sz="2400"/>
+            </a:lvl3pPr>
+            <a:lvl4pPr>
+              <a:defRPr sz="2000"/>
+            </a:lvl4pPr>
+            <a:lvl5pPr>
+              <a:defRPr sz="2000"/>
+            </a:lvl5pPr>
+            <a:lvl6pPr>
+              <a:defRPr sz="2000"/>
+            </a:lvl6pPr>
+            <a:lvl7pPr>
+              <a:defRPr sz="2000"/>
+            </a:lvl7pPr>
+            <a:lvl8pPr>
+              <a:defRPr sz="2000"/>
+            </a:lvl8pPr>
+            <a:lvl9pPr>
+              <a:defRPr sz="2000"/>
+            </a:lvl9pPr>
+          </a:lstStyle>
+          <a:p>
+            <a:pPr lvl="0"/>
+            <a:r>
+              <a:rPr lang="en-US"/>
+              <a:t>Click to edit Master text styles</a:t>
+            </a:r>
+          </a:p>
+          <a:p>
+            <a:pPr lvl="1"/>
+            <a:r>
+              <a:rPr lang="en-US"/>
+              <a:t>Second level</a:t>
+            </a:r>
+          </a:p>
+          <a:p>
+            <a:pPr lvl="2"/>
+            <a:r>
+              <a:rPr lang="en-US"/>
+              <a:t>Third level</a:t>
+            </a:r>
+          </a:p>
+          <a:p>
+            <a:pPr lvl="3"/>
+            <a:r>
+              <a:rPr lang="en-US"/>
+              <a:t>Fourth level</a:t>
+            </a:r>
+          </a:p>
+          <a:p>
+            <a:pPr lvl="4"/>
+            <a:r>
+              <a:rPr lang="en-US"/>
+              <a:t>Fifth level</a:t>
+            </a:r>
+            <a:endParaRPr lang="en-GB"/>
+          </a:p>
+        </p:txBody>
+      </p:sp>
+      <p:sp>
+        <p:nvSpPr>
+          <p:cNvPr id="4" name="Text Placeholder 3">
+            <a:extLst>
+              <a:ext uri="{FF2B5EF4-FFF2-40B4-BE49-F238E27FC236}">
+                <a16:creationId xmlns:a16="http://schemas.microsoft.com/office/drawing/2014/main" id="{A9B41E8B-332F-46F8-A36B-FB95CB1964AE}"/>
+              </a:ext>
+            </a:extLst>
+          </p:cNvPr>
+          <p:cNvSpPr>
+            <a:spLocks noGrp="1"/>
+          </p:cNvSpPr>
+          <p:nvPr>
+            <p:ph type="body" sz="half" idx="2"/>
           </p:nvPr>
         </p:nvSpPr>
         <p:spPr>
           <a:xfrm>
-            <a:off x="457200" y="594359"/>
-            <a:ext cx="3200400" cy="2286000"/>
+            <a:off x="839788" y="2057400"/>
+            <a:ext cx="3932237" cy="3811588"/>
           </a:xfrm>
         </p:spPr>
         <p:txBody>
-          <a:bodyPr anchor="b">
-            <a:normAutofit/>
-          </a:bodyPr>
-          <a:lstStyle>
-            <a:lvl1pPr>
-              <a:defRPr sz="3600" b="0">
-                <a:solidFill>
-                  <a:srgbClr val="FFFFFF"/>
-                </a:solidFill>
-              </a:defRPr>
-            </a:lvl1pPr>
-          </a:lstStyle>
-          <a:p>
-            <a:r>
-              <a:rPr lang="en-US"/>
-              <a:t>Click to edit Master title style</a:t>
-            </a:r>
-            <a:endParaRPr lang="en-US" dirty="0"/>
-          </a:p>
-        </p:txBody>
-      </p:sp>
-      <p:sp>
-        <p:nvSpPr>
-          <p:cNvPr id="3" name="Content Placeholder 2"/>
-          <p:cNvSpPr>
-            <a:spLocks noGrp="1"/>
-          </p:cNvSpPr>
-          <p:nvPr>
-            <p:ph idx="1"/>
-          </p:nvPr>
-        </p:nvSpPr>
-        <p:spPr>
-          <a:xfrm>
-            <a:off x="4800600" y="731520"/>
-            <a:ext cx="6492240" cy="5257800"/>
-          </a:xfrm>
-        </p:spPr>
-        <p:txBody>
-          <a:bodyPr/>
-          <a:lstStyle/>
-          <a:p>
-            <a:pPr lvl="0"/>
-            <a:r>
-              <a:rPr lang="en-US"/>
-              <a:t>Click to edit Master text styles</a:t>
-            </a:r>
-          </a:p>
-          <a:p>
-            <a:pPr lvl="1"/>
-            <a:r>
-              <a:rPr lang="en-US"/>
-              <a:t>Second level</a:t>
-            </a:r>
-          </a:p>
-          <a:p>
-            <a:pPr lvl="2"/>
-            <a:r>
-              <a:rPr lang="en-US"/>
-              <a:t>Third level</a:t>
-            </a:r>
-          </a:p>
-          <a:p>
-            <a:pPr lvl="3"/>
-            <a:r>
-              <a:rPr lang="en-US"/>
-              <a:t>Fourth level</a:t>
-            </a:r>
-          </a:p>
-          <a:p>
-            <a:pPr lvl="4"/>
-            <a:r>
-              <a:rPr lang="en-US"/>
-              <a:t>Fifth level</a:t>
-            </a:r>
-            <a:endParaRPr lang="en-US" dirty="0"/>
-          </a:p>
-        </p:txBody>
-      </p:sp>
-      <p:sp>
-        <p:nvSpPr>
-          <p:cNvPr id="4" name="Text Placeholder 3"/>
-          <p:cNvSpPr>
-            <a:spLocks noGrp="1"/>
-          </p:cNvSpPr>
-          <p:nvPr>
-            <p:ph type="body" sz="half" idx="2"/>
-          </p:nvPr>
-        </p:nvSpPr>
-        <p:spPr>
-          <a:xfrm>
-            <a:off x="457200" y="2926080"/>
-            <a:ext cx="3200400" cy="3379124"/>
-          </a:xfrm>
-        </p:spPr>
-        <p:txBody>
-          <a:bodyPr lIns="91440" rIns="91440">
-            <a:normAutofit/>
-          </a:bodyPr>
+          <a:bodyPr/>
           <a:lstStyle>
             <a:lvl1pPr marL="0" indent="0">
               <a:buNone/>
-              <a:defRPr sz="1500">
-                <a:solidFill>
-                  <a:srgbClr val="FFFFFF"/>
-                </a:solidFill>
-              </a:defRPr>
+              <a:defRPr sz="1600"/>
             </a:lvl1pPr>
             <a:lvl2pPr marL="457200" indent="0">
               <a:buNone/>
-              <a:defRPr sz="1200"/>
+              <a:defRPr sz="1400"/>
             </a:lvl2pPr>
             <a:lvl3pPr marL="914400" indent="0">
               <a:buNone/>
-              <a:defRPr sz="1000"/>
+              <a:defRPr sz="1200"/>
             </a:lvl3pPr>
             <a:lvl4pPr marL="1371600" indent="0">
               <a:buNone/>
-              <a:defRPr sz="900"/>
+              <a:defRPr sz="1000"/>
             </a:lvl4pPr>
             <a:lvl5pPr marL="1828800" indent="0">
               <a:buNone/>
-              <a:defRPr sz="900"/>
+              <a:defRPr sz="1000"/>
             </a:lvl5pPr>
             <a:lvl6pPr marL="2286000" indent="0">
               <a:buNone/>
-              <a:defRPr sz="900"/>
+              <a:defRPr sz="1000"/>
             </a:lvl6pPr>
             <a:lvl7pPr marL="2743200" indent="0">
               <a:buNone/>
-              <a:defRPr sz="900"/>
+              <a:defRPr sz="1000"/>
             </a:lvl7pPr>
             <a:lvl8pPr marL="3200400" indent="0">
               <a:buNone/>
-              <a:defRPr sz="900"/>
+              <a:defRPr sz="1000"/>
             </a:lvl8pPr>
             <a:lvl9pPr marL="3657600" indent="0">
               <a:buNone/>
-              <a:defRPr sz="900"/>
+              <a:defRPr sz="1000"/>
             </a:lvl9pPr>
           </a:lstStyle>
           <a:p>
@@ -2629,7 +2418,13 @@
       </p:sp>
       <p:sp>
         <p:nvSpPr>
-          <p:cNvPr id="5" name="Date Placeholder 4"/>
+          <p:cNvPr id="5" name="Date Placeholder 4">
+            <a:extLst>
+              <a:ext uri="{FF2B5EF4-FFF2-40B4-BE49-F238E27FC236}">
+                <a16:creationId xmlns:a16="http://schemas.microsoft.com/office/drawing/2014/main" id="{9C0A3883-2D78-BE38-2AAC-EF8361FFB994}"/>
+              </a:ext>
+            </a:extLst>
+          </p:cNvPr>
           <p:cNvSpPr>
             <a:spLocks noGrp="1"/>
           </p:cNvSpPr>
@@ -2637,19 +2432,10 @@
             <p:ph type="dt" sz="half" idx="10"/>
           </p:nvPr>
         </p:nvSpPr>
-        <p:spPr>
-          <a:xfrm>
-            <a:off x="465512" y="6459785"/>
-            <a:ext cx="2618510" cy="365125"/>
-          </a:xfrm>
-        </p:spPr>
-        <p:txBody>
-          <a:bodyPr/>
-          <a:lstStyle>
-            <a:lvl1pPr algn="l">
-              <a:defRPr/>
-            </a:lvl1pPr>
-          </a:lstStyle>
+        <p:spPr/>
+        <p:txBody>
+          <a:bodyPr/>
+          <a:lstStyle/>
           <a:p>
             <a:fld id="{4EA9DB48-6904-43CF-8ABC-4A72834D1415}" type="datetimeFigureOut">
               <a:rPr lang="en-GB" smtClean="0"/>
@@ -2661,7 +2447,13 @@
       </p:sp>
       <p:sp>
         <p:nvSpPr>
-          <p:cNvPr id="6" name="Footer Placeholder 5"/>
+          <p:cNvPr id="6" name="Footer Placeholder 5">
+            <a:extLst>
+              <a:ext uri="{FF2B5EF4-FFF2-40B4-BE49-F238E27FC236}">
+                <a16:creationId xmlns:a16="http://schemas.microsoft.com/office/drawing/2014/main" id="{713A2284-0FFF-17C3-6778-7AD7644BDD2E}"/>
+              </a:ext>
+            </a:extLst>
+          </p:cNvPr>
           <p:cNvSpPr>
             <a:spLocks noGrp="1"/>
           </p:cNvSpPr>
@@ -2669,31 +2461,24 @@
             <p:ph type="ftr" sz="quarter" idx="11"/>
           </p:nvPr>
         </p:nvSpPr>
-        <p:spPr>
-          <a:xfrm>
-            <a:off x="4800600" y="6459785"/>
-            <a:ext cx="4648200" cy="365125"/>
-          </a:xfrm>
-        </p:spPr>
-        <p:txBody>
-          <a:bodyPr/>
-          <a:lstStyle>
-            <a:lvl1pPr algn="l">
-              <a:defRPr>
-                <a:solidFill>
-                  <a:schemeClr val="tx2"/>
-                </a:solidFill>
-              </a:defRPr>
-            </a:lvl1pPr>
-          </a:lstStyle>
-          <a:p>
-            <a:endParaRPr lang="en-GB"/>
-          </a:p>
-        </p:txBody>
-      </p:sp>
-      <p:sp>
-        <p:nvSpPr>
-          <p:cNvPr id="7" name="Slide Number Placeholder 6"/>
+        <p:spPr/>
+        <p:txBody>
+          <a:bodyPr/>
+          <a:lstStyle/>
+          <a:p>
+            <a:endParaRPr lang="en-GB"/>
+          </a:p>
+        </p:txBody>
+      </p:sp>
+      <p:sp>
+        <p:nvSpPr>
+          <p:cNvPr id="7" name="Slide Number Placeholder 6">
+            <a:extLst>
+              <a:ext uri="{FF2B5EF4-FFF2-40B4-BE49-F238E27FC236}">
+                <a16:creationId xmlns:a16="http://schemas.microsoft.com/office/drawing/2014/main" id="{D881FD4D-8CED-F284-B0B2-21E89B553C6D}"/>
+              </a:ext>
+            </a:extLst>
+          </p:cNvPr>
           <p:cNvSpPr>
             <a:spLocks noGrp="1"/>
           </p:cNvSpPr>
@@ -2704,15 +2489,7 @@
         <p:spPr/>
         <p:txBody>
           <a:bodyPr/>
-          <a:lstStyle>
-            <a:lvl1pPr>
-              <a:defRPr>
-                <a:solidFill>
-                  <a:schemeClr val="tx2"/>
-                </a:solidFill>
-              </a:defRPr>
-            </a:lvl1pPr>
-          </a:lstStyle>
+          <a:lstStyle/>
           <a:p>
             <a:fld id="{D0961E9A-8F51-490F-A304-D95833C605AD}" type="slidenum">
               <a:rPr lang="en-GB" smtClean="0"/>
@@ -2725,7 +2502,7 @@
     </p:spTree>
     <p:extLst>
       <p:ext uri="{BB962C8B-B14F-4D97-AF65-F5344CB8AC3E}">
-        <p14:creationId xmlns:p14="http://schemas.microsoft.com/office/powerpoint/2010/main" val="2088700209"/>
+        <p14:creationId xmlns:p14="http://schemas.microsoft.com/office/powerpoint/2010/main" val="1552170444"/>
       </p:ext>
     </p:extLst>
   </p:cSld>
@@ -2736,7 +2513,7 @@
 </file>
 
 <file path=ppt/slideLayouts/slideLayout9.xml><?xml version="1.0" encoding="utf-8"?>
-<p:sldLayout xmlns:a="http://schemas.openxmlformats.org/drawingml/2006/main" xmlns:r="http://schemas.openxmlformats.org/officeDocument/2006/relationships" xmlns:p="http://schemas.openxmlformats.org/presentationml/2006/main" showMasterSp="0" type="picTx" preserve="1">
+<p:sldLayout xmlns:a="http://schemas.openxmlformats.org/drawingml/2006/main" xmlns:r="http://schemas.openxmlformats.org/officeDocument/2006/relationships" xmlns:p="http://schemas.openxmlformats.org/presentationml/2006/main" type="picTx" preserve="1">
   <p:cSld name="Picture with Caption">
     <p:spTree>
       <p:nvGrpSpPr>
@@ -2754,141 +2531,66 @@
       </p:grpSpPr>
       <p:sp>
         <p:nvSpPr>
-          <p:cNvPr id="8" name="Rectangle 7"/>
-          <p:cNvSpPr/>
-          <p:nvPr/>
+          <p:cNvPr id="2" name="Title 1">
+            <a:extLst>
+              <a:ext uri="{FF2B5EF4-FFF2-40B4-BE49-F238E27FC236}">
+                <a16:creationId xmlns:a16="http://schemas.microsoft.com/office/drawing/2014/main" id="{F5EB5B54-DBEE-A2D0-8D94-1F06BDC35270}"/>
+              </a:ext>
+            </a:extLst>
+          </p:cNvPr>
+          <p:cNvSpPr>
+            <a:spLocks noGrp="1"/>
+          </p:cNvSpPr>
+          <p:nvPr>
+            <p:ph type="title"/>
+          </p:nvPr>
         </p:nvSpPr>
         <p:spPr>
           <a:xfrm>
-            <a:off x="0" y="4953000"/>
-            <a:ext cx="12188825" cy="1905000"/>
+            <a:off x="839788" y="457200"/>
+            <a:ext cx="3932237" cy="1600200"/>
           </a:xfrm>
-          <a:prstGeom prst="rect">
-            <a:avLst/>
-          </a:prstGeom>
-          <a:solidFill>
-            <a:schemeClr val="accent2"/>
-          </a:solidFill>
-          <a:ln>
-            <a:noFill/>
-          </a:ln>
         </p:spPr>
-        <p:style>
-          <a:lnRef idx="2">
-            <a:schemeClr val="accent1">
-              <a:shade val="50000"/>
-            </a:schemeClr>
-          </a:lnRef>
-          <a:fillRef idx="1">
-            <a:schemeClr val="accent1"/>
-          </a:fillRef>
-          <a:effectRef idx="0">
-            <a:schemeClr val="accent1"/>
-          </a:effectRef>
-          <a:fontRef idx="minor">
-            <a:schemeClr val="lt1"/>
-          </a:fontRef>
-        </p:style>
-      </p:sp>
-      <p:sp>
-        <p:nvSpPr>
-          <p:cNvPr id="9" name="Rectangle 8"/>
-          <p:cNvSpPr/>
-          <p:nvPr/>
+        <p:txBody>
+          <a:bodyPr anchor="b"/>
+          <a:lstStyle>
+            <a:lvl1pPr>
+              <a:defRPr sz="3200"/>
+            </a:lvl1pPr>
+          </a:lstStyle>
+          <a:p>
+            <a:r>
+              <a:rPr lang="en-US"/>
+              <a:t>Click to edit Master title style</a:t>
+            </a:r>
+            <a:endParaRPr lang="en-GB"/>
+          </a:p>
+        </p:txBody>
+      </p:sp>
+      <p:sp>
+        <p:nvSpPr>
+          <p:cNvPr id="3" name="Picture Placeholder 2">
+            <a:extLst>
+              <a:ext uri="{FF2B5EF4-FFF2-40B4-BE49-F238E27FC236}">
+                <a16:creationId xmlns:a16="http://schemas.microsoft.com/office/drawing/2014/main" id="{0B2AF717-E709-AED4-B5E9-9993A6A76D74}"/>
+              </a:ext>
+            </a:extLst>
+          </p:cNvPr>
+          <p:cNvSpPr>
+            <a:spLocks noGrp="1"/>
+          </p:cNvSpPr>
+          <p:nvPr>
+            <p:ph type="pic" idx="1"/>
+          </p:nvPr>
         </p:nvSpPr>
         <p:spPr>
           <a:xfrm>
-            <a:off x="15" y="4915076"/>
-            <a:ext cx="12188825" cy="64008"/>
-          </a:xfrm>
-          <a:prstGeom prst="rect">
-            <a:avLst/>
-          </a:prstGeom>
-          <a:solidFill>
-            <a:schemeClr val="accent1"/>
-          </a:solidFill>
-          <a:ln>
-            <a:noFill/>
-          </a:ln>
-        </p:spPr>
-        <p:style>
-          <a:lnRef idx="2">
-            <a:schemeClr val="accent1">
-              <a:shade val="50000"/>
-            </a:schemeClr>
-          </a:lnRef>
-          <a:fillRef idx="1">
-            <a:schemeClr val="accent1"/>
-          </a:fillRef>
-          <a:effectRef idx="0">
-            <a:schemeClr val="accent1"/>
-          </a:effectRef>
-          <a:fontRef idx="minor">
-            <a:schemeClr val="lt1"/>
-          </a:fontRef>
-        </p:style>
-      </p:sp>
-      <p:sp>
-        <p:nvSpPr>
-          <p:cNvPr id="2" name="Title 1"/>
-          <p:cNvSpPr>
-            <a:spLocks noGrp="1"/>
-          </p:cNvSpPr>
-          <p:nvPr>
-            <p:ph type="title"/>
-          </p:nvPr>
-        </p:nvSpPr>
-        <p:spPr>
-          <a:xfrm>
-            <a:off x="1097280" y="5074920"/>
-            <a:ext cx="10113645" cy="822960"/>
+            <a:off x="5183188" y="987425"/>
+            <a:ext cx="6172200" cy="4873625"/>
           </a:xfrm>
         </p:spPr>
         <p:txBody>
-          <a:bodyPr lIns="91440" tIns="0" rIns="91440" bIns="0" anchor="b">
-            <a:noAutofit/>
-          </a:bodyPr>
-          <a:lstStyle>
-            <a:lvl1pPr>
-              <a:defRPr sz="3600" b="0">
-                <a:solidFill>
-                  <a:srgbClr val="FFFFFF"/>
-                </a:solidFill>
-              </a:defRPr>
-            </a:lvl1pPr>
-          </a:lstStyle>
-          <a:p>
-            <a:r>
-              <a:rPr lang="en-US"/>
-              <a:t>Click to edit Master title style</a:t>
-            </a:r>
-            <a:endParaRPr lang="en-US" dirty="0"/>
-          </a:p>
-        </p:txBody>
-      </p:sp>
-      <p:sp>
-        <p:nvSpPr>
-          <p:cNvPr id="3" name="Picture Placeholder 2"/>
-          <p:cNvSpPr>
-            <a:spLocks noGrp="1" noChangeAspect="1"/>
-          </p:cNvSpPr>
-          <p:nvPr>
-            <p:ph type="pic" idx="1"/>
-          </p:nvPr>
-        </p:nvSpPr>
-        <p:spPr>
-          <a:xfrm>
-            <a:off x="15" y="0"/>
-            <a:ext cx="12191985" cy="4915076"/>
-          </a:xfrm>
-          <a:solidFill>
-            <a:schemeClr val="bg2">
-              <a:lumMod val="90000"/>
-            </a:schemeClr>
-          </a:solidFill>
-        </p:spPr>
-        <p:txBody>
-          <a:bodyPr lIns="457200" tIns="457200" anchor="t"/>
+          <a:bodyPr/>
           <a:lstStyle>
             <a:lvl1pPr marL="0" indent="0">
               <a:buNone/>
@@ -2928,17 +2630,19 @@
             </a:lvl9pPr>
           </a:lstStyle>
           <a:p>
-            <a:r>
-              <a:rPr lang="en-US"/>
-              <a:t>Click icon to add picture</a:t>
-            </a:r>
-            <a:endParaRPr lang="en-US" dirty="0"/>
-          </a:p>
-        </p:txBody>
-      </p:sp>
-      <p:sp>
-        <p:nvSpPr>
-          <p:cNvPr id="4" name="Text Placeholder 3"/>
+            <a:endParaRPr lang="en-GB"/>
+          </a:p>
+        </p:txBody>
+      </p:sp>
+      <p:sp>
+        <p:nvSpPr>
+          <p:cNvPr id="4" name="Text Placeholder 3">
+            <a:extLst>
+              <a:ext uri="{FF2B5EF4-FFF2-40B4-BE49-F238E27FC236}">
+                <a16:creationId xmlns:a16="http://schemas.microsoft.com/office/drawing/2014/main" id="{E52161BC-501A-A8DC-E6F4-33DF7BFC0886}"/>
+              </a:ext>
+            </a:extLst>
+          </p:cNvPr>
           <p:cNvSpPr>
             <a:spLocks noGrp="1"/>
           </p:cNvSpPr>
@@ -2948,60 +2652,48 @@
         </p:nvSpPr>
         <p:spPr>
           <a:xfrm>
-            <a:off x="1097280" y="5907024"/>
-            <a:ext cx="10113264" cy="594360"/>
+            <a:off x="839788" y="2057400"/>
+            <a:ext cx="3932237" cy="3811588"/>
           </a:xfrm>
         </p:spPr>
         <p:txBody>
-          <a:bodyPr lIns="91440" tIns="0" rIns="91440" bIns="0">
-            <a:normAutofit/>
-          </a:bodyPr>
+          <a:bodyPr/>
           <a:lstStyle>
             <a:lvl1pPr marL="0" indent="0">
-              <a:spcBef>
-                <a:spcPts val="0"/>
-              </a:spcBef>
-              <a:spcAft>
-                <a:spcPts val="600"/>
-              </a:spcAft>
-              <a:buNone/>
-              <a:defRPr sz="1500">
-                <a:solidFill>
-                  <a:srgbClr val="FFFFFF"/>
-                </a:solidFill>
-              </a:defRPr>
+              <a:buNone/>
+              <a:defRPr sz="1600"/>
             </a:lvl1pPr>
             <a:lvl2pPr marL="457200" indent="0">
               <a:buNone/>
-              <a:defRPr sz="1200"/>
+              <a:defRPr sz="1400"/>
             </a:lvl2pPr>
             <a:lvl3pPr marL="914400" indent="0">
               <a:buNone/>
-              <a:defRPr sz="1000"/>
+              <a:defRPr sz="1200"/>
             </a:lvl3pPr>
             <a:lvl4pPr marL="1371600" indent="0">
               <a:buNone/>
-              <a:defRPr sz="900"/>
+              <a:defRPr sz="1000"/>
             </a:lvl4pPr>
             <a:lvl5pPr marL="1828800" indent="0">
               <a:buNone/>
-              <a:defRPr sz="900"/>
+              <a:defRPr sz="1000"/>
             </a:lvl5pPr>
             <a:lvl6pPr marL="2286000" indent="0">
               <a:buNone/>
-              <a:defRPr sz="900"/>
+              <a:defRPr sz="1000"/>
             </a:lvl6pPr>
             <a:lvl7pPr marL="2743200" indent="0">
               <a:buNone/>
-              <a:defRPr sz="900"/>
+              <a:defRPr sz="1000"/>
             </a:lvl7pPr>
             <a:lvl8pPr marL="3200400" indent="0">
               <a:buNone/>
-              <a:defRPr sz="900"/>
+              <a:defRPr sz="1000"/>
             </a:lvl8pPr>
             <a:lvl9pPr marL="3657600" indent="0">
               <a:buNone/>
-              <a:defRPr sz="900"/>
+              <a:defRPr sz="1000"/>
             </a:lvl9pPr>
           </a:lstStyle>
           <a:p>
@@ -3015,7 +2707,13 @@
       </p:sp>
       <p:sp>
         <p:nvSpPr>
-          <p:cNvPr id="5" name="Date Placeholder 4"/>
+          <p:cNvPr id="5" name="Date Placeholder 4">
+            <a:extLst>
+              <a:ext uri="{FF2B5EF4-FFF2-40B4-BE49-F238E27FC236}">
+                <a16:creationId xmlns:a16="http://schemas.microsoft.com/office/drawing/2014/main" id="{7742A9BF-57C6-C7C9-DF1C-A4942BD8C711}"/>
+              </a:ext>
+            </a:extLst>
+          </p:cNvPr>
           <p:cNvSpPr>
             <a:spLocks noGrp="1"/>
           </p:cNvSpPr>
@@ -3038,7 +2736,13 @@
       </p:sp>
       <p:sp>
         <p:nvSpPr>
-          <p:cNvPr id="6" name="Footer Placeholder 5"/>
+          <p:cNvPr id="6" name="Footer Placeholder 5">
+            <a:extLst>
+              <a:ext uri="{FF2B5EF4-FFF2-40B4-BE49-F238E27FC236}">
+                <a16:creationId xmlns:a16="http://schemas.microsoft.com/office/drawing/2014/main" id="{EC47369E-E371-1882-E833-7015990C1B23}"/>
+              </a:ext>
+            </a:extLst>
+          </p:cNvPr>
           <p:cNvSpPr>
             <a:spLocks noGrp="1"/>
           </p:cNvSpPr>
@@ -3057,7 +2761,13 @@
       </p:sp>
       <p:sp>
         <p:nvSpPr>
-          <p:cNvPr id="7" name="Slide Number Placeholder 6"/>
+          <p:cNvPr id="7" name="Slide Number Placeholder 6">
+            <a:extLst>
+              <a:ext uri="{FF2B5EF4-FFF2-40B4-BE49-F238E27FC236}">
+                <a16:creationId xmlns:a16="http://schemas.microsoft.com/office/drawing/2014/main" id="{473B0149-A29B-95D3-FD2C-1C1CED92575C}"/>
+              </a:ext>
+            </a:extLst>
+          </p:cNvPr>
           <p:cNvSpPr>
             <a:spLocks noGrp="1"/>
           </p:cNvSpPr>
@@ -3081,7 +2791,7 @@
     </p:spTree>
     <p:extLst>
       <p:ext uri="{BB962C8B-B14F-4D97-AF65-F5344CB8AC3E}">
-        <p14:creationId xmlns:p14="http://schemas.microsoft.com/office/powerpoint/2010/main" val="2957106998"/>
+        <p14:creationId xmlns:p14="http://schemas.microsoft.com/office/powerpoint/2010/main" val="1073866524"/>
       </p:ext>
     </p:extLst>
   </p:cSld>
@@ -3115,101 +2825,31 @@
       </p:grpSpPr>
       <p:sp>
         <p:nvSpPr>
-          <p:cNvPr id="7" name="Rectangle 6"/>
-          <p:cNvSpPr/>
-          <p:nvPr/>
+          <p:cNvPr id="2" name="Title Placeholder 1">
+            <a:extLst>
+              <a:ext uri="{FF2B5EF4-FFF2-40B4-BE49-F238E27FC236}">
+                <a16:creationId xmlns:a16="http://schemas.microsoft.com/office/drawing/2014/main" id="{3033CA3B-F857-7F53-D2E5-398F42F6A427}"/>
+              </a:ext>
+            </a:extLst>
+          </p:cNvPr>
+          <p:cNvSpPr>
+            <a:spLocks noGrp="1"/>
+          </p:cNvSpPr>
+          <p:nvPr>
+            <p:ph type="title"/>
+          </p:nvPr>
         </p:nvSpPr>
         <p:spPr>
           <a:xfrm>
-            <a:off x="1" y="6400800"/>
-            <a:ext cx="12192000" cy="457200"/>
-          </a:xfrm>
-          <a:prstGeom prst="rect">
-            <a:avLst/>
-          </a:prstGeom>
-          <a:solidFill>
-            <a:schemeClr val="accent2"/>
-          </a:solidFill>
-          <a:ln>
-            <a:noFill/>
-          </a:ln>
-        </p:spPr>
-        <p:style>
-          <a:lnRef idx="2">
-            <a:schemeClr val="accent1">
-              <a:shade val="50000"/>
-            </a:schemeClr>
-          </a:lnRef>
-          <a:fillRef idx="1">
-            <a:schemeClr val="accent1"/>
-          </a:fillRef>
-          <a:effectRef idx="0">
-            <a:schemeClr val="accent1"/>
-          </a:effectRef>
-          <a:fontRef idx="minor">
-            <a:schemeClr val="lt1"/>
-          </a:fontRef>
-        </p:style>
-      </p:sp>
-      <p:sp>
-        <p:nvSpPr>
-          <p:cNvPr id="9" name="Rectangle 8"/>
-          <p:cNvSpPr/>
-          <p:nvPr/>
-        </p:nvSpPr>
-        <p:spPr>
-          <a:xfrm>
-            <a:off x="15" y="6334316"/>
-            <a:ext cx="12191985" cy="66484"/>
-          </a:xfrm>
-          <a:prstGeom prst="rect">
-            <a:avLst/>
-          </a:prstGeom>
-          <a:solidFill>
-            <a:schemeClr val="accent1"/>
-          </a:solidFill>
-          <a:ln>
-            <a:noFill/>
-          </a:ln>
-        </p:spPr>
-        <p:style>
-          <a:lnRef idx="2">
-            <a:schemeClr val="accent1">
-              <a:shade val="50000"/>
-            </a:schemeClr>
-          </a:lnRef>
-          <a:fillRef idx="1">
-            <a:schemeClr val="accent1"/>
-          </a:fillRef>
-          <a:effectRef idx="0">
-            <a:schemeClr val="accent1"/>
-          </a:effectRef>
-          <a:fontRef idx="minor">
-            <a:schemeClr val="lt1"/>
-          </a:fontRef>
-        </p:style>
-      </p:sp>
-      <p:sp>
-        <p:nvSpPr>
-          <p:cNvPr id="2" name="Title Placeholder 1"/>
-          <p:cNvSpPr>
-            <a:spLocks noGrp="1"/>
-          </p:cNvSpPr>
-          <p:nvPr>
-            <p:ph type="title"/>
-          </p:nvPr>
-        </p:nvSpPr>
-        <p:spPr>
-          <a:xfrm>
-            <a:off x="1097280" y="286603"/>
-            <a:ext cx="10058400" cy="1450757"/>
+            <a:off x="838200" y="365125"/>
+            <a:ext cx="10515600" cy="1325563"/>
           </a:xfrm>
           <a:prstGeom prst="rect">
             <a:avLst/>
           </a:prstGeom>
         </p:spPr>
         <p:txBody>
-          <a:bodyPr vert="horz" lIns="91440" tIns="45720" rIns="91440" bIns="45720" rtlCol="0" anchor="b">
+          <a:bodyPr vert="horz" lIns="91440" tIns="45720" rIns="91440" bIns="45720" rtlCol="0" anchor="ctr">
             <a:normAutofit/>
           </a:bodyPr>
           <a:lstStyle/>
@@ -3218,13 +2858,19 @@
               <a:rPr lang="en-US"/>
               <a:t>Click to edit Master title style</a:t>
             </a:r>
-            <a:endParaRPr lang="en-US" dirty="0"/>
-          </a:p>
-        </p:txBody>
-      </p:sp>
-      <p:sp>
-        <p:nvSpPr>
-          <p:cNvPr id="3" name="Text Placeholder 2"/>
+            <a:endParaRPr lang="en-GB"/>
+          </a:p>
+        </p:txBody>
+      </p:sp>
+      <p:sp>
+        <p:nvSpPr>
+          <p:cNvPr id="3" name="Text Placeholder 2">
+            <a:extLst>
+              <a:ext uri="{FF2B5EF4-FFF2-40B4-BE49-F238E27FC236}">
+                <a16:creationId xmlns:a16="http://schemas.microsoft.com/office/drawing/2014/main" id="{ADA4771C-7F51-6C48-457D-C52AB0AB1D4B}"/>
+              </a:ext>
+            </a:extLst>
+          </p:cNvPr>
           <p:cNvSpPr>
             <a:spLocks noGrp="1"/>
           </p:cNvSpPr>
@@ -3234,15 +2880,15 @@
         </p:nvSpPr>
         <p:spPr>
           <a:xfrm>
-            <a:off x="1097280" y="1845734"/>
-            <a:ext cx="10058400" cy="4023360"/>
+            <a:off x="838200" y="1825625"/>
+            <a:ext cx="10515600" cy="4351338"/>
           </a:xfrm>
           <a:prstGeom prst="rect">
             <a:avLst/>
           </a:prstGeom>
         </p:spPr>
         <p:txBody>
-          <a:bodyPr vert="horz" lIns="0" tIns="45720" rIns="0" bIns="45720" rtlCol="0">
+          <a:bodyPr vert="horz" lIns="91440" tIns="45720" rIns="91440" bIns="45720" rtlCol="0">
             <a:normAutofit/>
           </a:bodyPr>
           <a:lstStyle/>
@@ -3280,13 +2926,19 @@
               <a:rPr lang="en-US"/>
               <a:t>Fifth level</a:t>
             </a:r>
-            <a:endParaRPr lang="en-US" dirty="0"/>
-          </a:p>
-        </p:txBody>
-      </p:sp>
-      <p:sp>
-        <p:nvSpPr>
-          <p:cNvPr id="4" name="Date Placeholder 3"/>
+            <a:endParaRPr lang="en-GB"/>
+          </a:p>
+        </p:txBody>
+      </p:sp>
+      <p:sp>
+        <p:nvSpPr>
+          <p:cNvPr id="4" name="Date Placeholder 3">
+            <a:extLst>
+              <a:ext uri="{FF2B5EF4-FFF2-40B4-BE49-F238E27FC236}">
+                <a16:creationId xmlns:a16="http://schemas.microsoft.com/office/drawing/2014/main" id="{E2482CCA-E8DF-C657-4E72-D9955261F745}"/>
+              </a:ext>
+            </a:extLst>
+          </p:cNvPr>
           <p:cNvSpPr>
             <a:spLocks noGrp="1"/>
           </p:cNvSpPr>
@@ -3296,8 +2948,8 @@
         </p:nvSpPr>
         <p:spPr>
           <a:xfrm>
-            <a:off x="1097280" y="6459785"/>
-            <a:ext cx="2472271" cy="365125"/>
+            <a:off x="838200" y="6356350"/>
+            <a:ext cx="2743200" cy="365125"/>
           </a:xfrm>
           <a:prstGeom prst="rect">
             <a:avLst/>
@@ -3307,9 +2959,11 @@
           <a:bodyPr vert="horz" lIns="91440" tIns="45720" rIns="91440" bIns="45720" rtlCol="0" anchor="ctr"/>
           <a:lstStyle>
             <a:lvl1pPr algn="l">
-              <a:defRPr sz="900">
+              <a:defRPr sz="1200">
                 <a:solidFill>
-                  <a:srgbClr val="FFFFFF"/>
+                  <a:schemeClr val="tx1">
+                    <a:tint val="75000"/>
+                  </a:schemeClr>
                 </a:solidFill>
               </a:defRPr>
             </a:lvl1pPr>
@@ -3325,7 +2979,13 @@
       </p:sp>
       <p:sp>
         <p:nvSpPr>
-          <p:cNvPr id="5" name="Footer Placeholder 4"/>
+          <p:cNvPr id="5" name="Footer Placeholder 4">
+            <a:extLst>
+              <a:ext uri="{FF2B5EF4-FFF2-40B4-BE49-F238E27FC236}">
+                <a16:creationId xmlns:a16="http://schemas.microsoft.com/office/drawing/2014/main" id="{CC8E3B32-A654-E5C5-A8CB-C1DD4D02252B}"/>
+              </a:ext>
+            </a:extLst>
+          </p:cNvPr>
           <p:cNvSpPr>
             <a:spLocks noGrp="1"/>
           </p:cNvSpPr>
@@ -3335,8 +2995,8 @@
         </p:nvSpPr>
         <p:spPr>
           <a:xfrm>
-            <a:off x="3686185" y="6459785"/>
-            <a:ext cx="4822804" cy="365125"/>
+            <a:off x="4038600" y="6356350"/>
+            <a:ext cx="4114800" cy="365125"/>
           </a:xfrm>
           <a:prstGeom prst="rect">
             <a:avLst/>
@@ -3346,9 +3006,11 @@
           <a:bodyPr vert="horz" lIns="91440" tIns="45720" rIns="91440" bIns="45720" rtlCol="0" anchor="ctr"/>
           <a:lstStyle>
             <a:lvl1pPr algn="ctr">
-              <a:defRPr sz="900" cap="all" baseline="0">
+              <a:defRPr sz="1200">
                 <a:solidFill>
-                  <a:srgbClr val="FFFFFF"/>
+                  <a:schemeClr val="tx1">
+                    <a:tint val="75000"/>
+                  </a:schemeClr>
                 </a:solidFill>
               </a:defRPr>
             </a:lvl1pPr>
@@ -3360,7 +3022,13 @@
       </p:sp>
       <p:sp>
         <p:nvSpPr>
-          <p:cNvPr id="6" name="Slide Number Placeholder 5"/>
+          <p:cNvPr id="6" name="Slide Number Placeholder 5">
+            <a:extLst>
+              <a:ext uri="{FF2B5EF4-FFF2-40B4-BE49-F238E27FC236}">
+                <a16:creationId xmlns:a16="http://schemas.microsoft.com/office/drawing/2014/main" id="{D761A2BB-2544-E7D7-AAB8-8601B9E05EAA}"/>
+              </a:ext>
+            </a:extLst>
+          </p:cNvPr>
           <p:cNvSpPr>
             <a:spLocks noGrp="1"/>
           </p:cNvSpPr>
@@ -3370,8 +3038,8 @@
         </p:nvSpPr>
         <p:spPr>
           <a:xfrm>
-            <a:off x="9900458" y="6459785"/>
-            <a:ext cx="1312025" cy="365125"/>
+            <a:off x="8610600" y="6356350"/>
+            <a:ext cx="2743200" cy="365125"/>
           </a:xfrm>
           <a:prstGeom prst="rect">
             <a:avLst/>
@@ -3381,9 +3049,11 @@
           <a:bodyPr vert="horz" lIns="91440" tIns="45720" rIns="91440" bIns="45720" rtlCol="0" anchor="ctr"/>
           <a:lstStyle>
             <a:lvl1pPr algn="r">
-              <a:defRPr sz="1050">
+              <a:defRPr sz="1200">
                 <a:solidFill>
-                  <a:srgbClr val="FFFFFF"/>
+                  <a:schemeClr val="tx1">
+                    <a:tint val="75000"/>
+                  </a:schemeClr>
                 </a:solidFill>
               </a:defRPr>
             </a:lvl1pPr>
@@ -3397,81 +3067,40 @@
           </a:p>
         </p:txBody>
       </p:sp>
-      <p:cxnSp>
-        <p:nvCxnSpPr>
-          <p:cNvPr id="10" name="Straight Connector 9"/>
-          <p:cNvCxnSpPr/>
-          <p:nvPr/>
-        </p:nvCxnSpPr>
-        <p:spPr>
-          <a:xfrm>
-            <a:off x="1193532" y="1737845"/>
-            <a:ext cx="9966960" cy="0"/>
-          </a:xfrm>
-          <a:prstGeom prst="line">
-            <a:avLst/>
-          </a:prstGeom>
-          <a:ln w="6350">
-            <a:solidFill>
-              <a:schemeClr val="tx1">
-                <a:lumMod val="50000"/>
-                <a:lumOff val="50000"/>
-              </a:schemeClr>
-            </a:solidFill>
-          </a:ln>
-        </p:spPr>
-        <p:style>
-          <a:lnRef idx="1">
-            <a:schemeClr val="accent1"/>
-          </a:lnRef>
-          <a:fillRef idx="0">
-            <a:schemeClr val="accent1"/>
-          </a:fillRef>
-          <a:effectRef idx="0">
-            <a:schemeClr val="accent1"/>
-          </a:effectRef>
-          <a:fontRef idx="minor">
-            <a:schemeClr val="tx1"/>
-          </a:fontRef>
-        </p:style>
-      </p:cxnSp>
     </p:spTree>
     <p:extLst>
       <p:ext uri="{BB962C8B-B14F-4D97-AF65-F5344CB8AC3E}">
-        <p14:creationId xmlns:p14="http://schemas.microsoft.com/office/powerpoint/2010/main" val="2988737652"/>
+        <p14:creationId xmlns:p14="http://schemas.microsoft.com/office/powerpoint/2010/main" val="4114851363"/>
       </p:ext>
     </p:extLst>
   </p:cSld>
   <p:clrMap bg1="lt1" tx1="dk1" bg2="lt2" tx2="dk2" accent1="accent1" accent2="accent2" accent3="accent3" accent4="accent4" accent5="accent5" accent6="accent6" hlink="hlink" folHlink="folHlink"/>
   <p:sldLayoutIdLst>
-    <p:sldLayoutId id="2147483690" r:id="rId1"/>
-    <p:sldLayoutId id="2147483691" r:id="rId2"/>
-    <p:sldLayoutId id="2147483692" r:id="rId3"/>
-    <p:sldLayoutId id="2147483693" r:id="rId4"/>
-    <p:sldLayoutId id="2147483694" r:id="rId5"/>
-    <p:sldLayoutId id="2147483695" r:id="rId6"/>
-    <p:sldLayoutId id="2147483696" r:id="rId7"/>
-    <p:sldLayoutId id="2147483697" r:id="rId8"/>
-    <p:sldLayoutId id="2147483698" r:id="rId9"/>
-    <p:sldLayoutId id="2147483699" r:id="rId10"/>
-    <p:sldLayoutId id="2147483700" r:id="rId11"/>
+    <p:sldLayoutId id="2147483702" r:id="rId1"/>
+    <p:sldLayoutId id="2147483703" r:id="rId2"/>
+    <p:sldLayoutId id="2147483704" r:id="rId3"/>
+    <p:sldLayoutId id="2147483705" r:id="rId4"/>
+    <p:sldLayoutId id="2147483706" r:id="rId5"/>
+    <p:sldLayoutId id="2147483707" r:id="rId6"/>
+    <p:sldLayoutId id="2147483708" r:id="rId7"/>
+    <p:sldLayoutId id="2147483709" r:id="rId8"/>
+    <p:sldLayoutId id="2147483710" r:id="rId9"/>
+    <p:sldLayoutId id="2147483711" r:id="rId10"/>
+    <p:sldLayoutId id="2147483712" r:id="rId11"/>
   </p:sldLayoutIdLst>
   <p:txStyles>
     <p:titleStyle>
       <a:lvl1pPr algn="l" defTabSz="914400" rtl="0" eaLnBrk="1" latinLnBrk="0" hangingPunct="1">
         <a:lnSpc>
-          <a:spcPct val="85000"/>
+          <a:spcPct val="90000"/>
         </a:lnSpc>
         <a:spcBef>
           <a:spcPct val="0"/>
         </a:spcBef>
         <a:buNone/>
-        <a:defRPr sz="4800" kern="1200" spc="-50" baseline="0">
+        <a:defRPr sz="4400" kern="1200">
           <a:solidFill>
-            <a:schemeClr val="tx1">
-              <a:lumMod val="75000"/>
-              <a:lumOff val="25000"/>
-            </a:schemeClr>
+            <a:schemeClr val="tx1"/>
           </a:solidFill>
           <a:latin typeface="+mj-lt"/>
           <a:ea typeface="+mj-ea"/>
@@ -3480,244 +3109,162 @@
       </a:lvl1pPr>
     </p:titleStyle>
     <p:bodyStyle>
-      <a:lvl1pPr marL="91440" indent="-91440" algn="l" defTabSz="914400" rtl="0" eaLnBrk="1" latinLnBrk="0" hangingPunct="1">
+      <a:lvl1pPr marL="228600" indent="-228600" algn="l" defTabSz="914400" rtl="0" eaLnBrk="1" latinLnBrk="0" hangingPunct="1">
         <a:lnSpc>
           <a:spcPct val="90000"/>
         </a:lnSpc>
         <a:spcBef>
-          <a:spcPts val="1200"/>
+          <a:spcPts val="1000"/>
         </a:spcBef>
-        <a:spcAft>
-          <a:spcPts val="200"/>
-        </a:spcAft>
-        <a:buClr>
-          <a:schemeClr val="accent1"/>
-        </a:buClr>
-        <a:buSzPct val="100000"/>
-        <a:buFont typeface="Calibri" panose="020F0502020204030204" pitchFamily="34" charset="0"/>
-        <a:buChar char=" "/>
-        <a:defRPr sz="2000" kern="1200">
+        <a:buFont typeface="Arial" panose="020B0604020202020204" pitchFamily="34" charset="0"/>
+        <a:buChar char="•"/>
+        <a:defRPr sz="2800" kern="1200">
           <a:solidFill>
-            <a:schemeClr val="tx1">
-              <a:lumMod val="75000"/>
-              <a:lumOff val="25000"/>
-            </a:schemeClr>
+            <a:schemeClr val="tx1"/>
           </a:solidFill>
           <a:latin typeface="+mn-lt"/>
           <a:ea typeface="+mn-ea"/>
           <a:cs typeface="+mn-cs"/>
         </a:defRPr>
       </a:lvl1pPr>
-      <a:lvl2pPr marL="384048" indent="-182880" algn="l" defTabSz="914400" rtl="0" eaLnBrk="1" latinLnBrk="0" hangingPunct="1">
+      <a:lvl2pPr marL="685800" indent="-228600" algn="l" defTabSz="914400" rtl="0" eaLnBrk="1" latinLnBrk="0" hangingPunct="1">
         <a:lnSpc>
           <a:spcPct val="90000"/>
         </a:lnSpc>
         <a:spcBef>
-          <a:spcPts val="200"/>
+          <a:spcPts val="500"/>
         </a:spcBef>
-        <a:spcAft>
-          <a:spcPts val="400"/>
-        </a:spcAft>
-        <a:buClr>
-          <a:schemeClr val="accent1"/>
-        </a:buClr>
-        <a:buFont typeface="Calibri" pitchFamily="34" charset="0"/>
-        <a:buChar char="◦"/>
-        <a:defRPr sz="1800" kern="1200">
+        <a:buFont typeface="Arial" panose="020B0604020202020204" pitchFamily="34" charset="0"/>
+        <a:buChar char="•"/>
+        <a:defRPr sz="2400" kern="1200">
           <a:solidFill>
-            <a:schemeClr val="tx1">
-              <a:lumMod val="75000"/>
-              <a:lumOff val="25000"/>
-            </a:schemeClr>
+            <a:schemeClr val="tx1"/>
           </a:solidFill>
           <a:latin typeface="+mn-lt"/>
           <a:ea typeface="+mn-ea"/>
           <a:cs typeface="+mn-cs"/>
         </a:defRPr>
       </a:lvl2pPr>
-      <a:lvl3pPr marL="566928" indent="-182880" algn="l" defTabSz="914400" rtl="0" eaLnBrk="1" latinLnBrk="0" hangingPunct="1">
+      <a:lvl3pPr marL="1143000" indent="-228600" algn="l" defTabSz="914400" rtl="0" eaLnBrk="1" latinLnBrk="0" hangingPunct="1">
         <a:lnSpc>
           <a:spcPct val="90000"/>
         </a:lnSpc>
         <a:spcBef>
-          <a:spcPts val="200"/>
+          <a:spcPts val="500"/>
         </a:spcBef>
-        <a:spcAft>
-          <a:spcPts val="400"/>
-        </a:spcAft>
-        <a:buClr>
-          <a:schemeClr val="accent1"/>
-        </a:buClr>
-        <a:buFont typeface="Calibri" pitchFamily="34" charset="0"/>
-        <a:buChar char="◦"/>
-        <a:defRPr sz="1400" kern="1200">
+        <a:buFont typeface="Arial" panose="020B0604020202020204" pitchFamily="34" charset="0"/>
+        <a:buChar char="•"/>
+        <a:defRPr sz="2000" kern="1200">
           <a:solidFill>
-            <a:schemeClr val="tx1">
-              <a:lumMod val="75000"/>
-              <a:lumOff val="25000"/>
-            </a:schemeClr>
+            <a:schemeClr val="tx1"/>
           </a:solidFill>
           <a:latin typeface="+mn-lt"/>
           <a:ea typeface="+mn-ea"/>
           <a:cs typeface="+mn-cs"/>
         </a:defRPr>
       </a:lvl3pPr>
-      <a:lvl4pPr marL="749808" indent="-182880" algn="l" defTabSz="914400" rtl="0" eaLnBrk="1" latinLnBrk="0" hangingPunct="1">
+      <a:lvl4pPr marL="1600200" indent="-228600" algn="l" defTabSz="914400" rtl="0" eaLnBrk="1" latinLnBrk="0" hangingPunct="1">
         <a:lnSpc>
           <a:spcPct val="90000"/>
         </a:lnSpc>
         <a:spcBef>
-          <a:spcPts val="200"/>
+          <a:spcPts val="500"/>
         </a:spcBef>
-        <a:spcAft>
-          <a:spcPts val="400"/>
-        </a:spcAft>
-        <a:buClr>
-          <a:schemeClr val="accent1"/>
-        </a:buClr>
-        <a:buFont typeface="Calibri" pitchFamily="34" charset="0"/>
-        <a:buChar char="◦"/>
-        <a:defRPr sz="1400" kern="1200">
+        <a:buFont typeface="Arial" panose="020B0604020202020204" pitchFamily="34" charset="0"/>
+        <a:buChar char="•"/>
+        <a:defRPr sz="1800" kern="1200">
           <a:solidFill>
-            <a:schemeClr val="tx1">
-              <a:lumMod val="75000"/>
-              <a:lumOff val="25000"/>
-            </a:schemeClr>
+            <a:schemeClr val="tx1"/>
           </a:solidFill>
           <a:latin typeface="+mn-lt"/>
           <a:ea typeface="+mn-ea"/>
           <a:cs typeface="+mn-cs"/>
         </a:defRPr>
       </a:lvl4pPr>
-      <a:lvl5pPr marL="932688" indent="-182880" algn="l" defTabSz="914400" rtl="0" eaLnBrk="1" latinLnBrk="0" hangingPunct="1">
+      <a:lvl5pPr marL="2057400" indent="-228600" algn="l" defTabSz="914400" rtl="0" eaLnBrk="1" latinLnBrk="0" hangingPunct="1">
         <a:lnSpc>
           <a:spcPct val="90000"/>
         </a:lnSpc>
         <a:spcBef>
-          <a:spcPts val="200"/>
+          <a:spcPts val="500"/>
         </a:spcBef>
-        <a:spcAft>
-          <a:spcPts val="400"/>
-        </a:spcAft>
-        <a:buClr>
-          <a:schemeClr val="accent1"/>
-        </a:buClr>
-        <a:buFont typeface="Calibri" pitchFamily="34" charset="0"/>
-        <a:buChar char="◦"/>
-        <a:defRPr sz="1400" kern="1200">
+        <a:buFont typeface="Arial" panose="020B0604020202020204" pitchFamily="34" charset="0"/>
+        <a:buChar char="•"/>
+        <a:defRPr sz="1800" kern="1200">
           <a:solidFill>
-            <a:schemeClr val="tx1">
-              <a:lumMod val="75000"/>
-              <a:lumOff val="25000"/>
-            </a:schemeClr>
+            <a:schemeClr val="tx1"/>
           </a:solidFill>
           <a:latin typeface="+mn-lt"/>
           <a:ea typeface="+mn-ea"/>
           <a:cs typeface="+mn-cs"/>
         </a:defRPr>
       </a:lvl5pPr>
-      <a:lvl6pPr marL="1100000" indent="-228600" algn="l" defTabSz="914400" rtl="0" eaLnBrk="1" latinLnBrk="0" hangingPunct="1">
+      <a:lvl6pPr marL="2514600" indent="-228600" algn="l" defTabSz="914400" rtl="0" eaLnBrk="1" latinLnBrk="0" hangingPunct="1">
         <a:lnSpc>
           <a:spcPct val="90000"/>
         </a:lnSpc>
         <a:spcBef>
-          <a:spcPts val="200"/>
+          <a:spcPts val="500"/>
         </a:spcBef>
-        <a:spcAft>
-          <a:spcPts val="400"/>
-        </a:spcAft>
-        <a:buClr>
-          <a:schemeClr val="accent1"/>
-        </a:buClr>
-        <a:buFont typeface="Calibri" pitchFamily="34" charset="0"/>
-        <a:buChar char="◦"/>
-        <a:defRPr sz="1400" kern="1200">
+        <a:buFont typeface="Arial" panose="020B0604020202020204" pitchFamily="34" charset="0"/>
+        <a:buChar char="•"/>
+        <a:defRPr sz="1800" kern="1200">
           <a:solidFill>
-            <a:schemeClr val="tx1">
-              <a:lumMod val="75000"/>
-              <a:lumOff val="25000"/>
-            </a:schemeClr>
+            <a:schemeClr val="tx1"/>
           </a:solidFill>
           <a:latin typeface="+mn-lt"/>
           <a:ea typeface="+mn-ea"/>
           <a:cs typeface="+mn-cs"/>
         </a:defRPr>
       </a:lvl6pPr>
-      <a:lvl7pPr marL="1300000" indent="-228600" algn="l" defTabSz="914400" rtl="0" eaLnBrk="1" latinLnBrk="0" hangingPunct="1">
+      <a:lvl7pPr marL="2971800" indent="-228600" algn="l" defTabSz="914400" rtl="0" eaLnBrk="1" latinLnBrk="0" hangingPunct="1">
         <a:lnSpc>
           <a:spcPct val="90000"/>
         </a:lnSpc>
         <a:spcBef>
-          <a:spcPts val="200"/>
+          <a:spcPts val="500"/>
         </a:spcBef>
-        <a:spcAft>
-          <a:spcPts val="400"/>
-        </a:spcAft>
-        <a:buClr>
-          <a:schemeClr val="accent1"/>
-        </a:buClr>
-        <a:buFont typeface="Calibri" pitchFamily="34" charset="0"/>
-        <a:buChar char="◦"/>
-        <a:defRPr sz="1400" kern="1200">
+        <a:buFont typeface="Arial" panose="020B0604020202020204" pitchFamily="34" charset="0"/>
+        <a:buChar char="•"/>
+        <a:defRPr sz="1800" kern="1200">
           <a:solidFill>
-            <a:schemeClr val="tx1">
-              <a:lumMod val="75000"/>
-              <a:lumOff val="25000"/>
-            </a:schemeClr>
+            <a:schemeClr val="tx1"/>
           </a:solidFill>
           <a:latin typeface="+mn-lt"/>
           <a:ea typeface="+mn-ea"/>
           <a:cs typeface="+mn-cs"/>
         </a:defRPr>
       </a:lvl7pPr>
-      <a:lvl8pPr marL="1500000" indent="-228600" algn="l" defTabSz="914400" rtl="0" eaLnBrk="1" latinLnBrk="0" hangingPunct="1">
+      <a:lvl8pPr marL="3429000" indent="-228600" algn="l" defTabSz="914400" rtl="0" eaLnBrk="1" latinLnBrk="0" hangingPunct="1">
         <a:lnSpc>
           <a:spcPct val="90000"/>
         </a:lnSpc>
         <a:spcBef>
-          <a:spcPts val="200"/>
+          <a:spcPts val="500"/>
         </a:spcBef>
-        <a:spcAft>
-          <a:spcPts val="400"/>
-        </a:spcAft>
-        <a:buClr>
-          <a:schemeClr val="accent1"/>
-        </a:buClr>
-        <a:buFont typeface="Calibri" pitchFamily="34" charset="0"/>
-        <a:buChar char="◦"/>
-        <a:defRPr sz="1400" kern="1200">
+        <a:buFont typeface="Arial" panose="020B0604020202020204" pitchFamily="34" charset="0"/>
+        <a:buChar char="•"/>
+        <a:defRPr sz="1800" kern="1200">
           <a:solidFill>
-            <a:schemeClr val="tx1">
-              <a:lumMod val="75000"/>
-              <a:lumOff val="25000"/>
-            </a:schemeClr>
+            <a:schemeClr val="tx1"/>
           </a:solidFill>
           <a:latin typeface="+mn-lt"/>
           <a:ea typeface="+mn-ea"/>
           <a:cs typeface="+mn-cs"/>
         </a:defRPr>
       </a:lvl8pPr>
-      <a:lvl9pPr marL="1700000" indent="-228600" algn="l" defTabSz="914400" rtl="0" eaLnBrk="1" latinLnBrk="0" hangingPunct="1">
+      <a:lvl9pPr marL="3886200" indent="-228600" algn="l" defTabSz="914400" rtl="0" eaLnBrk="1" latinLnBrk="0" hangingPunct="1">
         <a:lnSpc>
           <a:spcPct val="90000"/>
         </a:lnSpc>
         <a:spcBef>
-          <a:spcPts val="200"/>
+          <a:spcPts val="500"/>
         </a:spcBef>
-        <a:spcAft>
-          <a:spcPts val="400"/>
-        </a:spcAft>
-        <a:buClr>
-          <a:schemeClr val="accent1"/>
-        </a:buClr>
-        <a:buFont typeface="Calibri" pitchFamily="34" charset="0"/>
-        <a:buChar char="◦"/>
-        <a:defRPr sz="1400" kern="1200">
+        <a:buFont typeface="Arial" panose="020B0604020202020204" pitchFamily="34" charset="0"/>
+        <a:buChar char="•"/>
+        <a:defRPr sz="1800" kern="1200">
           <a:solidFill>
-            <a:schemeClr val="tx1">
-              <a:lumMod val="75000"/>
-              <a:lumOff val="25000"/>
-            </a:schemeClr>
+            <a:schemeClr val="tx1"/>
           </a:solidFill>
           <a:latin typeface="+mn-lt"/>
           <a:ea typeface="+mn-ea"/>
@@ -4621,97 +4168,102 @@
             <p:ph idx="1"/>
           </p:nvPr>
         </p:nvSpPr>
-        <p:spPr/>
+        <p:spPr>
+          <a:xfrm>
+            <a:off x="838200" y="1306286"/>
+            <a:ext cx="10515600" cy="4870677"/>
+          </a:xfrm>
+        </p:spPr>
         <p:txBody>
           <a:bodyPr>
-            <a:normAutofit fontScale="92500" lnSpcReduction="20000"/>
+            <a:normAutofit/>
           </a:bodyPr>
           <a:lstStyle/>
           <a:p>
             <a:r>
-              <a:rPr lang="en-GB" dirty="0"/>
+              <a:rPr lang="en-GB" sz="1900" dirty="0"/>
               <a:t>True North Surf Club is an independent Surf Club that is affiliated with Surfing England, and is based in North Tyneside.</a:t>
             </a:r>
           </a:p>
           <a:p>
             <a:r>
-              <a:rPr lang="en-GB" dirty="0"/>
+              <a:rPr lang="en-GB" sz="1900" dirty="0"/>
               <a:t>They have requested the creation of a website for the surf club, which includes the following features:</a:t>
             </a:r>
           </a:p>
           <a:p>
             <a:r>
-              <a:rPr lang="en-GB" dirty="0"/>
+              <a:rPr lang="en-GB" sz="1900" dirty="0"/>
               <a:t>- a </a:t>
             </a:r>
             <a:r>
-              <a:rPr lang="en-GB" b="1" dirty="0"/>
+              <a:rPr lang="en-GB" sz="1900" b="1" dirty="0"/>
               <a:t>gallery page</a:t>
             </a:r>
             <a:r>
-              <a:rPr lang="en-GB" dirty="0"/>
+              <a:rPr lang="en-GB" sz="1900" dirty="0"/>
               <a:t> to showcase their images.</a:t>
             </a:r>
           </a:p>
           <a:p>
             <a:r>
-              <a:rPr lang="en-GB" dirty="0"/>
+              <a:rPr lang="en-GB" sz="1900" dirty="0"/>
               <a:t>- a </a:t>
             </a:r>
             <a:r>
-              <a:rPr lang="en-GB" b="1" dirty="0"/>
+              <a:rPr lang="en-GB" sz="1900" b="1" dirty="0"/>
               <a:t>contact form </a:t>
             </a:r>
             <a:r>
-              <a:rPr lang="en-GB" dirty="0"/>
+              <a:rPr lang="en-GB" sz="1900" dirty="0"/>
               <a:t>to provide a means of contacting the club.</a:t>
             </a:r>
           </a:p>
           <a:p>
             <a:r>
-              <a:rPr lang="en-GB" dirty="0"/>
+              <a:rPr lang="en-GB" sz="1900" dirty="0"/>
               <a:t>- a </a:t>
             </a:r>
             <a:r>
-              <a:rPr lang="en-GB" b="1" dirty="0"/>
+              <a:rPr lang="en-GB" sz="1900" b="1" dirty="0"/>
               <a:t>membership sign up page</a:t>
             </a:r>
             <a:r>
-              <a:rPr lang="en-GB" dirty="0"/>
+              <a:rPr lang="en-GB" sz="1900" dirty="0"/>
               <a:t>, allowing potential new members to sign up for membership.</a:t>
             </a:r>
           </a:p>
           <a:p>
             <a:r>
-              <a:rPr lang="en-GB" dirty="0"/>
+              <a:rPr lang="en-GB" sz="1900" dirty="0"/>
               <a:t>- an </a:t>
             </a:r>
             <a:r>
-              <a:rPr lang="en-GB" b="1" dirty="0"/>
+              <a:rPr lang="en-GB" sz="1900" b="1" dirty="0"/>
               <a:t>e-commerce page </a:t>
             </a:r>
             <a:r>
-              <a:rPr lang="en-GB" dirty="0"/>
+              <a:rPr lang="en-GB" sz="1900" dirty="0"/>
               <a:t>so that branded merchandise can be purchased from the club via the website.</a:t>
             </a:r>
           </a:p>
           <a:p>
             <a:r>
-              <a:rPr lang="en-GB" dirty="0"/>
+              <a:rPr lang="en-GB" sz="1900" dirty="0"/>
               <a:t>The team assigned to </a:t>
             </a:r>
             <a:r>
-              <a:rPr lang="en-GB" dirty="0" err="1"/>
-              <a:t>fulf</a:t>
-            </a:r>
-            <a:r>
-              <a:rPr lang="en-GB" dirty="0"/>
-              <a:t> consists of 5 members: Ben Kelly, Adrian Kucia, Kalina Filipowicz, Ed Davies and Charlie Callister.</a:t>
-            </a:r>
-          </a:p>
-          <a:p>
-            <a:r>
-              <a:rPr lang="en-GB" dirty="0"/>
+              <a:rPr lang="en-GB" sz="1800" dirty="0"/>
+              <a:t>fulfil</a:t>
+            </a:r>
+            <a:r>
+              <a:rPr lang="en-GB" sz="1900" dirty="0"/>
+              <a:t> these requests consists of 5 members: Ben Kelly, Adrian Kucia, Kalina Filipowicz, Ed Davies and Charlie Callister.</a:t>
+            </a:r>
+          </a:p>
+          <a:p>
+            <a:r>
+              <a:rPr lang="en-GB" sz="1900" dirty="0"/>
               <a:t>The requirements for this project were largely gathered via the initial meeting with the client, with further requirements, such as _____, coming to light as we further investigated what the client truly needed.  This investigation process allowed us to refine the identified requirements even further.</a:t>
             </a:r>
           </a:p>
@@ -5264,48 +4816,48 @@
           <a:lstStyle/>
           <a:p>
             <a:r>
-              <a:rPr lang="en-GB" dirty="0"/>
+              <a:rPr lang="en-GB" sz="2000" dirty="0"/>
               <a:t>- Team plan, outlining how features work together as a plan.</a:t>
             </a:r>
           </a:p>
           <a:p>
             <a:r>
-              <a:rPr lang="en-GB" dirty="0"/>
+              <a:rPr lang="en-GB" sz="2000" dirty="0"/>
               <a:t>- Plan should include:</a:t>
             </a:r>
           </a:p>
           <a:p>
             <a:pPr lvl="1"/>
             <a:r>
-              <a:rPr lang="en-GB" dirty="0"/>
+              <a:rPr lang="en-GB" sz="1800" dirty="0"/>
               <a:t>The overall system will be a functioning, modern website that includes a sufficient level of security as well as various pages to match the various different requirements.  These pages will include but are not necessarily limited to: a Gallery page, a contact form/membership sign up page and a Shop page.</a:t>
             </a:r>
           </a:p>
           <a:p>
             <a:pPr lvl="1"/>
             <a:r>
-              <a:rPr lang="en-GB" dirty="0"/>
+              <a:rPr lang="en-GB" sz="1800" dirty="0"/>
               <a:t>These pages can be split into various subsystems, which will be assigned to each member of the team.  The subsystems will be split as follows: Ben – Subsystem1, Adrian – Subsystem2, Kalina – Subsystem3, Ed – Subsystem4, Charlie – Subsystem5.</a:t>
             </a:r>
           </a:p>
           <a:p>
             <a:pPr lvl="1"/>
             <a:r>
-              <a:rPr lang="en-GB" dirty="0"/>
+              <a:rPr lang="en-GB" sz="1800" dirty="0"/>
               <a:t>The system will be tested using Integration of the subsystems.</a:t>
             </a:r>
           </a:p>
           <a:p>
             <a:pPr lvl="1"/>
             <a:r>
-              <a:rPr lang="en-GB" dirty="0"/>
+              <a:rPr lang="en-GB" sz="1800" dirty="0"/>
               <a:t>Project requirements – what equipment/software access do we need?</a:t>
             </a:r>
           </a:p>
           <a:p>
             <a:pPr lvl="1"/>
             <a:r>
-              <a:rPr lang="en-GB" dirty="0"/>
+              <a:rPr lang="en-GB" sz="1800" dirty="0"/>
               <a:t>Potential commercial, economic, legal, ethical, social, professional factors.</a:t>
             </a:r>
           </a:p>
@@ -5755,9 +5307,9 @@
 </file>
 
 <file path=ppt/theme/theme1.xml><?xml version="1.0" encoding="utf-8"?>
-<a:theme xmlns:a="http://schemas.openxmlformats.org/drawingml/2006/main" name="Retrospect">
+<a:theme xmlns:a="http://schemas.openxmlformats.org/drawingml/2006/main" name="Office Theme">
   <a:themeElements>
-    <a:clrScheme name="Blue II">
+    <a:clrScheme name="Office">
       <a:dk1>
         <a:sysClr val="windowText" lastClr="000000"/>
       </a:dk1>
@@ -5765,44 +5317,44 @@
         <a:sysClr val="window" lastClr="FFFFFF"/>
       </a:lt1>
       <a:dk2>
-        <a:srgbClr val="335B74"/>
+        <a:srgbClr val="44546A"/>
       </a:dk2>
       <a:lt2>
-        <a:srgbClr val="DFE3E5"/>
+        <a:srgbClr val="E7E6E6"/>
       </a:lt2>
       <a:accent1>
-        <a:srgbClr val="1CADE4"/>
+        <a:srgbClr val="4472C4"/>
       </a:accent1>
       <a:accent2>
-        <a:srgbClr val="2683C6"/>
+        <a:srgbClr val="ED7D31"/>
       </a:accent2>
       <a:accent3>
-        <a:srgbClr val="27CED7"/>
+        <a:srgbClr val="A5A5A5"/>
       </a:accent3>
       <a:accent4>
-        <a:srgbClr val="42BA97"/>
+        <a:srgbClr val="FFC000"/>
       </a:accent4>
       <a:accent5>
-        <a:srgbClr val="3E8853"/>
+        <a:srgbClr val="5B9BD5"/>
       </a:accent5>
       <a:accent6>
-        <a:srgbClr val="62A39F"/>
+        <a:srgbClr val="70AD47"/>
       </a:accent6>
       <a:hlink>
-        <a:srgbClr val="6EAC1C"/>
+        <a:srgbClr val="0563C1"/>
       </a:hlink>
       <a:folHlink>
-        <a:srgbClr val="B26B02"/>
+        <a:srgbClr val="954F72"/>
       </a:folHlink>
     </a:clrScheme>
-    <a:fontScheme name="Retrospect">
+    <a:fontScheme name="Office">
       <a:majorFont>
         <a:latin typeface="Calibri Light" panose="020F0302020204030204"/>
         <a:ea typeface=""/>
         <a:cs typeface=""/>
-        <a:font script="Jpan" typeface="ＭＳ Ｐゴシック"/>
+        <a:font script="Jpan" typeface="游ゴシック Light"/>
         <a:font script="Hang" typeface="맑은 고딕"/>
-        <a:font script="Hans" typeface="宋体"/>
+        <a:font script="Hans" typeface="等线 Light"/>
         <a:font script="Hant" typeface="新細明體"/>
         <a:font script="Arab" typeface="Times New Roman"/>
         <a:font script="Hebr" typeface="Times New Roman"/>
@@ -5830,14 +5382,31 @@
         <a:font script="Viet" typeface="Times New Roman"/>
         <a:font script="Uigh" typeface="Microsoft Uighur"/>
         <a:font script="Geor" typeface="Sylfaen"/>
+        <a:font script="Armn" typeface="Arial"/>
+        <a:font script="Bugi" typeface="Leelawadee UI"/>
+        <a:font script="Bopo" typeface="Microsoft JhengHei"/>
+        <a:font script="Java" typeface="Javanese Text"/>
+        <a:font script="Lisu" typeface="Segoe UI"/>
+        <a:font script="Mymr" typeface="Myanmar Text"/>
+        <a:font script="Nkoo" typeface="Ebrima"/>
+        <a:font script="Olck" typeface="Nirmala UI"/>
+        <a:font script="Osma" typeface="Ebrima"/>
+        <a:font script="Phag" typeface="Phagspa"/>
+        <a:font script="Syrn" typeface="Estrangelo Edessa"/>
+        <a:font script="Syrj" typeface="Estrangelo Edessa"/>
+        <a:font script="Syre" typeface="Estrangelo Edessa"/>
+        <a:font script="Sora" typeface="Nirmala UI"/>
+        <a:font script="Tale" typeface="Microsoft Tai Le"/>
+        <a:font script="Talu" typeface="Microsoft New Tai Lue"/>
+        <a:font script="Tfng" typeface="Ebrima"/>
       </a:majorFont>
       <a:minorFont>
         <a:latin typeface="Calibri" panose="020F0502020204030204"/>
         <a:ea typeface=""/>
         <a:cs typeface=""/>
-        <a:font script="Jpan" typeface="ＭＳ Ｐゴシック"/>
+        <a:font script="Jpan" typeface="游ゴシック"/>
         <a:font script="Hang" typeface="맑은 고딕"/>
-        <a:font script="Hans" typeface="宋体"/>
+        <a:font script="Hans" typeface="等线"/>
         <a:font script="Hant" typeface="新細明體"/>
         <a:font script="Arab" typeface="Arial"/>
         <a:font script="Hebr" typeface="Arial"/>
@@ -5865,9 +5434,26 @@
         <a:font script="Viet" typeface="Arial"/>
         <a:font script="Uigh" typeface="Microsoft Uighur"/>
         <a:font script="Geor" typeface="Sylfaen"/>
+        <a:font script="Armn" typeface="Arial"/>
+        <a:font script="Bugi" typeface="Leelawadee UI"/>
+        <a:font script="Bopo" typeface="Microsoft JhengHei"/>
+        <a:font script="Java" typeface="Javanese Text"/>
+        <a:font script="Lisu" typeface="Segoe UI"/>
+        <a:font script="Mymr" typeface="Myanmar Text"/>
+        <a:font script="Nkoo" typeface="Ebrima"/>
+        <a:font script="Olck" typeface="Nirmala UI"/>
+        <a:font script="Osma" typeface="Ebrima"/>
+        <a:font script="Phag" typeface="Phagspa"/>
+        <a:font script="Syrn" typeface="Estrangelo Edessa"/>
+        <a:font script="Syrj" typeface="Estrangelo Edessa"/>
+        <a:font script="Syre" typeface="Estrangelo Edessa"/>
+        <a:font script="Sora" typeface="Nirmala UI"/>
+        <a:font script="Tale" typeface="Microsoft Tai Le"/>
+        <a:font script="Talu" typeface="Microsoft New Tai Lue"/>
+        <a:font script="Tfng" typeface="Ebrima"/>
       </a:minorFont>
     </a:fontScheme>
-    <a:fmtScheme name="Retrospect">
+    <a:fmtScheme name="Office">
       <a:fillStyleLst>
         <a:solidFill>
           <a:schemeClr val="phClr"/>
@@ -5876,81 +5462,76 @@
           <a:gsLst>
             <a:gs pos="0">
               <a:schemeClr val="phClr">
-                <a:tint val="65000"/>
-                <a:shade val="92000"/>
-                <a:satMod val="130000"/>
+                <a:lumMod val="110000"/>
+                <a:satMod val="105000"/>
+                <a:tint val="67000"/>
               </a:schemeClr>
             </a:gs>
-            <a:gs pos="45000">
+            <a:gs pos="50000">
               <a:schemeClr val="phClr">
-                <a:tint val="60000"/>
-                <a:shade val="99000"/>
-                <a:satMod val="120000"/>
+                <a:lumMod val="105000"/>
+                <a:satMod val="103000"/>
+                <a:tint val="73000"/>
               </a:schemeClr>
             </a:gs>
             <a:gs pos="100000">
               <a:schemeClr val="phClr">
-                <a:tint val="55000"/>
-                <a:satMod val="140000"/>
+                <a:lumMod val="105000"/>
+                <a:satMod val="109000"/>
+                <a:tint val="81000"/>
               </a:schemeClr>
             </a:gs>
           </a:gsLst>
-          <a:path path="circle">
-            <a:fillToRect l="100000" t="100000" r="100000" b="100000"/>
-          </a:path>
+          <a:lin ang="5400000" scaled="0"/>
         </a:gradFill>
         <a:gradFill rotWithShape="1">
           <a:gsLst>
             <a:gs pos="0">
               <a:schemeClr val="phClr">
-                <a:shade val="85000"/>
-                <a:satMod val="130000"/>
+                <a:satMod val="103000"/>
+                <a:lumMod val="102000"/>
+                <a:tint val="94000"/>
               </a:schemeClr>
             </a:gs>
-            <a:gs pos="34000">
+            <a:gs pos="50000">
               <a:schemeClr val="phClr">
-                <a:shade val="87000"/>
-                <a:satMod val="125000"/>
-              </a:schemeClr>
-            </a:gs>
-            <a:gs pos="70000">
-              <a:schemeClr val="phClr">
-                <a:tint val="100000"/>
-                <a:shade val="90000"/>
-                <a:satMod val="130000"/>
+                <a:satMod val="110000"/>
+                <a:lumMod val="100000"/>
+                <a:shade val="100000"/>
               </a:schemeClr>
             </a:gs>
             <a:gs pos="100000">
               <a:schemeClr val="phClr">
-                <a:tint val="100000"/>
-                <a:shade val="100000"/>
-                <a:satMod val="110000"/>
+                <a:lumMod val="99000"/>
+                <a:satMod val="120000"/>
+                <a:shade val="78000"/>
               </a:schemeClr>
             </a:gs>
           </a:gsLst>
-          <a:path path="circle">
-            <a:fillToRect l="100000" t="100000" r="100000" b="100000"/>
-          </a:path>
+          <a:lin ang="5400000" scaled="0"/>
         </a:gradFill>
       </a:fillStyleLst>
       <a:lnStyleLst>
+        <a:ln w="6350" cap="flat" cmpd="sng" algn="ctr">
+          <a:solidFill>
+            <a:schemeClr val="phClr"/>
+          </a:solidFill>
+          <a:prstDash val="solid"/>
+          <a:miter lim="800000"/>
+        </a:ln>
         <a:ln w="12700" cap="flat" cmpd="sng" algn="ctr">
           <a:solidFill>
             <a:schemeClr val="phClr"/>
           </a:solidFill>
           <a:prstDash val="solid"/>
+          <a:miter lim="800000"/>
         </a:ln>
-        <a:ln w="15875" cap="flat" cmpd="sng" algn="ctr">
+        <a:ln w="19050" cap="flat" cmpd="sng" algn="ctr">
           <a:solidFill>
             <a:schemeClr val="phClr"/>
           </a:solidFill>
           <a:prstDash val="solid"/>
-        </a:ln>
-        <a:ln w="25400" cap="flat" cmpd="sng" algn="ctr">
-          <a:solidFill>
-            <a:schemeClr val="phClr"/>
-          </a:solidFill>
-          <a:prstDash val="solid"/>
+          <a:miter lim="800000"/>
         </a:ln>
       </a:lnStyleLst>
       <a:effectStyleLst>
@@ -5958,33 +5539,16 @@
           <a:effectLst/>
         </a:effectStyle>
         <a:effectStyle>
+          <a:effectLst/>
+        </a:effectStyle>
+        <a:effectStyle>
           <a:effectLst>
-            <a:outerShdw blurRad="38100" dist="25400" dir="2700000" algn="br" rotWithShape="0">
+            <a:outerShdw blurRad="57150" dist="19050" dir="5400000" algn="ctr" rotWithShape="0">
               <a:srgbClr val="000000">
-                <a:alpha val="60000"/>
+                <a:alpha val="63000"/>
               </a:srgbClr>
             </a:outerShdw>
           </a:effectLst>
-        </a:effectStyle>
-        <a:effectStyle>
-          <a:effectLst>
-            <a:outerShdw blurRad="44450" dist="25400" dir="2700000" algn="br" rotWithShape="0">
-              <a:srgbClr val="000000">
-                <a:alpha val="60000"/>
-              </a:srgbClr>
-            </a:outerShdw>
-          </a:effectLst>
-          <a:scene3d>
-            <a:camera prst="orthographicFront">
-              <a:rot lat="0" lon="0" rev="0"/>
-            </a:camera>
-            <a:lightRig rig="threePt" dir="t">
-              <a:rot lat="0" lon="0" rev="19800000"/>
-            </a:lightRig>
-          </a:scene3d>
-          <a:sp3d prstMaterial="flat">
-            <a:bevelT w="25400" h="31750"/>
-          </a:sp3d>
         </a:effectStyle>
       </a:effectStyleLst>
       <a:bgFillStyleLst>
@@ -5993,36 +5557,36 @@
         </a:solidFill>
         <a:solidFill>
           <a:schemeClr val="phClr">
-            <a:tint val="90000"/>
-            <a:shade val="97000"/>
-            <a:satMod val="130000"/>
+            <a:tint val="95000"/>
+            <a:satMod val="170000"/>
           </a:schemeClr>
         </a:solidFill>
         <a:gradFill rotWithShape="1">
           <a:gsLst>
             <a:gs pos="0">
               <a:schemeClr val="phClr">
-                <a:tint val="96000"/>
-                <a:shade val="99000"/>
-                <a:satMod val="140000"/>
+                <a:tint val="93000"/>
+                <a:satMod val="150000"/>
+                <a:shade val="98000"/>
+                <a:lumMod val="102000"/>
               </a:schemeClr>
             </a:gs>
-            <a:gs pos="65000">
+            <a:gs pos="50000">
               <a:schemeClr val="phClr">
-                <a:tint val="100000"/>
-                <a:shade val="80000"/>
+                <a:tint val="98000"/>
                 <a:satMod val="130000"/>
+                <a:shade val="90000"/>
+                <a:lumMod val="103000"/>
               </a:schemeClr>
             </a:gs>
             <a:gs pos="100000">
               <a:schemeClr val="phClr">
-                <a:tint val="100000"/>
-                <a:shade val="48000"/>
+                <a:shade val="63000"/>
                 <a:satMod val="120000"/>
               </a:schemeClr>
             </a:gs>
           </a:gsLst>
-          <a:lin ang="16200000" scaled="0"/>
+          <a:lin ang="5400000" scaled="0"/>
         </a:gradFill>
       </a:bgFillStyleLst>
     </a:fmtScheme>
@@ -6031,7 +5595,7 @@
   <a:extraClrSchemeLst/>
   <a:extLst>
     <a:ext uri="{05A4C25C-085E-4340-85A3-A5531E510DB2}">
-      <thm15:themeFamily xmlns:thm15="http://schemas.microsoft.com/office/thememl/2012/main" name="Retrospect" id="{5F128B03-DCCA-4EEB-AB3B-CF2899314A46}" vid="{D26EA377-59BD-4C9C-9D94-EE8416EE4C79}"/>
+      <thm15:themeFamily xmlns:thm15="http://schemas.microsoft.com/office/thememl/2012/main" name="Office Theme" id="{62F939B6-93AF-4DB8-9C6B-D6C7DFDC589F}" vid="{4A3C46E8-61CC-4603-A589-7422A47A8E4A}"/>
     </a:ext>
   </a:extLst>
 </a:theme>

--- a/KV6002_21 TOR Presentation.pptx
+++ b/KV6002_21 TOR Presentation.pptx
@@ -11,16 +11,17 @@
     <p:sldId id="259" r:id="rId5"/>
     <p:sldId id="260" r:id="rId6"/>
     <p:sldId id="267" r:id="rId7"/>
-    <p:sldId id="268" r:id="rId8"/>
-    <p:sldId id="269" r:id="rId9"/>
-    <p:sldId id="270" r:id="rId10"/>
-    <p:sldId id="271" r:id="rId11"/>
-    <p:sldId id="261" r:id="rId12"/>
-    <p:sldId id="262" r:id="rId13"/>
-    <p:sldId id="263" r:id="rId14"/>
-    <p:sldId id="264" r:id="rId15"/>
-    <p:sldId id="265" r:id="rId16"/>
-    <p:sldId id="266" r:id="rId17"/>
+    <p:sldId id="272" r:id="rId8"/>
+    <p:sldId id="268" r:id="rId9"/>
+    <p:sldId id="269" r:id="rId10"/>
+    <p:sldId id="270" r:id="rId11"/>
+    <p:sldId id="271" r:id="rId12"/>
+    <p:sldId id="261" r:id="rId13"/>
+    <p:sldId id="262" r:id="rId14"/>
+    <p:sldId id="263" r:id="rId15"/>
+    <p:sldId id="264" r:id="rId16"/>
+    <p:sldId id="265" r:id="rId17"/>
+    <p:sldId id="266" r:id="rId18"/>
   </p:sldIdLst>
   <p:sldSz cx="12192000" cy="6858000"/>
   <p:notesSz cx="6858000" cy="9144000"/>
@@ -137,20 +138,6 @@
     </p:extLst>
   </p:cmAuthor>
 </p:cmAuthorLst>
-</file>
-
-<file path=ppt/comments/comment1.xml><?xml version="1.0" encoding="utf-8"?>
-<p:cmLst xmlns:a="http://schemas.openxmlformats.org/drawingml/2006/main" xmlns:r="http://schemas.openxmlformats.org/officeDocument/2006/relationships" xmlns:p="http://schemas.openxmlformats.org/presentationml/2006/main">
-  <p:cm authorId="1" dt="2023-02-08T13:02:27.014" idx="1">
-    <p:pos x="6854" y="2187"/>
-    <p:text>Change these 'subsystem' names</p:text>
-    <p:extLst>
-      <p:ext uri="{C676402C-5697-4E1C-873F-D02D1690AC5C}">
-        <p15:threadingInfo xmlns:p15="http://schemas.microsoft.com/office/powerpoint/2012/main" timeZoneBias="0"/>
-      </p:ext>
-    </p:extLst>
-  </p:cm>
-</p:cmLst>
 </file>
 
 <file path=ppt/slideLayouts/slideLayout1.xml><?xml version="1.0" encoding="utf-8"?>
@@ -3496,10 +3483,9 @@
           <a:lstStyle/>
           <a:p>
             <a:r>
-              <a:rPr lang="en-GB"/>
-              <a:t>Persona #5</a:t>
-            </a:r>
-            <a:endParaRPr lang="en-GB" dirty="0"/>
+              <a:rPr lang="en-GB" dirty="0"/>
+              <a:t>Persona #4</a:t>
+            </a:r>
           </a:p>
         </p:txBody>
       </p:sp>
@@ -3534,7 +3520,7 @@
     </p:spTree>
     <p:extLst>
       <p:ext uri="{BB962C8B-B14F-4D97-AF65-F5344CB8AC3E}">
-        <p14:creationId xmlns:p14="http://schemas.microsoft.com/office/powerpoint/2010/main" val="2731675621"/>
+        <p14:creationId xmlns:p14="http://schemas.microsoft.com/office/powerpoint/2010/main" val="2745452733"/>
       </p:ext>
     </p:extLst>
   </p:cSld>
@@ -3566,7 +3552,7 @@
           <p:cNvPr id="2" name="Title 1">
             <a:extLst>
               <a:ext uri="{FF2B5EF4-FFF2-40B4-BE49-F238E27FC236}">
-                <a16:creationId xmlns:a16="http://schemas.microsoft.com/office/drawing/2014/main" id="{C88677CB-EC6F-09C1-8CA3-72D02A99125F}"/>
+                <a16:creationId xmlns:a16="http://schemas.microsoft.com/office/drawing/2014/main" id="{DEFB12AD-6668-A8B2-BDDE-F56002694200}"/>
               </a:ext>
             </a:extLst>
           </p:cNvPr>
@@ -3583,97 +3569,37 @@
           <a:lstStyle/>
           <a:p>
             <a:r>
+              <a:rPr lang="en-GB"/>
+              <a:t>Persona #5</a:t>
+            </a:r>
+            <a:endParaRPr lang="en-GB" dirty="0"/>
+          </a:p>
+        </p:txBody>
+      </p:sp>
+      <p:sp>
+        <p:nvSpPr>
+          <p:cNvPr id="3" name="Content Placeholder 2">
+            <a:extLst>
+              <a:ext uri="{FF2B5EF4-FFF2-40B4-BE49-F238E27FC236}">
+                <a16:creationId xmlns:a16="http://schemas.microsoft.com/office/drawing/2014/main" id="{86846D95-DAF7-AFBA-735D-B60763EA54FC}"/>
+              </a:ext>
+            </a:extLst>
+          </p:cNvPr>
+          <p:cNvSpPr>
+            <a:spLocks noGrp="1"/>
+          </p:cNvSpPr>
+          <p:nvPr>
+            <p:ph idx="1"/>
+          </p:nvPr>
+        </p:nvSpPr>
+        <p:spPr/>
+        <p:txBody>
+          <a:bodyPr/>
+          <a:lstStyle/>
+          <a:p>
+            <a:r>
               <a:rPr lang="en-GB" dirty="0"/>
-              <a:t>Slide 5</a:t>
-            </a:r>
-          </a:p>
-        </p:txBody>
-      </p:sp>
-      <p:sp>
-        <p:nvSpPr>
-          <p:cNvPr id="3" name="Content Placeholder 2">
-            <a:extLst>
-              <a:ext uri="{FF2B5EF4-FFF2-40B4-BE49-F238E27FC236}">
-                <a16:creationId xmlns:a16="http://schemas.microsoft.com/office/drawing/2014/main" id="{7E32F628-A2AE-58B5-BC17-5414764783DC}"/>
-              </a:ext>
-            </a:extLst>
-          </p:cNvPr>
-          <p:cNvSpPr>
-            <a:spLocks noGrp="1"/>
-          </p:cNvSpPr>
-          <p:nvPr>
-            <p:ph idx="1"/>
-          </p:nvPr>
-        </p:nvSpPr>
-        <p:spPr/>
-        <p:txBody>
-          <a:bodyPr/>
-          <a:lstStyle/>
-          <a:p>
-            <a:r>
-              <a:rPr lang="en-GB" dirty="0"/>
-              <a:t>- Clear outline of the subsystem we are working on.</a:t>
-            </a:r>
-          </a:p>
-          <a:p>
-            <a:r>
-              <a:rPr lang="en-GB" dirty="0"/>
-              <a:t>- 5 User stories (should be connected to each persona).</a:t>
-            </a:r>
-          </a:p>
-          <a:p>
-            <a:pPr lvl="1"/>
-            <a:r>
-              <a:rPr lang="en-GB" dirty="0"/>
-              <a:t>As a &lt;</a:t>
-            </a:r>
-            <a:r>
-              <a:rPr lang="en-GB" dirty="0">
-                <a:solidFill>
-                  <a:schemeClr val="bg1">
-                    <a:lumMod val="50000"/>
-                  </a:schemeClr>
-                </a:solidFill>
-              </a:rPr>
-              <a:t>role</a:t>
-            </a:r>
-            <a:r>
-              <a:rPr lang="en-GB" dirty="0"/>
-              <a:t>&gt; I want &lt;</a:t>
-            </a:r>
-            <a:r>
-              <a:rPr lang="en-GB" dirty="0">
-                <a:solidFill>
-                  <a:schemeClr val="bg1">
-                    <a:lumMod val="50000"/>
-                  </a:schemeClr>
-                </a:solidFill>
-              </a:rPr>
-              <a:t>something</a:t>
-            </a:r>
-            <a:r>
-              <a:rPr lang="en-GB" dirty="0"/>
-              <a:t>&gt; so that &lt;</a:t>
-            </a:r>
-            <a:r>
-              <a:rPr lang="en-GB" dirty="0">
-                <a:solidFill>
-                  <a:schemeClr val="bg1">
-                    <a:lumMod val="50000"/>
-                  </a:schemeClr>
-                </a:solidFill>
-              </a:rPr>
-              <a:t>benefit</a:t>
-            </a:r>
-            <a:r>
-              <a:rPr lang="en-GB" dirty="0"/>
-              <a:t>&gt;.</a:t>
-            </a:r>
-          </a:p>
-          <a:p>
-            <a:r>
-              <a:rPr lang="en-GB" dirty="0"/>
-              <a:t>- A clear outline of the tasks we intend to complete and the deliverables.</a:t>
+              <a:t>Intended users – 1 persona per group member</a:t>
             </a:r>
           </a:p>
         </p:txBody>
@@ -3681,7 +3607,7 @@
     </p:spTree>
     <p:extLst>
       <p:ext uri="{BB962C8B-B14F-4D97-AF65-F5344CB8AC3E}">
-        <p14:creationId xmlns:p14="http://schemas.microsoft.com/office/powerpoint/2010/main" val="3323097337"/>
+        <p14:creationId xmlns:p14="http://schemas.microsoft.com/office/powerpoint/2010/main" val="2731675621"/>
       </p:ext>
     </p:extLst>
   </p:cSld>
@@ -3713,7 +3639,7 @@
           <p:cNvPr id="2" name="Title 1">
             <a:extLst>
               <a:ext uri="{FF2B5EF4-FFF2-40B4-BE49-F238E27FC236}">
-                <a16:creationId xmlns:a16="http://schemas.microsoft.com/office/drawing/2014/main" id="{CC72A5A0-DD75-ACDD-BC98-0AF4FE7F9D93}"/>
+                <a16:creationId xmlns:a16="http://schemas.microsoft.com/office/drawing/2014/main" id="{C88677CB-EC6F-09C1-8CA3-72D02A99125F}"/>
               </a:ext>
             </a:extLst>
           </p:cNvPr>
@@ -3731,7 +3657,7 @@
           <a:p>
             <a:r>
               <a:rPr lang="en-GB" dirty="0"/>
-              <a:t>User Story #1</a:t>
+              <a:t>Slide 5</a:t>
             </a:r>
           </a:p>
         </p:txBody>
@@ -3741,7 +3667,7 @@
           <p:cNvPr id="3" name="Content Placeholder 2">
             <a:extLst>
               <a:ext uri="{FF2B5EF4-FFF2-40B4-BE49-F238E27FC236}">
-                <a16:creationId xmlns:a16="http://schemas.microsoft.com/office/drawing/2014/main" id="{336C59C3-D43A-6F60-4735-4385DA71459D}"/>
+                <a16:creationId xmlns:a16="http://schemas.microsoft.com/office/drawing/2014/main" id="{7E32F628-A2AE-58B5-BC17-5414764783DC}"/>
               </a:ext>
             </a:extLst>
           </p:cNvPr>
@@ -3757,14 +3683,78 @@
           <a:bodyPr/>
           <a:lstStyle/>
           <a:p>
-            <a:endParaRPr lang="en-GB"/>
+            <a:r>
+              <a:rPr lang="en-GB" dirty="0"/>
+              <a:t>- Clear outline of the subsystem we are working on.</a:t>
+            </a:r>
+          </a:p>
+          <a:p>
+            <a:r>
+              <a:rPr lang="en-GB" dirty="0"/>
+              <a:t>- 5 User stories (should be connected to each persona).</a:t>
+            </a:r>
+          </a:p>
+          <a:p>
+            <a:pPr lvl="1"/>
+            <a:r>
+              <a:rPr lang="en-GB" dirty="0"/>
+              <a:t>As a &lt;</a:t>
+            </a:r>
+            <a:r>
+              <a:rPr lang="en-GB" dirty="0">
+                <a:solidFill>
+                  <a:schemeClr val="bg1">
+                    <a:lumMod val="50000"/>
+                  </a:schemeClr>
+                </a:solidFill>
+              </a:rPr>
+              <a:t>role</a:t>
+            </a:r>
+            <a:r>
+              <a:rPr lang="en-GB" dirty="0"/>
+              <a:t>&gt; I want &lt;</a:t>
+            </a:r>
+            <a:r>
+              <a:rPr lang="en-GB" dirty="0">
+                <a:solidFill>
+                  <a:schemeClr val="bg1">
+                    <a:lumMod val="50000"/>
+                  </a:schemeClr>
+                </a:solidFill>
+              </a:rPr>
+              <a:t>something</a:t>
+            </a:r>
+            <a:r>
+              <a:rPr lang="en-GB" dirty="0"/>
+              <a:t>&gt; so that &lt;</a:t>
+            </a:r>
+            <a:r>
+              <a:rPr lang="en-GB" dirty="0">
+                <a:solidFill>
+                  <a:schemeClr val="bg1">
+                    <a:lumMod val="50000"/>
+                  </a:schemeClr>
+                </a:solidFill>
+              </a:rPr>
+              <a:t>benefit</a:t>
+            </a:r>
+            <a:r>
+              <a:rPr lang="en-GB" dirty="0"/>
+              <a:t>&gt;.</a:t>
+            </a:r>
+          </a:p>
+          <a:p>
+            <a:r>
+              <a:rPr lang="en-GB" dirty="0"/>
+              <a:t>- A clear outline of the tasks we intend to complete and the deliverables.</a:t>
+            </a:r>
           </a:p>
         </p:txBody>
       </p:sp>
     </p:spTree>
     <p:extLst>
       <p:ext uri="{BB962C8B-B14F-4D97-AF65-F5344CB8AC3E}">
-        <p14:creationId xmlns:p14="http://schemas.microsoft.com/office/powerpoint/2010/main" val="3367977949"/>
+        <p14:creationId xmlns:p14="http://schemas.microsoft.com/office/powerpoint/2010/main" val="3323097337"/>
       </p:ext>
     </p:extLst>
   </p:cSld>
@@ -3814,7 +3804,7 @@
           <a:p>
             <a:r>
               <a:rPr lang="en-GB" dirty="0"/>
-              <a:t>User Story #2</a:t>
+              <a:t>User Story #1</a:t>
             </a:r>
           </a:p>
         </p:txBody>
@@ -3847,7 +3837,7 @@
     </p:spTree>
     <p:extLst>
       <p:ext uri="{BB962C8B-B14F-4D97-AF65-F5344CB8AC3E}">
-        <p14:creationId xmlns:p14="http://schemas.microsoft.com/office/powerpoint/2010/main" val="4088695172"/>
+        <p14:creationId xmlns:p14="http://schemas.microsoft.com/office/powerpoint/2010/main" val="3367977949"/>
       </p:ext>
     </p:extLst>
   </p:cSld>
@@ -3897,7 +3887,7 @@
           <a:p>
             <a:r>
               <a:rPr lang="en-GB" dirty="0"/>
-              <a:t>User Story #3</a:t>
+              <a:t>User Story #2</a:t>
             </a:r>
           </a:p>
         </p:txBody>
@@ -3930,7 +3920,7 @@
     </p:spTree>
     <p:extLst>
       <p:ext uri="{BB962C8B-B14F-4D97-AF65-F5344CB8AC3E}">
-        <p14:creationId xmlns:p14="http://schemas.microsoft.com/office/powerpoint/2010/main" val="1862355822"/>
+        <p14:creationId xmlns:p14="http://schemas.microsoft.com/office/powerpoint/2010/main" val="4088695172"/>
       </p:ext>
     </p:extLst>
   </p:cSld>
@@ -3980,6 +3970,89 @@
           <a:p>
             <a:r>
               <a:rPr lang="en-GB" dirty="0"/>
+              <a:t>User Story #3</a:t>
+            </a:r>
+          </a:p>
+        </p:txBody>
+      </p:sp>
+      <p:sp>
+        <p:nvSpPr>
+          <p:cNvPr id="3" name="Content Placeholder 2">
+            <a:extLst>
+              <a:ext uri="{FF2B5EF4-FFF2-40B4-BE49-F238E27FC236}">
+                <a16:creationId xmlns:a16="http://schemas.microsoft.com/office/drawing/2014/main" id="{336C59C3-D43A-6F60-4735-4385DA71459D}"/>
+              </a:ext>
+            </a:extLst>
+          </p:cNvPr>
+          <p:cNvSpPr>
+            <a:spLocks noGrp="1"/>
+          </p:cNvSpPr>
+          <p:nvPr>
+            <p:ph idx="1"/>
+          </p:nvPr>
+        </p:nvSpPr>
+        <p:spPr/>
+        <p:txBody>
+          <a:bodyPr/>
+          <a:lstStyle/>
+          <a:p>
+            <a:endParaRPr lang="en-GB"/>
+          </a:p>
+        </p:txBody>
+      </p:sp>
+    </p:spTree>
+    <p:extLst>
+      <p:ext uri="{BB962C8B-B14F-4D97-AF65-F5344CB8AC3E}">
+        <p14:creationId xmlns:p14="http://schemas.microsoft.com/office/powerpoint/2010/main" val="1862355822"/>
+      </p:ext>
+    </p:extLst>
+  </p:cSld>
+  <p:clrMapOvr>
+    <a:masterClrMapping/>
+  </p:clrMapOvr>
+</p:sld>
+</file>
+
+<file path=ppt/slides/slide16.xml><?xml version="1.0" encoding="utf-8"?>
+<p:sld xmlns:a="http://schemas.openxmlformats.org/drawingml/2006/main" xmlns:r="http://schemas.openxmlformats.org/officeDocument/2006/relationships" xmlns:p="http://schemas.openxmlformats.org/presentationml/2006/main">
+  <p:cSld>
+    <p:spTree>
+      <p:nvGrpSpPr>
+        <p:cNvPr id="1" name=""/>
+        <p:cNvGrpSpPr/>
+        <p:nvPr/>
+      </p:nvGrpSpPr>
+      <p:grpSpPr>
+        <a:xfrm>
+          <a:off x="0" y="0"/>
+          <a:ext cx="0" cy="0"/>
+          <a:chOff x="0" y="0"/>
+          <a:chExt cx="0" cy="0"/>
+        </a:xfrm>
+      </p:grpSpPr>
+      <p:sp>
+        <p:nvSpPr>
+          <p:cNvPr id="2" name="Title 1">
+            <a:extLst>
+              <a:ext uri="{FF2B5EF4-FFF2-40B4-BE49-F238E27FC236}">
+                <a16:creationId xmlns:a16="http://schemas.microsoft.com/office/drawing/2014/main" id="{CC72A5A0-DD75-ACDD-BC98-0AF4FE7F9D93}"/>
+              </a:ext>
+            </a:extLst>
+          </p:cNvPr>
+          <p:cNvSpPr>
+            <a:spLocks noGrp="1"/>
+          </p:cNvSpPr>
+          <p:nvPr>
+            <p:ph type="title"/>
+          </p:nvPr>
+        </p:nvSpPr>
+        <p:spPr/>
+        <p:txBody>
+          <a:bodyPr/>
+          <a:lstStyle/>
+          <a:p>
+            <a:r>
+              <a:rPr lang="en-GB" dirty="0"/>
               <a:t>User Story #4</a:t>
             </a:r>
           </a:p>
@@ -4023,7 +4096,7 @@
 </p:sld>
 </file>
 
-<file path=ppt/slides/slide16.xml><?xml version="1.0" encoding="utf-8"?>
+<file path=ppt/slides/slide17.xml><?xml version="1.0" encoding="utf-8"?>
 <p:sld xmlns:a="http://schemas.openxmlformats.org/drawingml/2006/main" xmlns:r="http://schemas.openxmlformats.org/officeDocument/2006/relationships" xmlns:p="http://schemas.openxmlformats.org/presentationml/2006/main">
   <p:cSld>
     <p:spTree>
@@ -4180,91 +4253,100 @@
           </a:bodyPr>
           <a:lstStyle/>
           <a:p>
-            <a:r>
-              <a:rPr lang="en-GB" sz="1900" dirty="0"/>
-              <a:t>True North Surf Club is an independent Surf Club that is affiliated with Surfing England, and is based in North Tyneside.</a:t>
-            </a:r>
-          </a:p>
-          <a:p>
-            <a:r>
-              <a:rPr lang="en-GB" sz="1900" dirty="0"/>
-              <a:t>They have requested the creation of a website for the surf club, which includes the following features:</a:t>
-            </a:r>
-          </a:p>
-          <a:p>
-            <a:r>
-              <a:rPr lang="en-GB" sz="1900" dirty="0"/>
-              <a:t>- a </a:t>
-            </a:r>
-            <a:r>
-              <a:rPr lang="en-GB" sz="1900" b="1" dirty="0"/>
+            <a:pPr marL="0" indent="0">
+              <a:buNone/>
+            </a:pPr>
+            <a:r>
+              <a:rPr lang="en-GB" sz="1600" dirty="0"/>
+              <a:t>True North Surf Club is an independent Surf Club that is affiliated with Surfing England, and is based in North Tyneside.  They have recently approached us with the request to design and develop a slick, functional website for the surf club, which includes the following features:</a:t>
+            </a:r>
+          </a:p>
+          <a:p>
+            <a:r>
+              <a:rPr lang="en-GB" sz="1600" dirty="0"/>
+              <a:t>- A </a:t>
+            </a:r>
+            <a:r>
+              <a:rPr lang="en-GB" sz="1600" b="1" dirty="0"/>
               <a:t>gallery page</a:t>
             </a:r>
             <a:r>
-              <a:rPr lang="en-GB" sz="1900" dirty="0"/>
-              <a:t> to showcase their images.</a:t>
-            </a:r>
-          </a:p>
-          <a:p>
-            <a:r>
-              <a:rPr lang="en-GB" sz="1900" dirty="0"/>
-              <a:t>- a </a:t>
-            </a:r>
-            <a:r>
-              <a:rPr lang="en-GB" sz="1900" b="1" dirty="0"/>
+              <a:rPr lang="en-GB" sz="1600" dirty="0"/>
+              <a:t> to showcase their images </a:t>
+            </a:r>
+            <a:r>
+              <a:rPr lang="en-GB" sz="1600" dirty="0">
+                <a:solidFill>
+                  <a:srgbClr val="FF0000"/>
+                </a:solidFill>
+              </a:rPr>
+              <a:t>(incl. image classification???)</a:t>
+            </a:r>
+            <a:r>
+              <a:rPr lang="en-GB" sz="1600" dirty="0"/>
+              <a:t>.</a:t>
+            </a:r>
+          </a:p>
+          <a:p>
+            <a:r>
+              <a:rPr lang="en-GB" sz="1600" dirty="0"/>
+              <a:t>- A </a:t>
+            </a:r>
+            <a:r>
+              <a:rPr lang="en-GB" sz="1600" b="1" dirty="0"/>
               <a:t>contact form </a:t>
             </a:r>
             <a:r>
-              <a:rPr lang="en-GB" sz="1900" dirty="0"/>
+              <a:rPr lang="en-GB" sz="1600" dirty="0"/>
               <a:t>to provide a means of contacting the club.</a:t>
             </a:r>
           </a:p>
           <a:p>
             <a:r>
-              <a:rPr lang="en-GB" sz="1900" dirty="0"/>
-              <a:t>- a </a:t>
-            </a:r>
-            <a:r>
-              <a:rPr lang="en-GB" sz="1900" b="1" dirty="0"/>
+              <a:rPr lang="en-GB" sz="1600" dirty="0"/>
+              <a:t>- A </a:t>
+            </a:r>
+            <a:r>
+              <a:rPr lang="en-GB" sz="1600" b="1" dirty="0"/>
               <a:t>membership sign up page</a:t>
             </a:r>
             <a:r>
-              <a:rPr lang="en-GB" sz="1900" dirty="0"/>
+              <a:rPr lang="en-GB" sz="1600" dirty="0"/>
               <a:t>, allowing potential new members to sign up for membership.</a:t>
             </a:r>
           </a:p>
           <a:p>
             <a:r>
-              <a:rPr lang="en-GB" sz="1900" dirty="0"/>
-              <a:t>- an </a:t>
-            </a:r>
-            <a:r>
-              <a:rPr lang="en-GB" sz="1900" b="1" dirty="0"/>
+              <a:rPr lang="en-GB" sz="1600" dirty="0"/>
+              <a:t>- An </a:t>
+            </a:r>
+            <a:r>
+              <a:rPr lang="en-GB" sz="1600" b="1" dirty="0"/>
               <a:t>e-commerce page </a:t>
             </a:r>
             <a:r>
-              <a:rPr lang="en-GB" sz="1900" dirty="0"/>
+              <a:rPr lang="en-GB" sz="1600" dirty="0"/>
               <a:t>so that branded merchandise can be purchased from the club via the website.</a:t>
             </a:r>
           </a:p>
           <a:p>
             <a:r>
-              <a:rPr lang="en-GB" sz="1900" dirty="0"/>
-              <a:t>The team assigned to </a:t>
-            </a:r>
-            <a:r>
-              <a:rPr lang="en-GB" sz="1800" dirty="0"/>
-              <a:t>fulfil</a:t>
-            </a:r>
-            <a:r>
-              <a:rPr lang="en-GB" sz="1900" dirty="0"/>
-              <a:t> these requests consists of 5 members: Ben Kelly, Adrian Kucia, Kalina Filipowicz, Ed Davies and Charlie Callister.</a:t>
-            </a:r>
-          </a:p>
-          <a:p>
-            <a:r>
-              <a:rPr lang="en-GB" sz="1900" dirty="0"/>
-              <a:t>The requirements for this project were largely gathered via the initial meeting with the client, with further requirements, such as _____, coming to light as we further investigated what the client truly needed.  This investigation process allowed us to refine the identified requirements even further.</a:t>
+              <a:rPr lang="en-GB" sz="1600" dirty="0"/>
+              <a:t>The team assigned to fulfil these requests consists of 5 members: Ben Kelly, Adrian Kucia, Kalina Filipowicz</a:t>
+            </a:r>
+            <a:r>
+              <a:rPr lang="en-GB" sz="1600"/>
+              <a:t>, Edward </a:t>
+            </a:r>
+            <a:r>
+              <a:rPr lang="en-GB" sz="1600" dirty="0"/>
+              <a:t>Davies and Charlie Callister.</a:t>
+            </a:r>
+          </a:p>
+          <a:p>
+            <a:r>
+              <a:rPr lang="en-GB" sz="1600" dirty="0"/>
+              <a:t>The requirements for this project were largely gathered via the initial meeting with the client, with further requirements, such as _____, coming to light as we further investigated what the client’s needs truly required.  This investigation process allowed us to refine the identified requirements even further, assessing that _____ needed to be focussed on in greater deal than first thought.</a:t>
             </a:r>
           </a:p>
           <a:p>
@@ -4334,7 +4416,7 @@
           <a:p>
             <a:r>
               <a:rPr lang="en-GB" dirty="0"/>
-              <a:t>Slides 2&amp;3</a:t>
+              <a:t>Epic</a:t>
             </a:r>
           </a:p>
         </p:txBody>
@@ -4805,8 +4887,8 @@
         </p:nvSpPr>
         <p:spPr>
           <a:xfrm>
-            <a:off x="1097280" y="1845733"/>
-            <a:ext cx="10058400" cy="4410687"/>
+            <a:off x="838200" y="1402673"/>
+            <a:ext cx="10317480" cy="4853748"/>
           </a:xfrm>
         </p:spPr>
         <p:txBody>
@@ -4816,53 +4898,252 @@
           <a:lstStyle/>
           <a:p>
             <a:r>
-              <a:rPr lang="en-GB" sz="2000" dirty="0"/>
+              <a:rPr lang="en-GB" sz="1600" dirty="0"/>
               <a:t>- Team plan, outlining how features work together as a plan.</a:t>
             </a:r>
           </a:p>
           <a:p>
             <a:r>
-              <a:rPr lang="en-GB" sz="2000" dirty="0"/>
+              <a:rPr lang="en-GB" sz="1600" dirty="0"/>
               <a:t>- Plan should include:</a:t>
             </a:r>
           </a:p>
           <a:p>
+            <a:pPr marL="0" indent="0">
+              <a:buNone/>
+            </a:pPr>
+            <a:r>
+              <a:rPr lang="en-GB" sz="1600" dirty="0"/>
+              <a:t>The overall system in which we will be developing is a functioning, modern website that includes a sufficient level of security as well as various pages to match the various different requirements.  These pages can be compartmentalised into 5 different sections: a gallery page, a membership sign up page, a contact form, and a Shop page.</a:t>
+            </a:r>
+          </a:p>
+          <a:p>
             <a:pPr lvl="1"/>
             <a:r>
-              <a:rPr lang="en-GB" sz="1800" dirty="0"/>
-              <a:t>The overall system will be a functioning, modern website that includes a sufficient level of security as well as various pages to match the various different requirements.  These pages will include but are not necessarily limited to: a Gallery page, a contact form/membership sign up page and a Shop page.</a:t>
+              <a:rPr lang="en-GB" sz="1600" dirty="0"/>
+              <a:t>These pages can be split into various subsystems, which will be assigned to each member of the team.  The subsystems will be split as follows: Ben – Subsystem1, Adrian – Subsystem2, Kalina – Subsystem3, Edward – Subsystem4, Charlie – Subsystem5.</a:t>
             </a:r>
           </a:p>
           <a:p>
             <a:pPr lvl="1"/>
             <a:r>
-              <a:rPr lang="en-GB" sz="1800" dirty="0"/>
-              <a:t>These pages can be split into various subsystems, which will be assigned to each member of the team.  The subsystems will be split as follows: Ben – Subsystem1, Adrian – Subsystem2, Kalina – Subsystem3, Ed – Subsystem4, Charlie – Subsystem5.</a:t>
+              <a:rPr lang="en-GB" sz="1600" dirty="0"/>
+              <a:t>The system will be tested using Integration of the subsystems.</a:t>
             </a:r>
           </a:p>
           <a:p>
             <a:pPr lvl="1"/>
             <a:r>
-              <a:rPr lang="en-GB" sz="1800" dirty="0"/>
-              <a:t>The system will be tested using Integration of the subsystems.</a:t>
+              <a:rPr lang="en-GB" sz="1600" dirty="0"/>
+              <a:t>Project requirements – what equipment/software access do we need?</a:t>
             </a:r>
           </a:p>
           <a:p>
             <a:pPr lvl="1"/>
             <a:r>
-              <a:rPr lang="en-GB" sz="1800" dirty="0"/>
-              <a:t>Project requirements – what equipment/software access do we need?</a:t>
-            </a:r>
-          </a:p>
-          <a:p>
-            <a:pPr lvl="1"/>
-            <a:r>
-              <a:rPr lang="en-GB" sz="1800" dirty="0"/>
+              <a:rPr lang="en-GB" sz="1600" dirty="0"/>
               <a:t>Potential commercial, economic, legal, ethical, social, professional factors.</a:t>
             </a:r>
           </a:p>
         </p:txBody>
       </p:sp>
+      <p:sp>
+        <p:nvSpPr>
+          <p:cNvPr id="4" name="TextBox 3">
+            <a:extLst>
+              <a:ext uri="{FF2B5EF4-FFF2-40B4-BE49-F238E27FC236}">
+                <a16:creationId xmlns:a16="http://schemas.microsoft.com/office/drawing/2014/main" id="{5189F141-4C83-3317-5E53-27CB10E7EDD6}"/>
+              </a:ext>
+            </a:extLst>
+          </p:cNvPr>
+          <p:cNvSpPr txBox="1"/>
+          <p:nvPr/>
+        </p:nvSpPr>
+        <p:spPr>
+          <a:xfrm>
+            <a:off x="13058" y="2998113"/>
+            <a:ext cx="1254044" cy="430887"/>
+          </a:xfrm>
+          <a:prstGeom prst="rect">
+            <a:avLst/>
+          </a:prstGeom>
+          <a:solidFill>
+            <a:schemeClr val="bg1"/>
+          </a:solidFill>
+          <a:ln>
+            <a:solidFill>
+              <a:srgbClr val="FF0000"/>
+            </a:solidFill>
+          </a:ln>
+        </p:spPr>
+        <p:txBody>
+          <a:bodyPr wrap="square" rtlCol="0">
+            <a:spAutoFit/>
+          </a:bodyPr>
+          <a:lstStyle/>
+          <a:p>
+            <a:r>
+              <a:rPr lang="en-GB" sz="1100" dirty="0">
+                <a:solidFill>
+                  <a:srgbClr val="FF0000"/>
+                </a:solidFill>
+              </a:rPr>
+              <a:t>Not sure what 5</a:t>
+            </a:r>
+            <a:r>
+              <a:rPr lang="en-GB" sz="1100" baseline="30000" dirty="0">
+                <a:solidFill>
+                  <a:srgbClr val="FF0000"/>
+                </a:solidFill>
+              </a:rPr>
+              <a:t>th</a:t>
+            </a:r>
+            <a:r>
+              <a:rPr lang="en-GB" sz="1100" dirty="0">
+                <a:solidFill>
+                  <a:srgbClr val="FF0000"/>
+                </a:solidFill>
+              </a:rPr>
+              <a:t> section would be</a:t>
+            </a:r>
+          </a:p>
+        </p:txBody>
+      </p:sp>
+      <p:cxnSp>
+        <p:nvCxnSpPr>
+          <p:cNvPr id="6" name="Straight Arrow Connector 5">
+            <a:extLst>
+              <a:ext uri="{FF2B5EF4-FFF2-40B4-BE49-F238E27FC236}">
+                <a16:creationId xmlns:a16="http://schemas.microsoft.com/office/drawing/2014/main" id="{90E536D8-A272-DDE3-1650-8DB482902BF3}"/>
+              </a:ext>
+            </a:extLst>
+          </p:cNvPr>
+          <p:cNvCxnSpPr>
+            <a:stCxn id="4" idx="0"/>
+          </p:cNvCxnSpPr>
+          <p:nvPr/>
+        </p:nvCxnSpPr>
+        <p:spPr>
+          <a:xfrm flipV="1">
+            <a:off x="640080" y="2734322"/>
+            <a:ext cx="274320" cy="263791"/>
+          </a:xfrm>
+          <a:prstGeom prst="straightConnector1">
+            <a:avLst/>
+          </a:prstGeom>
+          <a:ln>
+            <a:solidFill>
+              <a:srgbClr val="FF0000"/>
+            </a:solidFill>
+            <a:tailEnd type="triangle"/>
+          </a:ln>
+        </p:spPr>
+        <p:style>
+          <a:lnRef idx="1">
+            <a:schemeClr val="accent1"/>
+          </a:lnRef>
+          <a:fillRef idx="0">
+            <a:schemeClr val="accent1"/>
+          </a:fillRef>
+          <a:effectRef idx="0">
+            <a:schemeClr val="accent1"/>
+          </a:effectRef>
+          <a:fontRef idx="minor">
+            <a:schemeClr val="tx1"/>
+          </a:fontRef>
+        </p:style>
+      </p:cxnSp>
+      <p:sp>
+        <p:nvSpPr>
+          <p:cNvPr id="7" name="TextBox 6">
+            <a:extLst>
+              <a:ext uri="{FF2B5EF4-FFF2-40B4-BE49-F238E27FC236}">
+                <a16:creationId xmlns:a16="http://schemas.microsoft.com/office/drawing/2014/main" id="{05A24002-B12A-D317-6FAA-3A3C99C62C50}"/>
+              </a:ext>
+            </a:extLst>
+          </p:cNvPr>
+          <p:cNvSpPr txBox="1"/>
+          <p:nvPr/>
+        </p:nvSpPr>
+        <p:spPr>
+          <a:xfrm>
+            <a:off x="10277124" y="3327224"/>
+            <a:ext cx="1254044" cy="430887"/>
+          </a:xfrm>
+          <a:prstGeom prst="rect">
+            <a:avLst/>
+          </a:prstGeom>
+          <a:solidFill>
+            <a:schemeClr val="bg1"/>
+          </a:solidFill>
+          <a:ln>
+            <a:solidFill>
+              <a:srgbClr val="FF0000"/>
+            </a:solidFill>
+          </a:ln>
+        </p:spPr>
+        <p:txBody>
+          <a:bodyPr wrap="square" rtlCol="0">
+            <a:spAutoFit/>
+          </a:bodyPr>
+          <a:lstStyle/>
+          <a:p>
+            <a:r>
+              <a:rPr lang="en-GB" sz="1100" dirty="0">
+                <a:solidFill>
+                  <a:srgbClr val="FF0000"/>
+                </a:solidFill>
+              </a:rPr>
+              <a:t>Change these subsystem names</a:t>
+            </a:r>
+          </a:p>
+        </p:txBody>
+      </p:sp>
+      <p:cxnSp>
+        <p:nvCxnSpPr>
+          <p:cNvPr id="9" name="Straight Arrow Connector 8">
+            <a:extLst>
+              <a:ext uri="{FF2B5EF4-FFF2-40B4-BE49-F238E27FC236}">
+                <a16:creationId xmlns:a16="http://schemas.microsoft.com/office/drawing/2014/main" id="{A7DB05C4-C142-BDE4-E1B9-A919C66B8144}"/>
+              </a:ext>
+            </a:extLst>
+          </p:cNvPr>
+          <p:cNvCxnSpPr>
+            <a:cxnSpLocks/>
+            <a:stCxn id="7" idx="1"/>
+          </p:cNvCxnSpPr>
+          <p:nvPr/>
+        </p:nvCxnSpPr>
+        <p:spPr>
+          <a:xfrm flipH="1" flipV="1">
+            <a:off x="9410330" y="3327224"/>
+            <a:ext cx="866794" cy="215444"/>
+          </a:xfrm>
+          <a:prstGeom prst="straightConnector1">
+            <a:avLst/>
+          </a:prstGeom>
+          <a:ln>
+            <a:solidFill>
+              <a:srgbClr val="FF0000"/>
+            </a:solidFill>
+            <a:tailEnd type="triangle"/>
+          </a:ln>
+        </p:spPr>
+        <p:style>
+          <a:lnRef idx="1">
+            <a:schemeClr val="accent1"/>
+          </a:lnRef>
+          <a:fillRef idx="0">
+            <a:schemeClr val="accent1"/>
+          </a:fillRef>
+          <a:effectRef idx="0">
+            <a:schemeClr val="accent1"/>
+          </a:effectRef>
+          <a:fontRef idx="minor">
+            <a:schemeClr val="tx1"/>
+          </a:fontRef>
+        </p:style>
+      </p:cxnSp>
     </p:spTree>
     <p:extLst>
       <p:ext uri="{BB962C8B-B14F-4D97-AF65-F5344CB8AC3E}">
@@ -4995,46 +5276,1184 @@
             <p:ph type="title"/>
           </p:nvPr>
         </p:nvSpPr>
-        <p:spPr/>
-        <p:txBody>
-          <a:bodyPr/>
-          <a:lstStyle/>
-          <a:p>
-            <a:r>
-              <a:rPr lang="en-GB" dirty="0"/>
-              <a:t>Persona #1</a:t>
-            </a:r>
-          </a:p>
-        </p:txBody>
-      </p:sp>
-      <p:sp>
-        <p:nvSpPr>
-          <p:cNvPr id="3" name="Content Placeholder 2">
-            <a:extLst>
-              <a:ext uri="{FF2B5EF4-FFF2-40B4-BE49-F238E27FC236}">
-                <a16:creationId xmlns:a16="http://schemas.microsoft.com/office/drawing/2014/main" id="{86846D95-DAF7-AFBA-735D-B60763EA54FC}"/>
-              </a:ext>
-            </a:extLst>
-          </p:cNvPr>
-          <p:cNvSpPr>
-            <a:spLocks noGrp="1"/>
-          </p:cNvSpPr>
-          <p:nvPr>
-            <p:ph idx="1"/>
-          </p:nvPr>
-        </p:nvSpPr>
-        <p:spPr/>
-        <p:txBody>
-          <a:bodyPr/>
-          <a:lstStyle/>
-          <a:p>
-            <a:r>
-              <a:rPr lang="en-GB" dirty="0"/>
-              <a:t>Intended users – 1 persona per group member</a:t>
-            </a:r>
-          </a:p>
-        </p:txBody>
-      </p:sp>
+        <p:spPr>
+          <a:xfrm>
+            <a:off x="0" y="0"/>
+            <a:ext cx="12192000" cy="612559"/>
+          </a:xfrm>
+          <a:solidFill>
+            <a:srgbClr val="00B0F0"/>
+          </a:solidFill>
+        </p:spPr>
+        <p:txBody>
+          <a:bodyPr>
+            <a:noAutofit/>
+          </a:bodyPr>
+          <a:lstStyle/>
+          <a:p>
+            <a:r>
+              <a:rPr lang="en-GB" sz="3600" b="1" dirty="0"/>
+              <a:t>Persona #1 – Ricky Smith</a:t>
+            </a:r>
+          </a:p>
+        </p:txBody>
+      </p:sp>
+      <p:pic>
+        <p:nvPicPr>
+          <p:cNvPr id="5" name="Picture 4">
+            <a:extLst>
+              <a:ext uri="{FF2B5EF4-FFF2-40B4-BE49-F238E27FC236}">
+                <a16:creationId xmlns:a16="http://schemas.microsoft.com/office/drawing/2014/main" id="{FE4B4403-3364-6519-34BF-FCA6567742C3}"/>
+              </a:ext>
+            </a:extLst>
+          </p:cNvPr>
+          <p:cNvPicPr>
+            <a:picLocks noChangeAspect="1"/>
+          </p:cNvPicPr>
+          <p:nvPr/>
+        </p:nvPicPr>
+        <p:blipFill>
+          <a:blip r:embed="rId2">
+            <a:extLst>
+              <a:ext uri="{28A0092B-C50C-407E-A947-70E740481C1C}">
+                <a14:useLocalDpi xmlns:a14="http://schemas.microsoft.com/office/drawing/2010/main" val="0"/>
+              </a:ext>
+            </a:extLst>
+          </a:blip>
+          <a:stretch>
+            <a:fillRect/>
+          </a:stretch>
+        </p:blipFill>
+        <p:spPr>
+          <a:xfrm>
+            <a:off x="-1" y="612558"/>
+            <a:ext cx="2618913" cy="2618913"/>
+          </a:xfrm>
+          <a:prstGeom prst="rect">
+            <a:avLst/>
+          </a:prstGeom>
+        </p:spPr>
+      </p:pic>
+      <p:sp>
+        <p:nvSpPr>
+          <p:cNvPr id="8" name="Rectangle 7">
+            <a:extLst>
+              <a:ext uri="{FF2B5EF4-FFF2-40B4-BE49-F238E27FC236}">
+                <a16:creationId xmlns:a16="http://schemas.microsoft.com/office/drawing/2014/main" id="{AC266FDD-C9D3-BF6A-5DF1-89FC8C79EEBF}"/>
+              </a:ext>
+            </a:extLst>
+          </p:cNvPr>
+          <p:cNvSpPr/>
+          <p:nvPr/>
+        </p:nvSpPr>
+        <p:spPr>
+          <a:xfrm>
+            <a:off x="2618912" y="612558"/>
+            <a:ext cx="9573088" cy="1509206"/>
+          </a:xfrm>
+          <a:prstGeom prst="rect">
+            <a:avLst/>
+          </a:prstGeom>
+          <a:solidFill>
+            <a:srgbClr val="C1EFFF"/>
+          </a:solidFill>
+          <a:ln>
+            <a:noFill/>
+          </a:ln>
+        </p:spPr>
+        <p:style>
+          <a:lnRef idx="2">
+            <a:schemeClr val="accent1">
+              <a:shade val="50000"/>
+            </a:schemeClr>
+          </a:lnRef>
+          <a:fillRef idx="1">
+            <a:schemeClr val="accent1"/>
+          </a:fillRef>
+          <a:effectRef idx="0">
+            <a:schemeClr val="accent1"/>
+          </a:effectRef>
+          <a:fontRef idx="minor">
+            <a:schemeClr val="lt1"/>
+          </a:fontRef>
+        </p:style>
+        <p:txBody>
+          <a:bodyPr rtlCol="0" anchor="ctr"/>
+          <a:lstStyle/>
+          <a:p>
+            <a:pPr algn="ctr"/>
+            <a:endParaRPr lang="en-GB" dirty="0"/>
+          </a:p>
+        </p:txBody>
+      </p:sp>
+      <p:sp>
+        <p:nvSpPr>
+          <p:cNvPr id="9" name="Rectangle 8">
+            <a:extLst>
+              <a:ext uri="{FF2B5EF4-FFF2-40B4-BE49-F238E27FC236}">
+                <a16:creationId xmlns:a16="http://schemas.microsoft.com/office/drawing/2014/main" id="{160B7C3E-DAF8-279E-8BDE-99E94228AC5F}"/>
+              </a:ext>
+            </a:extLst>
+          </p:cNvPr>
+          <p:cNvSpPr/>
+          <p:nvPr/>
+        </p:nvSpPr>
+        <p:spPr>
+          <a:xfrm>
+            <a:off x="-1" y="3231470"/>
+            <a:ext cx="2618913" cy="3626529"/>
+          </a:xfrm>
+          <a:prstGeom prst="rect">
+            <a:avLst/>
+          </a:prstGeom>
+          <a:solidFill>
+            <a:srgbClr val="C1EFFF"/>
+          </a:solidFill>
+          <a:ln>
+            <a:noFill/>
+          </a:ln>
+        </p:spPr>
+        <p:style>
+          <a:lnRef idx="2">
+            <a:schemeClr val="accent1">
+              <a:shade val="50000"/>
+            </a:schemeClr>
+          </a:lnRef>
+          <a:fillRef idx="1">
+            <a:schemeClr val="accent1"/>
+          </a:fillRef>
+          <a:effectRef idx="0">
+            <a:schemeClr val="accent1"/>
+          </a:effectRef>
+          <a:fontRef idx="minor">
+            <a:schemeClr val="lt1"/>
+          </a:fontRef>
+        </p:style>
+        <p:txBody>
+          <a:bodyPr rtlCol="0" anchor="ctr"/>
+          <a:lstStyle/>
+          <a:p>
+            <a:pPr algn="ctr"/>
+            <a:endParaRPr lang="en-GB"/>
+          </a:p>
+        </p:txBody>
+      </p:sp>
+      <p:sp>
+        <p:nvSpPr>
+          <p:cNvPr id="10" name="Title 1">
+            <a:extLst>
+              <a:ext uri="{FF2B5EF4-FFF2-40B4-BE49-F238E27FC236}">
+                <a16:creationId xmlns:a16="http://schemas.microsoft.com/office/drawing/2014/main" id="{C25BE1C6-A73A-F00E-BEBF-12712E3BCF31}"/>
+              </a:ext>
+            </a:extLst>
+          </p:cNvPr>
+          <p:cNvSpPr txBox="1">
+            <a:spLocks/>
+          </p:cNvSpPr>
+          <p:nvPr/>
+        </p:nvSpPr>
+        <p:spPr>
+          <a:xfrm>
+            <a:off x="9339308" y="2117325"/>
+            <a:ext cx="2852691" cy="4740673"/>
+          </a:xfrm>
+          <a:prstGeom prst="rect">
+            <a:avLst/>
+          </a:prstGeom>
+          <a:solidFill>
+            <a:srgbClr val="00B0F0"/>
+          </a:solidFill>
+        </p:spPr>
+        <p:txBody>
+          <a:bodyPr vert="horz" lIns="91440" tIns="45720" rIns="91440" bIns="45720" rtlCol="0" anchor="ctr">
+            <a:noAutofit/>
+          </a:bodyPr>
+          <a:lstStyle>
+            <a:lvl1pPr algn="l" defTabSz="914400" rtl="0" eaLnBrk="1" latinLnBrk="0" hangingPunct="1">
+              <a:lnSpc>
+                <a:spcPct val="90000"/>
+              </a:lnSpc>
+              <a:spcBef>
+                <a:spcPct val="0"/>
+              </a:spcBef>
+              <a:buNone/>
+              <a:defRPr sz="4400" kern="1200">
+                <a:solidFill>
+                  <a:schemeClr val="tx1"/>
+                </a:solidFill>
+                <a:latin typeface="+mj-lt"/>
+                <a:ea typeface="+mj-ea"/>
+                <a:cs typeface="+mj-cs"/>
+              </a:defRPr>
+            </a:lvl1pPr>
+          </a:lstStyle>
+          <a:p>
+            <a:endParaRPr lang="en-GB" sz="3600" b="1" dirty="0"/>
+          </a:p>
+        </p:txBody>
+      </p:sp>
+      <p:sp>
+        <p:nvSpPr>
+          <p:cNvPr id="11" name="TextBox 10">
+            <a:extLst>
+              <a:ext uri="{FF2B5EF4-FFF2-40B4-BE49-F238E27FC236}">
+                <a16:creationId xmlns:a16="http://schemas.microsoft.com/office/drawing/2014/main" id="{BAF23709-3998-DBEF-63FC-6A01732D56C4}"/>
+              </a:ext>
+            </a:extLst>
+          </p:cNvPr>
+          <p:cNvSpPr txBox="1"/>
+          <p:nvPr/>
+        </p:nvSpPr>
+        <p:spPr>
+          <a:xfrm>
+            <a:off x="2618912" y="875269"/>
+            <a:ext cx="9573087" cy="830997"/>
+          </a:xfrm>
+          <a:prstGeom prst="rect">
+            <a:avLst/>
+          </a:prstGeom>
+          <a:noFill/>
+        </p:spPr>
+        <p:txBody>
+          <a:bodyPr wrap="square" rtlCol="0">
+            <a:spAutoFit/>
+          </a:bodyPr>
+          <a:lstStyle/>
+          <a:p>
+            <a:pPr algn="ctr"/>
+            <a:r>
+              <a:rPr lang="en-GB" sz="2400" dirty="0"/>
+              <a:t>“I love anything and everything outdoors! I’m always looking for new adventures to go on, or exciting things to do!”</a:t>
+            </a:r>
+          </a:p>
+        </p:txBody>
+      </p:sp>
+      <p:sp>
+        <p:nvSpPr>
+          <p:cNvPr id="12" name="TextBox 11">
+            <a:extLst>
+              <a:ext uri="{FF2B5EF4-FFF2-40B4-BE49-F238E27FC236}">
+                <a16:creationId xmlns:a16="http://schemas.microsoft.com/office/drawing/2014/main" id="{7EBC4939-FF5F-8A65-84C9-BC242C5C6090}"/>
+              </a:ext>
+            </a:extLst>
+          </p:cNvPr>
+          <p:cNvSpPr txBox="1"/>
+          <p:nvPr/>
+        </p:nvSpPr>
+        <p:spPr>
+          <a:xfrm>
+            <a:off x="-2" y="3231468"/>
+            <a:ext cx="2618912" cy="861774"/>
+          </a:xfrm>
+          <a:prstGeom prst="rect">
+            <a:avLst/>
+          </a:prstGeom>
+          <a:noFill/>
+        </p:spPr>
+        <p:txBody>
+          <a:bodyPr wrap="square" rtlCol="0">
+            <a:spAutoFit/>
+          </a:bodyPr>
+          <a:lstStyle/>
+          <a:p>
+            <a:r>
+              <a:rPr lang="en-GB" b="1" dirty="0"/>
+              <a:t>TECHNOLOGY USE</a:t>
+            </a:r>
+          </a:p>
+          <a:p>
+            <a:endParaRPr lang="en-GB" sz="1600" b="1" dirty="0"/>
+          </a:p>
+          <a:p>
+            <a:r>
+              <a:rPr lang="en-GB" sz="1600" dirty="0"/>
+              <a:t>Words</a:t>
+            </a:r>
+          </a:p>
+        </p:txBody>
+      </p:sp>
+      <p:sp>
+        <p:nvSpPr>
+          <p:cNvPr id="13" name="TextBox 12">
+            <a:extLst>
+              <a:ext uri="{FF2B5EF4-FFF2-40B4-BE49-F238E27FC236}">
+                <a16:creationId xmlns:a16="http://schemas.microsoft.com/office/drawing/2014/main" id="{F4D51048-93C1-87F1-30C2-C79ABAE0CC39}"/>
+              </a:ext>
+            </a:extLst>
+          </p:cNvPr>
+          <p:cNvSpPr txBox="1"/>
+          <p:nvPr/>
+        </p:nvSpPr>
+        <p:spPr>
+          <a:xfrm>
+            <a:off x="9339306" y="2117325"/>
+            <a:ext cx="2852693" cy="2062103"/>
+          </a:xfrm>
+          <a:prstGeom prst="rect">
+            <a:avLst/>
+          </a:prstGeom>
+          <a:noFill/>
+        </p:spPr>
+        <p:txBody>
+          <a:bodyPr wrap="square" rtlCol="0">
+            <a:spAutoFit/>
+          </a:bodyPr>
+          <a:lstStyle/>
+          <a:p>
+            <a:r>
+              <a:rPr lang="en-GB" b="1" dirty="0"/>
+              <a:t>KNOWLEDGE AND SKILLS</a:t>
+            </a:r>
+          </a:p>
+          <a:p>
+            <a:endParaRPr lang="en-GB" sz="1200" dirty="0"/>
+          </a:p>
+          <a:p>
+            <a:r>
+              <a:rPr lang="en-GB" sz="1400" dirty="0"/>
+              <a:t>Interest in surfing</a:t>
+            </a:r>
+          </a:p>
+          <a:p>
+            <a:endParaRPr lang="en-GB" sz="1400" dirty="0"/>
+          </a:p>
+          <a:p>
+            <a:endParaRPr lang="en-GB" sz="1400" dirty="0"/>
+          </a:p>
+          <a:p>
+            <a:r>
+              <a:rPr lang="en-GB" sz="1400" dirty="0"/>
+              <a:t>Spontaneity</a:t>
+            </a:r>
+          </a:p>
+          <a:p>
+            <a:endParaRPr lang="en-GB" sz="1400" dirty="0"/>
+          </a:p>
+          <a:p>
+            <a:endParaRPr lang="en-GB" sz="1400" dirty="0"/>
+          </a:p>
+          <a:p>
+            <a:r>
+              <a:rPr lang="en-GB" sz="1400" dirty="0"/>
+              <a:t>Technology Literacy </a:t>
+            </a:r>
+            <a:endParaRPr lang="en-GB" sz="1200" dirty="0"/>
+          </a:p>
+        </p:txBody>
+      </p:sp>
+      <p:sp>
+        <p:nvSpPr>
+          <p:cNvPr id="14" name="TextBox 13">
+            <a:extLst>
+              <a:ext uri="{FF2B5EF4-FFF2-40B4-BE49-F238E27FC236}">
+                <a16:creationId xmlns:a16="http://schemas.microsoft.com/office/drawing/2014/main" id="{3E323257-A3AF-1563-23C3-9EE4F286898A}"/>
+              </a:ext>
+            </a:extLst>
+          </p:cNvPr>
+          <p:cNvSpPr txBox="1"/>
+          <p:nvPr/>
+        </p:nvSpPr>
+        <p:spPr>
+          <a:xfrm>
+            <a:off x="9339307" y="4687410"/>
+            <a:ext cx="2852693" cy="369332"/>
+          </a:xfrm>
+          <a:prstGeom prst="rect">
+            <a:avLst/>
+          </a:prstGeom>
+          <a:noFill/>
+        </p:spPr>
+        <p:txBody>
+          <a:bodyPr wrap="square" rtlCol="0">
+            <a:spAutoFit/>
+          </a:bodyPr>
+          <a:lstStyle/>
+          <a:p>
+            <a:r>
+              <a:rPr lang="en-GB" b="1" dirty="0"/>
+              <a:t>DEMOGRAPHICS</a:t>
+            </a:r>
+          </a:p>
+        </p:txBody>
+      </p:sp>
+      <p:sp>
+        <p:nvSpPr>
+          <p:cNvPr id="16" name="Rectangle 15">
+            <a:extLst>
+              <a:ext uri="{FF2B5EF4-FFF2-40B4-BE49-F238E27FC236}">
+                <a16:creationId xmlns:a16="http://schemas.microsoft.com/office/drawing/2014/main" id="{48F70743-B00C-8DD3-C613-190EB6873BFA}"/>
+              </a:ext>
+            </a:extLst>
+          </p:cNvPr>
+          <p:cNvSpPr/>
+          <p:nvPr/>
+        </p:nvSpPr>
+        <p:spPr>
+          <a:xfrm>
+            <a:off x="9619477" y="2899740"/>
+            <a:ext cx="2292350" cy="250855"/>
+          </a:xfrm>
+          <a:prstGeom prst="rect">
+            <a:avLst/>
+          </a:prstGeom>
+          <a:solidFill>
+            <a:schemeClr val="bg1"/>
+          </a:solidFill>
+          <a:ln>
+            <a:solidFill>
+              <a:schemeClr val="tx1"/>
+            </a:solidFill>
+          </a:ln>
+        </p:spPr>
+        <p:style>
+          <a:lnRef idx="2">
+            <a:schemeClr val="accent1">
+              <a:shade val="50000"/>
+            </a:schemeClr>
+          </a:lnRef>
+          <a:fillRef idx="1">
+            <a:schemeClr val="accent1"/>
+          </a:fillRef>
+          <a:effectRef idx="0">
+            <a:schemeClr val="accent1"/>
+          </a:effectRef>
+          <a:fontRef idx="minor">
+            <a:schemeClr val="lt1"/>
+          </a:fontRef>
+        </p:style>
+        <p:txBody>
+          <a:bodyPr rtlCol="0" anchor="ctr"/>
+          <a:lstStyle/>
+          <a:p>
+            <a:pPr algn="ctr"/>
+            <a:endParaRPr lang="en-GB"/>
+          </a:p>
+        </p:txBody>
+      </p:sp>
+      <p:sp>
+        <p:nvSpPr>
+          <p:cNvPr id="17" name="Rectangle 16">
+            <a:extLst>
+              <a:ext uri="{FF2B5EF4-FFF2-40B4-BE49-F238E27FC236}">
+                <a16:creationId xmlns:a16="http://schemas.microsoft.com/office/drawing/2014/main" id="{E60A4827-D120-3698-B1E9-572B32282D09}"/>
+              </a:ext>
+            </a:extLst>
+          </p:cNvPr>
+          <p:cNvSpPr/>
+          <p:nvPr/>
+        </p:nvSpPr>
+        <p:spPr>
+          <a:xfrm>
+            <a:off x="9619477" y="2897521"/>
+            <a:ext cx="1338084" cy="250855"/>
+          </a:xfrm>
+          <a:prstGeom prst="rect">
+            <a:avLst/>
+          </a:prstGeom>
+          <a:solidFill>
+            <a:srgbClr val="C1EFFF"/>
+          </a:solidFill>
+          <a:ln>
+            <a:noFill/>
+          </a:ln>
+        </p:spPr>
+        <p:style>
+          <a:lnRef idx="2">
+            <a:schemeClr val="accent1">
+              <a:shade val="50000"/>
+            </a:schemeClr>
+          </a:lnRef>
+          <a:fillRef idx="1">
+            <a:schemeClr val="accent1"/>
+          </a:fillRef>
+          <a:effectRef idx="0">
+            <a:schemeClr val="accent1"/>
+          </a:effectRef>
+          <a:fontRef idx="minor">
+            <a:schemeClr val="lt1"/>
+          </a:fontRef>
+        </p:style>
+        <p:txBody>
+          <a:bodyPr rtlCol="0" anchor="ctr"/>
+          <a:lstStyle/>
+          <a:p>
+            <a:pPr algn="ctr"/>
+            <a:endParaRPr lang="en-GB"/>
+          </a:p>
+        </p:txBody>
+      </p:sp>
+      <p:sp>
+        <p:nvSpPr>
+          <p:cNvPr id="18" name="Rectangle 17">
+            <a:extLst>
+              <a:ext uri="{FF2B5EF4-FFF2-40B4-BE49-F238E27FC236}">
+                <a16:creationId xmlns:a16="http://schemas.microsoft.com/office/drawing/2014/main" id="{96D92019-AE82-F1DD-C5D7-0BF617007B13}"/>
+              </a:ext>
+            </a:extLst>
+          </p:cNvPr>
+          <p:cNvSpPr/>
+          <p:nvPr/>
+        </p:nvSpPr>
+        <p:spPr>
+          <a:xfrm>
+            <a:off x="9619476" y="2897521"/>
+            <a:ext cx="2292350" cy="250855"/>
+          </a:xfrm>
+          <a:prstGeom prst="rect">
+            <a:avLst/>
+          </a:prstGeom>
+          <a:noFill/>
+          <a:ln>
+            <a:solidFill>
+              <a:schemeClr val="tx1"/>
+            </a:solidFill>
+          </a:ln>
+        </p:spPr>
+        <p:style>
+          <a:lnRef idx="2">
+            <a:schemeClr val="accent1">
+              <a:shade val="50000"/>
+            </a:schemeClr>
+          </a:lnRef>
+          <a:fillRef idx="1">
+            <a:schemeClr val="accent1"/>
+          </a:fillRef>
+          <a:effectRef idx="0">
+            <a:schemeClr val="accent1"/>
+          </a:effectRef>
+          <a:fontRef idx="minor">
+            <a:schemeClr val="lt1"/>
+          </a:fontRef>
+        </p:style>
+        <p:txBody>
+          <a:bodyPr rtlCol="0" anchor="ctr"/>
+          <a:lstStyle/>
+          <a:p>
+            <a:pPr algn="ctr"/>
+            <a:endParaRPr lang="en-GB"/>
+          </a:p>
+        </p:txBody>
+      </p:sp>
+      <p:sp>
+        <p:nvSpPr>
+          <p:cNvPr id="19" name="Rectangle 18">
+            <a:extLst>
+              <a:ext uri="{FF2B5EF4-FFF2-40B4-BE49-F238E27FC236}">
+                <a16:creationId xmlns:a16="http://schemas.microsoft.com/office/drawing/2014/main" id="{06BFEB69-7ABB-5384-E82F-A5BF0DD68334}"/>
+              </a:ext>
+            </a:extLst>
+          </p:cNvPr>
+          <p:cNvSpPr/>
+          <p:nvPr/>
+        </p:nvSpPr>
+        <p:spPr>
+          <a:xfrm>
+            <a:off x="9619476" y="3566204"/>
+            <a:ext cx="2292350" cy="250855"/>
+          </a:xfrm>
+          <a:prstGeom prst="rect">
+            <a:avLst/>
+          </a:prstGeom>
+          <a:solidFill>
+            <a:schemeClr val="bg1"/>
+          </a:solidFill>
+          <a:ln>
+            <a:solidFill>
+              <a:schemeClr val="tx1"/>
+            </a:solidFill>
+          </a:ln>
+        </p:spPr>
+        <p:style>
+          <a:lnRef idx="2">
+            <a:schemeClr val="accent1">
+              <a:shade val="50000"/>
+            </a:schemeClr>
+          </a:lnRef>
+          <a:fillRef idx="1">
+            <a:schemeClr val="accent1"/>
+          </a:fillRef>
+          <a:effectRef idx="0">
+            <a:schemeClr val="accent1"/>
+          </a:effectRef>
+          <a:fontRef idx="minor">
+            <a:schemeClr val="lt1"/>
+          </a:fontRef>
+        </p:style>
+        <p:txBody>
+          <a:bodyPr rtlCol="0" anchor="ctr"/>
+          <a:lstStyle/>
+          <a:p>
+            <a:pPr algn="ctr"/>
+            <a:endParaRPr lang="en-GB"/>
+          </a:p>
+        </p:txBody>
+      </p:sp>
+      <p:sp>
+        <p:nvSpPr>
+          <p:cNvPr id="20" name="Rectangle 19">
+            <a:extLst>
+              <a:ext uri="{FF2B5EF4-FFF2-40B4-BE49-F238E27FC236}">
+                <a16:creationId xmlns:a16="http://schemas.microsoft.com/office/drawing/2014/main" id="{46505EB9-F131-0BBC-8641-DAA3CC1E0957}"/>
+              </a:ext>
+            </a:extLst>
+          </p:cNvPr>
+          <p:cNvSpPr/>
+          <p:nvPr/>
+        </p:nvSpPr>
+        <p:spPr>
+          <a:xfrm>
+            <a:off x="9619475" y="3563985"/>
+            <a:ext cx="2222005" cy="250855"/>
+          </a:xfrm>
+          <a:prstGeom prst="rect">
+            <a:avLst/>
+          </a:prstGeom>
+          <a:solidFill>
+            <a:srgbClr val="C1EFFF"/>
+          </a:solidFill>
+          <a:ln>
+            <a:noFill/>
+          </a:ln>
+        </p:spPr>
+        <p:style>
+          <a:lnRef idx="2">
+            <a:schemeClr val="accent1">
+              <a:shade val="50000"/>
+            </a:schemeClr>
+          </a:lnRef>
+          <a:fillRef idx="1">
+            <a:schemeClr val="accent1"/>
+          </a:fillRef>
+          <a:effectRef idx="0">
+            <a:schemeClr val="accent1"/>
+          </a:effectRef>
+          <a:fontRef idx="minor">
+            <a:schemeClr val="lt1"/>
+          </a:fontRef>
+        </p:style>
+        <p:txBody>
+          <a:bodyPr rtlCol="0" anchor="ctr"/>
+          <a:lstStyle/>
+          <a:p>
+            <a:pPr algn="ctr"/>
+            <a:endParaRPr lang="en-GB"/>
+          </a:p>
+        </p:txBody>
+      </p:sp>
+      <p:sp>
+        <p:nvSpPr>
+          <p:cNvPr id="21" name="Rectangle 20">
+            <a:extLst>
+              <a:ext uri="{FF2B5EF4-FFF2-40B4-BE49-F238E27FC236}">
+                <a16:creationId xmlns:a16="http://schemas.microsoft.com/office/drawing/2014/main" id="{C7F06A84-05E0-8F76-B8CD-2312C2DFF347}"/>
+              </a:ext>
+            </a:extLst>
+          </p:cNvPr>
+          <p:cNvSpPr/>
+          <p:nvPr/>
+        </p:nvSpPr>
+        <p:spPr>
+          <a:xfrm>
+            <a:off x="9619475" y="3563985"/>
+            <a:ext cx="2292350" cy="250855"/>
+          </a:xfrm>
+          <a:prstGeom prst="rect">
+            <a:avLst/>
+          </a:prstGeom>
+          <a:noFill/>
+          <a:ln>
+            <a:solidFill>
+              <a:schemeClr val="tx1"/>
+            </a:solidFill>
+          </a:ln>
+        </p:spPr>
+        <p:style>
+          <a:lnRef idx="2">
+            <a:schemeClr val="accent1">
+              <a:shade val="50000"/>
+            </a:schemeClr>
+          </a:lnRef>
+          <a:fillRef idx="1">
+            <a:schemeClr val="accent1"/>
+          </a:fillRef>
+          <a:effectRef idx="0">
+            <a:schemeClr val="accent1"/>
+          </a:effectRef>
+          <a:fontRef idx="minor">
+            <a:schemeClr val="lt1"/>
+          </a:fontRef>
+        </p:style>
+        <p:txBody>
+          <a:bodyPr rtlCol="0" anchor="ctr"/>
+          <a:lstStyle/>
+          <a:p>
+            <a:pPr algn="ctr"/>
+            <a:endParaRPr lang="en-GB"/>
+          </a:p>
+        </p:txBody>
+      </p:sp>
+      <p:sp>
+        <p:nvSpPr>
+          <p:cNvPr id="22" name="Rectangle 21">
+            <a:extLst>
+              <a:ext uri="{FF2B5EF4-FFF2-40B4-BE49-F238E27FC236}">
+                <a16:creationId xmlns:a16="http://schemas.microsoft.com/office/drawing/2014/main" id="{08E4BE8E-7570-1E70-C978-8786EC5FB968}"/>
+              </a:ext>
+            </a:extLst>
+          </p:cNvPr>
+          <p:cNvSpPr/>
+          <p:nvPr/>
+        </p:nvSpPr>
+        <p:spPr>
+          <a:xfrm>
+            <a:off x="9619475" y="4199613"/>
+            <a:ext cx="2292350" cy="250855"/>
+          </a:xfrm>
+          <a:prstGeom prst="rect">
+            <a:avLst/>
+          </a:prstGeom>
+          <a:solidFill>
+            <a:schemeClr val="bg1"/>
+          </a:solidFill>
+          <a:ln>
+            <a:solidFill>
+              <a:schemeClr val="tx1"/>
+            </a:solidFill>
+          </a:ln>
+        </p:spPr>
+        <p:style>
+          <a:lnRef idx="2">
+            <a:schemeClr val="accent1">
+              <a:shade val="50000"/>
+            </a:schemeClr>
+          </a:lnRef>
+          <a:fillRef idx="1">
+            <a:schemeClr val="accent1"/>
+          </a:fillRef>
+          <a:effectRef idx="0">
+            <a:schemeClr val="accent1"/>
+          </a:effectRef>
+          <a:fontRef idx="minor">
+            <a:schemeClr val="lt1"/>
+          </a:fontRef>
+        </p:style>
+        <p:txBody>
+          <a:bodyPr rtlCol="0" anchor="ctr"/>
+          <a:lstStyle/>
+          <a:p>
+            <a:pPr algn="ctr"/>
+            <a:endParaRPr lang="en-GB"/>
+          </a:p>
+        </p:txBody>
+      </p:sp>
+      <p:sp>
+        <p:nvSpPr>
+          <p:cNvPr id="23" name="Rectangle 22">
+            <a:extLst>
+              <a:ext uri="{FF2B5EF4-FFF2-40B4-BE49-F238E27FC236}">
+                <a16:creationId xmlns:a16="http://schemas.microsoft.com/office/drawing/2014/main" id="{18B7973C-341A-4356-7DB8-E793FD9D01ED}"/>
+              </a:ext>
+            </a:extLst>
+          </p:cNvPr>
+          <p:cNvSpPr/>
+          <p:nvPr/>
+        </p:nvSpPr>
+        <p:spPr>
+          <a:xfrm>
+            <a:off x="9619475" y="4197394"/>
+            <a:ext cx="621806" cy="250855"/>
+          </a:xfrm>
+          <a:prstGeom prst="rect">
+            <a:avLst/>
+          </a:prstGeom>
+          <a:solidFill>
+            <a:srgbClr val="C1EFFF"/>
+          </a:solidFill>
+          <a:ln>
+            <a:noFill/>
+          </a:ln>
+        </p:spPr>
+        <p:style>
+          <a:lnRef idx="2">
+            <a:schemeClr val="accent1">
+              <a:shade val="50000"/>
+            </a:schemeClr>
+          </a:lnRef>
+          <a:fillRef idx="1">
+            <a:schemeClr val="accent1"/>
+          </a:fillRef>
+          <a:effectRef idx="0">
+            <a:schemeClr val="accent1"/>
+          </a:effectRef>
+          <a:fontRef idx="minor">
+            <a:schemeClr val="lt1"/>
+          </a:fontRef>
+        </p:style>
+        <p:txBody>
+          <a:bodyPr rtlCol="0" anchor="ctr"/>
+          <a:lstStyle/>
+          <a:p>
+            <a:pPr algn="ctr"/>
+            <a:endParaRPr lang="en-GB"/>
+          </a:p>
+        </p:txBody>
+      </p:sp>
+      <p:sp>
+        <p:nvSpPr>
+          <p:cNvPr id="24" name="Rectangle 23">
+            <a:extLst>
+              <a:ext uri="{FF2B5EF4-FFF2-40B4-BE49-F238E27FC236}">
+                <a16:creationId xmlns:a16="http://schemas.microsoft.com/office/drawing/2014/main" id="{82BF517D-E569-92F5-A148-4A068F45510C}"/>
+              </a:ext>
+            </a:extLst>
+          </p:cNvPr>
+          <p:cNvSpPr/>
+          <p:nvPr/>
+        </p:nvSpPr>
+        <p:spPr>
+          <a:xfrm>
+            <a:off x="9619474" y="4197394"/>
+            <a:ext cx="2292350" cy="250855"/>
+          </a:xfrm>
+          <a:prstGeom prst="rect">
+            <a:avLst/>
+          </a:prstGeom>
+          <a:noFill/>
+          <a:ln>
+            <a:solidFill>
+              <a:schemeClr val="tx1"/>
+            </a:solidFill>
+          </a:ln>
+        </p:spPr>
+        <p:style>
+          <a:lnRef idx="2">
+            <a:schemeClr val="accent1">
+              <a:shade val="50000"/>
+            </a:schemeClr>
+          </a:lnRef>
+          <a:fillRef idx="1">
+            <a:schemeClr val="accent1"/>
+          </a:fillRef>
+          <a:effectRef idx="0">
+            <a:schemeClr val="accent1"/>
+          </a:effectRef>
+          <a:fontRef idx="minor">
+            <a:schemeClr val="lt1"/>
+          </a:fontRef>
+        </p:style>
+        <p:txBody>
+          <a:bodyPr rtlCol="0" anchor="ctr"/>
+          <a:lstStyle/>
+          <a:p>
+            <a:pPr algn="ctr"/>
+            <a:endParaRPr lang="en-GB"/>
+          </a:p>
+        </p:txBody>
+      </p:sp>
+      <p:sp>
+        <p:nvSpPr>
+          <p:cNvPr id="25" name="TextBox 24">
+            <a:extLst>
+              <a:ext uri="{FF2B5EF4-FFF2-40B4-BE49-F238E27FC236}">
+                <a16:creationId xmlns:a16="http://schemas.microsoft.com/office/drawing/2014/main" id="{F9300E62-9AAD-2229-5264-E29F0A30CB9B}"/>
+              </a:ext>
+            </a:extLst>
+          </p:cNvPr>
+          <p:cNvSpPr txBox="1"/>
+          <p:nvPr/>
+        </p:nvSpPr>
+        <p:spPr>
+          <a:xfrm>
+            <a:off x="2618909" y="2132542"/>
+            <a:ext cx="6720389" cy="4770537"/>
+          </a:xfrm>
+          <a:prstGeom prst="rect">
+            <a:avLst/>
+          </a:prstGeom>
+          <a:noFill/>
+        </p:spPr>
+        <p:txBody>
+          <a:bodyPr wrap="square" rtlCol="0">
+            <a:spAutoFit/>
+          </a:bodyPr>
+          <a:lstStyle/>
+          <a:p>
+            <a:r>
+              <a:rPr lang="en-GB" sz="1600" b="1" dirty="0"/>
+              <a:t>About Ricky</a:t>
+            </a:r>
+            <a:endParaRPr lang="en-GB" sz="1600" dirty="0"/>
+          </a:p>
+          <a:p>
+            <a:pPr>
+              <a:lnSpc>
+                <a:spcPct val="200000"/>
+              </a:lnSpc>
+            </a:pPr>
+            <a:r>
+              <a:rPr lang="en-GB" sz="1600" dirty="0"/>
+              <a:t>Words</a:t>
+            </a:r>
+          </a:p>
+          <a:p>
+            <a:endParaRPr lang="en-GB" sz="1600" dirty="0"/>
+          </a:p>
+          <a:p>
+            <a:endParaRPr lang="en-GB" sz="1600" dirty="0"/>
+          </a:p>
+          <a:p>
+            <a:endParaRPr lang="en-GB" sz="1600" dirty="0"/>
+          </a:p>
+          <a:p>
+            <a:pPr>
+              <a:lnSpc>
+                <a:spcPct val="200000"/>
+              </a:lnSpc>
+            </a:pPr>
+            <a:r>
+              <a:rPr lang="en-GB" sz="1600" b="1" dirty="0"/>
+              <a:t>What types of websites does Ricky usually visit?</a:t>
+            </a:r>
+            <a:endParaRPr lang="en-GB" sz="1600" dirty="0"/>
+          </a:p>
+          <a:p>
+            <a:pPr>
+              <a:lnSpc>
+                <a:spcPct val="200000"/>
+              </a:lnSpc>
+            </a:pPr>
+            <a:r>
+              <a:rPr lang="en-GB" sz="1600" dirty="0"/>
+              <a:t>Words</a:t>
+            </a:r>
+          </a:p>
+          <a:p>
+            <a:endParaRPr lang="en-GB" sz="1600" dirty="0"/>
+          </a:p>
+          <a:p>
+            <a:endParaRPr lang="en-GB" sz="1600" dirty="0"/>
+          </a:p>
+          <a:p>
+            <a:endParaRPr lang="en-GB" sz="1600" dirty="0"/>
+          </a:p>
+          <a:p>
+            <a:r>
+              <a:rPr lang="en-GB" sz="1600" b="1" dirty="0"/>
+              <a:t>What motivates Ricky?</a:t>
+            </a:r>
+            <a:endParaRPr lang="en-GB" sz="1600" dirty="0"/>
+          </a:p>
+          <a:p>
+            <a:pPr>
+              <a:lnSpc>
+                <a:spcPct val="200000"/>
+              </a:lnSpc>
+            </a:pPr>
+            <a:r>
+              <a:rPr lang="en-GB" sz="1600" dirty="0"/>
+              <a:t>Words</a:t>
+            </a:r>
+          </a:p>
+          <a:p>
+            <a:endParaRPr lang="en-GB" sz="1600" dirty="0"/>
+          </a:p>
+          <a:p>
+            <a:endParaRPr lang="en-GB" sz="1600" dirty="0"/>
+          </a:p>
+          <a:p>
+            <a:r>
+              <a:rPr lang="en-GB" sz="1600" b="1" dirty="0"/>
+              <a:t> </a:t>
+            </a:r>
+          </a:p>
+        </p:txBody>
+      </p:sp>
+      <p:graphicFrame>
+        <p:nvGraphicFramePr>
+          <p:cNvPr id="27" name="Table 27">
+            <a:extLst>
+              <a:ext uri="{FF2B5EF4-FFF2-40B4-BE49-F238E27FC236}">
+                <a16:creationId xmlns:a16="http://schemas.microsoft.com/office/drawing/2014/main" id="{92E15D58-B8D5-9B6B-BA00-D5D35C1A4804}"/>
+              </a:ext>
+            </a:extLst>
+          </p:cNvPr>
+          <p:cNvGraphicFramePr>
+            <a:graphicFrameLocks noGrp="1"/>
+          </p:cNvGraphicFramePr>
+          <p:nvPr>
+            <p:extLst>
+              <p:ext uri="{D42A27DB-BD31-4B8C-83A1-F6EECF244321}">
+                <p14:modId xmlns:p14="http://schemas.microsoft.com/office/powerpoint/2010/main" val="845734149"/>
+              </p:ext>
+            </p:extLst>
+          </p:nvPr>
+        </p:nvGraphicFramePr>
+        <p:xfrm>
+          <a:off x="9400491" y="5023449"/>
+          <a:ext cx="2730316" cy="1793415"/>
+        </p:xfrm>
+        <a:graphic>
+          <a:graphicData uri="http://schemas.openxmlformats.org/drawingml/2006/table">
+            <a:tbl>
+              <a:tblPr firstRow="1" bandRow="1">
+                <a:tableStyleId>{2D5ABB26-0587-4C30-8999-92F81FD0307C}</a:tableStyleId>
+              </a:tblPr>
+              <a:tblGrid>
+                <a:gridCol w="1365158">
+                  <a:extLst>
+                    <a:ext uri="{9D8B030D-6E8A-4147-A177-3AD203B41FA5}">
+                      <a16:colId xmlns:a16="http://schemas.microsoft.com/office/drawing/2014/main" val="2141065019"/>
+                    </a:ext>
+                  </a:extLst>
+                </a:gridCol>
+                <a:gridCol w="1365158">
+                  <a:extLst>
+                    <a:ext uri="{9D8B030D-6E8A-4147-A177-3AD203B41FA5}">
+                      <a16:colId xmlns:a16="http://schemas.microsoft.com/office/drawing/2014/main" val="810099458"/>
+                    </a:ext>
+                  </a:extLst>
+                </a:gridCol>
+              </a:tblGrid>
+              <a:tr h="425085">
+                <a:tc>
+                  <a:txBody>
+                    <a:bodyPr/>
+                    <a:lstStyle/>
+                    <a:p>
+                      <a:r>
+                        <a:rPr lang="en-GB" sz="1600" dirty="0"/>
+                        <a:t>Age:</a:t>
+                      </a:r>
+                    </a:p>
+                  </a:txBody>
+                  <a:tcPr/>
+                </a:tc>
+                <a:tc>
+                  <a:txBody>
+                    <a:bodyPr/>
+                    <a:lstStyle/>
+                    <a:p>
+                      <a:pPr algn="ctr"/>
+                      <a:r>
+                        <a:rPr lang="en-GB" dirty="0"/>
+                        <a:t>38</a:t>
+                      </a:r>
+                    </a:p>
+                  </a:txBody>
+                  <a:tcPr/>
+                </a:tc>
+                <a:extLst>
+                  <a:ext uri="{0D108BD9-81ED-4DB2-BD59-A6C34878D82A}">
+                    <a16:rowId xmlns:a16="http://schemas.microsoft.com/office/drawing/2014/main" val="3194419147"/>
+                  </a:ext>
+                </a:extLst>
+              </a:tr>
+              <a:tr h="425085">
+                <a:tc>
+                  <a:txBody>
+                    <a:bodyPr/>
+                    <a:lstStyle/>
+                    <a:p>
+                      <a:r>
+                        <a:rPr lang="en-GB" sz="1600" dirty="0"/>
+                        <a:t>Education:</a:t>
+                      </a:r>
+                    </a:p>
+                  </a:txBody>
+                  <a:tcPr/>
+                </a:tc>
+                <a:tc>
+                  <a:txBody>
+                    <a:bodyPr/>
+                    <a:lstStyle/>
+                    <a:p>
+                      <a:pPr algn="ctr"/>
+                      <a:r>
+                        <a:rPr lang="en-GB" dirty="0"/>
+                        <a:t>College</a:t>
+                      </a:r>
+                    </a:p>
+                  </a:txBody>
+                  <a:tcPr/>
+                </a:tc>
+                <a:extLst>
+                  <a:ext uri="{0D108BD9-81ED-4DB2-BD59-A6C34878D82A}">
+                    <a16:rowId xmlns:a16="http://schemas.microsoft.com/office/drawing/2014/main" val="2747056949"/>
+                  </a:ext>
+                </a:extLst>
+              </a:tr>
+              <a:tr h="425085">
+                <a:tc>
+                  <a:txBody>
+                    <a:bodyPr/>
+                    <a:lstStyle/>
+                    <a:p>
+                      <a:r>
+                        <a:rPr lang="en-GB" sz="1600" dirty="0"/>
+                        <a:t>Job:</a:t>
+                      </a:r>
+                    </a:p>
+                  </a:txBody>
+                  <a:tcPr/>
+                </a:tc>
+                <a:tc>
+                  <a:txBody>
+                    <a:bodyPr/>
+                    <a:lstStyle/>
+                    <a:p>
+                      <a:pPr algn="ctr"/>
+                      <a:r>
+                        <a:rPr lang="en-GB" sz="1400" dirty="0"/>
+                        <a:t>Rock-climbing instructor</a:t>
+                      </a:r>
+                    </a:p>
+                  </a:txBody>
+                  <a:tcPr/>
+                </a:tc>
+                <a:extLst>
+                  <a:ext uri="{0D108BD9-81ED-4DB2-BD59-A6C34878D82A}">
+                    <a16:rowId xmlns:a16="http://schemas.microsoft.com/office/drawing/2014/main" val="2597114541"/>
+                  </a:ext>
+                </a:extLst>
+              </a:tr>
+              <a:tr h="425085">
+                <a:tc>
+                  <a:txBody>
+                    <a:bodyPr/>
+                    <a:lstStyle/>
+                    <a:p>
+                      <a:r>
+                        <a:rPr lang="en-GB" sz="1600" dirty="0"/>
+                        <a:t>Salary(£-£££)</a:t>
+                      </a:r>
+                    </a:p>
+                  </a:txBody>
+                  <a:tcPr/>
+                </a:tc>
+                <a:tc>
+                  <a:txBody>
+                    <a:bodyPr/>
+                    <a:lstStyle/>
+                    <a:p>
+                      <a:pPr algn="ctr"/>
+                      <a:r>
+                        <a:rPr lang="en-GB" dirty="0"/>
+                        <a:t>£/££</a:t>
+                      </a:r>
+                    </a:p>
+                  </a:txBody>
+                  <a:tcPr/>
+                </a:tc>
+                <a:extLst>
+                  <a:ext uri="{0D108BD9-81ED-4DB2-BD59-A6C34878D82A}">
+                    <a16:rowId xmlns:a16="http://schemas.microsoft.com/office/drawing/2014/main" val="814151727"/>
+                  </a:ext>
+                </a:extLst>
+              </a:tr>
+            </a:tbl>
+          </a:graphicData>
+        </a:graphic>
+      </p:graphicFrame>
     </p:spTree>
     <p:extLst>
       <p:ext uri="{BB962C8B-B14F-4D97-AF65-F5344CB8AC3E}">
@@ -5081,50 +6500,1276 @@
             <p:ph type="title"/>
           </p:nvPr>
         </p:nvSpPr>
-        <p:spPr/>
-        <p:txBody>
-          <a:bodyPr/>
-          <a:lstStyle/>
-          <a:p>
-            <a:r>
-              <a:rPr lang="en-GB" dirty="0"/>
-              <a:t>Persona #2</a:t>
-            </a:r>
-          </a:p>
-        </p:txBody>
-      </p:sp>
-      <p:sp>
-        <p:nvSpPr>
-          <p:cNvPr id="3" name="Content Placeholder 2">
-            <a:extLst>
-              <a:ext uri="{FF2B5EF4-FFF2-40B4-BE49-F238E27FC236}">
-                <a16:creationId xmlns:a16="http://schemas.microsoft.com/office/drawing/2014/main" id="{86846D95-DAF7-AFBA-735D-B60763EA54FC}"/>
-              </a:ext>
-            </a:extLst>
-          </p:cNvPr>
-          <p:cNvSpPr>
-            <a:spLocks noGrp="1"/>
-          </p:cNvSpPr>
-          <p:nvPr>
-            <p:ph idx="1"/>
-          </p:nvPr>
-        </p:nvSpPr>
-        <p:spPr/>
-        <p:txBody>
-          <a:bodyPr/>
-          <a:lstStyle/>
-          <a:p>
-            <a:r>
-              <a:rPr lang="en-GB" dirty="0"/>
-              <a:t>Intended users – 1 persona per group member</a:t>
-            </a:r>
-          </a:p>
-        </p:txBody>
-      </p:sp>
+        <p:spPr>
+          <a:xfrm>
+            <a:off x="0" y="0"/>
+            <a:ext cx="12192000" cy="612559"/>
+          </a:xfrm>
+          <a:solidFill>
+            <a:srgbClr val="00B0F0"/>
+          </a:solidFill>
+        </p:spPr>
+        <p:txBody>
+          <a:bodyPr>
+            <a:noAutofit/>
+          </a:bodyPr>
+          <a:lstStyle/>
+          <a:p>
+            <a:r>
+              <a:rPr lang="en-GB" sz="3600" b="1" dirty="0"/>
+              <a:t>Persona #? –  Use this template if u want</a:t>
+            </a:r>
+          </a:p>
+        </p:txBody>
+      </p:sp>
+      <p:pic>
+        <p:nvPicPr>
+          <p:cNvPr id="5" name="Picture 4">
+            <a:extLst>
+              <a:ext uri="{FF2B5EF4-FFF2-40B4-BE49-F238E27FC236}">
+                <a16:creationId xmlns:a16="http://schemas.microsoft.com/office/drawing/2014/main" id="{FE4B4403-3364-6519-34BF-FCA6567742C3}"/>
+              </a:ext>
+            </a:extLst>
+          </p:cNvPr>
+          <p:cNvPicPr>
+            <a:picLocks noChangeAspect="1"/>
+          </p:cNvPicPr>
+          <p:nvPr/>
+        </p:nvPicPr>
+        <p:blipFill>
+          <a:blip r:embed="rId2">
+            <a:extLst>
+              <a:ext uri="{28A0092B-C50C-407E-A947-70E740481C1C}">
+                <a14:useLocalDpi xmlns:a14="http://schemas.microsoft.com/office/drawing/2010/main" val="0"/>
+              </a:ext>
+            </a:extLst>
+          </a:blip>
+          <a:stretch>
+            <a:fillRect/>
+          </a:stretch>
+        </p:blipFill>
+        <p:spPr>
+          <a:xfrm>
+            <a:off x="-1" y="612558"/>
+            <a:ext cx="2618913" cy="2618913"/>
+          </a:xfrm>
+          <a:prstGeom prst="rect">
+            <a:avLst/>
+          </a:prstGeom>
+        </p:spPr>
+      </p:pic>
+      <p:sp>
+        <p:nvSpPr>
+          <p:cNvPr id="8" name="Rectangle 7">
+            <a:extLst>
+              <a:ext uri="{FF2B5EF4-FFF2-40B4-BE49-F238E27FC236}">
+                <a16:creationId xmlns:a16="http://schemas.microsoft.com/office/drawing/2014/main" id="{AC266FDD-C9D3-BF6A-5DF1-89FC8C79EEBF}"/>
+              </a:ext>
+            </a:extLst>
+          </p:cNvPr>
+          <p:cNvSpPr/>
+          <p:nvPr/>
+        </p:nvSpPr>
+        <p:spPr>
+          <a:xfrm>
+            <a:off x="2618912" y="612558"/>
+            <a:ext cx="9573088" cy="1509206"/>
+          </a:xfrm>
+          <a:prstGeom prst="rect">
+            <a:avLst/>
+          </a:prstGeom>
+          <a:solidFill>
+            <a:srgbClr val="C1EFFF"/>
+          </a:solidFill>
+          <a:ln>
+            <a:noFill/>
+          </a:ln>
+        </p:spPr>
+        <p:style>
+          <a:lnRef idx="2">
+            <a:schemeClr val="accent1">
+              <a:shade val="50000"/>
+            </a:schemeClr>
+          </a:lnRef>
+          <a:fillRef idx="1">
+            <a:schemeClr val="accent1"/>
+          </a:fillRef>
+          <a:effectRef idx="0">
+            <a:schemeClr val="accent1"/>
+          </a:effectRef>
+          <a:fontRef idx="minor">
+            <a:schemeClr val="lt1"/>
+          </a:fontRef>
+        </p:style>
+        <p:txBody>
+          <a:bodyPr rtlCol="0" anchor="ctr"/>
+          <a:lstStyle/>
+          <a:p>
+            <a:pPr algn="ctr"/>
+            <a:endParaRPr lang="en-GB" dirty="0"/>
+          </a:p>
+        </p:txBody>
+      </p:sp>
+      <p:sp>
+        <p:nvSpPr>
+          <p:cNvPr id="9" name="Rectangle 8">
+            <a:extLst>
+              <a:ext uri="{FF2B5EF4-FFF2-40B4-BE49-F238E27FC236}">
+                <a16:creationId xmlns:a16="http://schemas.microsoft.com/office/drawing/2014/main" id="{160B7C3E-DAF8-279E-8BDE-99E94228AC5F}"/>
+              </a:ext>
+            </a:extLst>
+          </p:cNvPr>
+          <p:cNvSpPr/>
+          <p:nvPr/>
+        </p:nvSpPr>
+        <p:spPr>
+          <a:xfrm>
+            <a:off x="-1" y="3231470"/>
+            <a:ext cx="2618913" cy="3626529"/>
+          </a:xfrm>
+          <a:prstGeom prst="rect">
+            <a:avLst/>
+          </a:prstGeom>
+          <a:solidFill>
+            <a:srgbClr val="C1EFFF"/>
+          </a:solidFill>
+          <a:ln>
+            <a:noFill/>
+          </a:ln>
+        </p:spPr>
+        <p:style>
+          <a:lnRef idx="2">
+            <a:schemeClr val="accent1">
+              <a:shade val="50000"/>
+            </a:schemeClr>
+          </a:lnRef>
+          <a:fillRef idx="1">
+            <a:schemeClr val="accent1"/>
+          </a:fillRef>
+          <a:effectRef idx="0">
+            <a:schemeClr val="accent1"/>
+          </a:effectRef>
+          <a:fontRef idx="minor">
+            <a:schemeClr val="lt1"/>
+          </a:fontRef>
+        </p:style>
+        <p:txBody>
+          <a:bodyPr rtlCol="0" anchor="ctr"/>
+          <a:lstStyle/>
+          <a:p>
+            <a:pPr algn="ctr"/>
+            <a:endParaRPr lang="en-GB"/>
+          </a:p>
+        </p:txBody>
+      </p:sp>
+      <p:sp>
+        <p:nvSpPr>
+          <p:cNvPr id="10" name="Title 1">
+            <a:extLst>
+              <a:ext uri="{FF2B5EF4-FFF2-40B4-BE49-F238E27FC236}">
+                <a16:creationId xmlns:a16="http://schemas.microsoft.com/office/drawing/2014/main" id="{C25BE1C6-A73A-F00E-BEBF-12712E3BCF31}"/>
+              </a:ext>
+            </a:extLst>
+          </p:cNvPr>
+          <p:cNvSpPr txBox="1">
+            <a:spLocks/>
+          </p:cNvSpPr>
+          <p:nvPr/>
+        </p:nvSpPr>
+        <p:spPr>
+          <a:xfrm>
+            <a:off x="9339308" y="2117325"/>
+            <a:ext cx="2852691" cy="4740673"/>
+          </a:xfrm>
+          <a:prstGeom prst="rect">
+            <a:avLst/>
+          </a:prstGeom>
+          <a:solidFill>
+            <a:srgbClr val="00B0F0"/>
+          </a:solidFill>
+        </p:spPr>
+        <p:txBody>
+          <a:bodyPr vert="horz" lIns="91440" tIns="45720" rIns="91440" bIns="45720" rtlCol="0" anchor="ctr">
+            <a:noAutofit/>
+          </a:bodyPr>
+          <a:lstStyle>
+            <a:lvl1pPr algn="l" defTabSz="914400" rtl="0" eaLnBrk="1" latinLnBrk="0" hangingPunct="1">
+              <a:lnSpc>
+                <a:spcPct val="90000"/>
+              </a:lnSpc>
+              <a:spcBef>
+                <a:spcPct val="0"/>
+              </a:spcBef>
+              <a:buNone/>
+              <a:defRPr sz="4400" kern="1200">
+                <a:solidFill>
+                  <a:schemeClr val="tx1"/>
+                </a:solidFill>
+                <a:latin typeface="+mj-lt"/>
+                <a:ea typeface="+mj-ea"/>
+                <a:cs typeface="+mj-cs"/>
+              </a:defRPr>
+            </a:lvl1pPr>
+          </a:lstStyle>
+          <a:p>
+            <a:endParaRPr lang="en-GB" sz="3600" b="1" dirty="0"/>
+          </a:p>
+        </p:txBody>
+      </p:sp>
+      <p:sp>
+        <p:nvSpPr>
+          <p:cNvPr id="11" name="TextBox 10">
+            <a:extLst>
+              <a:ext uri="{FF2B5EF4-FFF2-40B4-BE49-F238E27FC236}">
+                <a16:creationId xmlns:a16="http://schemas.microsoft.com/office/drawing/2014/main" id="{BAF23709-3998-DBEF-63FC-6A01732D56C4}"/>
+              </a:ext>
+            </a:extLst>
+          </p:cNvPr>
+          <p:cNvSpPr txBox="1"/>
+          <p:nvPr/>
+        </p:nvSpPr>
+        <p:spPr>
+          <a:xfrm>
+            <a:off x="2618912" y="875269"/>
+            <a:ext cx="9573087" cy="461665"/>
+          </a:xfrm>
+          <a:prstGeom prst="rect">
+            <a:avLst/>
+          </a:prstGeom>
+          <a:noFill/>
+        </p:spPr>
+        <p:txBody>
+          <a:bodyPr wrap="square" rtlCol="0">
+            <a:spAutoFit/>
+          </a:bodyPr>
+          <a:lstStyle/>
+          <a:p>
+            <a:pPr algn="ctr"/>
+            <a:r>
+              <a:rPr lang="en-GB" sz="2400" dirty="0"/>
+              <a:t>“Quote”</a:t>
+            </a:r>
+          </a:p>
+        </p:txBody>
+      </p:sp>
+      <p:sp>
+        <p:nvSpPr>
+          <p:cNvPr id="6" name="TextBox 5">
+            <a:extLst>
+              <a:ext uri="{FF2B5EF4-FFF2-40B4-BE49-F238E27FC236}">
+                <a16:creationId xmlns:a16="http://schemas.microsoft.com/office/drawing/2014/main" id="{699A2C71-E038-3716-EC90-1DE1752BBE02}"/>
+              </a:ext>
+            </a:extLst>
+          </p:cNvPr>
+          <p:cNvSpPr txBox="1"/>
+          <p:nvPr/>
+        </p:nvSpPr>
+        <p:spPr>
+          <a:xfrm>
+            <a:off x="9339307" y="4687410"/>
+            <a:ext cx="2852693" cy="369332"/>
+          </a:xfrm>
+          <a:prstGeom prst="rect">
+            <a:avLst/>
+          </a:prstGeom>
+          <a:noFill/>
+        </p:spPr>
+        <p:txBody>
+          <a:bodyPr wrap="square" rtlCol="0">
+            <a:spAutoFit/>
+          </a:bodyPr>
+          <a:lstStyle/>
+          <a:p>
+            <a:r>
+              <a:rPr lang="en-GB" b="1" dirty="0"/>
+              <a:t>DEMOGRAPHICS</a:t>
+            </a:r>
+          </a:p>
+        </p:txBody>
+      </p:sp>
+      <p:sp>
+        <p:nvSpPr>
+          <p:cNvPr id="7" name="TextBox 6">
+            <a:extLst>
+              <a:ext uri="{FF2B5EF4-FFF2-40B4-BE49-F238E27FC236}">
+                <a16:creationId xmlns:a16="http://schemas.microsoft.com/office/drawing/2014/main" id="{1CC8FE20-9909-B70E-4BF3-1677B97E4E33}"/>
+              </a:ext>
+            </a:extLst>
+          </p:cNvPr>
+          <p:cNvSpPr txBox="1"/>
+          <p:nvPr/>
+        </p:nvSpPr>
+        <p:spPr>
+          <a:xfrm>
+            <a:off x="9339307" y="4687410"/>
+            <a:ext cx="2852693" cy="369332"/>
+          </a:xfrm>
+          <a:prstGeom prst="rect">
+            <a:avLst/>
+          </a:prstGeom>
+          <a:noFill/>
+        </p:spPr>
+        <p:txBody>
+          <a:bodyPr wrap="square" rtlCol="0">
+            <a:spAutoFit/>
+          </a:bodyPr>
+          <a:lstStyle/>
+          <a:p>
+            <a:r>
+              <a:rPr lang="en-GB" b="1" dirty="0"/>
+              <a:t>DEMOGRAPHICS</a:t>
+            </a:r>
+          </a:p>
+        </p:txBody>
+      </p:sp>
+      <p:sp>
+        <p:nvSpPr>
+          <p:cNvPr id="12" name="Rectangle 11">
+            <a:extLst>
+              <a:ext uri="{FF2B5EF4-FFF2-40B4-BE49-F238E27FC236}">
+                <a16:creationId xmlns:a16="http://schemas.microsoft.com/office/drawing/2014/main" id="{6D7E0590-B348-493F-11C7-B28C7A56467D}"/>
+              </a:ext>
+            </a:extLst>
+          </p:cNvPr>
+          <p:cNvSpPr/>
+          <p:nvPr/>
+        </p:nvSpPr>
+        <p:spPr>
+          <a:xfrm>
+            <a:off x="9619477" y="2899740"/>
+            <a:ext cx="2292350" cy="250855"/>
+          </a:xfrm>
+          <a:prstGeom prst="rect">
+            <a:avLst/>
+          </a:prstGeom>
+          <a:solidFill>
+            <a:schemeClr val="bg1"/>
+          </a:solidFill>
+          <a:ln>
+            <a:solidFill>
+              <a:schemeClr val="tx1"/>
+            </a:solidFill>
+          </a:ln>
+        </p:spPr>
+        <p:style>
+          <a:lnRef idx="2">
+            <a:schemeClr val="accent1">
+              <a:shade val="50000"/>
+            </a:schemeClr>
+          </a:lnRef>
+          <a:fillRef idx="1">
+            <a:schemeClr val="accent1"/>
+          </a:fillRef>
+          <a:effectRef idx="0">
+            <a:schemeClr val="accent1"/>
+          </a:effectRef>
+          <a:fontRef idx="minor">
+            <a:schemeClr val="lt1"/>
+          </a:fontRef>
+        </p:style>
+        <p:txBody>
+          <a:bodyPr rtlCol="0" anchor="ctr"/>
+          <a:lstStyle/>
+          <a:p>
+            <a:pPr algn="ctr"/>
+            <a:endParaRPr lang="en-GB"/>
+          </a:p>
+        </p:txBody>
+      </p:sp>
+      <p:sp>
+        <p:nvSpPr>
+          <p:cNvPr id="13" name="Rectangle 12">
+            <a:extLst>
+              <a:ext uri="{FF2B5EF4-FFF2-40B4-BE49-F238E27FC236}">
+                <a16:creationId xmlns:a16="http://schemas.microsoft.com/office/drawing/2014/main" id="{4F675DD2-9704-879B-5AF0-B436AA58C3CE}"/>
+              </a:ext>
+            </a:extLst>
+          </p:cNvPr>
+          <p:cNvSpPr/>
+          <p:nvPr/>
+        </p:nvSpPr>
+        <p:spPr>
+          <a:xfrm>
+            <a:off x="9619476" y="2897521"/>
+            <a:ext cx="1614875" cy="250855"/>
+          </a:xfrm>
+          <a:prstGeom prst="rect">
+            <a:avLst/>
+          </a:prstGeom>
+          <a:solidFill>
+            <a:srgbClr val="C1EFFF"/>
+          </a:solidFill>
+          <a:ln>
+            <a:noFill/>
+          </a:ln>
+        </p:spPr>
+        <p:style>
+          <a:lnRef idx="2">
+            <a:schemeClr val="accent1">
+              <a:shade val="50000"/>
+            </a:schemeClr>
+          </a:lnRef>
+          <a:fillRef idx="1">
+            <a:schemeClr val="accent1"/>
+          </a:fillRef>
+          <a:effectRef idx="0">
+            <a:schemeClr val="accent1"/>
+          </a:effectRef>
+          <a:fontRef idx="minor">
+            <a:schemeClr val="lt1"/>
+          </a:fontRef>
+        </p:style>
+        <p:txBody>
+          <a:bodyPr rtlCol="0" anchor="ctr"/>
+          <a:lstStyle/>
+          <a:p>
+            <a:pPr algn="ctr"/>
+            <a:endParaRPr lang="en-GB"/>
+          </a:p>
+        </p:txBody>
+      </p:sp>
+      <p:sp>
+        <p:nvSpPr>
+          <p:cNvPr id="14" name="Rectangle 13">
+            <a:extLst>
+              <a:ext uri="{FF2B5EF4-FFF2-40B4-BE49-F238E27FC236}">
+                <a16:creationId xmlns:a16="http://schemas.microsoft.com/office/drawing/2014/main" id="{9E5908FE-343B-04F9-F43B-993AEC81FFBA}"/>
+              </a:ext>
+            </a:extLst>
+          </p:cNvPr>
+          <p:cNvSpPr/>
+          <p:nvPr/>
+        </p:nvSpPr>
+        <p:spPr>
+          <a:xfrm>
+            <a:off x="9619476" y="2897521"/>
+            <a:ext cx="2292350" cy="250855"/>
+          </a:xfrm>
+          <a:prstGeom prst="rect">
+            <a:avLst/>
+          </a:prstGeom>
+          <a:noFill/>
+          <a:ln>
+            <a:solidFill>
+              <a:schemeClr val="tx1"/>
+            </a:solidFill>
+          </a:ln>
+        </p:spPr>
+        <p:style>
+          <a:lnRef idx="2">
+            <a:schemeClr val="accent1">
+              <a:shade val="50000"/>
+            </a:schemeClr>
+          </a:lnRef>
+          <a:fillRef idx="1">
+            <a:schemeClr val="accent1"/>
+          </a:fillRef>
+          <a:effectRef idx="0">
+            <a:schemeClr val="accent1"/>
+          </a:effectRef>
+          <a:fontRef idx="minor">
+            <a:schemeClr val="lt1"/>
+          </a:fontRef>
+        </p:style>
+        <p:txBody>
+          <a:bodyPr rtlCol="0" anchor="ctr"/>
+          <a:lstStyle/>
+          <a:p>
+            <a:pPr algn="ctr"/>
+            <a:endParaRPr lang="en-GB"/>
+          </a:p>
+        </p:txBody>
+      </p:sp>
+      <p:sp>
+        <p:nvSpPr>
+          <p:cNvPr id="15" name="Rectangle 14">
+            <a:extLst>
+              <a:ext uri="{FF2B5EF4-FFF2-40B4-BE49-F238E27FC236}">
+                <a16:creationId xmlns:a16="http://schemas.microsoft.com/office/drawing/2014/main" id="{E7615790-D6F5-21EB-047C-AD6054C715C7}"/>
+              </a:ext>
+            </a:extLst>
+          </p:cNvPr>
+          <p:cNvSpPr/>
+          <p:nvPr/>
+        </p:nvSpPr>
+        <p:spPr>
+          <a:xfrm>
+            <a:off x="9619476" y="3566204"/>
+            <a:ext cx="2292350" cy="250855"/>
+          </a:xfrm>
+          <a:prstGeom prst="rect">
+            <a:avLst/>
+          </a:prstGeom>
+          <a:solidFill>
+            <a:schemeClr val="bg1"/>
+          </a:solidFill>
+          <a:ln>
+            <a:solidFill>
+              <a:schemeClr val="tx1"/>
+            </a:solidFill>
+          </a:ln>
+        </p:spPr>
+        <p:style>
+          <a:lnRef idx="2">
+            <a:schemeClr val="accent1">
+              <a:shade val="50000"/>
+            </a:schemeClr>
+          </a:lnRef>
+          <a:fillRef idx="1">
+            <a:schemeClr val="accent1"/>
+          </a:fillRef>
+          <a:effectRef idx="0">
+            <a:schemeClr val="accent1"/>
+          </a:effectRef>
+          <a:fontRef idx="minor">
+            <a:schemeClr val="lt1"/>
+          </a:fontRef>
+        </p:style>
+        <p:txBody>
+          <a:bodyPr rtlCol="0" anchor="ctr"/>
+          <a:lstStyle/>
+          <a:p>
+            <a:pPr algn="ctr"/>
+            <a:endParaRPr lang="en-GB"/>
+          </a:p>
+        </p:txBody>
+      </p:sp>
+      <p:sp>
+        <p:nvSpPr>
+          <p:cNvPr id="16" name="Rectangle 15">
+            <a:extLst>
+              <a:ext uri="{FF2B5EF4-FFF2-40B4-BE49-F238E27FC236}">
+                <a16:creationId xmlns:a16="http://schemas.microsoft.com/office/drawing/2014/main" id="{6D3467A3-CFB1-9444-D72A-76AA5D7FDFCD}"/>
+              </a:ext>
+            </a:extLst>
+          </p:cNvPr>
+          <p:cNvSpPr/>
+          <p:nvPr/>
+        </p:nvSpPr>
+        <p:spPr>
+          <a:xfrm>
+            <a:off x="9619475" y="3563985"/>
+            <a:ext cx="1614875" cy="250855"/>
+          </a:xfrm>
+          <a:prstGeom prst="rect">
+            <a:avLst/>
+          </a:prstGeom>
+          <a:solidFill>
+            <a:srgbClr val="C1EFFF"/>
+          </a:solidFill>
+          <a:ln>
+            <a:noFill/>
+          </a:ln>
+        </p:spPr>
+        <p:style>
+          <a:lnRef idx="2">
+            <a:schemeClr val="accent1">
+              <a:shade val="50000"/>
+            </a:schemeClr>
+          </a:lnRef>
+          <a:fillRef idx="1">
+            <a:schemeClr val="accent1"/>
+          </a:fillRef>
+          <a:effectRef idx="0">
+            <a:schemeClr val="accent1"/>
+          </a:effectRef>
+          <a:fontRef idx="minor">
+            <a:schemeClr val="lt1"/>
+          </a:fontRef>
+        </p:style>
+        <p:txBody>
+          <a:bodyPr rtlCol="0" anchor="ctr"/>
+          <a:lstStyle/>
+          <a:p>
+            <a:pPr algn="ctr"/>
+            <a:endParaRPr lang="en-GB"/>
+          </a:p>
+        </p:txBody>
+      </p:sp>
+      <p:sp>
+        <p:nvSpPr>
+          <p:cNvPr id="17" name="Rectangle 16">
+            <a:extLst>
+              <a:ext uri="{FF2B5EF4-FFF2-40B4-BE49-F238E27FC236}">
+                <a16:creationId xmlns:a16="http://schemas.microsoft.com/office/drawing/2014/main" id="{BF3FA07D-086A-82FF-299B-B9B1876824D0}"/>
+              </a:ext>
+            </a:extLst>
+          </p:cNvPr>
+          <p:cNvSpPr/>
+          <p:nvPr/>
+        </p:nvSpPr>
+        <p:spPr>
+          <a:xfrm>
+            <a:off x="9619475" y="3563985"/>
+            <a:ext cx="2292350" cy="250855"/>
+          </a:xfrm>
+          <a:prstGeom prst="rect">
+            <a:avLst/>
+          </a:prstGeom>
+          <a:noFill/>
+          <a:ln>
+            <a:solidFill>
+              <a:schemeClr val="tx1"/>
+            </a:solidFill>
+          </a:ln>
+        </p:spPr>
+        <p:style>
+          <a:lnRef idx="2">
+            <a:schemeClr val="accent1">
+              <a:shade val="50000"/>
+            </a:schemeClr>
+          </a:lnRef>
+          <a:fillRef idx="1">
+            <a:schemeClr val="accent1"/>
+          </a:fillRef>
+          <a:effectRef idx="0">
+            <a:schemeClr val="accent1"/>
+          </a:effectRef>
+          <a:fontRef idx="minor">
+            <a:schemeClr val="lt1"/>
+          </a:fontRef>
+        </p:style>
+        <p:txBody>
+          <a:bodyPr rtlCol="0" anchor="ctr"/>
+          <a:lstStyle/>
+          <a:p>
+            <a:pPr algn="ctr"/>
+            <a:endParaRPr lang="en-GB"/>
+          </a:p>
+        </p:txBody>
+      </p:sp>
+      <p:sp>
+        <p:nvSpPr>
+          <p:cNvPr id="18" name="Rectangle 17">
+            <a:extLst>
+              <a:ext uri="{FF2B5EF4-FFF2-40B4-BE49-F238E27FC236}">
+                <a16:creationId xmlns:a16="http://schemas.microsoft.com/office/drawing/2014/main" id="{3E442CE0-7BEC-B4E4-2FE3-AC425E0D026E}"/>
+              </a:ext>
+            </a:extLst>
+          </p:cNvPr>
+          <p:cNvSpPr/>
+          <p:nvPr/>
+        </p:nvSpPr>
+        <p:spPr>
+          <a:xfrm>
+            <a:off x="9619475" y="4199613"/>
+            <a:ext cx="2292350" cy="250855"/>
+          </a:xfrm>
+          <a:prstGeom prst="rect">
+            <a:avLst/>
+          </a:prstGeom>
+          <a:solidFill>
+            <a:schemeClr val="bg1"/>
+          </a:solidFill>
+          <a:ln>
+            <a:solidFill>
+              <a:schemeClr val="tx1"/>
+            </a:solidFill>
+          </a:ln>
+        </p:spPr>
+        <p:style>
+          <a:lnRef idx="2">
+            <a:schemeClr val="accent1">
+              <a:shade val="50000"/>
+            </a:schemeClr>
+          </a:lnRef>
+          <a:fillRef idx="1">
+            <a:schemeClr val="accent1"/>
+          </a:fillRef>
+          <a:effectRef idx="0">
+            <a:schemeClr val="accent1"/>
+          </a:effectRef>
+          <a:fontRef idx="minor">
+            <a:schemeClr val="lt1"/>
+          </a:fontRef>
+        </p:style>
+        <p:txBody>
+          <a:bodyPr rtlCol="0" anchor="ctr"/>
+          <a:lstStyle/>
+          <a:p>
+            <a:pPr algn="ctr"/>
+            <a:endParaRPr lang="en-GB"/>
+          </a:p>
+        </p:txBody>
+      </p:sp>
+      <p:sp>
+        <p:nvSpPr>
+          <p:cNvPr id="19" name="Rectangle 18">
+            <a:extLst>
+              <a:ext uri="{FF2B5EF4-FFF2-40B4-BE49-F238E27FC236}">
+                <a16:creationId xmlns:a16="http://schemas.microsoft.com/office/drawing/2014/main" id="{23BB7661-A08E-CE30-DE16-556AE291AAFA}"/>
+              </a:ext>
+            </a:extLst>
+          </p:cNvPr>
+          <p:cNvSpPr/>
+          <p:nvPr/>
+        </p:nvSpPr>
+        <p:spPr>
+          <a:xfrm>
+            <a:off x="9619474" y="4197394"/>
+            <a:ext cx="1614875" cy="250855"/>
+          </a:xfrm>
+          <a:prstGeom prst="rect">
+            <a:avLst/>
+          </a:prstGeom>
+          <a:solidFill>
+            <a:srgbClr val="C1EFFF"/>
+          </a:solidFill>
+          <a:ln>
+            <a:noFill/>
+          </a:ln>
+        </p:spPr>
+        <p:style>
+          <a:lnRef idx="2">
+            <a:schemeClr val="accent1">
+              <a:shade val="50000"/>
+            </a:schemeClr>
+          </a:lnRef>
+          <a:fillRef idx="1">
+            <a:schemeClr val="accent1"/>
+          </a:fillRef>
+          <a:effectRef idx="0">
+            <a:schemeClr val="accent1"/>
+          </a:effectRef>
+          <a:fontRef idx="minor">
+            <a:schemeClr val="lt1"/>
+          </a:fontRef>
+        </p:style>
+        <p:txBody>
+          <a:bodyPr rtlCol="0" anchor="ctr"/>
+          <a:lstStyle/>
+          <a:p>
+            <a:pPr algn="ctr"/>
+            <a:endParaRPr lang="en-GB"/>
+          </a:p>
+        </p:txBody>
+      </p:sp>
+      <p:sp>
+        <p:nvSpPr>
+          <p:cNvPr id="20" name="Rectangle 19">
+            <a:extLst>
+              <a:ext uri="{FF2B5EF4-FFF2-40B4-BE49-F238E27FC236}">
+                <a16:creationId xmlns:a16="http://schemas.microsoft.com/office/drawing/2014/main" id="{66367F91-BDC0-3721-D87E-709C2757B74D}"/>
+              </a:ext>
+            </a:extLst>
+          </p:cNvPr>
+          <p:cNvSpPr/>
+          <p:nvPr/>
+        </p:nvSpPr>
+        <p:spPr>
+          <a:xfrm>
+            <a:off x="9619474" y="4197394"/>
+            <a:ext cx="2292350" cy="250855"/>
+          </a:xfrm>
+          <a:prstGeom prst="rect">
+            <a:avLst/>
+          </a:prstGeom>
+          <a:noFill/>
+          <a:ln>
+            <a:solidFill>
+              <a:schemeClr val="tx1"/>
+            </a:solidFill>
+          </a:ln>
+        </p:spPr>
+        <p:style>
+          <a:lnRef idx="2">
+            <a:schemeClr val="accent1">
+              <a:shade val="50000"/>
+            </a:schemeClr>
+          </a:lnRef>
+          <a:fillRef idx="1">
+            <a:schemeClr val="accent1"/>
+          </a:fillRef>
+          <a:effectRef idx="0">
+            <a:schemeClr val="accent1"/>
+          </a:effectRef>
+          <a:fontRef idx="minor">
+            <a:schemeClr val="lt1"/>
+          </a:fontRef>
+        </p:style>
+        <p:txBody>
+          <a:bodyPr rtlCol="0" anchor="ctr"/>
+          <a:lstStyle/>
+          <a:p>
+            <a:pPr algn="ctr"/>
+            <a:endParaRPr lang="en-GB"/>
+          </a:p>
+        </p:txBody>
+      </p:sp>
+      <p:sp>
+        <p:nvSpPr>
+          <p:cNvPr id="22" name="TextBox 21">
+            <a:extLst>
+              <a:ext uri="{FF2B5EF4-FFF2-40B4-BE49-F238E27FC236}">
+                <a16:creationId xmlns:a16="http://schemas.microsoft.com/office/drawing/2014/main" id="{834B26B9-9EA5-0DA5-4341-AB63A4347D5D}"/>
+              </a:ext>
+            </a:extLst>
+          </p:cNvPr>
+          <p:cNvSpPr txBox="1"/>
+          <p:nvPr/>
+        </p:nvSpPr>
+        <p:spPr>
+          <a:xfrm>
+            <a:off x="9339306" y="2117325"/>
+            <a:ext cx="2852693" cy="2062103"/>
+          </a:xfrm>
+          <a:prstGeom prst="rect">
+            <a:avLst/>
+          </a:prstGeom>
+          <a:noFill/>
+        </p:spPr>
+        <p:txBody>
+          <a:bodyPr wrap="square" rtlCol="0">
+            <a:spAutoFit/>
+          </a:bodyPr>
+          <a:lstStyle/>
+          <a:p>
+            <a:r>
+              <a:rPr lang="en-GB" b="1" dirty="0"/>
+              <a:t>KNOWLEDGE AND SKILLS</a:t>
+            </a:r>
+          </a:p>
+          <a:p>
+            <a:endParaRPr lang="en-GB" sz="1200" dirty="0"/>
+          </a:p>
+          <a:p>
+            <a:r>
+              <a:rPr lang="en-GB" sz="1400" dirty="0"/>
+              <a:t>Interest in surfing</a:t>
+            </a:r>
+          </a:p>
+          <a:p>
+            <a:endParaRPr lang="en-GB" sz="1400" dirty="0"/>
+          </a:p>
+          <a:p>
+            <a:endParaRPr lang="en-GB" sz="1400" dirty="0"/>
+          </a:p>
+          <a:p>
+            <a:r>
+              <a:rPr lang="en-GB" sz="1400" dirty="0"/>
+              <a:t>Spontaneity</a:t>
+            </a:r>
+          </a:p>
+          <a:p>
+            <a:endParaRPr lang="en-GB" sz="1400" dirty="0"/>
+          </a:p>
+          <a:p>
+            <a:endParaRPr lang="en-GB" sz="1400" dirty="0"/>
+          </a:p>
+          <a:p>
+            <a:r>
+              <a:rPr lang="en-GB" sz="1400" dirty="0"/>
+              <a:t>Technology Literacy </a:t>
+            </a:r>
+            <a:endParaRPr lang="en-GB" sz="1200" dirty="0"/>
+          </a:p>
+        </p:txBody>
+      </p:sp>
+      <p:sp>
+        <p:nvSpPr>
+          <p:cNvPr id="23" name="TextBox 22">
+            <a:extLst>
+              <a:ext uri="{FF2B5EF4-FFF2-40B4-BE49-F238E27FC236}">
+                <a16:creationId xmlns:a16="http://schemas.microsoft.com/office/drawing/2014/main" id="{2DE3F48C-D42F-078A-34DF-C0FF1F5729E8}"/>
+              </a:ext>
+            </a:extLst>
+          </p:cNvPr>
+          <p:cNvSpPr txBox="1"/>
+          <p:nvPr/>
+        </p:nvSpPr>
+        <p:spPr>
+          <a:xfrm>
+            <a:off x="-2" y="3231468"/>
+            <a:ext cx="2618912" cy="861774"/>
+          </a:xfrm>
+          <a:prstGeom prst="rect">
+            <a:avLst/>
+          </a:prstGeom>
+          <a:noFill/>
+        </p:spPr>
+        <p:txBody>
+          <a:bodyPr wrap="square" rtlCol="0">
+            <a:spAutoFit/>
+          </a:bodyPr>
+          <a:lstStyle/>
+          <a:p>
+            <a:r>
+              <a:rPr lang="en-GB" b="1" dirty="0"/>
+              <a:t>TECHNOLOGY USE</a:t>
+            </a:r>
+          </a:p>
+          <a:p>
+            <a:endParaRPr lang="en-GB" sz="1600" b="1" dirty="0"/>
+          </a:p>
+          <a:p>
+            <a:r>
+              <a:rPr lang="en-GB" sz="1600" dirty="0"/>
+              <a:t>Words</a:t>
+            </a:r>
+          </a:p>
+        </p:txBody>
+      </p:sp>
+      <p:sp>
+        <p:nvSpPr>
+          <p:cNvPr id="24" name="TextBox 23">
+            <a:extLst>
+              <a:ext uri="{FF2B5EF4-FFF2-40B4-BE49-F238E27FC236}">
+                <a16:creationId xmlns:a16="http://schemas.microsoft.com/office/drawing/2014/main" id="{B91B9AD3-79BB-20FA-F5B5-34B234A8BCD4}"/>
+              </a:ext>
+            </a:extLst>
+          </p:cNvPr>
+          <p:cNvSpPr txBox="1"/>
+          <p:nvPr/>
+        </p:nvSpPr>
+        <p:spPr>
+          <a:xfrm>
+            <a:off x="2618910" y="2117325"/>
+            <a:ext cx="6720389" cy="4770537"/>
+          </a:xfrm>
+          <a:prstGeom prst="rect">
+            <a:avLst/>
+          </a:prstGeom>
+          <a:noFill/>
+        </p:spPr>
+        <p:txBody>
+          <a:bodyPr wrap="square" rtlCol="0">
+            <a:spAutoFit/>
+          </a:bodyPr>
+          <a:lstStyle/>
+          <a:p>
+            <a:r>
+              <a:rPr lang="en-GB" sz="1600" b="1" dirty="0"/>
+              <a:t>About </a:t>
+            </a:r>
+            <a:r>
+              <a:rPr lang="en-GB" sz="1600" b="1" dirty="0">
+                <a:solidFill>
+                  <a:srgbClr val="FF0000"/>
+                </a:solidFill>
+              </a:rPr>
+              <a:t>???</a:t>
+            </a:r>
+            <a:endParaRPr lang="en-GB" sz="1600" dirty="0"/>
+          </a:p>
+          <a:p>
+            <a:pPr>
+              <a:lnSpc>
+                <a:spcPct val="200000"/>
+              </a:lnSpc>
+            </a:pPr>
+            <a:r>
+              <a:rPr lang="en-GB" sz="1600" dirty="0"/>
+              <a:t>Words</a:t>
+            </a:r>
+          </a:p>
+          <a:p>
+            <a:endParaRPr lang="en-GB" sz="1600" dirty="0"/>
+          </a:p>
+          <a:p>
+            <a:endParaRPr lang="en-GB" sz="1600" dirty="0"/>
+          </a:p>
+          <a:p>
+            <a:endParaRPr lang="en-GB" sz="1600" dirty="0"/>
+          </a:p>
+          <a:p>
+            <a:pPr>
+              <a:lnSpc>
+                <a:spcPct val="200000"/>
+              </a:lnSpc>
+            </a:pPr>
+            <a:r>
+              <a:rPr lang="en-GB" sz="1600" b="1" dirty="0"/>
+              <a:t>What types of websites does </a:t>
+            </a:r>
+            <a:r>
+              <a:rPr lang="en-GB" sz="1600" b="1" dirty="0">
+                <a:solidFill>
+                  <a:srgbClr val="FF0000"/>
+                </a:solidFill>
+              </a:rPr>
+              <a:t>???</a:t>
+            </a:r>
+            <a:r>
+              <a:rPr lang="en-GB" sz="1600" b="1" dirty="0"/>
+              <a:t> usually visit?</a:t>
+            </a:r>
+            <a:endParaRPr lang="en-GB" sz="1600" dirty="0"/>
+          </a:p>
+          <a:p>
+            <a:pPr>
+              <a:lnSpc>
+                <a:spcPct val="200000"/>
+              </a:lnSpc>
+            </a:pPr>
+            <a:r>
+              <a:rPr lang="en-GB" sz="1600" dirty="0"/>
+              <a:t>Words</a:t>
+            </a:r>
+          </a:p>
+          <a:p>
+            <a:endParaRPr lang="en-GB" sz="1600" dirty="0"/>
+          </a:p>
+          <a:p>
+            <a:endParaRPr lang="en-GB" sz="1600" dirty="0"/>
+          </a:p>
+          <a:p>
+            <a:endParaRPr lang="en-GB" sz="1600" dirty="0"/>
+          </a:p>
+          <a:p>
+            <a:r>
+              <a:rPr lang="en-GB" sz="1600" b="1" dirty="0"/>
+              <a:t>What motivates </a:t>
+            </a:r>
+            <a:r>
+              <a:rPr lang="en-GB" sz="1600" b="1" dirty="0">
+                <a:solidFill>
+                  <a:srgbClr val="FF0000"/>
+                </a:solidFill>
+              </a:rPr>
+              <a:t>???</a:t>
+            </a:r>
+            <a:r>
+              <a:rPr lang="en-GB" sz="1600" b="1" dirty="0"/>
+              <a:t>?</a:t>
+            </a:r>
+            <a:endParaRPr lang="en-GB" sz="1600" dirty="0"/>
+          </a:p>
+          <a:p>
+            <a:pPr>
+              <a:lnSpc>
+                <a:spcPct val="200000"/>
+              </a:lnSpc>
+            </a:pPr>
+            <a:r>
+              <a:rPr lang="en-GB" sz="1600" dirty="0"/>
+              <a:t>Words</a:t>
+            </a:r>
+          </a:p>
+          <a:p>
+            <a:endParaRPr lang="en-GB" sz="1600" dirty="0"/>
+          </a:p>
+          <a:p>
+            <a:endParaRPr lang="en-GB" sz="1600" dirty="0"/>
+          </a:p>
+          <a:p>
+            <a:r>
+              <a:rPr lang="en-GB" sz="1600" b="1" dirty="0"/>
+              <a:t> </a:t>
+            </a:r>
+          </a:p>
+        </p:txBody>
+      </p:sp>
+      <p:graphicFrame>
+        <p:nvGraphicFramePr>
+          <p:cNvPr id="25" name="Table 27">
+            <a:extLst>
+              <a:ext uri="{FF2B5EF4-FFF2-40B4-BE49-F238E27FC236}">
+                <a16:creationId xmlns:a16="http://schemas.microsoft.com/office/drawing/2014/main" id="{C11500A8-34C8-7083-DC40-295444AF9FB1}"/>
+              </a:ext>
+            </a:extLst>
+          </p:cNvPr>
+          <p:cNvGraphicFramePr>
+            <a:graphicFrameLocks noGrp="1"/>
+          </p:cNvGraphicFramePr>
+          <p:nvPr>
+            <p:extLst>
+              <p:ext uri="{D42A27DB-BD31-4B8C-83A1-F6EECF244321}">
+                <p14:modId xmlns:p14="http://schemas.microsoft.com/office/powerpoint/2010/main" val="1122835114"/>
+              </p:ext>
+            </p:extLst>
+          </p:nvPr>
+        </p:nvGraphicFramePr>
+        <p:xfrm>
+          <a:off x="9400491" y="5023449"/>
+          <a:ext cx="2730316" cy="1700340"/>
+        </p:xfrm>
+        <a:graphic>
+          <a:graphicData uri="http://schemas.openxmlformats.org/drawingml/2006/table">
+            <a:tbl>
+              <a:tblPr firstRow="1" bandRow="1">
+                <a:tableStyleId>{2D5ABB26-0587-4C30-8999-92F81FD0307C}</a:tableStyleId>
+              </a:tblPr>
+              <a:tblGrid>
+                <a:gridCol w="1365158">
+                  <a:extLst>
+                    <a:ext uri="{9D8B030D-6E8A-4147-A177-3AD203B41FA5}">
+                      <a16:colId xmlns:a16="http://schemas.microsoft.com/office/drawing/2014/main" val="2141065019"/>
+                    </a:ext>
+                  </a:extLst>
+                </a:gridCol>
+                <a:gridCol w="1365158">
+                  <a:extLst>
+                    <a:ext uri="{9D8B030D-6E8A-4147-A177-3AD203B41FA5}">
+                      <a16:colId xmlns:a16="http://schemas.microsoft.com/office/drawing/2014/main" val="810099458"/>
+                    </a:ext>
+                  </a:extLst>
+                </a:gridCol>
+              </a:tblGrid>
+              <a:tr h="425085">
+                <a:tc>
+                  <a:txBody>
+                    <a:bodyPr/>
+                    <a:lstStyle/>
+                    <a:p>
+                      <a:r>
+                        <a:rPr lang="en-GB" sz="1600" dirty="0"/>
+                        <a:t>Age:</a:t>
+                      </a:r>
+                    </a:p>
+                  </a:txBody>
+                  <a:tcPr/>
+                </a:tc>
+                <a:tc>
+                  <a:txBody>
+                    <a:bodyPr/>
+                    <a:lstStyle/>
+                    <a:p>
+                      <a:pPr algn="ctr"/>
+                      <a:r>
+                        <a:rPr lang="en-GB" dirty="0">
+                          <a:solidFill>
+                            <a:srgbClr val="FF0000"/>
+                          </a:solidFill>
+                        </a:rPr>
+                        <a:t>???</a:t>
+                      </a:r>
+                    </a:p>
+                  </a:txBody>
+                  <a:tcPr/>
+                </a:tc>
+                <a:extLst>
+                  <a:ext uri="{0D108BD9-81ED-4DB2-BD59-A6C34878D82A}">
+                    <a16:rowId xmlns:a16="http://schemas.microsoft.com/office/drawing/2014/main" val="3194419147"/>
+                  </a:ext>
+                </a:extLst>
+              </a:tr>
+              <a:tr h="425085">
+                <a:tc>
+                  <a:txBody>
+                    <a:bodyPr/>
+                    <a:lstStyle/>
+                    <a:p>
+                      <a:r>
+                        <a:rPr lang="en-GB" sz="1600" dirty="0"/>
+                        <a:t>Education:</a:t>
+                      </a:r>
+                    </a:p>
+                  </a:txBody>
+                  <a:tcPr/>
+                </a:tc>
+                <a:tc>
+                  <a:txBody>
+                    <a:bodyPr/>
+                    <a:lstStyle/>
+                    <a:p>
+                      <a:pPr algn="ctr"/>
+                      <a:r>
+                        <a:rPr lang="en-GB" dirty="0">
+                          <a:solidFill>
+                            <a:srgbClr val="FF0000"/>
+                          </a:solidFill>
+                        </a:rPr>
+                        <a:t>???</a:t>
+                      </a:r>
+                    </a:p>
+                  </a:txBody>
+                  <a:tcPr/>
+                </a:tc>
+                <a:extLst>
+                  <a:ext uri="{0D108BD9-81ED-4DB2-BD59-A6C34878D82A}">
+                    <a16:rowId xmlns:a16="http://schemas.microsoft.com/office/drawing/2014/main" val="2747056949"/>
+                  </a:ext>
+                </a:extLst>
+              </a:tr>
+              <a:tr h="425085">
+                <a:tc>
+                  <a:txBody>
+                    <a:bodyPr/>
+                    <a:lstStyle/>
+                    <a:p>
+                      <a:r>
+                        <a:rPr lang="en-GB" sz="1600" dirty="0"/>
+                        <a:t>Job:</a:t>
+                      </a:r>
+                    </a:p>
+                  </a:txBody>
+                  <a:tcPr/>
+                </a:tc>
+                <a:tc>
+                  <a:txBody>
+                    <a:bodyPr/>
+                    <a:lstStyle/>
+                    <a:p>
+                      <a:pPr algn="ctr"/>
+                      <a:r>
+                        <a:rPr lang="en-GB" sz="1600" dirty="0">
+                          <a:solidFill>
+                            <a:srgbClr val="FF0000"/>
+                          </a:solidFill>
+                        </a:rPr>
+                        <a:t>???</a:t>
+                      </a:r>
+                      <a:endParaRPr lang="en-GB" sz="1400" dirty="0">
+                        <a:solidFill>
+                          <a:srgbClr val="FF0000"/>
+                        </a:solidFill>
+                      </a:endParaRPr>
+                    </a:p>
+                  </a:txBody>
+                  <a:tcPr/>
+                </a:tc>
+                <a:extLst>
+                  <a:ext uri="{0D108BD9-81ED-4DB2-BD59-A6C34878D82A}">
+                    <a16:rowId xmlns:a16="http://schemas.microsoft.com/office/drawing/2014/main" val="2597114541"/>
+                  </a:ext>
+                </a:extLst>
+              </a:tr>
+              <a:tr h="425085">
+                <a:tc>
+                  <a:txBody>
+                    <a:bodyPr/>
+                    <a:lstStyle/>
+                    <a:p>
+                      <a:r>
+                        <a:rPr lang="en-GB" sz="1600" dirty="0"/>
+                        <a:t>Salary(£-£££)</a:t>
+                      </a:r>
+                    </a:p>
+                  </a:txBody>
+                  <a:tcPr/>
+                </a:tc>
+                <a:tc>
+                  <a:txBody>
+                    <a:bodyPr/>
+                    <a:lstStyle/>
+                    <a:p>
+                      <a:pPr algn="ctr"/>
+                      <a:r>
+                        <a:rPr lang="en-GB" dirty="0">
+                          <a:solidFill>
+                            <a:srgbClr val="FF0000"/>
+                          </a:solidFill>
+                        </a:rPr>
+                        <a:t>???</a:t>
+                      </a:r>
+                    </a:p>
+                  </a:txBody>
+                  <a:tcPr/>
+                </a:tc>
+                <a:extLst>
+                  <a:ext uri="{0D108BD9-81ED-4DB2-BD59-A6C34878D82A}">
+                    <a16:rowId xmlns:a16="http://schemas.microsoft.com/office/drawing/2014/main" val="814151727"/>
+                  </a:ext>
+                </a:extLst>
+              </a:tr>
+            </a:tbl>
+          </a:graphicData>
+        </a:graphic>
+      </p:graphicFrame>
     </p:spTree>
     <p:extLst>
       <p:ext uri="{BB962C8B-B14F-4D97-AF65-F5344CB8AC3E}">
-        <p14:creationId xmlns:p14="http://schemas.microsoft.com/office/powerpoint/2010/main" val="3800264665"/>
+        <p14:creationId xmlns:p14="http://schemas.microsoft.com/office/powerpoint/2010/main" val="2943516946"/>
       </p:ext>
     </p:extLst>
   </p:cSld>
@@ -5174,7 +7819,7 @@
           <a:p>
             <a:r>
               <a:rPr lang="en-GB" dirty="0"/>
-              <a:t>Persona #3</a:t>
+              <a:t>Persona #2</a:t>
             </a:r>
           </a:p>
         </p:txBody>
@@ -5210,7 +7855,7 @@
     </p:spTree>
     <p:extLst>
       <p:ext uri="{BB962C8B-B14F-4D97-AF65-F5344CB8AC3E}">
-        <p14:creationId xmlns:p14="http://schemas.microsoft.com/office/powerpoint/2010/main" val="3980035190"/>
+        <p14:creationId xmlns:p14="http://schemas.microsoft.com/office/powerpoint/2010/main" val="3800264665"/>
       </p:ext>
     </p:extLst>
   </p:cSld>
@@ -5260,7 +7905,7 @@
           <a:p>
             <a:r>
               <a:rPr lang="en-GB" dirty="0"/>
-              <a:t>Persona #4</a:t>
+              <a:t>Persona #3</a:t>
             </a:r>
           </a:p>
         </p:txBody>
@@ -5296,7 +7941,7 @@
     </p:spTree>
     <p:extLst>
       <p:ext uri="{BB962C8B-B14F-4D97-AF65-F5344CB8AC3E}">
-        <p14:creationId xmlns:p14="http://schemas.microsoft.com/office/powerpoint/2010/main" val="2745452733"/>
+        <p14:creationId xmlns:p14="http://schemas.microsoft.com/office/powerpoint/2010/main" val="3980035190"/>
       </p:ext>
     </p:extLst>
   </p:cSld>

--- a/KV6002_21 TOR Presentation.pptx
+++ b/KV6002_21 TOR Presentation.pptx
@@ -289,7 +289,7 @@
           <a:p>
             <a:fld id="{4EA9DB48-6904-43CF-8ABC-4A72834D1415}" type="datetimeFigureOut">
               <a:rPr lang="en-GB" smtClean="0"/>
-              <a:t>08/02/2023</a:t>
+              <a:t>09/02/2023</a:t>
             </a:fld>
             <a:endParaRPr lang="en-GB"/>
           </a:p>
@@ -489,7 +489,7 @@
           <a:p>
             <a:fld id="{4EA9DB48-6904-43CF-8ABC-4A72834D1415}" type="datetimeFigureOut">
               <a:rPr lang="en-GB" smtClean="0"/>
-              <a:t>08/02/2023</a:t>
+              <a:t>09/02/2023</a:t>
             </a:fld>
             <a:endParaRPr lang="en-GB"/>
           </a:p>
@@ -699,7 +699,7 @@
           <a:p>
             <a:fld id="{4EA9DB48-6904-43CF-8ABC-4A72834D1415}" type="datetimeFigureOut">
               <a:rPr lang="en-GB" smtClean="0"/>
-              <a:t>08/02/2023</a:t>
+              <a:t>09/02/2023</a:t>
             </a:fld>
             <a:endParaRPr lang="en-GB"/>
           </a:p>
@@ -899,7 +899,7 @@
           <a:p>
             <a:fld id="{4EA9DB48-6904-43CF-8ABC-4A72834D1415}" type="datetimeFigureOut">
               <a:rPr lang="en-GB" smtClean="0"/>
-              <a:t>08/02/2023</a:t>
+              <a:t>09/02/2023</a:t>
             </a:fld>
             <a:endParaRPr lang="en-GB"/>
           </a:p>
@@ -1175,7 +1175,7 @@
           <a:p>
             <a:fld id="{4EA9DB48-6904-43CF-8ABC-4A72834D1415}" type="datetimeFigureOut">
               <a:rPr lang="en-GB" smtClean="0"/>
-              <a:t>08/02/2023</a:t>
+              <a:t>09/02/2023</a:t>
             </a:fld>
             <a:endParaRPr lang="en-GB"/>
           </a:p>
@@ -1443,7 +1443,7 @@
           <a:p>
             <a:fld id="{4EA9DB48-6904-43CF-8ABC-4A72834D1415}" type="datetimeFigureOut">
               <a:rPr lang="en-GB" smtClean="0"/>
-              <a:t>08/02/2023</a:t>
+              <a:t>09/02/2023</a:t>
             </a:fld>
             <a:endParaRPr lang="en-GB"/>
           </a:p>
@@ -1858,7 +1858,7 @@
           <a:p>
             <a:fld id="{4EA9DB48-6904-43CF-8ABC-4A72834D1415}" type="datetimeFigureOut">
               <a:rPr lang="en-GB" smtClean="0"/>
-              <a:t>08/02/2023</a:t>
+              <a:t>09/02/2023</a:t>
             </a:fld>
             <a:endParaRPr lang="en-GB"/>
           </a:p>
@@ -2000,7 +2000,7 @@
           <a:p>
             <a:fld id="{4EA9DB48-6904-43CF-8ABC-4A72834D1415}" type="datetimeFigureOut">
               <a:rPr lang="en-GB" smtClean="0"/>
-              <a:t>08/02/2023</a:t>
+              <a:t>09/02/2023</a:t>
             </a:fld>
             <a:endParaRPr lang="en-GB"/>
           </a:p>
@@ -2113,7 +2113,7 @@
           <a:p>
             <a:fld id="{4EA9DB48-6904-43CF-8ABC-4A72834D1415}" type="datetimeFigureOut">
               <a:rPr lang="en-GB" smtClean="0"/>
-              <a:t>08/02/2023</a:t>
+              <a:t>09/02/2023</a:t>
             </a:fld>
             <a:endParaRPr lang="en-GB"/>
           </a:p>
@@ -2426,7 +2426,7 @@
           <a:p>
             <a:fld id="{4EA9DB48-6904-43CF-8ABC-4A72834D1415}" type="datetimeFigureOut">
               <a:rPr lang="en-GB" smtClean="0"/>
-              <a:t>08/02/2023</a:t>
+              <a:t>09/02/2023</a:t>
             </a:fld>
             <a:endParaRPr lang="en-GB"/>
           </a:p>
@@ -2715,7 +2715,7 @@
           <a:p>
             <a:fld id="{4EA9DB48-6904-43CF-8ABC-4A72834D1415}" type="datetimeFigureOut">
               <a:rPr lang="en-GB" smtClean="0"/>
-              <a:t>08/02/2023</a:t>
+              <a:t>09/02/2023</a:t>
             </a:fld>
             <a:endParaRPr lang="en-GB"/>
           </a:p>
@@ -2958,7 +2958,7 @@
           <a:p>
             <a:fld id="{4EA9DB48-6904-43CF-8ABC-4A72834D1415}" type="datetimeFigureOut">
               <a:rPr lang="en-GB" smtClean="0"/>
-              <a:t>08/02/2023</a:t>
+              <a:t>09/02/2023</a:t>
             </a:fld>
             <a:endParaRPr lang="en-GB"/>
           </a:p>
@@ -3804,7 +3804,7 @@
           <a:p>
             <a:r>
               <a:rPr lang="en-GB" dirty="0"/>
-              <a:t>User Story #1</a:t>
+              <a:t>User Story #1 – Ricky Smith</a:t>
             </a:r>
           </a:p>
         </p:txBody>
@@ -3827,10 +3827,18 @@
         </p:nvSpPr>
         <p:spPr/>
         <p:txBody>
-          <a:bodyPr/>
-          <a:lstStyle/>
-          <a:p>
-            <a:endParaRPr lang="en-GB"/>
+          <a:bodyPr>
+            <a:normAutofit/>
+          </a:bodyPr>
+          <a:lstStyle/>
+          <a:p>
+            <a:pPr marL="0" indent="0">
+              <a:buNone/>
+            </a:pPr>
+            <a:r>
+              <a:rPr lang="en-GB" sz="1800" dirty="0"/>
+              <a:t>As an outdoor activities enthusiast</a:t>
+            </a:r>
           </a:p>
         </p:txBody>
       </p:sp>
@@ -5542,8 +5550,8 @@
         </p:nvSpPr>
         <p:spPr>
           <a:xfrm>
-            <a:off x="-2" y="3231468"/>
-            <a:ext cx="2618912" cy="861774"/>
+            <a:off x="9339296" y="4555408"/>
+            <a:ext cx="2618912" cy="1600438"/>
           </a:xfrm>
           <a:prstGeom prst="rect">
             <a:avLst/>
@@ -5565,9 +5573,43 @@
             <a:endParaRPr lang="en-GB" sz="1600" b="1" dirty="0"/>
           </a:p>
           <a:p>
+            <a:pPr marL="285750" indent="-285750">
+              <a:buFontTx/>
+              <a:buChar char="-"/>
+            </a:pPr>
             <a:r>
               <a:rPr lang="en-GB" sz="1600" dirty="0"/>
-              <a:t>Words</a:t>
+              <a:t>iPhone 8</a:t>
+            </a:r>
+          </a:p>
+          <a:p>
+            <a:pPr marL="285750" indent="-285750">
+              <a:buFontTx/>
+              <a:buChar char="-"/>
+            </a:pPr>
+            <a:r>
+              <a:rPr lang="en-GB" sz="1600" dirty="0"/>
+              <a:t>Amazon</a:t>
+            </a:r>
+          </a:p>
+          <a:p>
+            <a:pPr marL="285750" indent="-285750">
+              <a:buFontTx/>
+              <a:buChar char="-"/>
+            </a:pPr>
+            <a:r>
+              <a:rPr lang="en-GB" sz="1600" dirty="0"/>
+              <a:t>Netflix</a:t>
+            </a:r>
+          </a:p>
+          <a:p>
+            <a:pPr marL="285750" indent="-285750">
+              <a:buFontTx/>
+              <a:buChar char="-"/>
+            </a:pPr>
+            <a:r>
+              <a:rPr lang="en-GB" sz="1600" dirty="0"/>
+              <a:t>Fitbit</a:t>
             </a:r>
           </a:p>
         </p:txBody>
@@ -5655,7 +5697,7 @@
         </p:nvSpPr>
         <p:spPr>
           <a:xfrm>
-            <a:off x="9339307" y="4687410"/>
+            <a:off x="-1" y="3212564"/>
             <a:ext cx="2852693" cy="369332"/>
           </a:xfrm>
           <a:prstGeom prst="rect">
@@ -5744,7 +5786,7 @@
         </p:nvSpPr>
         <p:spPr>
           <a:xfrm>
-            <a:off x="9619477" y="2897521"/>
+            <a:off x="9619477" y="2895302"/>
             <a:ext cx="1338084" cy="250855"/>
           </a:xfrm>
           <a:prstGeom prst="rect">
@@ -5902,8 +5944,8 @@
         </p:nvSpPr>
         <p:spPr>
           <a:xfrm>
-            <a:off x="9619475" y="3563985"/>
-            <a:ext cx="2222005" cy="250855"/>
+            <a:off x="9619475" y="3566204"/>
+            <a:ext cx="2222005" cy="248636"/>
           </a:xfrm>
           <a:prstGeom prst="rect">
             <a:avLst/>
@@ -6164,8 +6206,8 @@
         </p:nvSpPr>
         <p:spPr>
           <a:xfrm>
-            <a:off x="2618909" y="2132542"/>
-            <a:ext cx="6720389" cy="4770537"/>
+            <a:off x="2618910" y="2043058"/>
+            <a:ext cx="6720389" cy="4893647"/>
           </a:xfrm>
           <a:prstGeom prst="rect">
             <a:avLst/>
@@ -6182,85 +6224,52 @@
               <a:rPr lang="en-GB" sz="1600" b="1" dirty="0"/>
               <a:t>About Ricky</a:t>
             </a:r>
+          </a:p>
+          <a:p>
             <a:endParaRPr lang="en-GB" sz="1600" dirty="0"/>
           </a:p>
           <a:p>
-            <a:pPr>
-              <a:lnSpc>
-                <a:spcPct val="200000"/>
-              </a:lnSpc>
-            </a:pPr>
-            <a:r>
-              <a:rPr lang="en-GB" sz="1600" dirty="0"/>
-              <a:t>Words</a:t>
+            <a:r>
+              <a:rPr lang="en-GB" sz="1400" dirty="0"/>
+              <a:t>Ricky is a 38-year-old rock climbing instructor who is known for his adventurous and spontaneous nature. Despite his love for outdoor activities and adrenaline rushes, he struggles with technology and is not very tech-savvy. As a rock climbing instructor, he inspires others to conquer their fears and push their limits while also enjoying the beauty of nature.</a:t>
             </a:r>
           </a:p>
           <a:p>
             <a:endParaRPr lang="en-GB" sz="1600" dirty="0"/>
           </a:p>
           <a:p>
+            <a:r>
+              <a:rPr lang="en-GB" sz="1600" b="1" dirty="0"/>
+              <a:t>What types of websites/apps does Ricky use regularly?</a:t>
+            </a:r>
+          </a:p>
+          <a:p>
             <a:endParaRPr lang="en-GB" sz="1600" dirty="0"/>
           </a:p>
           <a:p>
+            <a:r>
+              <a:rPr lang="en-GB" sz="1400" dirty="0"/>
+              <a:t>Ricky does not spend too much time on the internet or his phone, as he is usually doing something outdoors. He does however, use Amazon to purchase various items for his rock-climbing job so he is somewhat familiar with e-commerce sites.  He also enjoys watching Netflix on his mobile phone whilst travelling on the train to and from work.  Due to his active lifestyle, Ricky also owns a Fitbit to track his movement goals.</a:t>
+            </a:r>
+          </a:p>
+          <a:p>
             <a:endParaRPr lang="en-GB" sz="1600" dirty="0"/>
           </a:p>
           <a:p>
-            <a:pPr>
-              <a:lnSpc>
-                <a:spcPct val="200000"/>
-              </a:lnSpc>
-            </a:pPr>
             <a:r>
               <a:rPr lang="en-GB" sz="1600" b="1" dirty="0"/>
-              <a:t>What types of websites does Ricky usually visit?</a:t>
+              <a:t>Requirements</a:t>
             </a:r>
             <a:endParaRPr lang="en-GB" sz="1600" dirty="0"/>
           </a:p>
           <a:p>
-            <a:pPr>
-              <a:lnSpc>
-                <a:spcPct val="200000"/>
-              </a:lnSpc>
-            </a:pPr>
-            <a:r>
-              <a:rPr lang="en-GB" sz="1600" dirty="0"/>
-              <a:t>Words</a:t>
-            </a:r>
-          </a:p>
-          <a:p>
             <a:endParaRPr lang="en-GB" sz="1600" dirty="0"/>
           </a:p>
           <a:p>
-            <a:endParaRPr lang="en-GB" sz="1600" dirty="0"/>
-          </a:p>
-          <a:p>
-            <a:endParaRPr lang="en-GB" sz="1600" dirty="0"/>
-          </a:p>
-          <a:p>
-            <a:r>
-              <a:rPr lang="en-GB" sz="1600" b="1" dirty="0"/>
-              <a:t>What motivates Ricky?</a:t>
-            </a:r>
-            <a:endParaRPr lang="en-GB" sz="1600" dirty="0"/>
-          </a:p>
-          <a:p>
-            <a:pPr>
-              <a:lnSpc>
-                <a:spcPct val="200000"/>
-              </a:lnSpc>
-            </a:pPr>
-            <a:r>
-              <a:rPr lang="en-GB" sz="1600" dirty="0"/>
-              <a:t>Words</a:t>
-            </a:r>
-          </a:p>
-          <a:p>
-            <a:endParaRPr lang="en-GB" sz="1600" dirty="0"/>
-          </a:p>
-          <a:p>
-            <a:endParaRPr lang="en-GB" sz="1600" dirty="0"/>
-          </a:p>
-          <a:p>
+            <a:r>
+              <a:rPr lang="en-GB" sz="1400" dirty="0"/>
+              <a:t>Ricky requires a site he uses to not be overly complicated, as to not frustrate him if he can’t find what he is looking for on the site.  He likes Amazon and Netflix because their design is clean and intuitive.</a:t>
+            </a:r>
             <a:r>
               <a:rPr lang="en-GB" sz="1600" b="1" dirty="0"/>
               <a:t> </a:t>
@@ -6283,14 +6292,14 @@
           <p:nvPr>
             <p:extLst>
               <p:ext uri="{D42A27DB-BD31-4B8C-83A1-F6EECF244321}">
-                <p14:modId xmlns:p14="http://schemas.microsoft.com/office/powerpoint/2010/main" val="845734149"/>
+                <p14:modId xmlns:p14="http://schemas.microsoft.com/office/powerpoint/2010/main" val="2370890560"/>
               </p:ext>
             </p:extLst>
           </p:nvPr>
         </p:nvGraphicFramePr>
         <p:xfrm>
-          <a:off x="9400491" y="5023449"/>
-          <a:ext cx="2730316" cy="1793415"/>
+          <a:off x="-1" y="3841043"/>
+          <a:ext cx="2730316" cy="1886490"/>
         </p:xfrm>
         <a:graphic>
           <a:graphicData uri="http://schemas.openxmlformats.org/drawingml/2006/table">
@@ -6356,7 +6365,7 @@
                     <a:p>
                       <a:r>
                         <a:rPr lang="en-GB" sz="1600" dirty="0"/>
-                        <a:t>Education:</a:t>
+                        <a:t>Job:</a:t>
                       </a:r>
                     </a:p>
                   </a:txBody>
@@ -6367,10 +6376,39 @@
                     <a:bodyPr/>
                     <a:lstStyle/>
                     <a:p>
-                      <a:pPr algn="ctr"/>
+                      <a:pPr marL="0" marR="0" lvl="0" indent="0" algn="ctr" defTabSz="914400" rtl="0" eaLnBrk="1" fontAlgn="auto" latinLnBrk="0" hangingPunct="1">
+                        <a:lnSpc>
+                          <a:spcPct val="100000"/>
+                        </a:lnSpc>
+                        <a:spcBef>
+                          <a:spcPts val="0"/>
+                        </a:spcBef>
+                        <a:spcAft>
+                          <a:spcPts val="0"/>
+                        </a:spcAft>
+                        <a:buClrTx/>
+                        <a:buSzTx/>
+                        <a:buFontTx/>
+                        <a:buNone/>
+                        <a:tabLst/>
+                        <a:defRPr/>
+                      </a:pPr>
                       <a:r>
-                        <a:rPr lang="en-GB" dirty="0"/>
-                        <a:t>College</a:t>
+                        <a:rPr kumimoji="0" lang="en-GB" sz="1400" b="0" i="0" u="none" strike="noStrike" kern="1200" cap="none" spc="0" normalizeH="0" baseline="0" noProof="0" dirty="0">
+                          <a:ln>
+                            <a:noFill/>
+                          </a:ln>
+                          <a:solidFill>
+                            <a:prstClr val="black"/>
+                          </a:solidFill>
+                          <a:effectLst/>
+                          <a:uLnTx/>
+                          <a:uFillTx/>
+                          <a:latin typeface="+mn-lt"/>
+                          <a:ea typeface="+mn-ea"/>
+                          <a:cs typeface="+mn-cs"/>
+                        </a:rPr>
+                        <a:t>Rock-climbing instructor</a:t>
                       </a:r>
                     </a:p>
                   </a:txBody>
@@ -6390,7 +6428,7 @@
                     <a:p>
                       <a:r>
                         <a:rPr lang="en-GB" sz="1600" dirty="0"/>
-                        <a:t>Job:</a:t>
+                        <a:t>Location:</a:t>
                       </a:r>
                     </a:p>
                   </a:txBody>
@@ -7491,7 +7529,7 @@
             </a:r>
             <a:r>
               <a:rPr lang="en-GB" sz="1600" b="1" dirty="0"/>
-              <a:t> usually visit?</a:t>
+              <a:t> use regularly?</a:t>
             </a:r>
             <a:endParaRPr lang="en-GB" sz="1600" dirty="0"/>
           </a:p>
@@ -7518,19 +7556,7 @@
           <a:p>
             <a:r>
               <a:rPr lang="en-GB" sz="1600" b="1" dirty="0"/>
-              <a:t>What motivates </a:t>
-            </a:r>
-            <a:r>
-              <a:rPr lang="en-GB" sz="1600" b="1" dirty="0">
-                <a:solidFill>
-                  <a:srgbClr val="FF0000"/>
-                </a:solidFill>
-              </a:rPr>
-              <a:t>???</a:t>
-            </a:r>
-            <a:r>
-              <a:rPr lang="en-GB" sz="1600" b="1" dirty="0"/>
-              <a:t>?</a:t>
+              <a:t>Requirements</a:t>
             </a:r>
             <a:endParaRPr lang="en-GB" sz="1600" dirty="0"/>
           </a:p>

--- a/KV6002_21 TOR Presentation.pptx
+++ b/KV6002_21 TOR Presentation.pptx
@@ -22,6 +22,7 @@
     <p:sldId id="264" r:id="rId16"/>
     <p:sldId id="265" r:id="rId17"/>
     <p:sldId id="266" r:id="rId18"/>
+    <p:sldId id="273" r:id="rId19"/>
   </p:sldIdLst>
   <p:sldSz cx="12192000" cy="6858000"/>
   <p:notesSz cx="6858000" cy="9144000"/>
@@ -289,7 +290,7 @@
           <a:p>
             <a:fld id="{4EA9DB48-6904-43CF-8ABC-4A72834D1415}" type="datetimeFigureOut">
               <a:rPr lang="en-GB" smtClean="0"/>
-              <a:t>09/02/2023</a:t>
+              <a:t>11/02/2023</a:t>
             </a:fld>
             <a:endParaRPr lang="en-GB"/>
           </a:p>
@@ -489,7 +490,7 @@
           <a:p>
             <a:fld id="{4EA9DB48-6904-43CF-8ABC-4A72834D1415}" type="datetimeFigureOut">
               <a:rPr lang="en-GB" smtClean="0"/>
-              <a:t>09/02/2023</a:t>
+              <a:t>11/02/2023</a:t>
             </a:fld>
             <a:endParaRPr lang="en-GB"/>
           </a:p>
@@ -699,7 +700,7 @@
           <a:p>
             <a:fld id="{4EA9DB48-6904-43CF-8ABC-4A72834D1415}" type="datetimeFigureOut">
               <a:rPr lang="en-GB" smtClean="0"/>
-              <a:t>09/02/2023</a:t>
+              <a:t>11/02/2023</a:t>
             </a:fld>
             <a:endParaRPr lang="en-GB"/>
           </a:p>
@@ -899,7 +900,7 @@
           <a:p>
             <a:fld id="{4EA9DB48-6904-43CF-8ABC-4A72834D1415}" type="datetimeFigureOut">
               <a:rPr lang="en-GB" smtClean="0"/>
-              <a:t>09/02/2023</a:t>
+              <a:t>11/02/2023</a:t>
             </a:fld>
             <a:endParaRPr lang="en-GB"/>
           </a:p>
@@ -1175,7 +1176,7 @@
           <a:p>
             <a:fld id="{4EA9DB48-6904-43CF-8ABC-4A72834D1415}" type="datetimeFigureOut">
               <a:rPr lang="en-GB" smtClean="0"/>
-              <a:t>09/02/2023</a:t>
+              <a:t>11/02/2023</a:t>
             </a:fld>
             <a:endParaRPr lang="en-GB"/>
           </a:p>
@@ -1443,7 +1444,7 @@
           <a:p>
             <a:fld id="{4EA9DB48-6904-43CF-8ABC-4A72834D1415}" type="datetimeFigureOut">
               <a:rPr lang="en-GB" smtClean="0"/>
-              <a:t>09/02/2023</a:t>
+              <a:t>11/02/2023</a:t>
             </a:fld>
             <a:endParaRPr lang="en-GB"/>
           </a:p>
@@ -1858,7 +1859,7 @@
           <a:p>
             <a:fld id="{4EA9DB48-6904-43CF-8ABC-4A72834D1415}" type="datetimeFigureOut">
               <a:rPr lang="en-GB" smtClean="0"/>
-              <a:t>09/02/2023</a:t>
+              <a:t>11/02/2023</a:t>
             </a:fld>
             <a:endParaRPr lang="en-GB"/>
           </a:p>
@@ -2000,7 +2001,7 @@
           <a:p>
             <a:fld id="{4EA9DB48-6904-43CF-8ABC-4A72834D1415}" type="datetimeFigureOut">
               <a:rPr lang="en-GB" smtClean="0"/>
-              <a:t>09/02/2023</a:t>
+              <a:t>11/02/2023</a:t>
             </a:fld>
             <a:endParaRPr lang="en-GB"/>
           </a:p>
@@ -2113,7 +2114,7 @@
           <a:p>
             <a:fld id="{4EA9DB48-6904-43CF-8ABC-4A72834D1415}" type="datetimeFigureOut">
               <a:rPr lang="en-GB" smtClean="0"/>
-              <a:t>09/02/2023</a:t>
+              <a:t>11/02/2023</a:t>
             </a:fld>
             <a:endParaRPr lang="en-GB"/>
           </a:p>
@@ -2426,7 +2427,7 @@
           <a:p>
             <a:fld id="{4EA9DB48-6904-43CF-8ABC-4A72834D1415}" type="datetimeFigureOut">
               <a:rPr lang="en-GB" smtClean="0"/>
-              <a:t>09/02/2023</a:t>
+              <a:t>11/02/2023</a:t>
             </a:fld>
             <a:endParaRPr lang="en-GB"/>
           </a:p>
@@ -2715,7 +2716,7 @@
           <a:p>
             <a:fld id="{4EA9DB48-6904-43CF-8ABC-4A72834D1415}" type="datetimeFigureOut">
               <a:rPr lang="en-GB" smtClean="0"/>
-              <a:t>09/02/2023</a:t>
+              <a:t>11/02/2023</a:t>
             </a:fld>
             <a:endParaRPr lang="en-GB"/>
           </a:p>
@@ -2958,7 +2959,7 @@
           <a:p>
             <a:fld id="{4EA9DB48-6904-43CF-8ABC-4A72834D1415}" type="datetimeFigureOut">
               <a:rPr lang="en-GB" smtClean="0"/>
-              <a:t>09/02/2023</a:t>
+              <a:t>11/02/2023</a:t>
             </a:fld>
             <a:endParaRPr lang="en-GB"/>
           </a:p>
@@ -3657,7 +3658,7 @@
           <a:p>
             <a:r>
               <a:rPr lang="en-GB" dirty="0"/>
-              <a:t>Slide 5</a:t>
+              <a:t>Slide 5 onwards</a:t>
             </a:r>
           </a:p>
         </p:txBody>
@@ -3837,8 +3838,13 @@
             </a:pPr>
             <a:r>
               <a:rPr lang="en-GB" sz="1800" dirty="0"/>
-              <a:t>As an outdoor activities enthusiast</a:t>
-            </a:r>
+              <a:t>As an outdoor activities enthusiast, I want to be able to easily get in contact with the club so that I can join the club and get involved in </a:t>
+            </a:r>
+            <a:r>
+              <a:rPr lang="en-GB" sz="1800"/>
+              <a:t>their activities.</a:t>
+            </a:r>
+            <a:endParaRPr lang="en-GB" sz="1800" dirty="0"/>
           </a:p>
         </p:txBody>
       </p:sp>
@@ -4188,6 +4194,177 @@
 </p:sld>
 </file>
 
+<file path=ppt/slides/slide18.xml><?xml version="1.0" encoding="utf-8"?>
+<p:sld xmlns:a="http://schemas.openxmlformats.org/drawingml/2006/main" xmlns:r="http://schemas.openxmlformats.org/officeDocument/2006/relationships" xmlns:p="http://schemas.openxmlformats.org/presentationml/2006/main">
+  <p:cSld>
+    <p:spTree>
+      <p:nvGrpSpPr>
+        <p:cNvPr id="1" name=""/>
+        <p:cNvGrpSpPr/>
+        <p:nvPr/>
+      </p:nvGrpSpPr>
+      <p:grpSpPr>
+        <a:xfrm>
+          <a:off x="0" y="0"/>
+          <a:ext cx="0" cy="0"/>
+          <a:chOff x="0" y="0"/>
+          <a:chExt cx="0" cy="0"/>
+        </a:xfrm>
+      </p:grpSpPr>
+      <p:sp>
+        <p:nvSpPr>
+          <p:cNvPr id="2" name="Title 1">
+            <a:extLst>
+              <a:ext uri="{FF2B5EF4-FFF2-40B4-BE49-F238E27FC236}">
+                <a16:creationId xmlns:a16="http://schemas.microsoft.com/office/drawing/2014/main" id="{BA1C9446-6C95-5AF8-3A64-B4727E8880E4}"/>
+              </a:ext>
+            </a:extLst>
+          </p:cNvPr>
+          <p:cNvSpPr>
+            <a:spLocks noGrp="1"/>
+          </p:cNvSpPr>
+          <p:nvPr>
+            <p:ph type="title"/>
+          </p:nvPr>
+        </p:nvSpPr>
+        <p:spPr/>
+        <p:txBody>
+          <a:bodyPr/>
+          <a:lstStyle/>
+          <a:p>
+            <a:r>
+              <a:rPr lang="en-GB" dirty="0"/>
+              <a:t>Tasks and Deliverables</a:t>
+            </a:r>
+          </a:p>
+        </p:txBody>
+      </p:sp>
+      <p:sp>
+        <p:nvSpPr>
+          <p:cNvPr id="3" name="Content Placeholder 2">
+            <a:extLst>
+              <a:ext uri="{FF2B5EF4-FFF2-40B4-BE49-F238E27FC236}">
+                <a16:creationId xmlns:a16="http://schemas.microsoft.com/office/drawing/2014/main" id="{E2BEDAE4-316F-C52F-7A46-0A29901C14CB}"/>
+              </a:ext>
+            </a:extLst>
+          </p:cNvPr>
+          <p:cNvSpPr>
+            <a:spLocks noGrp="1"/>
+          </p:cNvSpPr>
+          <p:nvPr>
+            <p:ph idx="1"/>
+          </p:nvPr>
+        </p:nvSpPr>
+        <p:spPr>
+          <a:xfrm>
+            <a:off x="838200" y="1379621"/>
+            <a:ext cx="10515600" cy="4797342"/>
+          </a:xfrm>
+        </p:spPr>
+        <p:txBody>
+          <a:bodyPr>
+            <a:normAutofit/>
+          </a:bodyPr>
+          <a:lstStyle/>
+          <a:p>
+            <a:pPr marL="0" indent="0">
+              <a:buNone/>
+            </a:pPr>
+            <a:r>
+              <a:rPr lang="en-GB" sz="1800" b="1" dirty="0"/>
+              <a:t>Tasks</a:t>
+            </a:r>
+            <a:endParaRPr lang="en-GB" sz="1600" dirty="0"/>
+          </a:p>
+          <a:p>
+            <a:r>
+              <a:rPr lang="en-GB" sz="1600" dirty="0"/>
+              <a:t>Task 1</a:t>
+            </a:r>
+          </a:p>
+          <a:p>
+            <a:r>
+              <a:rPr lang="en-GB" sz="1600" dirty="0"/>
+              <a:t>Task 2</a:t>
+            </a:r>
+          </a:p>
+          <a:p>
+            <a:r>
+              <a:rPr lang="en-GB" sz="1600" dirty="0"/>
+              <a:t>Task 3</a:t>
+            </a:r>
+          </a:p>
+          <a:p>
+            <a:r>
+              <a:rPr lang="en-GB" sz="1600" dirty="0"/>
+              <a:t>Task 4</a:t>
+            </a:r>
+          </a:p>
+          <a:p>
+            <a:r>
+              <a:rPr lang="en-GB" sz="1600" dirty="0"/>
+              <a:t>Task 5</a:t>
+            </a:r>
+          </a:p>
+          <a:p>
+            <a:endParaRPr lang="en-GB" sz="1600" dirty="0"/>
+          </a:p>
+          <a:p>
+            <a:pPr marL="0" indent="0">
+              <a:buNone/>
+            </a:pPr>
+            <a:r>
+              <a:rPr lang="en-GB" sz="1800" b="1" dirty="0"/>
+              <a:t>Deliverables</a:t>
+            </a:r>
+            <a:endParaRPr lang="en-GB" sz="1800" dirty="0"/>
+          </a:p>
+          <a:p>
+            <a:r>
+              <a:rPr lang="en-GB" sz="1600" dirty="0"/>
+              <a:t>Deliverable 1</a:t>
+            </a:r>
+          </a:p>
+          <a:p>
+            <a:r>
+              <a:rPr lang="en-GB" sz="1600" dirty="0"/>
+              <a:t>Deliverable 2</a:t>
+            </a:r>
+          </a:p>
+          <a:p>
+            <a:r>
+              <a:rPr lang="en-GB" sz="1600" dirty="0"/>
+              <a:t>Deliverable 3</a:t>
+            </a:r>
+          </a:p>
+          <a:p>
+            <a:r>
+              <a:rPr lang="en-GB" sz="1600" dirty="0"/>
+              <a:t>Deliverable 4</a:t>
+            </a:r>
+          </a:p>
+          <a:p>
+            <a:r>
+              <a:rPr lang="en-GB" sz="1600"/>
+              <a:t>Deliverable 5</a:t>
+            </a:r>
+            <a:endParaRPr lang="en-GB" sz="1600" dirty="0"/>
+          </a:p>
+        </p:txBody>
+      </p:sp>
+    </p:spTree>
+    <p:extLst>
+      <p:ext uri="{BB962C8B-B14F-4D97-AF65-F5344CB8AC3E}">
+        <p14:creationId xmlns:p14="http://schemas.microsoft.com/office/powerpoint/2010/main" val="3298269616"/>
+      </p:ext>
+    </p:extLst>
+  </p:cSld>
+  <p:clrMapOvr>
+    <a:masterClrMapping/>
+  </p:clrMapOvr>
+</p:sld>
+</file>
+
 <file path=ppt/slides/slide2.xml><?xml version="1.0" encoding="utf-8"?>
 <p:sld xmlns:a="http://schemas.openxmlformats.org/drawingml/2006/main" xmlns:r="http://schemas.openxmlformats.org/officeDocument/2006/relationships" xmlns:p="http://schemas.openxmlformats.org/presentationml/2006/main">
   <p:cSld>
@@ -4340,27 +4517,36 @@
           <a:p>
             <a:r>
               <a:rPr lang="en-GB" sz="1600" dirty="0"/>
-              <a:t>The team assigned to fulfil these requests consists of 5 members: Ben Kelly, Adrian Kucia, Kalina Filipowicz</a:t>
-            </a:r>
-            <a:r>
-              <a:rPr lang="en-GB" sz="1600"/>
-              <a:t>, Edward </a:t>
+              <a:t>- A </a:t>
+            </a:r>
+            <a:r>
+              <a:rPr lang="en-GB" sz="1600" b="1" dirty="0"/>
+              <a:t>members only page </a:t>
             </a:r>
             <a:r>
               <a:rPr lang="en-GB" sz="1600" dirty="0"/>
-              <a:t>Davies and Charlie Callister.</a:t>
-            </a:r>
+              <a:t>to allow members of the club access to special information and discounts on the shop items.</a:t>
+            </a:r>
+            <a:endParaRPr lang="en-GB" sz="1600" b="1" dirty="0"/>
           </a:p>
           <a:p>
             <a:r>
               <a:rPr lang="en-GB" sz="1600" dirty="0"/>
-              <a:t>The requirements for this project were largely gathered via the initial meeting with the client, with further requirements, such as _____, coming to light as we further investigated what the client’s needs truly required.  This investigation process allowed us to refine the identified requirements even further, assessing that _____ needed to be focussed on in greater deal than first thought.</a:t>
-            </a:r>
-          </a:p>
-          <a:p>
-            <a:pPr marL="0" indent="0">
-              <a:buNone/>
-            </a:pPr>
+              <a:t>The team assigned to fulfil these requests consists of 5 members: Ben Kelly, Adrian Kucia, Kalina Filipowicz, Edward Davies and Charlie Callister.</a:t>
+            </a:r>
+          </a:p>
+          <a:p>
+            <a:r>
+              <a:rPr lang="en-GB" sz="1600" dirty="0"/>
+              <a:t>The requirements for this project were largely gathered via the initial project brief, with further requirements, such as a minimalistic design, coming to light as we further investigated what the client’s needs truly required via a meeting with the client. This investigation process allowed us to refine the identified requirements even further, assessing that the client also required integration of a Google Form within the site, as well as a Google Calendar present in the members only page.</a:t>
+            </a:r>
+            <a:br>
+              <a:rPr lang="en-GB" sz="1600" dirty="0"/>
+            </a:br>
+            <a:r>
+              <a:rPr lang="en-GB" sz="1600" dirty="0"/>
+              <a:t>Also included in the client meeting was the need for the senior members of the club to be easily able to update the page without requiring any knowledge of the website’s code.</a:t>
+            </a:r>
             <a:endParaRPr lang="en-GB" dirty="0"/>
           </a:p>
           <a:p>
@@ -4444,14 +4630,14 @@
           <p:nvPr>
             <p:extLst>
               <p:ext uri="{D42A27DB-BD31-4B8C-83A1-F6EECF244321}">
-                <p14:modId xmlns:p14="http://schemas.microsoft.com/office/powerpoint/2010/main" val="3938489402"/>
+                <p14:modId xmlns:p14="http://schemas.microsoft.com/office/powerpoint/2010/main" val="2499720695"/>
               </p:ext>
             </p:extLst>
           </p:nvPr>
         </p:nvGraphicFramePr>
         <p:xfrm>
           <a:off x="759922" y="2308987"/>
-          <a:ext cx="10672156" cy="2590546"/>
+          <a:ext cx="10672156" cy="2941066"/>
         </p:xfrm>
         <a:graphic>
           <a:graphicData uri="http://schemas.openxmlformats.org/drawingml/2006/table">
@@ -4759,7 +4945,7 @@
                           <a:ea typeface="SimSun" panose="02010600030101010101" pitchFamily="2" charset="-122"/>
                           <a:cs typeface="Calibri" panose="020F0502020204030204" pitchFamily="34" charset="0"/>
                         </a:rPr>
-                        <a:t>Is a gallery/shop/means of signing up for membership</a:t>
+                        <a:t>Is a hub for members of the surf club</a:t>
                       </a:r>
                       <a:endParaRPr lang="en-GB" sz="1800" dirty="0">
                         <a:effectLst/>
@@ -4784,7 +4970,7 @@
                           <a:ea typeface="SimSun" panose="02010600030101010101" pitchFamily="2" charset="-122"/>
                           <a:cs typeface="Calibri" panose="020F0502020204030204" pitchFamily="34" charset="0"/>
                         </a:rPr>
-                        <a:t>Will show images, provide a means of purchasing products and allow users to sign up for membership</a:t>
+                        <a:t>Will provide information, show club images, provide a means of purchasing products and allow users to sign up for membership.</a:t>
                       </a:r>
                       <a:endParaRPr lang="en-GB" sz="1800" dirty="0">
                         <a:effectLst/>
@@ -4922,7 +5108,7 @@
             </a:pPr>
             <a:r>
               <a:rPr lang="en-GB" sz="1600" dirty="0"/>
-              <a:t>The overall system in which we will be developing is a functioning, modern website that includes a sufficient level of security as well as various pages to match the various different requirements.  These pages can be compartmentalised into 5 different sections: a gallery page, a membership sign up page, a contact form, and a Shop page.</a:t>
+              <a:t>The overall system in which we will be developing is a functioning, modern website that includes a sufficient level of security as well as various pages to match the various different requirements.  These pages can be compartmentalised into 5 different sections: a gallery page, a membership sign up page, a contact form, a members only page and a Shop page.</a:t>
             </a:r>
           </a:p>
           <a:p>
@@ -4936,14 +5122,21 @@
             <a:pPr lvl="1"/>
             <a:r>
               <a:rPr lang="en-GB" sz="1600" dirty="0"/>
-              <a:t>The system will be tested using Integration of the subsystems.</a:t>
+              <a:t>The system will be tested continuously throughout the development process and logged accordingly, ensuring that  the system is robust enough for deployment.</a:t>
             </a:r>
           </a:p>
           <a:p>
             <a:pPr lvl="1"/>
             <a:r>
               <a:rPr lang="en-GB" sz="1600" dirty="0"/>
-              <a:t>Project requirements – what equipment/software access do we need?</a:t>
+              <a:t>The subsystems will all possess standalone functionality but will integrate with each other on the site as required, creating a dynamic page that is visually pleasing to look at.</a:t>
+            </a:r>
+          </a:p>
+          <a:p>
+            <a:pPr lvl="1"/>
+            <a:r>
+              <a:rPr lang="en-GB" sz="1600" dirty="0"/>
+              <a:t>In order for the development of the website to take place, certain software is required.  This includes an IDE to write the code in as well as a web server to host the PHP files on.</a:t>
             </a:r>
           </a:p>
           <a:p>
@@ -4953,14 +5146,21 @@
               <a:t>Potential commercial, economic, legal, ethical, social, professional factors.</a:t>
             </a:r>
           </a:p>
-        </p:txBody>
-      </p:sp>
-      <p:sp>
-        <p:nvSpPr>
-          <p:cNvPr id="4" name="TextBox 3">
-            <a:extLst>
-              <a:ext uri="{FF2B5EF4-FFF2-40B4-BE49-F238E27FC236}">
-                <a16:creationId xmlns:a16="http://schemas.microsoft.com/office/drawing/2014/main" id="{5189F141-4C83-3317-5E53-27CB10E7EDD6}"/>
+          <a:p>
+            <a:pPr lvl="1"/>
+            <a:r>
+              <a:rPr lang="en-GB" sz="1600" dirty="0"/>
+              <a:t>Due to the nature of the website being in the public domain, we must ensure that the website’s security is up to standard so that the client’s data is never at risk.  This will be done by strictly following coding security standards to ensure no malicious attacks can take place.</a:t>
+            </a:r>
+          </a:p>
+        </p:txBody>
+      </p:sp>
+      <p:sp>
+        <p:nvSpPr>
+          <p:cNvPr id="7" name="TextBox 6">
+            <a:extLst>
+              <a:ext uri="{FF2B5EF4-FFF2-40B4-BE49-F238E27FC236}">
+                <a16:creationId xmlns:a16="http://schemas.microsoft.com/office/drawing/2014/main" id="{05A24002-B12A-D317-6FAA-3A3C99C62C50}"/>
               </a:ext>
             </a:extLst>
           </p:cNvPr>
@@ -4969,8 +5169,8 @@
         </p:nvSpPr>
         <p:spPr>
           <a:xfrm>
-            <a:off x="13058" y="2998113"/>
-            <a:ext cx="1254044" cy="430887"/>
+            <a:off x="10726778" y="2828836"/>
+            <a:ext cx="1254044" cy="600164"/>
           </a:xfrm>
           <a:prstGeom prst="rect">
             <a:avLst/>
@@ -4996,113 +5196,7 @@
                   <a:srgbClr val="FF0000"/>
                 </a:solidFill>
               </a:rPr>
-              <a:t>Not sure what 5</a:t>
-            </a:r>
-            <a:r>
-              <a:rPr lang="en-GB" sz="1100" baseline="30000" dirty="0">
-                <a:solidFill>
-                  <a:srgbClr val="FF0000"/>
-                </a:solidFill>
-              </a:rPr>
-              <a:t>th</a:t>
-            </a:r>
-            <a:r>
-              <a:rPr lang="en-GB" sz="1100" dirty="0">
-                <a:solidFill>
-                  <a:srgbClr val="FF0000"/>
-                </a:solidFill>
-              </a:rPr>
-              <a:t> section would be</a:t>
-            </a:r>
-          </a:p>
-        </p:txBody>
-      </p:sp>
-      <p:cxnSp>
-        <p:nvCxnSpPr>
-          <p:cNvPr id="6" name="Straight Arrow Connector 5">
-            <a:extLst>
-              <a:ext uri="{FF2B5EF4-FFF2-40B4-BE49-F238E27FC236}">
-                <a16:creationId xmlns:a16="http://schemas.microsoft.com/office/drawing/2014/main" id="{90E536D8-A272-DDE3-1650-8DB482902BF3}"/>
-              </a:ext>
-            </a:extLst>
-          </p:cNvPr>
-          <p:cNvCxnSpPr>
-            <a:stCxn id="4" idx="0"/>
-          </p:cNvCxnSpPr>
-          <p:nvPr/>
-        </p:nvCxnSpPr>
-        <p:spPr>
-          <a:xfrm flipV="1">
-            <a:off x="640080" y="2734322"/>
-            <a:ext cx="274320" cy="263791"/>
-          </a:xfrm>
-          <a:prstGeom prst="straightConnector1">
-            <a:avLst/>
-          </a:prstGeom>
-          <a:ln>
-            <a:solidFill>
-              <a:srgbClr val="FF0000"/>
-            </a:solidFill>
-            <a:tailEnd type="triangle"/>
-          </a:ln>
-        </p:spPr>
-        <p:style>
-          <a:lnRef idx="1">
-            <a:schemeClr val="accent1"/>
-          </a:lnRef>
-          <a:fillRef idx="0">
-            <a:schemeClr val="accent1"/>
-          </a:fillRef>
-          <a:effectRef idx="0">
-            <a:schemeClr val="accent1"/>
-          </a:effectRef>
-          <a:fontRef idx="minor">
-            <a:schemeClr val="tx1"/>
-          </a:fontRef>
-        </p:style>
-      </p:cxnSp>
-      <p:sp>
-        <p:nvSpPr>
-          <p:cNvPr id="7" name="TextBox 6">
-            <a:extLst>
-              <a:ext uri="{FF2B5EF4-FFF2-40B4-BE49-F238E27FC236}">
-                <a16:creationId xmlns:a16="http://schemas.microsoft.com/office/drawing/2014/main" id="{05A24002-B12A-D317-6FAA-3A3C99C62C50}"/>
-              </a:ext>
-            </a:extLst>
-          </p:cNvPr>
-          <p:cNvSpPr txBox="1"/>
-          <p:nvPr/>
-        </p:nvSpPr>
-        <p:spPr>
-          <a:xfrm>
-            <a:off x="10277124" y="3327224"/>
-            <a:ext cx="1254044" cy="430887"/>
-          </a:xfrm>
-          <a:prstGeom prst="rect">
-            <a:avLst/>
-          </a:prstGeom>
-          <a:solidFill>
-            <a:schemeClr val="bg1"/>
-          </a:solidFill>
-          <a:ln>
-            <a:solidFill>
-              <a:srgbClr val="FF0000"/>
-            </a:solidFill>
-          </a:ln>
-        </p:spPr>
-        <p:txBody>
-          <a:bodyPr wrap="square" rtlCol="0">
-            <a:spAutoFit/>
-          </a:bodyPr>
-          <a:lstStyle/>
-          <a:p>
-            <a:r>
-              <a:rPr lang="en-GB" sz="1100" dirty="0">
-                <a:solidFill>
-                  <a:srgbClr val="FF0000"/>
-                </a:solidFill>
-              </a:rPr>
-              <a:t>Change these subsystem names</a:t>
+              <a:t>Change these subsystem names once allocated</a:t>
             </a:r>
           </a:p>
         </p:txBody>
@@ -5123,9 +5217,9 @@
           <p:nvPr/>
         </p:nvCxnSpPr>
         <p:spPr>
-          <a:xfrm flipH="1" flipV="1">
-            <a:off x="9410330" y="3327224"/>
-            <a:ext cx="866794" cy="215444"/>
+          <a:xfrm flipH="1">
+            <a:off x="9509760" y="3128918"/>
+            <a:ext cx="1217018" cy="0"/>
           </a:xfrm>
           <a:prstGeom prst="straightConnector1">
             <a:avLst/>
@@ -6292,14 +6386,14 @@
           <p:nvPr>
             <p:extLst>
               <p:ext uri="{D42A27DB-BD31-4B8C-83A1-F6EECF244321}">
-                <p14:modId xmlns:p14="http://schemas.microsoft.com/office/powerpoint/2010/main" val="2370890560"/>
+                <p14:modId xmlns:p14="http://schemas.microsoft.com/office/powerpoint/2010/main" val="1670959777"/>
               </p:ext>
             </p:extLst>
           </p:nvPr>
         </p:nvGraphicFramePr>
         <p:xfrm>
           <a:off x="-1" y="3841043"/>
-          <a:ext cx="2730316" cy="1886490"/>
+          <a:ext cx="2730316" cy="1793415"/>
         </p:xfrm>
         <a:graphic>
           <a:graphicData uri="http://schemas.openxmlformats.org/drawingml/2006/table">
@@ -6330,7 +6424,7 @@
                     <a:lstStyle/>
                     <a:p>
                       <a:r>
-                        <a:rPr lang="en-GB" sz="1600" dirty="0"/>
+                        <a:rPr lang="en-GB" sz="1600" b="1" dirty="0"/>
                         <a:t>Age:</a:t>
                       </a:r>
                     </a:p>
@@ -6364,7 +6458,7 @@
                     <a:lstStyle/>
                     <a:p>
                       <a:r>
-                        <a:rPr lang="en-GB" sz="1600" dirty="0"/>
+                        <a:rPr lang="en-GB" sz="1600" b="1" dirty="0"/>
                         <a:t>Job:</a:t>
                       </a:r>
                     </a:p>
@@ -6427,7 +6521,7 @@
                     <a:lstStyle/>
                     <a:p>
                       <a:r>
-                        <a:rPr lang="en-GB" sz="1600" dirty="0"/>
+                        <a:rPr lang="en-GB" sz="1600" b="1" dirty="0"/>
                         <a:t>Location:</a:t>
                       </a:r>
                     </a:p>
@@ -6442,7 +6536,7 @@
                       <a:pPr algn="ctr"/>
                       <a:r>
                         <a:rPr lang="en-GB" sz="1400" dirty="0"/>
-                        <a:t>Rock-climbing instructor</a:t>
+                        <a:t>Whitley Bay</a:t>
                       </a:r>
                     </a:p>
                   </a:txBody>
@@ -6461,7 +6555,7 @@
                     <a:lstStyle/>
                     <a:p>
                       <a:r>
-                        <a:rPr lang="en-GB" sz="1600" dirty="0"/>
+                        <a:rPr lang="en-GB" sz="1600" b="1" dirty="0"/>
                         <a:t>Salary(£-£££)</a:t>
                       </a:r>
                     </a:p>

--- a/KV6002_21 TOR Presentation.pptx
+++ b/KV6002_21 TOR Presentation.pptx
@@ -290,7 +290,7 @@
           <a:p>
             <a:fld id="{4EA9DB48-6904-43CF-8ABC-4A72834D1415}" type="datetimeFigureOut">
               <a:rPr lang="en-GB" smtClean="0"/>
-              <a:t>11/02/2023</a:t>
+              <a:t>15/02/2023</a:t>
             </a:fld>
             <a:endParaRPr lang="en-GB"/>
           </a:p>
@@ -490,7 +490,7 @@
           <a:p>
             <a:fld id="{4EA9DB48-6904-43CF-8ABC-4A72834D1415}" type="datetimeFigureOut">
               <a:rPr lang="en-GB" smtClean="0"/>
-              <a:t>11/02/2023</a:t>
+              <a:t>15/02/2023</a:t>
             </a:fld>
             <a:endParaRPr lang="en-GB"/>
           </a:p>
@@ -700,7 +700,7 @@
           <a:p>
             <a:fld id="{4EA9DB48-6904-43CF-8ABC-4A72834D1415}" type="datetimeFigureOut">
               <a:rPr lang="en-GB" smtClean="0"/>
-              <a:t>11/02/2023</a:t>
+              <a:t>15/02/2023</a:t>
             </a:fld>
             <a:endParaRPr lang="en-GB"/>
           </a:p>
@@ -900,7 +900,7 @@
           <a:p>
             <a:fld id="{4EA9DB48-6904-43CF-8ABC-4A72834D1415}" type="datetimeFigureOut">
               <a:rPr lang="en-GB" smtClean="0"/>
-              <a:t>11/02/2023</a:t>
+              <a:t>15/02/2023</a:t>
             </a:fld>
             <a:endParaRPr lang="en-GB"/>
           </a:p>
@@ -1176,7 +1176,7 @@
           <a:p>
             <a:fld id="{4EA9DB48-6904-43CF-8ABC-4A72834D1415}" type="datetimeFigureOut">
               <a:rPr lang="en-GB" smtClean="0"/>
-              <a:t>11/02/2023</a:t>
+              <a:t>15/02/2023</a:t>
             </a:fld>
             <a:endParaRPr lang="en-GB"/>
           </a:p>
@@ -1444,7 +1444,7 @@
           <a:p>
             <a:fld id="{4EA9DB48-6904-43CF-8ABC-4A72834D1415}" type="datetimeFigureOut">
               <a:rPr lang="en-GB" smtClean="0"/>
-              <a:t>11/02/2023</a:t>
+              <a:t>15/02/2023</a:t>
             </a:fld>
             <a:endParaRPr lang="en-GB"/>
           </a:p>
@@ -1859,7 +1859,7 @@
           <a:p>
             <a:fld id="{4EA9DB48-6904-43CF-8ABC-4A72834D1415}" type="datetimeFigureOut">
               <a:rPr lang="en-GB" smtClean="0"/>
-              <a:t>11/02/2023</a:t>
+              <a:t>15/02/2023</a:t>
             </a:fld>
             <a:endParaRPr lang="en-GB"/>
           </a:p>
@@ -2001,7 +2001,7 @@
           <a:p>
             <a:fld id="{4EA9DB48-6904-43CF-8ABC-4A72834D1415}" type="datetimeFigureOut">
               <a:rPr lang="en-GB" smtClean="0"/>
-              <a:t>11/02/2023</a:t>
+              <a:t>15/02/2023</a:t>
             </a:fld>
             <a:endParaRPr lang="en-GB"/>
           </a:p>
@@ -2114,7 +2114,7 @@
           <a:p>
             <a:fld id="{4EA9DB48-6904-43CF-8ABC-4A72834D1415}" type="datetimeFigureOut">
               <a:rPr lang="en-GB" smtClean="0"/>
-              <a:t>11/02/2023</a:t>
+              <a:t>15/02/2023</a:t>
             </a:fld>
             <a:endParaRPr lang="en-GB"/>
           </a:p>
@@ -2427,7 +2427,7 @@
           <a:p>
             <a:fld id="{4EA9DB48-6904-43CF-8ABC-4A72834D1415}" type="datetimeFigureOut">
               <a:rPr lang="en-GB" smtClean="0"/>
-              <a:t>11/02/2023</a:t>
+              <a:t>15/02/2023</a:t>
             </a:fld>
             <a:endParaRPr lang="en-GB"/>
           </a:p>
@@ -2716,7 +2716,7 @@
           <a:p>
             <a:fld id="{4EA9DB48-6904-43CF-8ABC-4A72834D1415}" type="datetimeFigureOut">
               <a:rPr lang="en-GB" smtClean="0"/>
-              <a:t>11/02/2023</a:t>
+              <a:t>15/02/2023</a:t>
             </a:fld>
             <a:endParaRPr lang="en-GB"/>
           </a:p>
@@ -2959,7 +2959,7 @@
           <a:p>
             <a:fld id="{4EA9DB48-6904-43CF-8ABC-4A72834D1415}" type="datetimeFigureOut">
               <a:rPr lang="en-GB" smtClean="0"/>
-              <a:t>11/02/2023</a:t>
+              <a:t>15/02/2023</a:t>
             </a:fld>
             <a:endParaRPr lang="en-GB"/>
           </a:p>
@@ -4263,7 +4263,7 @@
         </p:spPr>
         <p:txBody>
           <a:bodyPr>
-            <a:normAutofit/>
+            <a:normAutofit lnSpcReduction="10000"/>
           </a:bodyPr>
           <a:lstStyle/>
           <a:p>
@@ -4274,36 +4274,41 @@
               <a:rPr lang="en-GB" sz="1800" b="1" dirty="0"/>
               <a:t>Tasks</a:t>
             </a:r>
-            <a:endParaRPr lang="en-GB" sz="1600" dirty="0"/>
           </a:p>
           <a:p>
             <a:r>
               <a:rPr lang="en-GB" sz="1600" dirty="0"/>
-              <a:t>Task 1</a:t>
+              <a:t>Create a minimalist, sleek Home page, with navigation to other pages.</a:t>
             </a:r>
           </a:p>
           <a:p>
             <a:r>
               <a:rPr lang="en-GB" sz="1600" dirty="0"/>
-              <a:t>Task 2</a:t>
+              <a:t>Create a functioning Gallery page.</a:t>
             </a:r>
           </a:p>
           <a:p>
             <a:r>
               <a:rPr lang="en-GB" sz="1600" dirty="0"/>
-              <a:t>Task 3</a:t>
+              <a:t>Create a functioning Contact page including a means of signing up to the club.</a:t>
             </a:r>
           </a:p>
           <a:p>
             <a:r>
               <a:rPr lang="en-GB" sz="1600" dirty="0"/>
-              <a:t>Task 4</a:t>
+              <a:t>Create a members only section of the site, which includes discounts for members on shop items as well as member’s only news and photos.</a:t>
             </a:r>
           </a:p>
           <a:p>
             <a:r>
               <a:rPr lang="en-GB" sz="1600" dirty="0"/>
-              <a:t>Task 5</a:t>
+              <a:t>Create an e-commerce page, allowing the club to sell their merchandise.</a:t>
+            </a:r>
+          </a:p>
+          <a:p>
+            <a:r>
+              <a:rPr lang="en-GB" sz="1600" dirty="0"/>
+              <a:t>Consistently style page, to a sufficient standard.</a:t>
             </a:r>
           </a:p>
           <a:p>
@@ -4322,8 +4327,13 @@
           <a:p>
             <a:r>
               <a:rPr lang="en-GB" sz="1600" dirty="0"/>
-              <a:t>Deliverable 1</a:t>
-            </a:r>
+              <a:t>A functioning website that contains each </a:t>
+            </a:r>
+            <a:r>
+              <a:rPr lang="en-GB" sz="1600"/>
+              <a:t>of the above pages.</a:t>
+            </a:r>
+            <a:endParaRPr lang="en-GB" sz="1600" dirty="0"/>
           </a:p>
           <a:p>
             <a:r>
@@ -4345,10 +4355,9 @@
           </a:p>
           <a:p>
             <a:r>
-              <a:rPr lang="en-GB" sz="1600"/>
+              <a:rPr lang="en-GB" sz="1600" dirty="0"/>
               <a:t>Deliverable 5</a:t>
             </a:r>
-            <a:endParaRPr lang="en-GB" sz="1600" dirty="0"/>
           </a:p>
         </p:txBody>
       </p:sp>
@@ -5087,7 +5096,7 @@
         </p:spPr>
         <p:txBody>
           <a:bodyPr>
-            <a:normAutofit/>
+            <a:normAutofit lnSpcReduction="10000"/>
           </a:bodyPr>
           <a:lstStyle/>
           <a:p>
@@ -5108,7 +5117,23 @@
             </a:pPr>
             <a:r>
               <a:rPr lang="en-GB" sz="1600" dirty="0"/>
-              <a:t>The overall system in which we will be developing is a functioning, modern website that includes a sufficient level of security as well as various pages to match the various different requirements.  These pages can be compartmentalised into 5 different sections: a gallery page, a membership sign up page, a contact form, a members only page and a Shop page.</a:t>
+              <a:t>The overall system in which we will be developing is a functioning, modern website that includes a sufficient level of security as well as various pages to match the various different requirements.  These pages can be compartmentalised into 5 different sections: a home </a:t>
+            </a:r>
+            <a:r>
+              <a:rPr lang="en-GB" sz="1600"/>
+              <a:t>page, a </a:t>
+            </a:r>
+            <a:r>
+              <a:rPr lang="en-GB" sz="1600" dirty="0"/>
+              <a:t>gallery page, a membership sign up page, a contact form, a members only page and </a:t>
+            </a:r>
+            <a:r>
+              <a:rPr lang="en-GB" sz="1600"/>
+              <a:t>a shop </a:t>
+            </a:r>
+            <a:r>
+              <a:rPr lang="en-GB" sz="1600" dirty="0"/>
+              <a:t>page.</a:t>
             </a:r>
           </a:p>
           <a:p>
@@ -5136,21 +5161,14 @@
             <a:pPr lvl="1"/>
             <a:r>
               <a:rPr lang="en-GB" sz="1600" dirty="0"/>
-              <a:t>In order for the development of the website to take place, certain software is required.  This includes an IDE to write the code in as well as a web server to host the PHP files on.</a:t>
+              <a:t>In order for the development of the website to take place, certain software is required.  This includes an IDE to write the code in as well as a web server to host the PHP files on.  A database may also be necessary after correspondence with the client.</a:t>
             </a:r>
           </a:p>
           <a:p>
             <a:pPr lvl="1"/>
             <a:r>
               <a:rPr lang="en-GB" sz="1600" dirty="0"/>
-              <a:t>Potential commercial, economic, legal, ethical, social, professional factors.</a:t>
-            </a:r>
-          </a:p>
-          <a:p>
-            <a:pPr lvl="1"/>
-            <a:r>
-              <a:rPr lang="en-GB" sz="1600" dirty="0"/>
-              <a:t>Due to the nature of the website being in the public domain, we must ensure that the website’s security is up to standard so that the client’s data is never at risk.  This will be done by strictly following coding security standards to ensure no malicious attacks can take place.</a:t>
+              <a:t>Due to the nature of the website being in the public domain, we must ensure that the website’s security is up to standard so that the client’s data is never at risk.  This will be done by strictly following coding security standards to ensure no malicious attacks can take place.  Not only this, but as this website is being handed over to a client, we must ensure that it is of a sufficient quality, in terms of appearance as well as functionality.</a:t>
             </a:r>
           </a:p>
         </p:txBody>

--- a/KV6002_21 TOR Presentation.pptx
+++ b/KV6002_21 TOR Presentation.pptx
@@ -290,7 +290,7 @@
           <a:p>
             <a:fld id="{4EA9DB48-6904-43CF-8ABC-4A72834D1415}" type="datetimeFigureOut">
               <a:rPr lang="en-GB" smtClean="0"/>
-              <a:t>15/02/2023</a:t>
+              <a:t>16/02/2023</a:t>
             </a:fld>
             <a:endParaRPr lang="en-GB"/>
           </a:p>
@@ -490,7 +490,7 @@
           <a:p>
             <a:fld id="{4EA9DB48-6904-43CF-8ABC-4A72834D1415}" type="datetimeFigureOut">
               <a:rPr lang="en-GB" smtClean="0"/>
-              <a:t>15/02/2023</a:t>
+              <a:t>16/02/2023</a:t>
             </a:fld>
             <a:endParaRPr lang="en-GB"/>
           </a:p>
@@ -700,7 +700,7 @@
           <a:p>
             <a:fld id="{4EA9DB48-6904-43CF-8ABC-4A72834D1415}" type="datetimeFigureOut">
               <a:rPr lang="en-GB" smtClean="0"/>
-              <a:t>15/02/2023</a:t>
+              <a:t>16/02/2023</a:t>
             </a:fld>
             <a:endParaRPr lang="en-GB"/>
           </a:p>
@@ -900,7 +900,7 @@
           <a:p>
             <a:fld id="{4EA9DB48-6904-43CF-8ABC-4A72834D1415}" type="datetimeFigureOut">
               <a:rPr lang="en-GB" smtClean="0"/>
-              <a:t>15/02/2023</a:t>
+              <a:t>16/02/2023</a:t>
             </a:fld>
             <a:endParaRPr lang="en-GB"/>
           </a:p>
@@ -1176,7 +1176,7 @@
           <a:p>
             <a:fld id="{4EA9DB48-6904-43CF-8ABC-4A72834D1415}" type="datetimeFigureOut">
               <a:rPr lang="en-GB" smtClean="0"/>
-              <a:t>15/02/2023</a:t>
+              <a:t>16/02/2023</a:t>
             </a:fld>
             <a:endParaRPr lang="en-GB"/>
           </a:p>
@@ -1444,7 +1444,7 @@
           <a:p>
             <a:fld id="{4EA9DB48-6904-43CF-8ABC-4A72834D1415}" type="datetimeFigureOut">
               <a:rPr lang="en-GB" smtClean="0"/>
-              <a:t>15/02/2023</a:t>
+              <a:t>16/02/2023</a:t>
             </a:fld>
             <a:endParaRPr lang="en-GB"/>
           </a:p>
@@ -1859,7 +1859,7 @@
           <a:p>
             <a:fld id="{4EA9DB48-6904-43CF-8ABC-4A72834D1415}" type="datetimeFigureOut">
               <a:rPr lang="en-GB" smtClean="0"/>
-              <a:t>15/02/2023</a:t>
+              <a:t>16/02/2023</a:t>
             </a:fld>
             <a:endParaRPr lang="en-GB"/>
           </a:p>
@@ -2001,7 +2001,7 @@
           <a:p>
             <a:fld id="{4EA9DB48-6904-43CF-8ABC-4A72834D1415}" type="datetimeFigureOut">
               <a:rPr lang="en-GB" smtClean="0"/>
-              <a:t>15/02/2023</a:t>
+              <a:t>16/02/2023</a:t>
             </a:fld>
             <a:endParaRPr lang="en-GB"/>
           </a:p>
@@ -2114,7 +2114,7 @@
           <a:p>
             <a:fld id="{4EA9DB48-6904-43CF-8ABC-4A72834D1415}" type="datetimeFigureOut">
               <a:rPr lang="en-GB" smtClean="0"/>
-              <a:t>15/02/2023</a:t>
+              <a:t>16/02/2023</a:t>
             </a:fld>
             <a:endParaRPr lang="en-GB"/>
           </a:p>
@@ -2427,7 +2427,7 @@
           <a:p>
             <a:fld id="{4EA9DB48-6904-43CF-8ABC-4A72834D1415}" type="datetimeFigureOut">
               <a:rPr lang="en-GB" smtClean="0"/>
-              <a:t>15/02/2023</a:t>
+              <a:t>16/02/2023</a:t>
             </a:fld>
             <a:endParaRPr lang="en-GB"/>
           </a:p>
@@ -2716,7 +2716,7 @@
           <a:p>
             <a:fld id="{4EA9DB48-6904-43CF-8ABC-4A72834D1415}" type="datetimeFigureOut">
               <a:rPr lang="en-GB" smtClean="0"/>
-              <a:t>15/02/2023</a:t>
+              <a:t>16/02/2023</a:t>
             </a:fld>
             <a:endParaRPr lang="en-GB"/>
           </a:p>
@@ -2959,7 +2959,7 @@
           <a:p>
             <a:fld id="{4EA9DB48-6904-43CF-8ABC-4A72834D1415}" type="datetimeFigureOut">
               <a:rPr lang="en-GB" smtClean="0"/>
-              <a:t>15/02/2023</a:t>
+              <a:t>16/02/2023</a:t>
             </a:fld>
             <a:endParaRPr lang="en-GB"/>
           </a:p>
@@ -6380,7 +6380,15 @@
           <a:p>
             <a:r>
               <a:rPr lang="en-GB" sz="1400" dirty="0"/>
-              <a:t>Ricky requires a site he uses to not be overly complicated, as to not frustrate him if he can’t find what he is looking for on the site.  He likes Amazon and Netflix because their design is clean and intuitive.</a:t>
+              <a:t>Ricky requires a site he uses to not be overly complicated, as to not frustrate him if he can’t find what he is looking for on the site.  He likes Amazon and Netflix because </a:t>
+            </a:r>
+            <a:r>
+              <a:rPr lang="en-GB" sz="1400"/>
+              <a:t>their designs are </a:t>
+            </a:r>
+            <a:r>
+              <a:rPr lang="en-GB" sz="1400" dirty="0"/>
+              <a:t>clean and intuitive.</a:t>
             </a:r>
             <a:r>
               <a:rPr lang="en-GB" sz="1600" b="1" dirty="0"/>

--- a/KV6002_21 TOR Presentation.pptx
+++ b/KV6002_21 TOR Presentation.pptx
@@ -5117,23 +5117,7 @@
             </a:pPr>
             <a:r>
               <a:rPr lang="en-GB" sz="1600" dirty="0"/>
-              <a:t>The overall system in which we will be developing is a functioning, modern website that includes a sufficient level of security as well as various pages to match the various different requirements.  These pages can be compartmentalised into 5 different sections: a home </a:t>
-            </a:r>
-            <a:r>
-              <a:rPr lang="en-GB" sz="1600"/>
-              <a:t>page, a </a:t>
-            </a:r>
-            <a:r>
-              <a:rPr lang="en-GB" sz="1600" dirty="0"/>
-              <a:t>gallery page, a membership sign up page, a contact form, a members only page and </a:t>
-            </a:r>
-            <a:r>
-              <a:rPr lang="en-GB" sz="1600"/>
-              <a:t>a shop </a:t>
-            </a:r>
-            <a:r>
-              <a:rPr lang="en-GB" sz="1600" dirty="0"/>
-              <a:t>page.</a:t>
+              <a:t>The overall system in which we will be developing is a functioning, modern website that includes a sufficient level of security as well as various pages to match the various different requirements.  These pages can be compartmentalised into 5 different sections: a home page, a gallery page, a membership sign up page, a contact form, a members only page and a shop page.</a:t>
             </a:r>
           </a:p>
           <a:p>
@@ -5147,8 +5131,13 @@
             <a:pPr lvl="1"/>
             <a:r>
               <a:rPr lang="en-GB" sz="1600" dirty="0"/>
-              <a:t>The system will be tested continuously throughout the development process and logged accordingly, ensuring that  the system is robust enough for deployment.</a:t>
-            </a:r>
+              <a:t>The system will be tested continuously throughout the development process and logged accordingly, ensuring that  the system is robust enough for </a:t>
+            </a:r>
+            <a:r>
+              <a:rPr lang="en-GB" sz="1600"/>
+              <a:t>deployment.tytyt</a:t>
+            </a:r>
+            <a:endParaRPr lang="en-GB" sz="1600" dirty="0"/>
           </a:p>
           <a:p>
             <a:pPr lvl="1"/>

--- a/KV6002_21 TOR Presentation.pptx
+++ b/KV6002_21 TOR Presentation.pptx
@@ -11,14 +11,14 @@
     <p:sldId id="259" r:id="rId5"/>
     <p:sldId id="260" r:id="rId6"/>
     <p:sldId id="267" r:id="rId7"/>
-    <p:sldId id="272" r:id="rId8"/>
+    <p:sldId id="274" r:id="rId8"/>
     <p:sldId id="268" r:id="rId9"/>
     <p:sldId id="269" r:id="rId10"/>
     <p:sldId id="270" r:id="rId11"/>
     <p:sldId id="271" r:id="rId12"/>
     <p:sldId id="261" r:id="rId13"/>
     <p:sldId id="262" r:id="rId14"/>
-    <p:sldId id="263" r:id="rId15"/>
+    <p:sldId id="275" r:id="rId15"/>
     <p:sldId id="264" r:id="rId16"/>
     <p:sldId id="265" r:id="rId17"/>
     <p:sldId id="266" r:id="rId18"/>
@@ -139,6 +139,56 @@
     </p:extLst>
   </p:cmAuthor>
 </p:cmAuthorLst>
+</file>
+
+<file path=ppt/revisionInfo.xml><?xml version="1.0" encoding="utf-8"?>
+<p1510:revInfo xmlns:a="http://schemas.openxmlformats.org/drawingml/2006/main" xmlns:r="http://schemas.openxmlformats.org/officeDocument/2006/relationships" xmlns:p1510="http://schemas.microsoft.com/office/powerpoint/2015/10/main">
+  <p1510:revLst>
+    <p1510:client id="{9351995B-FC45-43BA-8C6F-9BC9E41E05AA}" v="2" dt="2023-02-16T17:06:53.837"/>
+  </p1510:revLst>
+</p1510:revInfo>
+</file>
+
+<file path=ppt/changesInfos/changesInfo1.xml><?xml version="1.0" encoding="utf-8"?>
+<pc:chgInfo xmlns:a="http://schemas.openxmlformats.org/drawingml/2006/main" xmlns:r="http://schemas.openxmlformats.org/officeDocument/2006/relationships" xmlns:ac="http://schemas.microsoft.com/office/drawing/2013/main/command" xmlns:pc="http://schemas.microsoft.com/office/powerpoint/2013/main/command">
+  <pc:docChgLst>
+    <pc:chgData name="edward.davies" userId="f622d5b9-d905-4a91-b9ef-62da06980352" providerId="ADAL" clId="{9351995B-FC45-43BA-8C6F-9BC9E41E05AA}"/>
+    <pc:docChg chg="addSld delSld modSld">
+      <pc:chgData name="edward.davies" userId="f622d5b9-d905-4a91-b9ef-62da06980352" providerId="ADAL" clId="{9351995B-FC45-43BA-8C6F-9BC9E41E05AA}" dt="2023-02-16T17:06:55.597" v="3" actId="47"/>
+      <pc:docMkLst>
+        <pc:docMk/>
+      </pc:docMkLst>
+      <pc:sldChg chg="del">
+        <pc:chgData name="edward.davies" userId="f622d5b9-d905-4a91-b9ef-62da06980352" providerId="ADAL" clId="{9351995B-FC45-43BA-8C6F-9BC9E41E05AA}" dt="2023-02-16T17:06:55.597" v="3" actId="47"/>
+        <pc:sldMkLst>
+          <pc:docMk/>
+          <pc:sldMk cId="4088695172" sldId="263"/>
+        </pc:sldMkLst>
+      </pc:sldChg>
+      <pc:sldChg chg="del">
+        <pc:chgData name="edward.davies" userId="f622d5b9-d905-4a91-b9ef-62da06980352" providerId="ADAL" clId="{9351995B-FC45-43BA-8C6F-9BC9E41E05AA}" dt="2023-02-16T17:06:36.522" v="1" actId="47"/>
+        <pc:sldMkLst>
+          <pc:docMk/>
+          <pc:sldMk cId="2943516946" sldId="272"/>
+        </pc:sldMkLst>
+      </pc:sldChg>
+      <pc:sldChg chg="add">
+        <pc:chgData name="edward.davies" userId="f622d5b9-d905-4a91-b9ef-62da06980352" providerId="ADAL" clId="{9351995B-FC45-43BA-8C6F-9BC9E41E05AA}" dt="2023-02-16T17:06:34.802" v="0"/>
+        <pc:sldMkLst>
+          <pc:docMk/>
+          <pc:sldMk cId="2976952910" sldId="274"/>
+        </pc:sldMkLst>
+      </pc:sldChg>
+      <pc:sldChg chg="add">
+        <pc:chgData name="edward.davies" userId="f622d5b9-d905-4a91-b9ef-62da06980352" providerId="ADAL" clId="{9351995B-FC45-43BA-8C6F-9BC9E41E05AA}" dt="2023-02-16T17:06:53.835" v="2"/>
+        <pc:sldMkLst>
+          <pc:docMk/>
+          <pc:sldMk cId="1852367479" sldId="275"/>
+        </pc:sldMkLst>
+      </pc:sldChg>
+    </pc:docChg>
+  </pc:docChgLst>
+</pc:chgInfo>
 </file>
 
 <file path=ppt/slideLayouts/slideLayout1.xml><?xml version="1.0" encoding="utf-8"?>
@@ -3894,14 +3944,19 @@
             <p:ph type="title"/>
           </p:nvPr>
         </p:nvSpPr>
-        <p:spPr/>
+        <p:spPr>
+          <a:xfrm>
+            <a:off x="838200" y="440384"/>
+            <a:ext cx="10515600" cy="1325563"/>
+          </a:xfrm>
+        </p:spPr>
         <p:txBody>
           <a:bodyPr/>
           <a:lstStyle/>
           <a:p>
             <a:r>
               <a:rPr lang="en-GB" dirty="0"/>
-              <a:t>User Story #2</a:t>
+              <a:t>User Story: Fredrick Jones</a:t>
             </a:r>
           </a:p>
         </p:txBody>
@@ -3922,19 +3977,79 @@
             <p:ph idx="1"/>
           </p:nvPr>
         </p:nvSpPr>
-        <p:spPr/>
-        <p:txBody>
-          <a:bodyPr/>
-          <a:lstStyle/>
-          <a:p>
-            <a:endParaRPr lang="en-GB"/>
-          </a:p>
-        </p:txBody>
-      </p:sp>
+        <p:spPr>
+          <a:xfrm>
+            <a:off x="904052" y="2277180"/>
+            <a:ext cx="8333082" cy="1961857"/>
+          </a:xfrm>
+        </p:spPr>
+        <p:txBody>
+          <a:bodyPr vert="horz" lIns="91440" tIns="45720" rIns="91440" bIns="45720" rtlCol="0" anchor="t">
+            <a:noAutofit/>
+          </a:bodyPr>
+          <a:lstStyle/>
+          <a:p>
+            <a:pPr algn="just"/>
+            <a:r>
+              <a:rPr lang="en-GB" sz="1800" dirty="0">
+                <a:cs typeface="Calibri"/>
+              </a:rPr>
+              <a:t>As a new member of the Newcastle Upon Tyne community I would like somewhere to be able to go and surf as I have always wanted to try. I would also like to meet new people while doing so, this would allow me to build bigger circles as I currently only talk and interact with a handful of my course mates and flat mates. </a:t>
+            </a:r>
+            <a:br>
+              <a:rPr lang="en-GB" sz="1800" dirty="0">
+                <a:cs typeface="Calibri"/>
+              </a:rPr>
+            </a:br>
+            <a:endParaRPr lang="en-GB" sz="1800" dirty="0">
+              <a:cs typeface="Calibri"/>
+            </a:endParaRPr>
+          </a:p>
+          <a:p>
+            <a:pPr algn="just"/>
+            <a:r>
+              <a:rPr lang="en-GB" sz="1800" dirty="0">
+                <a:cs typeface="Calibri"/>
+              </a:rPr>
+              <a:t>I have also made friends with an Erasmus student from Portugal who is an avid surfer and wants to see what the north of England's beaches have to offer during his time in the UK. With this friend I would like to meet with other avid surfers from the UK to show him what us Brits have. </a:t>
+            </a:r>
+          </a:p>
+        </p:txBody>
+      </p:sp>
+      <p:pic>
+        <p:nvPicPr>
+          <p:cNvPr id="5" name="Picture 3">
+            <a:extLst>
+              <a:ext uri="{FF2B5EF4-FFF2-40B4-BE49-F238E27FC236}">
+                <a16:creationId xmlns:a16="http://schemas.microsoft.com/office/drawing/2014/main" id="{FCA740CB-2916-D949-5FFD-F5EF0E0B4984}"/>
+              </a:ext>
+            </a:extLst>
+          </p:cNvPr>
+          <p:cNvPicPr>
+            <a:picLocks noChangeAspect="1"/>
+          </p:cNvPicPr>
+          <p:nvPr/>
+        </p:nvPicPr>
+        <p:blipFill>
+          <a:blip r:embed="rId2"/>
+          <a:stretch>
+            <a:fillRect/>
+          </a:stretch>
+        </p:blipFill>
+        <p:spPr>
+          <a:xfrm>
+            <a:off x="9293973" y="2241299"/>
+            <a:ext cx="2628491" cy="2612104"/>
+          </a:xfrm>
+          <a:prstGeom prst="rect">
+            <a:avLst/>
+          </a:prstGeom>
+        </p:spPr>
+      </p:pic>
     </p:spTree>
     <p:extLst>
       <p:ext uri="{BB962C8B-B14F-4D97-AF65-F5344CB8AC3E}">
-        <p14:creationId xmlns:p14="http://schemas.microsoft.com/office/powerpoint/2010/main" val="4088695172"/>
+        <p14:creationId xmlns:p14="http://schemas.microsoft.com/office/powerpoint/2010/main" val="1852367479"/>
       </p:ext>
     </p:extLst>
   </p:cSld>
@@ -6644,6 +6759,129 @@
       </p:grpSpPr>
       <p:sp>
         <p:nvSpPr>
+          <p:cNvPr id="10" name="Title 1">
+            <a:extLst>
+              <a:ext uri="{FF2B5EF4-FFF2-40B4-BE49-F238E27FC236}">
+                <a16:creationId xmlns:a16="http://schemas.microsoft.com/office/drawing/2014/main" id="{C25BE1C6-A73A-F00E-BEBF-12712E3BCF31}"/>
+              </a:ext>
+            </a:extLst>
+          </p:cNvPr>
+          <p:cNvSpPr txBox="1">
+            <a:spLocks/>
+          </p:cNvSpPr>
+          <p:nvPr/>
+        </p:nvSpPr>
+        <p:spPr>
+          <a:xfrm>
+            <a:off x="9339308" y="2117325"/>
+            <a:ext cx="2852691" cy="4740673"/>
+          </a:xfrm>
+          <a:prstGeom prst="rect">
+            <a:avLst/>
+          </a:prstGeom>
+          <a:solidFill>
+            <a:srgbClr val="00B0F0"/>
+          </a:solidFill>
+        </p:spPr>
+        <p:txBody>
+          <a:bodyPr vert="horz" lIns="91440" tIns="45720" rIns="91440" bIns="45720" rtlCol="0" anchor="ctr">
+            <a:noAutofit/>
+          </a:bodyPr>
+          <a:lstStyle>
+            <a:lvl1pPr algn="l" defTabSz="914400" rtl="0" eaLnBrk="1" latinLnBrk="0" hangingPunct="1">
+              <a:lnSpc>
+                <a:spcPct val="90000"/>
+              </a:lnSpc>
+              <a:spcBef>
+                <a:spcPct val="0"/>
+              </a:spcBef>
+              <a:buNone/>
+              <a:defRPr sz="4400" kern="1200">
+                <a:solidFill>
+                  <a:schemeClr val="tx1"/>
+                </a:solidFill>
+                <a:latin typeface="+mj-lt"/>
+                <a:ea typeface="+mj-ea"/>
+                <a:cs typeface="+mj-cs"/>
+              </a:defRPr>
+            </a:lvl1pPr>
+          </a:lstStyle>
+          <a:p>
+            <a:endParaRPr lang="en-GB" sz="3600" b="1" dirty="0"/>
+          </a:p>
+        </p:txBody>
+      </p:sp>
+      <p:sp>
+        <p:nvSpPr>
+          <p:cNvPr id="22" name="TextBox 21">
+            <a:extLst>
+              <a:ext uri="{FF2B5EF4-FFF2-40B4-BE49-F238E27FC236}">
+                <a16:creationId xmlns:a16="http://schemas.microsoft.com/office/drawing/2014/main" id="{834B26B9-9EA5-0DA5-4341-AB63A4347D5D}"/>
+              </a:ext>
+            </a:extLst>
+          </p:cNvPr>
+          <p:cNvSpPr txBox="1"/>
+          <p:nvPr/>
+        </p:nvSpPr>
+        <p:spPr>
+          <a:xfrm>
+            <a:off x="9339306" y="2117325"/>
+            <a:ext cx="2852693" cy="2062103"/>
+          </a:xfrm>
+          <a:prstGeom prst="rect">
+            <a:avLst/>
+          </a:prstGeom>
+          <a:noFill/>
+        </p:spPr>
+        <p:txBody>
+          <a:bodyPr wrap="square" rtlCol="0">
+            <a:spAutoFit/>
+          </a:bodyPr>
+          <a:lstStyle/>
+          <a:p>
+            <a:r>
+              <a:rPr lang="en-GB" b="1" dirty="0"/>
+              <a:t>KNOWLEDGE AND SKILLS</a:t>
+            </a:r>
+          </a:p>
+          <a:p>
+            <a:endParaRPr lang="en-GB" sz="1200" dirty="0"/>
+          </a:p>
+          <a:p>
+            <a:r>
+              <a:rPr lang="en-GB" sz="1400" dirty="0"/>
+              <a:t>Interest in surfing</a:t>
+            </a:r>
+          </a:p>
+          <a:p>
+            <a:endParaRPr lang="en-GB" sz="1400" dirty="0"/>
+          </a:p>
+          <a:p>
+            <a:endParaRPr lang="en-GB" sz="1400" dirty="0"/>
+          </a:p>
+          <a:p>
+            <a:r>
+              <a:rPr lang="en-GB" sz="1400" dirty="0"/>
+              <a:t>Spontaneity</a:t>
+            </a:r>
+          </a:p>
+          <a:p>
+            <a:endParaRPr lang="en-GB" sz="1400" dirty="0"/>
+          </a:p>
+          <a:p>
+            <a:endParaRPr lang="en-GB" sz="1400" dirty="0"/>
+          </a:p>
+          <a:p>
+            <a:r>
+              <a:rPr lang="en-GB" sz="1400" dirty="0"/>
+              <a:t>Technology Literacy </a:t>
+            </a:r>
+            <a:endParaRPr lang="en-GB" sz="1200" dirty="0"/>
+          </a:p>
+        </p:txBody>
+      </p:sp>
+      <p:sp>
+        <p:nvSpPr>
           <p:cNvPr id="2" name="Title 1">
             <a:extLst>
               <a:ext uri="{FF2B5EF4-FFF2-40B4-BE49-F238E27FC236}">
@@ -6675,47 +6913,11 @@
           <a:p>
             <a:r>
               <a:rPr lang="en-GB" sz="3600" b="1" dirty="0"/>
-              <a:t>Persona #? –  Use this template if u want</a:t>
-            </a:r>
-          </a:p>
-        </p:txBody>
-      </p:sp>
-      <p:pic>
-        <p:nvPicPr>
-          <p:cNvPr id="5" name="Picture 4">
-            <a:extLst>
-              <a:ext uri="{FF2B5EF4-FFF2-40B4-BE49-F238E27FC236}">
-                <a16:creationId xmlns:a16="http://schemas.microsoft.com/office/drawing/2014/main" id="{FE4B4403-3364-6519-34BF-FCA6567742C3}"/>
-              </a:ext>
-            </a:extLst>
-          </p:cNvPr>
-          <p:cNvPicPr>
-            <a:picLocks noChangeAspect="1"/>
-          </p:cNvPicPr>
-          <p:nvPr/>
-        </p:nvPicPr>
-        <p:blipFill>
-          <a:blip r:embed="rId2">
-            <a:extLst>
-              <a:ext uri="{28A0092B-C50C-407E-A947-70E740481C1C}">
-                <a14:useLocalDpi xmlns:a14="http://schemas.microsoft.com/office/drawing/2010/main" val="0"/>
-              </a:ext>
-            </a:extLst>
-          </a:blip>
-          <a:stretch>
-            <a:fillRect/>
-          </a:stretch>
-        </p:blipFill>
-        <p:spPr>
-          <a:xfrm>
-            <a:off x="-1" y="612558"/>
-            <a:ext cx="2618913" cy="2618913"/>
-          </a:xfrm>
-          <a:prstGeom prst="rect">
-            <a:avLst/>
-          </a:prstGeom>
-        </p:spPr>
-      </p:pic>
+              <a:t>Persona Fredrick Jones</a:t>
+            </a:r>
+          </a:p>
+        </p:txBody>
+      </p:sp>
       <p:sp>
         <p:nvSpPr>
           <p:cNvPr id="8" name="Rectangle 7">
@@ -6822,60 +7024,6 @@
       </p:sp>
       <p:sp>
         <p:nvSpPr>
-          <p:cNvPr id="10" name="Title 1">
-            <a:extLst>
-              <a:ext uri="{FF2B5EF4-FFF2-40B4-BE49-F238E27FC236}">
-                <a16:creationId xmlns:a16="http://schemas.microsoft.com/office/drawing/2014/main" id="{C25BE1C6-A73A-F00E-BEBF-12712E3BCF31}"/>
-              </a:ext>
-            </a:extLst>
-          </p:cNvPr>
-          <p:cNvSpPr txBox="1">
-            <a:spLocks/>
-          </p:cNvSpPr>
-          <p:nvPr/>
-        </p:nvSpPr>
-        <p:spPr>
-          <a:xfrm>
-            <a:off x="9339308" y="2117325"/>
-            <a:ext cx="2852691" cy="4740673"/>
-          </a:xfrm>
-          <a:prstGeom prst="rect">
-            <a:avLst/>
-          </a:prstGeom>
-          <a:solidFill>
-            <a:srgbClr val="00B0F0"/>
-          </a:solidFill>
-        </p:spPr>
-        <p:txBody>
-          <a:bodyPr vert="horz" lIns="91440" tIns="45720" rIns="91440" bIns="45720" rtlCol="0" anchor="ctr">
-            <a:noAutofit/>
-          </a:bodyPr>
-          <a:lstStyle>
-            <a:lvl1pPr algn="l" defTabSz="914400" rtl="0" eaLnBrk="1" latinLnBrk="0" hangingPunct="1">
-              <a:lnSpc>
-                <a:spcPct val="90000"/>
-              </a:lnSpc>
-              <a:spcBef>
-                <a:spcPct val="0"/>
-              </a:spcBef>
-              <a:buNone/>
-              <a:defRPr sz="4400" kern="1200">
-                <a:solidFill>
-                  <a:schemeClr val="tx1"/>
-                </a:solidFill>
-                <a:latin typeface="+mj-lt"/>
-                <a:ea typeface="+mj-ea"/>
-                <a:cs typeface="+mj-cs"/>
-              </a:defRPr>
-            </a:lvl1pPr>
-          </a:lstStyle>
-          <a:p>
-            <a:endParaRPr lang="en-GB" sz="3600" b="1" dirty="0"/>
-          </a:p>
-        </p:txBody>
-      </p:sp>
-      <p:sp>
-        <p:nvSpPr>
           <p:cNvPr id="11" name="TextBox 10">
             <a:extLst>
               <a:ext uri="{FF2B5EF4-FFF2-40B4-BE49-F238E27FC236}">
@@ -6889,7 +7037,7 @@
         <p:spPr>
           <a:xfrm>
             <a:off x="2618912" y="875269"/>
-            <a:ext cx="9573087" cy="461665"/>
+            <a:ext cx="9573087" cy="830997"/>
           </a:xfrm>
           <a:prstGeom prst="rect">
             <a:avLst/>
@@ -6897,7 +7045,7 @@
           <a:noFill/>
         </p:spPr>
         <p:txBody>
-          <a:bodyPr wrap="square" rtlCol="0">
+          <a:bodyPr wrap="square" lIns="91440" tIns="45720" rIns="91440" bIns="45720" rtlCol="0" anchor="t">
             <a:spAutoFit/>
           </a:bodyPr>
           <a:lstStyle/>
@@ -6905,7 +7053,7 @@
             <a:pPr algn="ctr"/>
             <a:r>
               <a:rPr lang="en-GB" sz="2400" dirty="0"/>
-              <a:t>“Quote”</a:t>
+              <a:t>“My favourite way to spend my free time is on the beaches with my friends. Since moving to University, I have struggled to find a community. ”</a:t>
             </a:r>
           </a:p>
         </p:txBody>
@@ -6925,7 +7073,7 @@
         <p:spPr>
           <a:xfrm>
             <a:off x="9339307" y="4687410"/>
-            <a:ext cx="2852693" cy="369332"/>
+            <a:ext cx="2852693" cy="1446550"/>
           </a:xfrm>
           <a:prstGeom prst="rect">
             <a:avLst/>
@@ -6933,49 +7081,77 @@
           <a:noFill/>
         </p:spPr>
         <p:txBody>
-          <a:bodyPr wrap="square" rtlCol="0">
+          <a:bodyPr wrap="square" lIns="91440" tIns="45720" rIns="91440" bIns="45720" rtlCol="0" anchor="t">
             <a:spAutoFit/>
           </a:bodyPr>
           <a:lstStyle/>
           <a:p>
             <a:r>
               <a:rPr lang="en-GB" b="1" dirty="0"/>
-              <a:t>DEMOGRAPHICS</a:t>
-            </a:r>
-          </a:p>
-        </p:txBody>
-      </p:sp>
-      <p:sp>
-        <p:nvSpPr>
-          <p:cNvPr id="7" name="TextBox 6">
-            <a:extLst>
-              <a:ext uri="{FF2B5EF4-FFF2-40B4-BE49-F238E27FC236}">
-                <a16:creationId xmlns:a16="http://schemas.microsoft.com/office/drawing/2014/main" id="{1CC8FE20-9909-B70E-4BF3-1677B97E4E33}"/>
-              </a:ext>
-            </a:extLst>
-          </p:cNvPr>
-          <p:cNvSpPr txBox="1"/>
-          <p:nvPr/>
-        </p:nvSpPr>
-        <p:spPr>
-          <a:xfrm>
-            <a:off x="9339307" y="4687410"/>
-            <a:ext cx="2852693" cy="369332"/>
-          </a:xfrm>
-          <a:prstGeom prst="rect">
-            <a:avLst/>
-          </a:prstGeom>
-          <a:noFill/>
-        </p:spPr>
-        <p:txBody>
-          <a:bodyPr wrap="square" rtlCol="0">
-            <a:spAutoFit/>
-          </a:bodyPr>
-          <a:lstStyle/>
-          <a:p>
-            <a:r>
-              <a:rPr lang="en-GB" b="1" dirty="0"/>
-              <a:t>DEMOGRAPHICS</a:t>
+              <a:t>Technology Use</a:t>
+            </a:r>
+          </a:p>
+          <a:p>
+            <a:pPr marL="285750" indent="-285750">
+              <a:buFont typeface="Arial"/>
+              <a:buChar char="•"/>
+            </a:pPr>
+            <a:r>
+              <a:rPr lang="en-GB" sz="1400" dirty="0">
+                <a:cs typeface="Calibri"/>
+              </a:rPr>
+              <a:t>I-Phone XR</a:t>
+            </a:r>
+            <a:endParaRPr lang="en-GB">
+              <a:cs typeface="Calibri"/>
+            </a:endParaRPr>
+          </a:p>
+          <a:p>
+            <a:pPr marL="285750" indent="-285750">
+              <a:buFont typeface="Arial"/>
+              <a:buChar char="•"/>
+            </a:pPr>
+            <a:r>
+              <a:rPr lang="en-GB" sz="1400" dirty="0">
+                <a:cs typeface="Calibri"/>
+              </a:rPr>
+              <a:t>University Computers</a:t>
+            </a:r>
+          </a:p>
+          <a:p>
+            <a:pPr marL="285750" indent="-285750">
+              <a:buFont typeface="Arial"/>
+              <a:buChar char="•"/>
+            </a:pPr>
+            <a:r>
+              <a:rPr lang="en-GB" sz="1400" dirty="0">
+                <a:cs typeface="Calibri"/>
+              </a:rPr>
+              <a:t>I-Pad</a:t>
+            </a:r>
+          </a:p>
+          <a:p>
+            <a:pPr marL="285750" indent="-285750">
+              <a:buFont typeface="Arial"/>
+              <a:buChar char="•"/>
+            </a:pPr>
+            <a:r>
+              <a:rPr lang="en-GB" sz="1400" dirty="0">
+                <a:cs typeface="Calibri"/>
+              </a:rPr>
+              <a:t>MacBook Air 2016</a:t>
+            </a:r>
+          </a:p>
+          <a:p>
+            <a:pPr marL="285750" indent="-285750">
+              <a:buFont typeface="Arial"/>
+              <a:buChar char="•"/>
+            </a:pPr>
+            <a:r>
+              <a:rPr lang="en-GB" sz="1400" dirty="0">
+                <a:cs typeface="Calibri"/>
+              </a:rPr>
+              <a:t>Apple Watch</a:t>
             </a:r>
           </a:p>
         </p:txBody>
@@ -7049,7 +7225,7 @@
         <p:spPr>
           <a:xfrm>
             <a:off x="9619476" y="2897521"/>
-            <a:ext cx="1614875" cy="250855"/>
+            <a:ext cx="1822693" cy="250855"/>
           </a:xfrm>
           <a:prstGeom prst="rect">
             <a:avLst/>
@@ -7207,7 +7383,7 @@
         <p:spPr>
           <a:xfrm>
             <a:off x="9619475" y="3563985"/>
-            <a:ext cx="1614875" cy="250855"/>
+            <a:ext cx="1713197" cy="250855"/>
           </a:xfrm>
           <a:prstGeom prst="rect">
             <a:avLst/>
@@ -7365,7 +7541,7 @@
         <p:spPr>
           <a:xfrm>
             <a:off x="9619474" y="4197394"/>
-            <a:ext cx="1614875" cy="250855"/>
+            <a:ext cx="1876571" cy="243159"/>
           </a:xfrm>
           <a:prstGeom prst="rect">
             <a:avLst/>
@@ -7456,75 +7632,6 @@
       </p:sp>
       <p:sp>
         <p:nvSpPr>
-          <p:cNvPr id="22" name="TextBox 21">
-            <a:extLst>
-              <a:ext uri="{FF2B5EF4-FFF2-40B4-BE49-F238E27FC236}">
-                <a16:creationId xmlns:a16="http://schemas.microsoft.com/office/drawing/2014/main" id="{834B26B9-9EA5-0DA5-4341-AB63A4347D5D}"/>
-              </a:ext>
-            </a:extLst>
-          </p:cNvPr>
-          <p:cNvSpPr txBox="1"/>
-          <p:nvPr/>
-        </p:nvSpPr>
-        <p:spPr>
-          <a:xfrm>
-            <a:off x="9339306" y="2117325"/>
-            <a:ext cx="2852693" cy="2062103"/>
-          </a:xfrm>
-          <a:prstGeom prst="rect">
-            <a:avLst/>
-          </a:prstGeom>
-          <a:noFill/>
-        </p:spPr>
-        <p:txBody>
-          <a:bodyPr wrap="square" rtlCol="0">
-            <a:spAutoFit/>
-          </a:bodyPr>
-          <a:lstStyle/>
-          <a:p>
-            <a:r>
-              <a:rPr lang="en-GB" b="1" dirty="0"/>
-              <a:t>KNOWLEDGE AND SKILLS</a:t>
-            </a:r>
-          </a:p>
-          <a:p>
-            <a:endParaRPr lang="en-GB" sz="1200" dirty="0"/>
-          </a:p>
-          <a:p>
-            <a:r>
-              <a:rPr lang="en-GB" sz="1400" dirty="0"/>
-              <a:t>Interest in surfing</a:t>
-            </a:r>
-          </a:p>
-          <a:p>
-            <a:endParaRPr lang="en-GB" sz="1400" dirty="0"/>
-          </a:p>
-          <a:p>
-            <a:endParaRPr lang="en-GB" sz="1400" dirty="0"/>
-          </a:p>
-          <a:p>
-            <a:r>
-              <a:rPr lang="en-GB" sz="1400" dirty="0"/>
-              <a:t>Spontaneity</a:t>
-            </a:r>
-          </a:p>
-          <a:p>
-            <a:endParaRPr lang="en-GB" sz="1400" dirty="0"/>
-          </a:p>
-          <a:p>
-            <a:endParaRPr lang="en-GB" sz="1400" dirty="0"/>
-          </a:p>
-          <a:p>
-            <a:r>
-              <a:rPr lang="en-GB" sz="1400" dirty="0"/>
-              <a:t>Technology Literacy </a:t>
-            </a:r>
-            <a:endParaRPr lang="en-GB" sz="1200" dirty="0"/>
-          </a:p>
-        </p:txBody>
-      </p:sp>
-      <p:sp>
-        <p:nvSpPr>
           <p:cNvPr id="23" name="TextBox 22">
             <a:extLst>
               <a:ext uri="{FF2B5EF4-FFF2-40B4-BE49-F238E27FC236}">
@@ -7582,7 +7689,7 @@
         <p:spPr>
           <a:xfrm>
             <a:off x="2618910" y="2117325"/>
-            <a:ext cx="6720389" cy="4770537"/>
+            <a:ext cx="6720389" cy="5201424"/>
           </a:xfrm>
           <a:prstGeom prst="rect">
             <a:avLst/>
@@ -7590,24 +7697,34 @@
           <a:noFill/>
         </p:spPr>
         <p:txBody>
-          <a:bodyPr wrap="square" rtlCol="0">
+          <a:bodyPr wrap="square" lIns="91440" tIns="45720" rIns="91440" bIns="45720" rtlCol="0" anchor="t">
             <a:spAutoFit/>
           </a:bodyPr>
           <a:lstStyle/>
           <a:p>
             <a:r>
               <a:rPr lang="en-GB" sz="1600" b="1" dirty="0"/>
-              <a:t>About </a:t>
-            </a:r>
-            <a:r>
-              <a:rPr lang="en-GB" sz="1600" b="1" dirty="0">
-                <a:solidFill>
-                  <a:srgbClr val="FF0000"/>
-                </a:solidFill>
-              </a:rPr>
-              <a:t>???</a:t>
-            </a:r>
-            <a:endParaRPr lang="en-GB" sz="1600" dirty="0"/>
+              <a:t>About Fredrick</a:t>
+            </a:r>
+            <a:endParaRPr lang="en-GB" sz="1600" b="1">
+              <a:solidFill>
+                <a:srgbClr val="FF0000"/>
+              </a:solidFill>
+              <a:cs typeface="Calibri"/>
+            </a:endParaRPr>
+          </a:p>
+          <a:p>
+            <a:endParaRPr lang="en-GB" sz="1600" b="1" dirty="0"/>
+          </a:p>
+          <a:p>
+            <a:pPr algn="just"/>
+            <a:r>
+              <a:rPr lang="en-GB" sz="1400" dirty="0"/>
+              <a:t>Fredrick is a 21-year-old university student who studies full time and is part of the university lacrosse team. He is an outgoing and active person who thrives of human interaction and new situations. Fredrick enjoys the outdoors and hates being cooped up inside. He is a well-travelled individual who seeks new adventures. His course at university is suited to his interests and needs as he studies geology.</a:t>
+            </a:r>
+            <a:endParaRPr lang="en-GB" sz="1400" dirty="0">
+              <a:cs typeface="Calibri"/>
+            </a:endParaRPr>
           </a:p>
           <a:p>
             <a:pPr>
@@ -7616,83 +7733,47 @@
               </a:lnSpc>
             </a:pPr>
             <a:r>
-              <a:rPr lang="en-GB" sz="1600" dirty="0"/>
-              <a:t>Words</a:t>
-            </a:r>
-          </a:p>
-          <a:p>
-            <a:endParaRPr lang="en-GB" sz="1600" dirty="0"/>
-          </a:p>
-          <a:p>
-            <a:endParaRPr lang="en-GB" sz="1600" dirty="0"/>
-          </a:p>
-          <a:p>
-            <a:endParaRPr lang="en-GB" sz="1600" dirty="0"/>
+              <a:rPr lang="en-GB" sz="1600" b="1" dirty="0"/>
+              <a:t>What types of websites/apps does Fredrick use regularly?</a:t>
+            </a:r>
+            <a:endParaRPr lang="en-GB" sz="1600" dirty="0">
+              <a:cs typeface="Calibri" panose="020F0502020204030204"/>
+            </a:endParaRPr>
+          </a:p>
+          <a:p>
+            <a:r>
+              <a:rPr lang="en-GB" sz="1400" dirty="0">
+                <a:cs typeface="Calibri"/>
+              </a:rPr>
+              <a:t>Fredick frequents on social apps and websites such as Facebook, NU Connect, Twitter, Snapchat and Instagram. He also uses e-commerce websites such as amazon, ASOS and other clothing retailers. He utilises Amazon prime for TV shows and films and actively uses YouTube for shorter entertainment needs. For his active lifestyle Fredrick uses apps such as Strava to track his twice weekly 5km runs, and he uses IOS Health app to track his heart rate and steps.</a:t>
+            </a:r>
           </a:p>
           <a:p>
             <a:pPr>
               <a:lnSpc>
-                <a:spcPct val="200000"/>
+                <a:spcPct val="150000"/>
               </a:lnSpc>
             </a:pPr>
             <a:r>
               <a:rPr lang="en-GB" sz="1600" b="1" dirty="0"/>
-              <a:t>What types of websites does </a:t>
-            </a:r>
-            <a:r>
-              <a:rPr lang="en-GB" sz="1600" b="1" dirty="0">
-                <a:solidFill>
-                  <a:srgbClr val="FF0000"/>
-                </a:solidFill>
+              <a:t>Requirements</a:t>
+            </a:r>
+            <a:endParaRPr lang="en-GB" sz="1600" b="1">
+              <a:cs typeface="Calibri" panose="020F0502020204030204"/>
+            </a:endParaRPr>
+          </a:p>
+          <a:p>
+            <a:r>
+              <a:rPr lang="en-GB" sz="1400" dirty="0">
+                <a:cs typeface="Calibri" panose="020F0502020204030204"/>
               </a:rPr>
-              <a:t>???</a:t>
-            </a:r>
-            <a:r>
-              <a:rPr lang="en-GB" sz="1600" b="1" dirty="0"/>
-              <a:t> use regularly?</a:t>
-            </a:r>
-            <a:endParaRPr lang="en-GB" sz="1600" dirty="0"/>
-          </a:p>
-          <a:p>
-            <a:pPr>
-              <a:lnSpc>
-                <a:spcPct val="200000"/>
-              </a:lnSpc>
-            </a:pPr>
-            <a:r>
-              <a:rPr lang="en-GB" sz="1600" dirty="0"/>
-              <a:t>Words</a:t>
-            </a:r>
-          </a:p>
-          <a:p>
-            <a:endParaRPr lang="en-GB" sz="1600" dirty="0"/>
-          </a:p>
-          <a:p>
-            <a:endParaRPr lang="en-GB" sz="1600" dirty="0"/>
-          </a:p>
-          <a:p>
-            <a:endParaRPr lang="en-GB" sz="1600" dirty="0"/>
-          </a:p>
-          <a:p>
-            <a:r>
-              <a:rPr lang="en-GB" sz="1600" b="1" dirty="0"/>
-              <a:t>Requirements</a:t>
-            </a:r>
-            <a:endParaRPr lang="en-GB" sz="1600" dirty="0"/>
-          </a:p>
-          <a:p>
-            <a:pPr>
-              <a:lnSpc>
-                <a:spcPct val="200000"/>
-              </a:lnSpc>
-            </a:pPr>
-            <a:r>
-              <a:rPr lang="en-GB" sz="1600" dirty="0"/>
-              <a:t>Words</a:t>
-            </a:r>
-          </a:p>
-          <a:p>
-            <a:endParaRPr lang="en-GB" sz="1600" dirty="0"/>
+              <a:t>Fredrick requires a site which is not too dissimilar to the ones he currently uses, therefore they need to be simplistic and intuitive allowing a simple signing in and up process and the information gain from the site to not be too heavy in information.</a:t>
+            </a:r>
+          </a:p>
+          <a:p>
+            <a:endParaRPr lang="en-GB" sz="1600" dirty="0">
+              <a:cs typeface="Calibri" panose="020F0502020204030204"/>
+            </a:endParaRPr>
           </a:p>
           <a:p>
             <a:endParaRPr lang="en-GB" sz="1600" dirty="0"/>
@@ -7717,17 +7798,11 @@
           <p:cNvGraphicFramePr>
             <a:graphicFrameLocks noGrp="1"/>
           </p:cNvGraphicFramePr>
-          <p:nvPr>
-            <p:extLst>
-              <p:ext uri="{D42A27DB-BD31-4B8C-83A1-F6EECF244321}">
-                <p14:modId xmlns:p14="http://schemas.microsoft.com/office/powerpoint/2010/main" val="1122835114"/>
-              </p:ext>
-            </p:extLst>
-          </p:nvPr>
+          <p:nvPr/>
         </p:nvGraphicFramePr>
         <p:xfrm>
-          <a:off x="9400491" y="5023449"/>
-          <a:ext cx="2730316" cy="1700340"/>
+          <a:off x="16387" y="4219677"/>
+          <a:ext cx="2623788" cy="1859887"/>
         </p:xfrm>
         <a:graphic>
           <a:graphicData uri="http://schemas.openxmlformats.org/drawingml/2006/table">
@@ -7736,14 +7811,14 @@
                 <a:tableStyleId>{2D5ABB26-0587-4C30-8999-92F81FD0307C}</a:tableStyleId>
               </a:tblPr>
               <a:tblGrid>
-                <a:gridCol w="1365158">
+                <a:gridCol w="1343741">
                   <a:extLst>
                     <a:ext uri="{9D8B030D-6E8A-4147-A177-3AD203B41FA5}">
                       <a16:colId xmlns:a16="http://schemas.microsoft.com/office/drawing/2014/main" val="2141065019"/>
                     </a:ext>
                   </a:extLst>
                 </a:gridCol>
-                <a:gridCol w="1365158">
+                <a:gridCol w="1280047">
                   <a:extLst>
                     <a:ext uri="{9D8B030D-6E8A-4147-A177-3AD203B41FA5}">
                       <a16:colId xmlns:a16="http://schemas.microsoft.com/office/drawing/2014/main" val="810099458"/>
@@ -7751,7 +7826,7 @@
                   </a:extLst>
                 </a:gridCol>
               </a:tblGrid>
-              <a:tr h="425085">
+              <a:tr h="415082">
                 <a:tc>
                   <a:txBody>
                     <a:bodyPr/>
@@ -7770,14 +7845,16 @@
                     <a:bodyPr/>
                     <a:lstStyle/>
                     <a:p>
-                      <a:pPr algn="ctr"/>
+                      <a:pPr lvl="0" algn="ctr">
+                        <a:buNone/>
+                      </a:pPr>
                       <a:r>
-                        <a:rPr lang="en-GB" dirty="0">
+                        <a:rPr lang="en-GB" sz="1400" dirty="0">
                           <a:solidFill>
                             <a:srgbClr val="FF0000"/>
                           </a:solidFill>
                         </a:rPr>
-                        <a:t>???</a:t>
+                        <a:t>20</a:t>
                       </a:r>
                     </a:p>
                   </a:txBody>
@@ -7789,7 +7866,7 @@
                   </a:ext>
                 </a:extLst>
               </a:tr>
-              <a:tr h="425085">
+              <a:tr h="614641">
                 <a:tc>
                   <a:txBody>
                     <a:bodyPr/>
@@ -7810,12 +7887,12 @@
                     <a:p>
                       <a:pPr algn="ctr"/>
                       <a:r>
-                        <a:rPr lang="en-GB" dirty="0">
+                        <a:rPr lang="en-GB" sz="1400" dirty="0">
                           <a:solidFill>
                             <a:srgbClr val="FF0000"/>
                           </a:solidFill>
                         </a:rPr>
-                        <a:t>???</a:t>
+                        <a:t>Bachelors Student</a:t>
                       </a:r>
                     </a:p>
                   </a:txBody>
@@ -7827,7 +7904,7 @@
                   </a:ext>
                 </a:extLst>
               </a:tr>
-              <a:tr h="425085">
+              <a:tr h="415082">
                 <a:tc>
                   <a:txBody>
                     <a:bodyPr/>
@@ -7835,7 +7912,7 @@
                     <a:p>
                       <a:r>
                         <a:rPr lang="en-GB" sz="1600" dirty="0"/>
-                        <a:t>Job:</a:t>
+                        <a:t>University:</a:t>
                       </a:r>
                     </a:p>
                   </a:txBody>
@@ -7846,20 +7923,17 @@
                     <a:bodyPr/>
                     <a:lstStyle/>
                     <a:p>
-                      <a:pPr algn="ctr"/>
+                      <a:pPr lvl="0" algn="ctr">
+                        <a:buNone/>
+                      </a:pPr>
                       <a:r>
-                        <a:rPr lang="en-GB" sz="1600" dirty="0">
+                        <a:rPr lang="en-GB" sz="1400" dirty="0">
                           <a:solidFill>
                             <a:srgbClr val="FF0000"/>
                           </a:solidFill>
                         </a:rPr>
-                        <a:t>???</a:t>
+                        <a:t>Northumbria</a:t>
                       </a:r>
-                      <a:endParaRPr lang="en-GB" sz="1400" dirty="0">
-                        <a:solidFill>
-                          <a:srgbClr val="FF0000"/>
-                        </a:solidFill>
-                      </a:endParaRPr>
                     </a:p>
                   </a:txBody>
                   <a:tcPr/>
@@ -7870,7 +7944,7 @@
                   </a:ext>
                 </a:extLst>
               </a:tr>
-              <a:tr h="425085">
+              <a:tr h="415082">
                 <a:tc>
                   <a:txBody>
                     <a:bodyPr/>
@@ -7891,12 +7965,12 @@
                     <a:p>
                       <a:pPr algn="ctr"/>
                       <a:r>
-                        <a:rPr lang="en-GB" dirty="0">
+                        <a:rPr lang="en-GB" sz="1400" dirty="0">
                           <a:solidFill>
                             <a:srgbClr val="FF0000"/>
                           </a:solidFill>
                         </a:rPr>
-                        <a:t>???</a:t>
+                        <a:t>£</a:t>
                       </a:r>
                     </a:p>
                   </a:txBody>
@@ -7912,10 +7986,40 @@
           </a:graphicData>
         </a:graphic>
       </p:graphicFrame>
+      <p:pic>
+        <p:nvPicPr>
+          <p:cNvPr id="3" name="Picture 3">
+            <a:extLst>
+              <a:ext uri="{FF2B5EF4-FFF2-40B4-BE49-F238E27FC236}">
+                <a16:creationId xmlns:a16="http://schemas.microsoft.com/office/drawing/2014/main" id="{A1437899-670A-188B-8C7E-B125C32EB04F}"/>
+              </a:ext>
+            </a:extLst>
+          </p:cNvPr>
+          <p:cNvPicPr>
+            <a:picLocks noChangeAspect="1"/>
+          </p:cNvPicPr>
+          <p:nvPr/>
+        </p:nvPicPr>
+        <p:blipFill>
+          <a:blip r:embed="rId2"/>
+          <a:stretch>
+            <a:fillRect/>
+          </a:stretch>
+        </p:blipFill>
+        <p:spPr>
+          <a:xfrm>
+            <a:off x="-3277" y="615335"/>
+            <a:ext cx="2628491" cy="2612104"/>
+          </a:xfrm>
+          <a:prstGeom prst="rect">
+            <a:avLst/>
+          </a:prstGeom>
+        </p:spPr>
+      </p:pic>
     </p:spTree>
     <p:extLst>
       <p:ext uri="{BB962C8B-B14F-4D97-AF65-F5344CB8AC3E}">
-        <p14:creationId xmlns:p14="http://schemas.microsoft.com/office/powerpoint/2010/main" val="2943516946"/>
+        <p14:creationId xmlns:p14="http://schemas.microsoft.com/office/powerpoint/2010/main" val="2976952910"/>
       </p:ext>
     </p:extLst>
   </p:cSld>
